--- a/Slides/20. Instrução de Desvio If.pptx
+++ b/Slides/20. Instrução de Desvio If.pptx
@@ -13,12 +13,12 @@
     <p:sldId id="328" r:id="rId4"/>
     <p:sldId id="258" r:id="rId5"/>
     <p:sldId id="259" r:id="rId6"/>
-    <p:sldId id="260" r:id="rId7"/>
+    <p:sldId id="329" r:id="rId7"/>
     <p:sldId id="261" r:id="rId8"/>
     <p:sldId id="262" r:id="rId9"/>
     <p:sldId id="263" r:id="rId10"/>
     <p:sldId id="264" r:id="rId11"/>
-    <p:sldId id="265" r:id="rId12"/>
+    <p:sldId id="330" r:id="rId12"/>
     <p:sldId id="266" r:id="rId13"/>
     <p:sldId id="267" r:id="rId14"/>
     <p:sldId id="268" r:id="rId15"/>
@@ -146,6 +146,14 @@
 </p:presentation>
 </file>
 
+<file path=ppt/revisionInfo.xml><?xml version="1.0" encoding="utf-8"?>
+<p1510:revInfo xmlns:a="http://schemas.openxmlformats.org/drawingml/2006/main" xmlns:r="http://schemas.openxmlformats.org/officeDocument/2006/relationships" xmlns:p1510="http://schemas.microsoft.com/office/powerpoint/2015/10/main">
+  <p1510:revLst>
+    <p1510:client id="{92A88429-C108-47A7-B66C-B156D04CD5B9}" v="87" dt="2021-05-13T21:34:55.463"/>
+  </p1510:revLst>
+</p1510:revInfo>
+</file>
+
 <file path=ppt/changesInfos/changesInfo1.xml><?xml version="1.0" encoding="utf-8"?>
 <pc:chgInfo xmlns:a="http://schemas.openxmlformats.org/drawingml/2006/main" xmlns:r="http://schemas.openxmlformats.org/officeDocument/2006/relationships" xmlns:ac="http://schemas.microsoft.com/office/drawing/2013/main/command" xmlns:pc="http://schemas.microsoft.com/office/powerpoint/2013/main/command">
   <pc:docChgLst>
@@ -173,9 +181,6 @@
     </pc:docChg>
   </pc:docChgLst>
   <pc:docChgLst>
-    <pc:chgData name="Judson Santiago" userId="ebb108da2f256286" providerId="LiveId" clId="{7A7E9056-5151-4853-815C-CC454923D227}"/>
-  </pc:docChgLst>
-  <pc:docChgLst>
     <pc:chgData name="Judson Santiago" userId="ebb108da2f256286" providerId="LiveId" clId="{0EA59581-3BAC-4CA4-ADE1-2FB1B9789D9D}"/>
     <pc:docChg chg="undo custSel modSld">
       <pc:chgData name="Judson Santiago" userId="ebb108da2f256286" providerId="LiveId" clId="{0EA59581-3BAC-4CA4-ADE1-2FB1B9789D9D}" dt="2019-12-05T23:26:39.548" v="13" actId="20577"/>
@@ -230,7 +235,1926 @@
     </pc:docChg>
   </pc:docChgLst>
   <pc:docChgLst>
-    <pc:chgData name="Judson Santiago" userId="ebb108da2f256286" providerId="LiveId" clId="{B8B23775-B636-4FD4-ABD5-48E810596167}"/>
+    <pc:chgData name="Judson Santiago" userId="ebb108da2f256286" providerId="LiveId" clId="{92A88429-C108-47A7-B66C-B156D04CD5B9}"/>
+    <pc:docChg chg="undo redo custSel addSld delSld modSld modMainMaster">
+      <pc:chgData name="Judson Santiago" userId="ebb108da2f256286" providerId="LiveId" clId="{92A88429-C108-47A7-B66C-B156D04CD5B9}" dt="2021-05-13T21:41:08.774" v="951" actId="20577"/>
+      <pc:docMkLst>
+        <pc:docMk/>
+      </pc:docMkLst>
+      <pc:sldChg chg="modNotesTx">
+        <pc:chgData name="Judson Santiago" userId="ebb108da2f256286" providerId="LiveId" clId="{92A88429-C108-47A7-B66C-B156D04CD5B9}" dt="2021-05-13T19:27:10.315" v="208" actId="6549"/>
+        <pc:sldMkLst>
+          <pc:docMk/>
+          <pc:sldMk cId="0" sldId="256"/>
+        </pc:sldMkLst>
+      </pc:sldChg>
+      <pc:sldChg chg="addSp delSp modSp mod">
+        <pc:chgData name="Judson Santiago" userId="ebb108da2f256286" providerId="LiveId" clId="{92A88429-C108-47A7-B66C-B156D04CD5B9}" dt="2021-05-13T19:22:47.756" v="205" actId="164"/>
+        <pc:sldMkLst>
+          <pc:docMk/>
+          <pc:sldMk cId="0" sldId="257"/>
+        </pc:sldMkLst>
+        <pc:spChg chg="add del mod">
+          <ac:chgData name="Judson Santiago" userId="ebb108da2f256286" providerId="LiveId" clId="{92A88429-C108-47A7-B66C-B156D04CD5B9}" dt="2021-05-13T19:19:50.160" v="150" actId="478"/>
+          <ac:spMkLst>
+            <pc:docMk/>
+            <pc:sldMk cId="0" sldId="257"/>
+            <ac:spMk id="29" creationId="{07AF3D45-1CC0-409C-A66E-1EAB6A1161FA}"/>
+          </ac:spMkLst>
+        </pc:spChg>
+        <pc:spChg chg="add del mod">
+          <ac:chgData name="Judson Santiago" userId="ebb108da2f256286" providerId="LiveId" clId="{92A88429-C108-47A7-B66C-B156D04CD5B9}" dt="2021-05-13T19:22:10.436" v="188" actId="478"/>
+          <ac:spMkLst>
+            <pc:docMk/>
+            <pc:sldMk cId="0" sldId="257"/>
+            <ac:spMk id="38" creationId="{56D95FD4-0DCF-487C-8E81-5084910856F7}"/>
+          </ac:spMkLst>
+        </pc:spChg>
+        <pc:spChg chg="mod">
+          <ac:chgData name="Judson Santiago" userId="ebb108da2f256286" providerId="LiveId" clId="{92A88429-C108-47A7-B66C-B156D04CD5B9}" dt="2021-05-13T19:07:28.735" v="5"/>
+          <ac:spMkLst>
+            <pc:docMk/>
+            <pc:sldMk cId="0" sldId="257"/>
+            <ac:spMk id="49" creationId="{26A81122-5175-4370-9456-361CC072FE52}"/>
+          </ac:spMkLst>
+        </pc:spChg>
+        <pc:spChg chg="mod">
+          <ac:chgData name="Judson Santiago" userId="ebb108da2f256286" providerId="LiveId" clId="{92A88429-C108-47A7-B66C-B156D04CD5B9}" dt="2021-05-13T19:07:28.735" v="5"/>
+          <ac:spMkLst>
+            <pc:docMk/>
+            <pc:sldMk cId="0" sldId="257"/>
+            <ac:spMk id="51" creationId="{F882FC1E-2E6B-4860-B5A8-535550BDDDDB}"/>
+          </ac:spMkLst>
+        </pc:spChg>
+        <pc:spChg chg="mod topLvl">
+          <ac:chgData name="Judson Santiago" userId="ebb108da2f256286" providerId="LiveId" clId="{92A88429-C108-47A7-B66C-B156D04CD5B9}" dt="2021-05-13T19:22:47.756" v="205" actId="164"/>
+          <ac:spMkLst>
+            <pc:docMk/>
+            <pc:sldMk cId="0" sldId="257"/>
+            <ac:spMk id="61" creationId="{4575BBBD-7280-437F-BF7C-120785943671}"/>
+          </ac:spMkLst>
+        </pc:spChg>
+        <pc:spChg chg="mod">
+          <ac:chgData name="Judson Santiago" userId="ebb108da2f256286" providerId="LiveId" clId="{92A88429-C108-47A7-B66C-B156D04CD5B9}" dt="2021-05-13T19:07:28.735" v="5"/>
+          <ac:spMkLst>
+            <pc:docMk/>
+            <pc:sldMk cId="0" sldId="257"/>
+            <ac:spMk id="71" creationId="{84D7597F-F6F7-4944-90B9-AFA41139404B}"/>
+          </ac:spMkLst>
+        </pc:spChg>
+        <pc:spChg chg="mod">
+          <ac:chgData name="Judson Santiago" userId="ebb108da2f256286" providerId="LiveId" clId="{92A88429-C108-47A7-B66C-B156D04CD5B9}" dt="2021-05-13T19:07:28.735" v="5"/>
+          <ac:spMkLst>
+            <pc:docMk/>
+            <pc:sldMk cId="0" sldId="257"/>
+            <ac:spMk id="73" creationId="{A1F1B144-16D8-4353-AAA8-A1E3D39BCAC7}"/>
+          </ac:spMkLst>
+        </pc:spChg>
+        <pc:spChg chg="mod">
+          <ac:chgData name="Judson Santiago" userId="ebb108da2f256286" providerId="LiveId" clId="{92A88429-C108-47A7-B66C-B156D04CD5B9}" dt="2021-05-13T19:07:28.735" v="5"/>
+          <ac:spMkLst>
+            <pc:docMk/>
+            <pc:sldMk cId="0" sldId="257"/>
+            <ac:spMk id="74" creationId="{269AC565-6494-4AE8-BD5B-69336DA36D1F}"/>
+          </ac:spMkLst>
+        </pc:spChg>
+        <pc:spChg chg="mod">
+          <ac:chgData name="Judson Santiago" userId="ebb108da2f256286" providerId="LiveId" clId="{92A88429-C108-47A7-B66C-B156D04CD5B9}" dt="2021-05-13T19:07:28.735" v="5"/>
+          <ac:spMkLst>
+            <pc:docMk/>
+            <pc:sldMk cId="0" sldId="257"/>
+            <ac:spMk id="76" creationId="{540729AD-C580-4B9E-A7E7-9BA33043F25B}"/>
+          </ac:spMkLst>
+        </pc:spChg>
+        <pc:spChg chg="mod">
+          <ac:chgData name="Judson Santiago" userId="ebb108da2f256286" providerId="LiveId" clId="{92A88429-C108-47A7-B66C-B156D04CD5B9}" dt="2021-05-13T19:07:28.735" v="5"/>
+          <ac:spMkLst>
+            <pc:docMk/>
+            <pc:sldMk cId="0" sldId="257"/>
+            <ac:spMk id="85" creationId="{D033F81B-F8F9-430B-B92E-77144AD302E7}"/>
+          </ac:spMkLst>
+        </pc:spChg>
+        <pc:spChg chg="mod">
+          <ac:chgData name="Judson Santiago" userId="ebb108da2f256286" providerId="LiveId" clId="{92A88429-C108-47A7-B66C-B156D04CD5B9}" dt="2021-05-13T19:07:28.735" v="5"/>
+          <ac:spMkLst>
+            <pc:docMk/>
+            <pc:sldMk cId="0" sldId="257"/>
+            <ac:spMk id="87" creationId="{660A9D55-749C-4893-B05F-B4993D4D2B81}"/>
+          </ac:spMkLst>
+        </pc:spChg>
+        <pc:spChg chg="mod">
+          <ac:chgData name="Judson Santiago" userId="ebb108da2f256286" providerId="LiveId" clId="{92A88429-C108-47A7-B66C-B156D04CD5B9}" dt="2021-05-13T19:07:28.735" v="5"/>
+          <ac:spMkLst>
+            <pc:docMk/>
+            <pc:sldMk cId="0" sldId="257"/>
+            <ac:spMk id="90" creationId="{A984006F-0A8B-43E3-A3D4-06928843BB58}"/>
+          </ac:spMkLst>
+        </pc:spChg>
+        <pc:spChg chg="mod">
+          <ac:chgData name="Judson Santiago" userId="ebb108da2f256286" providerId="LiveId" clId="{92A88429-C108-47A7-B66C-B156D04CD5B9}" dt="2021-05-13T19:07:28.735" v="5"/>
+          <ac:spMkLst>
+            <pc:docMk/>
+            <pc:sldMk cId="0" sldId="257"/>
+            <ac:spMk id="98" creationId="{40B6C503-AB31-4A3C-8133-7F83710A8626}"/>
+          </ac:spMkLst>
+        </pc:spChg>
+        <pc:spChg chg="mod">
+          <ac:chgData name="Judson Santiago" userId="ebb108da2f256286" providerId="LiveId" clId="{92A88429-C108-47A7-B66C-B156D04CD5B9}" dt="2021-05-13T19:07:28.735" v="5"/>
+          <ac:spMkLst>
+            <pc:docMk/>
+            <pc:sldMk cId="0" sldId="257"/>
+            <ac:spMk id="99" creationId="{040D0F99-0FB1-4811-9003-763A5B8F37D7}"/>
+          </ac:spMkLst>
+        </pc:spChg>
+        <pc:spChg chg="mod">
+          <ac:chgData name="Judson Santiago" userId="ebb108da2f256286" providerId="LiveId" clId="{92A88429-C108-47A7-B66C-B156D04CD5B9}" dt="2021-05-13T19:07:28.735" v="5"/>
+          <ac:spMkLst>
+            <pc:docMk/>
+            <pc:sldMk cId="0" sldId="257"/>
+            <ac:spMk id="100" creationId="{0234C3DD-7440-4DE2-8CBB-6619F356403F}"/>
+          </ac:spMkLst>
+        </pc:spChg>
+        <pc:spChg chg="add del mod">
+          <ac:chgData name="Judson Santiago" userId="ebb108da2f256286" providerId="LiveId" clId="{92A88429-C108-47A7-B66C-B156D04CD5B9}" dt="2021-05-13T19:19:50.160" v="150" actId="478"/>
+          <ac:spMkLst>
+            <pc:docMk/>
+            <pc:sldMk cId="0" sldId="257"/>
+            <ac:spMk id="101" creationId="{432D7015-DCA6-4F97-98F5-337B2E9A0A0A}"/>
+          </ac:spMkLst>
+        </pc:spChg>
+        <pc:spChg chg="add del mod">
+          <ac:chgData name="Judson Santiago" userId="ebb108da2f256286" providerId="LiveId" clId="{92A88429-C108-47A7-B66C-B156D04CD5B9}" dt="2021-05-13T19:22:10.436" v="188" actId="478"/>
+          <ac:spMkLst>
+            <pc:docMk/>
+            <pc:sldMk cId="0" sldId="257"/>
+            <ac:spMk id="103" creationId="{246E0173-F6D9-4454-B70C-EC90CBF9767B}"/>
+          </ac:spMkLst>
+        </pc:spChg>
+        <pc:grpChg chg="add mod">
+          <ac:chgData name="Judson Santiago" userId="ebb108da2f256286" providerId="LiveId" clId="{92A88429-C108-47A7-B66C-B156D04CD5B9}" dt="2021-05-13T19:22:47.756" v="205" actId="164"/>
+          <ac:grpSpMkLst>
+            <pc:docMk/>
+            <pc:sldMk cId="0" sldId="257"/>
+            <ac:grpSpMk id="45" creationId="{18F41846-6F3F-4C3D-9C8E-4153ECBEC53E}"/>
+          </ac:grpSpMkLst>
+        </pc:grpChg>
+        <pc:grpChg chg="del">
+          <ac:chgData name="Judson Santiago" userId="ebb108da2f256286" providerId="LiveId" clId="{92A88429-C108-47A7-B66C-B156D04CD5B9}" dt="2021-05-13T19:20:46.124" v="158" actId="165"/>
+          <ac:grpSpMkLst>
+            <pc:docMk/>
+            <pc:sldMk cId="0" sldId="257"/>
+            <ac:grpSpMk id="46" creationId="{27C29108-8573-48A2-82B3-0756F76B34EB}"/>
+          </ac:grpSpMkLst>
+        </pc:grpChg>
+        <pc:grpChg chg="add del mod">
+          <ac:chgData name="Judson Santiago" userId="ebb108da2f256286" providerId="LiveId" clId="{92A88429-C108-47A7-B66C-B156D04CD5B9}" dt="2021-05-13T19:07:57.670" v="7" actId="21"/>
+          <ac:grpSpMkLst>
+            <pc:docMk/>
+            <pc:sldMk cId="0" sldId="257"/>
+            <ac:grpSpMk id="48" creationId="{A21BBE46-FF34-42F3-8C7D-2C5E5D899F34}"/>
+          </ac:grpSpMkLst>
+        </pc:grpChg>
+        <pc:grpChg chg="mod">
+          <ac:chgData name="Judson Santiago" userId="ebb108da2f256286" providerId="LiveId" clId="{92A88429-C108-47A7-B66C-B156D04CD5B9}" dt="2021-05-13T19:07:28.735" v="5"/>
+          <ac:grpSpMkLst>
+            <pc:docMk/>
+            <pc:sldMk cId="0" sldId="257"/>
+            <ac:grpSpMk id="50" creationId="{4CB51C9F-5795-47FB-9A76-B5D902D86791}"/>
+          </ac:grpSpMkLst>
+        </pc:grpChg>
+        <pc:grpChg chg="add del mod">
+          <ac:chgData name="Judson Santiago" userId="ebb108da2f256286" providerId="LiveId" clId="{92A88429-C108-47A7-B66C-B156D04CD5B9}" dt="2021-05-13T19:07:57.670" v="7" actId="21"/>
+          <ac:grpSpMkLst>
+            <pc:docMk/>
+            <pc:sldMk cId="0" sldId="257"/>
+            <ac:grpSpMk id="70" creationId="{BDE02B74-7BA0-4ABE-8111-F8986596E823}"/>
+          </ac:grpSpMkLst>
+        </pc:grpChg>
+        <pc:grpChg chg="mod">
+          <ac:chgData name="Judson Santiago" userId="ebb108da2f256286" providerId="LiveId" clId="{92A88429-C108-47A7-B66C-B156D04CD5B9}" dt="2021-05-13T19:07:28.735" v="5"/>
+          <ac:grpSpMkLst>
+            <pc:docMk/>
+            <pc:sldMk cId="0" sldId="257"/>
+            <ac:grpSpMk id="72" creationId="{7AFA0802-BE87-425B-9FED-68F04DE84688}"/>
+          </ac:grpSpMkLst>
+        </pc:grpChg>
+        <pc:grpChg chg="add del mod">
+          <ac:chgData name="Judson Santiago" userId="ebb108da2f256286" providerId="LiveId" clId="{92A88429-C108-47A7-B66C-B156D04CD5B9}" dt="2021-05-13T19:07:57.670" v="7" actId="21"/>
+          <ac:grpSpMkLst>
+            <pc:docMk/>
+            <pc:sldMk cId="0" sldId="257"/>
+            <ac:grpSpMk id="86" creationId="{07308EEC-CBC9-41DB-B902-E56E248C765C}"/>
+          </ac:grpSpMkLst>
+        </pc:grpChg>
+        <pc:grpChg chg="mod">
+          <ac:chgData name="Judson Santiago" userId="ebb108da2f256286" providerId="LiveId" clId="{92A88429-C108-47A7-B66C-B156D04CD5B9}" dt="2021-05-13T19:07:28.735" v="5"/>
+          <ac:grpSpMkLst>
+            <pc:docMk/>
+            <pc:sldMk cId="0" sldId="257"/>
+            <ac:grpSpMk id="88" creationId="{23F8E4E2-9068-4674-B8FE-68B44BCA8C16}"/>
+          </ac:grpSpMkLst>
+        </pc:grpChg>
+        <pc:grpChg chg="mod">
+          <ac:chgData name="Judson Santiago" userId="ebb108da2f256286" providerId="LiveId" clId="{92A88429-C108-47A7-B66C-B156D04CD5B9}" dt="2021-05-13T19:07:28.735" v="5"/>
+          <ac:grpSpMkLst>
+            <pc:docMk/>
+            <pc:sldMk cId="0" sldId="257"/>
+            <ac:grpSpMk id="89" creationId="{B6AD6A43-5BFD-4552-8160-58C7540D07C7}"/>
+          </ac:grpSpMkLst>
+        </pc:grpChg>
+        <pc:cxnChg chg="mod">
+          <ac:chgData name="Judson Santiago" userId="ebb108da2f256286" providerId="LiveId" clId="{92A88429-C108-47A7-B66C-B156D04CD5B9}" dt="2021-05-13T19:16:59.897" v="134" actId="1582"/>
+          <ac:cxnSpMkLst>
+            <pc:docMk/>
+            <pc:sldMk cId="0" sldId="257"/>
+            <ac:cxnSpMk id="5" creationId="{BC07198E-8BFD-4783-A826-ED0A04A90BD6}"/>
+          </ac:cxnSpMkLst>
+        </pc:cxnChg>
+        <pc:cxnChg chg="mod">
+          <ac:chgData name="Judson Santiago" userId="ebb108da2f256286" providerId="LiveId" clId="{92A88429-C108-47A7-B66C-B156D04CD5B9}" dt="2021-05-13T19:16:59.897" v="134" actId="1582"/>
+          <ac:cxnSpMkLst>
+            <pc:docMk/>
+            <pc:sldMk cId="0" sldId="257"/>
+            <ac:cxnSpMk id="11" creationId="{49B0A0AA-4D59-4E82-B55B-CFF299E1B6EE}"/>
+          </ac:cxnSpMkLst>
+        </pc:cxnChg>
+        <pc:cxnChg chg="mod">
+          <ac:chgData name="Judson Santiago" userId="ebb108da2f256286" providerId="LiveId" clId="{92A88429-C108-47A7-B66C-B156D04CD5B9}" dt="2021-05-13T19:17:36.761" v="136" actId="692"/>
+          <ac:cxnSpMkLst>
+            <pc:docMk/>
+            <pc:sldMk cId="0" sldId="257"/>
+            <ac:cxnSpMk id="15" creationId="{5D07C467-54E0-4FE7-8ACB-D71E888AD980}"/>
+          </ac:cxnSpMkLst>
+        </pc:cxnChg>
+        <pc:cxnChg chg="mod">
+          <ac:chgData name="Judson Santiago" userId="ebb108da2f256286" providerId="LiveId" clId="{92A88429-C108-47A7-B66C-B156D04CD5B9}" dt="2021-05-13T19:17:36.761" v="136" actId="692"/>
+          <ac:cxnSpMkLst>
+            <pc:docMk/>
+            <pc:sldMk cId="0" sldId="257"/>
+            <ac:cxnSpMk id="20" creationId="{D37844F1-5F0C-4FC0-835D-B4411A43834A}"/>
+          </ac:cxnSpMkLst>
+        </pc:cxnChg>
+        <pc:cxnChg chg="mod">
+          <ac:chgData name="Judson Santiago" userId="ebb108da2f256286" providerId="LiveId" clId="{92A88429-C108-47A7-B66C-B156D04CD5B9}" dt="2021-05-13T19:18:03.488" v="137" actId="1582"/>
+          <ac:cxnSpMkLst>
+            <pc:docMk/>
+            <pc:sldMk cId="0" sldId="257"/>
+            <ac:cxnSpMk id="22" creationId="{5603E98D-4B2D-4C17-9D7D-FE5DE7320236}"/>
+          </ac:cxnSpMkLst>
+        </pc:cxnChg>
+        <pc:cxnChg chg="mod">
+          <ac:chgData name="Judson Santiago" userId="ebb108da2f256286" providerId="LiveId" clId="{92A88429-C108-47A7-B66C-B156D04CD5B9}" dt="2021-05-13T19:18:03.488" v="137" actId="1582"/>
+          <ac:cxnSpMkLst>
+            <pc:docMk/>
+            <pc:sldMk cId="0" sldId="257"/>
+            <ac:cxnSpMk id="27" creationId="{E0F1F802-BF5E-472D-8104-D18356314BB8}"/>
+          </ac:cxnSpMkLst>
+        </pc:cxnChg>
+        <pc:cxnChg chg="mod">
+          <ac:chgData name="Judson Santiago" userId="ebb108da2f256286" providerId="LiveId" clId="{92A88429-C108-47A7-B66C-B156D04CD5B9}" dt="2021-05-13T19:17:36.761" v="136" actId="692"/>
+          <ac:cxnSpMkLst>
+            <pc:docMk/>
+            <pc:sldMk cId="0" sldId="257"/>
+            <ac:cxnSpMk id="30" creationId="{AAEC8BDE-103B-4EC9-B4E5-78FBE0B5E3FC}"/>
+          </ac:cxnSpMkLst>
+        </pc:cxnChg>
+        <pc:cxnChg chg="mod">
+          <ac:chgData name="Judson Santiago" userId="ebb108da2f256286" providerId="LiveId" clId="{92A88429-C108-47A7-B66C-B156D04CD5B9}" dt="2021-05-13T19:07:28.735" v="5"/>
+          <ac:cxnSpMkLst>
+            <pc:docMk/>
+            <pc:sldMk cId="0" sldId="257"/>
+            <ac:cxnSpMk id="52" creationId="{4EB20012-9C2B-4512-BD33-D74C07D82BDC}"/>
+          </ac:cxnSpMkLst>
+        </pc:cxnChg>
+        <pc:cxnChg chg="mod">
+          <ac:chgData name="Judson Santiago" userId="ebb108da2f256286" providerId="LiveId" clId="{92A88429-C108-47A7-B66C-B156D04CD5B9}" dt="2021-05-13T19:07:28.735" v="5"/>
+          <ac:cxnSpMkLst>
+            <pc:docMk/>
+            <pc:sldMk cId="0" sldId="257"/>
+            <ac:cxnSpMk id="53" creationId="{9E9DE20F-CAD5-4D50-9A1B-3810BAE0967A}"/>
+          </ac:cxnSpMkLst>
+        </pc:cxnChg>
+        <pc:cxnChg chg="mod">
+          <ac:chgData name="Judson Santiago" userId="ebb108da2f256286" providerId="LiveId" clId="{92A88429-C108-47A7-B66C-B156D04CD5B9}" dt="2021-05-13T19:18:03.488" v="137" actId="1582"/>
+          <ac:cxnSpMkLst>
+            <pc:docMk/>
+            <pc:sldMk cId="0" sldId="257"/>
+            <ac:cxnSpMk id="54" creationId="{EB78622A-362E-491C-9D71-AE0A01382293}"/>
+          </ac:cxnSpMkLst>
+        </pc:cxnChg>
+        <pc:cxnChg chg="mod topLvl">
+          <ac:chgData name="Judson Santiago" userId="ebb108da2f256286" providerId="LiveId" clId="{92A88429-C108-47A7-B66C-B156D04CD5B9}" dt="2021-05-13T19:22:47.756" v="205" actId="164"/>
+          <ac:cxnSpMkLst>
+            <pc:docMk/>
+            <pc:sldMk cId="0" sldId="257"/>
+            <ac:cxnSpMk id="55" creationId="{989F964F-CBBB-44B5-AE95-4ED65959077F}"/>
+          </ac:cxnSpMkLst>
+        </pc:cxnChg>
+        <pc:cxnChg chg="mod topLvl">
+          <ac:chgData name="Judson Santiago" userId="ebb108da2f256286" providerId="LiveId" clId="{92A88429-C108-47A7-B66C-B156D04CD5B9}" dt="2021-05-13T19:22:47.756" v="205" actId="164"/>
+          <ac:cxnSpMkLst>
+            <pc:docMk/>
+            <pc:sldMk cId="0" sldId="257"/>
+            <ac:cxnSpMk id="56" creationId="{5B99F3A4-3605-4F64-91CF-C2D2245EE95A}"/>
+          </ac:cxnSpMkLst>
+        </pc:cxnChg>
+        <pc:cxnChg chg="mod topLvl">
+          <ac:chgData name="Judson Santiago" userId="ebb108da2f256286" providerId="LiveId" clId="{92A88429-C108-47A7-B66C-B156D04CD5B9}" dt="2021-05-13T19:22:47.756" v="205" actId="164"/>
+          <ac:cxnSpMkLst>
+            <pc:docMk/>
+            <pc:sldMk cId="0" sldId="257"/>
+            <ac:cxnSpMk id="57" creationId="{1F94DB83-5609-436A-B487-05379F306C36}"/>
+          </ac:cxnSpMkLst>
+        </pc:cxnChg>
+        <pc:cxnChg chg="mod topLvl">
+          <ac:chgData name="Judson Santiago" userId="ebb108da2f256286" providerId="LiveId" clId="{92A88429-C108-47A7-B66C-B156D04CD5B9}" dt="2021-05-13T19:22:47.756" v="205" actId="164"/>
+          <ac:cxnSpMkLst>
+            <pc:docMk/>
+            <pc:sldMk cId="0" sldId="257"/>
+            <ac:cxnSpMk id="58" creationId="{042BEA82-CD14-4D29-B504-C50D9FDE9874}"/>
+          </ac:cxnSpMkLst>
+        </pc:cxnChg>
+        <pc:cxnChg chg="mod topLvl">
+          <ac:chgData name="Judson Santiago" userId="ebb108da2f256286" providerId="LiveId" clId="{92A88429-C108-47A7-B66C-B156D04CD5B9}" dt="2021-05-13T19:22:47.756" v="205" actId="164"/>
+          <ac:cxnSpMkLst>
+            <pc:docMk/>
+            <pc:sldMk cId="0" sldId="257"/>
+            <ac:cxnSpMk id="59" creationId="{2B9DFEAE-9F04-4DF6-B18E-AB403B8545E2}"/>
+          </ac:cxnSpMkLst>
+        </pc:cxnChg>
+        <pc:cxnChg chg="mod topLvl">
+          <ac:chgData name="Judson Santiago" userId="ebb108da2f256286" providerId="LiveId" clId="{92A88429-C108-47A7-B66C-B156D04CD5B9}" dt="2021-05-13T19:22:47.756" v="205" actId="164"/>
+          <ac:cxnSpMkLst>
+            <pc:docMk/>
+            <pc:sldMk cId="0" sldId="257"/>
+            <ac:cxnSpMk id="60" creationId="{591233FB-2068-4F89-A315-29A887091B7B}"/>
+          </ac:cxnSpMkLst>
+        </pc:cxnChg>
+        <pc:cxnChg chg="mod">
+          <ac:chgData name="Judson Santiago" userId="ebb108da2f256286" providerId="LiveId" clId="{92A88429-C108-47A7-B66C-B156D04CD5B9}" dt="2021-05-13T19:07:28.735" v="5"/>
+          <ac:cxnSpMkLst>
+            <pc:docMk/>
+            <pc:sldMk cId="0" sldId="257"/>
+            <ac:cxnSpMk id="62" creationId="{05086E4A-5531-49E2-B410-EC53B89D17DF}"/>
+          </ac:cxnSpMkLst>
+        </pc:cxnChg>
+        <pc:cxnChg chg="mod topLvl">
+          <ac:chgData name="Judson Santiago" userId="ebb108da2f256286" providerId="LiveId" clId="{92A88429-C108-47A7-B66C-B156D04CD5B9}" dt="2021-05-13T19:22:47.756" v="205" actId="164"/>
+          <ac:cxnSpMkLst>
+            <pc:docMk/>
+            <pc:sldMk cId="0" sldId="257"/>
+            <ac:cxnSpMk id="63" creationId="{B0F518DB-0A1C-4D95-8D5B-21CD9A5CFC70}"/>
+          </ac:cxnSpMkLst>
+        </pc:cxnChg>
+        <pc:cxnChg chg="mod topLvl">
+          <ac:chgData name="Judson Santiago" userId="ebb108da2f256286" providerId="LiveId" clId="{92A88429-C108-47A7-B66C-B156D04CD5B9}" dt="2021-05-13T19:22:47.756" v="205" actId="164"/>
+          <ac:cxnSpMkLst>
+            <pc:docMk/>
+            <pc:sldMk cId="0" sldId="257"/>
+            <ac:cxnSpMk id="64" creationId="{6A850E02-9BB3-4079-99A0-2038F24CEDA3}"/>
+          </ac:cxnSpMkLst>
+        </pc:cxnChg>
+        <pc:cxnChg chg="mod topLvl">
+          <ac:chgData name="Judson Santiago" userId="ebb108da2f256286" providerId="LiveId" clId="{92A88429-C108-47A7-B66C-B156D04CD5B9}" dt="2021-05-13T19:22:47.756" v="205" actId="164"/>
+          <ac:cxnSpMkLst>
+            <pc:docMk/>
+            <pc:sldMk cId="0" sldId="257"/>
+            <ac:cxnSpMk id="65" creationId="{B7760077-B076-4A48-A16D-74113561F55D}"/>
+          </ac:cxnSpMkLst>
+        </pc:cxnChg>
+        <pc:cxnChg chg="mod topLvl">
+          <ac:chgData name="Judson Santiago" userId="ebb108da2f256286" providerId="LiveId" clId="{92A88429-C108-47A7-B66C-B156D04CD5B9}" dt="2021-05-13T19:22:47.756" v="205" actId="164"/>
+          <ac:cxnSpMkLst>
+            <pc:docMk/>
+            <pc:sldMk cId="0" sldId="257"/>
+            <ac:cxnSpMk id="66" creationId="{CE6A8A99-3C84-478A-8642-1462EBF7863B}"/>
+          </ac:cxnSpMkLst>
+        </pc:cxnChg>
+        <pc:cxnChg chg="mod">
+          <ac:chgData name="Judson Santiago" userId="ebb108da2f256286" providerId="LiveId" clId="{92A88429-C108-47A7-B66C-B156D04CD5B9}" dt="2021-05-13T19:07:28.735" v="5"/>
+          <ac:cxnSpMkLst>
+            <pc:docMk/>
+            <pc:sldMk cId="0" sldId="257"/>
+            <ac:cxnSpMk id="67" creationId="{1897C4A0-6F4D-4241-B77E-9D873DFFBDED}"/>
+          </ac:cxnSpMkLst>
+        </pc:cxnChg>
+        <pc:cxnChg chg="add del mod topLvl">
+          <ac:chgData name="Judson Santiago" userId="ebb108da2f256286" providerId="LiveId" clId="{92A88429-C108-47A7-B66C-B156D04CD5B9}" dt="2021-05-13T19:22:09.788" v="186" actId="478"/>
+          <ac:cxnSpMkLst>
+            <pc:docMk/>
+            <pc:sldMk cId="0" sldId="257"/>
+            <ac:cxnSpMk id="68" creationId="{67BA7249-79E8-4776-AC47-53F9F9A85AB3}"/>
+          </ac:cxnSpMkLst>
+        </pc:cxnChg>
+        <pc:cxnChg chg="mod">
+          <ac:chgData name="Judson Santiago" userId="ebb108da2f256286" providerId="LiveId" clId="{92A88429-C108-47A7-B66C-B156D04CD5B9}" dt="2021-05-13T19:07:28.735" v="5"/>
+          <ac:cxnSpMkLst>
+            <pc:docMk/>
+            <pc:sldMk cId="0" sldId="257"/>
+            <ac:cxnSpMk id="69" creationId="{A472ADCE-4D53-4FA4-9E95-EAD47B260B59}"/>
+          </ac:cxnSpMkLst>
+        </pc:cxnChg>
+        <pc:cxnChg chg="mod topLvl">
+          <ac:chgData name="Judson Santiago" userId="ebb108da2f256286" providerId="LiveId" clId="{92A88429-C108-47A7-B66C-B156D04CD5B9}" dt="2021-05-13T19:22:47.756" v="205" actId="164"/>
+          <ac:cxnSpMkLst>
+            <pc:docMk/>
+            <pc:sldMk cId="0" sldId="257"/>
+            <ac:cxnSpMk id="75" creationId="{3CB0005B-5BB7-4293-A582-510BEECA0013}"/>
+          </ac:cxnSpMkLst>
+        </pc:cxnChg>
+        <pc:cxnChg chg="del mod">
+          <ac:chgData name="Judson Santiago" userId="ebb108da2f256286" providerId="LiveId" clId="{92A88429-C108-47A7-B66C-B156D04CD5B9}" dt="2021-05-13T19:20:42.055" v="157" actId="478"/>
+          <ac:cxnSpMkLst>
+            <pc:docMk/>
+            <pc:sldMk cId="0" sldId="257"/>
+            <ac:cxnSpMk id="77" creationId="{A6CA2ACA-0FCB-4391-9C11-33D7EF1F244B}"/>
+          </ac:cxnSpMkLst>
+        </pc:cxnChg>
+        <pc:cxnChg chg="mod">
+          <ac:chgData name="Judson Santiago" userId="ebb108da2f256286" providerId="LiveId" clId="{92A88429-C108-47A7-B66C-B156D04CD5B9}" dt="2021-05-13T19:07:28.735" v="5"/>
+          <ac:cxnSpMkLst>
+            <pc:docMk/>
+            <pc:sldMk cId="0" sldId="257"/>
+            <ac:cxnSpMk id="78" creationId="{B1E1F723-D2AB-4A50-B327-7762DC19F399}"/>
+          </ac:cxnSpMkLst>
+        </pc:cxnChg>
+        <pc:cxnChg chg="mod topLvl">
+          <ac:chgData name="Judson Santiago" userId="ebb108da2f256286" providerId="LiveId" clId="{92A88429-C108-47A7-B66C-B156D04CD5B9}" dt="2021-05-13T19:22:47.756" v="205" actId="164"/>
+          <ac:cxnSpMkLst>
+            <pc:docMk/>
+            <pc:sldMk cId="0" sldId="257"/>
+            <ac:cxnSpMk id="79" creationId="{03A9C90A-9A22-4143-9ECD-A9CE869F0CD8}"/>
+          </ac:cxnSpMkLst>
+        </pc:cxnChg>
+        <pc:cxnChg chg="mod">
+          <ac:chgData name="Judson Santiago" userId="ebb108da2f256286" providerId="LiveId" clId="{92A88429-C108-47A7-B66C-B156D04CD5B9}" dt="2021-05-13T19:07:28.735" v="5"/>
+          <ac:cxnSpMkLst>
+            <pc:docMk/>
+            <pc:sldMk cId="0" sldId="257"/>
+            <ac:cxnSpMk id="80" creationId="{E8F29FA5-EA18-49ED-A49A-33B2C0B0B321}"/>
+          </ac:cxnSpMkLst>
+        </pc:cxnChg>
+        <pc:cxnChg chg="del mod">
+          <ac:chgData name="Judson Santiago" userId="ebb108da2f256286" providerId="LiveId" clId="{92A88429-C108-47A7-B66C-B156D04CD5B9}" dt="2021-05-13T19:20:39.855" v="156" actId="478"/>
+          <ac:cxnSpMkLst>
+            <pc:docMk/>
+            <pc:sldMk cId="0" sldId="257"/>
+            <ac:cxnSpMk id="81" creationId="{40B62A1A-7690-43C2-9FE6-02C5E160EB21}"/>
+          </ac:cxnSpMkLst>
+        </pc:cxnChg>
+        <pc:cxnChg chg="mod">
+          <ac:chgData name="Judson Santiago" userId="ebb108da2f256286" providerId="LiveId" clId="{92A88429-C108-47A7-B66C-B156D04CD5B9}" dt="2021-05-13T19:07:28.735" v="5"/>
+          <ac:cxnSpMkLst>
+            <pc:docMk/>
+            <pc:sldMk cId="0" sldId="257"/>
+            <ac:cxnSpMk id="82" creationId="{99D0FDC9-5714-4C66-A418-79CE34A14BCF}"/>
+          </ac:cxnSpMkLst>
+        </pc:cxnChg>
+        <pc:cxnChg chg="mod">
+          <ac:chgData name="Judson Santiago" userId="ebb108da2f256286" providerId="LiveId" clId="{92A88429-C108-47A7-B66C-B156D04CD5B9}" dt="2021-05-13T19:07:28.735" v="5"/>
+          <ac:cxnSpMkLst>
+            <pc:docMk/>
+            <pc:sldMk cId="0" sldId="257"/>
+            <ac:cxnSpMk id="83" creationId="{F8C06850-538A-4D2C-9EA3-C2B4097DDDD6}"/>
+          </ac:cxnSpMkLst>
+        </pc:cxnChg>
+        <pc:cxnChg chg="mod">
+          <ac:chgData name="Judson Santiago" userId="ebb108da2f256286" providerId="LiveId" clId="{92A88429-C108-47A7-B66C-B156D04CD5B9}" dt="2021-05-13T19:07:28.735" v="5"/>
+          <ac:cxnSpMkLst>
+            <pc:docMk/>
+            <pc:sldMk cId="0" sldId="257"/>
+            <ac:cxnSpMk id="84" creationId="{C3AD5962-EC0D-4CC4-BF25-2E801BCDCA8B}"/>
+          </ac:cxnSpMkLst>
+        </pc:cxnChg>
+        <pc:cxnChg chg="mod">
+          <ac:chgData name="Judson Santiago" userId="ebb108da2f256286" providerId="LiveId" clId="{92A88429-C108-47A7-B66C-B156D04CD5B9}" dt="2021-05-13T19:07:28.735" v="5"/>
+          <ac:cxnSpMkLst>
+            <pc:docMk/>
+            <pc:sldMk cId="0" sldId="257"/>
+            <ac:cxnSpMk id="93" creationId="{E2502ECA-A0D0-41B0-ABB5-7F71458B8046}"/>
+          </ac:cxnSpMkLst>
+        </pc:cxnChg>
+        <pc:cxnChg chg="mod">
+          <ac:chgData name="Judson Santiago" userId="ebb108da2f256286" providerId="LiveId" clId="{92A88429-C108-47A7-B66C-B156D04CD5B9}" dt="2021-05-13T19:07:28.735" v="5"/>
+          <ac:cxnSpMkLst>
+            <pc:docMk/>
+            <pc:sldMk cId="0" sldId="257"/>
+            <ac:cxnSpMk id="94" creationId="{5846739D-BA7A-4D17-9835-41902B64CD0A}"/>
+          </ac:cxnSpMkLst>
+        </pc:cxnChg>
+        <pc:cxnChg chg="mod">
+          <ac:chgData name="Judson Santiago" userId="ebb108da2f256286" providerId="LiveId" clId="{92A88429-C108-47A7-B66C-B156D04CD5B9}" dt="2021-05-13T19:07:28.735" v="5"/>
+          <ac:cxnSpMkLst>
+            <pc:docMk/>
+            <pc:sldMk cId="0" sldId="257"/>
+            <ac:cxnSpMk id="95" creationId="{5C9692EA-FC55-46CB-96F2-4A0E081911E8}"/>
+          </ac:cxnSpMkLst>
+        </pc:cxnChg>
+        <pc:cxnChg chg="mod">
+          <ac:chgData name="Judson Santiago" userId="ebb108da2f256286" providerId="LiveId" clId="{92A88429-C108-47A7-B66C-B156D04CD5B9}" dt="2021-05-13T19:07:28.735" v="5"/>
+          <ac:cxnSpMkLst>
+            <pc:docMk/>
+            <pc:sldMk cId="0" sldId="257"/>
+            <ac:cxnSpMk id="96" creationId="{C976C12C-C934-44FA-83B8-B53853A4528D}"/>
+          </ac:cxnSpMkLst>
+        </pc:cxnChg>
+        <pc:cxnChg chg="mod">
+          <ac:chgData name="Judson Santiago" userId="ebb108da2f256286" providerId="LiveId" clId="{92A88429-C108-47A7-B66C-B156D04CD5B9}" dt="2021-05-13T19:07:28.735" v="5"/>
+          <ac:cxnSpMkLst>
+            <pc:docMk/>
+            <pc:sldMk cId="0" sldId="257"/>
+            <ac:cxnSpMk id="97" creationId="{5C147DDE-9472-401A-A07B-D106094A848C}"/>
+          </ac:cxnSpMkLst>
+        </pc:cxnChg>
+        <pc:cxnChg chg="add mod">
+          <ac:chgData name="Judson Santiago" userId="ebb108da2f256286" providerId="LiveId" clId="{92A88429-C108-47A7-B66C-B156D04CD5B9}" dt="2021-05-13T19:22:47.756" v="205" actId="164"/>
+          <ac:cxnSpMkLst>
+            <pc:docMk/>
+            <pc:sldMk cId="0" sldId="257"/>
+            <ac:cxnSpMk id="102" creationId="{376D0556-155D-488C-B97F-407EC2D46467}"/>
+          </ac:cxnSpMkLst>
+        </pc:cxnChg>
+        <pc:cxnChg chg="add mod">
+          <ac:chgData name="Judson Santiago" userId="ebb108da2f256286" providerId="LiveId" clId="{92A88429-C108-47A7-B66C-B156D04CD5B9}" dt="2021-05-13T19:22:47.756" v="205" actId="164"/>
+          <ac:cxnSpMkLst>
+            <pc:docMk/>
+            <pc:sldMk cId="0" sldId="257"/>
+            <ac:cxnSpMk id="104" creationId="{6EEB5271-A355-4935-A1C0-075DE36EF0A2}"/>
+          </ac:cxnSpMkLst>
+        </pc:cxnChg>
+      </pc:sldChg>
+      <pc:sldChg chg="modSp mod">
+        <pc:chgData name="Judson Santiago" userId="ebb108da2f256286" providerId="LiveId" clId="{92A88429-C108-47A7-B66C-B156D04CD5B9}" dt="2021-05-13T19:33:44.901" v="237" actId="20577"/>
+        <pc:sldMkLst>
+          <pc:docMk/>
+          <pc:sldMk cId="0" sldId="259"/>
+        </pc:sldMkLst>
+        <pc:spChg chg="mod">
+          <ac:chgData name="Judson Santiago" userId="ebb108da2f256286" providerId="LiveId" clId="{92A88429-C108-47A7-B66C-B156D04CD5B9}" dt="2021-05-13T19:33:44.901" v="237" actId="20577"/>
+          <ac:spMkLst>
+            <pc:docMk/>
+            <pc:sldMk cId="0" sldId="259"/>
+            <ac:spMk id="3" creationId="{00000000-0000-0000-0000-000000000000}"/>
+          </ac:spMkLst>
+        </pc:spChg>
+      </pc:sldChg>
+      <pc:sldChg chg="del">
+        <pc:chgData name="Judson Santiago" userId="ebb108da2f256286" providerId="LiveId" clId="{92A88429-C108-47A7-B66C-B156D04CD5B9}" dt="2021-05-13T19:37:33.466" v="290" actId="47"/>
+        <pc:sldMkLst>
+          <pc:docMk/>
+          <pc:sldMk cId="0" sldId="260"/>
+        </pc:sldMkLst>
+      </pc:sldChg>
+      <pc:sldChg chg="modSp mod">
+        <pc:chgData name="Judson Santiago" userId="ebb108da2f256286" providerId="LiveId" clId="{92A88429-C108-47A7-B66C-B156D04CD5B9}" dt="2021-05-13T19:39:15.230" v="310" actId="20577"/>
+        <pc:sldMkLst>
+          <pc:docMk/>
+          <pc:sldMk cId="0" sldId="261"/>
+        </pc:sldMkLst>
+        <pc:spChg chg="mod">
+          <ac:chgData name="Judson Santiago" userId="ebb108da2f256286" providerId="LiveId" clId="{92A88429-C108-47A7-B66C-B156D04CD5B9}" dt="2021-05-13T19:39:15.230" v="310" actId="20577"/>
+          <ac:spMkLst>
+            <pc:docMk/>
+            <pc:sldMk cId="0" sldId="261"/>
+            <ac:spMk id="3" creationId="{00000000-0000-0000-0000-000000000000}"/>
+          </ac:spMkLst>
+        </pc:spChg>
+      </pc:sldChg>
+      <pc:sldChg chg="addSp modSp mod">
+        <pc:chgData name="Judson Santiago" userId="ebb108da2f256286" providerId="LiveId" clId="{92A88429-C108-47A7-B66C-B156D04CD5B9}" dt="2021-05-13T19:46:07.173" v="373" actId="313"/>
+        <pc:sldMkLst>
+          <pc:docMk/>
+          <pc:sldMk cId="0" sldId="262"/>
+        </pc:sldMkLst>
+        <pc:spChg chg="mod">
+          <ac:chgData name="Judson Santiago" userId="ebb108da2f256286" providerId="LiveId" clId="{92A88429-C108-47A7-B66C-B156D04CD5B9}" dt="2021-05-13T19:46:07.173" v="373" actId="313"/>
+          <ac:spMkLst>
+            <pc:docMk/>
+            <pc:sldMk cId="0" sldId="262"/>
+            <ac:spMk id="4" creationId="{00000000-0000-0000-0000-000000000000}"/>
+          </ac:spMkLst>
+        </pc:spChg>
+        <pc:spChg chg="add mod">
+          <ac:chgData name="Judson Santiago" userId="ebb108da2f256286" providerId="LiveId" clId="{92A88429-C108-47A7-B66C-B156D04CD5B9}" dt="2021-05-13T19:41:25.045" v="318" actId="20577"/>
+          <ac:spMkLst>
+            <pc:docMk/>
+            <pc:sldMk cId="0" sldId="262"/>
+            <ac:spMk id="5" creationId="{3138091B-E1A6-4793-8341-3D9024AB1F5A}"/>
+          </ac:spMkLst>
+        </pc:spChg>
+      </pc:sldChg>
+      <pc:sldChg chg="addSp modSp mod">
+        <pc:chgData name="Judson Santiago" userId="ebb108da2f256286" providerId="LiveId" clId="{92A88429-C108-47A7-B66C-B156D04CD5B9}" dt="2021-05-13T19:50:09.101" v="414" actId="1076"/>
+        <pc:sldMkLst>
+          <pc:docMk/>
+          <pc:sldMk cId="0" sldId="263"/>
+        </pc:sldMkLst>
+        <pc:spChg chg="mod">
+          <ac:chgData name="Judson Santiago" userId="ebb108da2f256286" providerId="LiveId" clId="{92A88429-C108-47A7-B66C-B156D04CD5B9}" dt="2021-05-13T19:48:26.550" v="394" actId="21"/>
+          <ac:spMkLst>
+            <pc:docMk/>
+            <pc:sldMk cId="0" sldId="263"/>
+            <ac:spMk id="3" creationId="{00000000-0000-0000-0000-000000000000}"/>
+          </ac:spMkLst>
+        </pc:spChg>
+        <pc:graphicFrameChg chg="add mod modGraphic">
+          <ac:chgData name="Judson Santiago" userId="ebb108da2f256286" providerId="LiveId" clId="{92A88429-C108-47A7-B66C-B156D04CD5B9}" dt="2021-05-13T19:50:09.101" v="414" actId="1076"/>
+          <ac:graphicFrameMkLst>
+            <pc:docMk/>
+            <pc:sldMk cId="0" sldId="263"/>
+            <ac:graphicFrameMk id="5" creationId="{90D22D39-AE18-4DAA-B6FA-C3BB9AF3A938}"/>
+          </ac:graphicFrameMkLst>
+        </pc:graphicFrameChg>
+      </pc:sldChg>
+      <pc:sldChg chg="modSp mod">
+        <pc:chgData name="Judson Santiago" userId="ebb108da2f256286" providerId="LiveId" clId="{92A88429-C108-47A7-B66C-B156D04CD5B9}" dt="2021-05-13T19:50:58.293" v="415" actId="20577"/>
+        <pc:sldMkLst>
+          <pc:docMk/>
+          <pc:sldMk cId="0" sldId="264"/>
+        </pc:sldMkLst>
+        <pc:spChg chg="mod">
+          <ac:chgData name="Judson Santiago" userId="ebb108da2f256286" providerId="LiveId" clId="{92A88429-C108-47A7-B66C-B156D04CD5B9}" dt="2021-05-13T19:50:58.293" v="415" actId="20577"/>
+          <ac:spMkLst>
+            <pc:docMk/>
+            <pc:sldMk cId="0" sldId="264"/>
+            <ac:spMk id="3" creationId="{00000000-0000-0000-0000-000000000000}"/>
+          </ac:spMkLst>
+        </pc:spChg>
+      </pc:sldChg>
+      <pc:sldChg chg="del">
+        <pc:chgData name="Judson Santiago" userId="ebb108da2f256286" providerId="LiveId" clId="{92A88429-C108-47A7-B66C-B156D04CD5B9}" dt="2021-05-13T19:55:28.014" v="514" actId="47"/>
+        <pc:sldMkLst>
+          <pc:docMk/>
+          <pc:sldMk cId="0" sldId="265"/>
+        </pc:sldMkLst>
+      </pc:sldChg>
+      <pc:sldChg chg="addSp modSp mod">
+        <pc:chgData name="Judson Santiago" userId="ebb108da2f256286" providerId="LiveId" clId="{92A88429-C108-47A7-B66C-B156D04CD5B9}" dt="2021-05-13T19:56:20.023" v="524" actId="20577"/>
+        <pc:sldMkLst>
+          <pc:docMk/>
+          <pc:sldMk cId="0" sldId="266"/>
+        </pc:sldMkLst>
+        <pc:spChg chg="add mod">
+          <ac:chgData name="Judson Santiago" userId="ebb108da2f256286" providerId="LiveId" clId="{92A88429-C108-47A7-B66C-B156D04CD5B9}" dt="2021-05-13T19:56:20.023" v="524" actId="20577"/>
+          <ac:spMkLst>
+            <pc:docMk/>
+            <pc:sldMk cId="0" sldId="266"/>
+            <ac:spMk id="5" creationId="{C2ED3E3E-6D31-44D1-9CC4-4DF7D09E0297}"/>
+          </ac:spMkLst>
+        </pc:spChg>
+      </pc:sldChg>
+      <pc:sldChg chg="modSp mod modNotesTx">
+        <pc:chgData name="Judson Santiago" userId="ebb108da2f256286" providerId="LiveId" clId="{92A88429-C108-47A7-B66C-B156D04CD5B9}" dt="2021-05-13T19:59:09.918" v="579" actId="20577"/>
+        <pc:sldMkLst>
+          <pc:docMk/>
+          <pc:sldMk cId="0" sldId="267"/>
+        </pc:sldMkLst>
+        <pc:spChg chg="mod">
+          <ac:chgData name="Judson Santiago" userId="ebb108da2f256286" providerId="LiveId" clId="{92A88429-C108-47A7-B66C-B156D04CD5B9}" dt="2021-05-13T19:59:01.093" v="576" actId="21"/>
+          <ac:spMkLst>
+            <pc:docMk/>
+            <pc:sldMk cId="0" sldId="267"/>
+            <ac:spMk id="3" creationId="{00000000-0000-0000-0000-000000000000}"/>
+          </ac:spMkLst>
+        </pc:spChg>
+        <pc:spChg chg="mod">
+          <ac:chgData name="Judson Santiago" userId="ebb108da2f256286" providerId="LiveId" clId="{92A88429-C108-47A7-B66C-B156D04CD5B9}" dt="2021-05-13T19:57:32.052" v="526" actId="207"/>
+          <ac:spMkLst>
+            <pc:docMk/>
+            <pc:sldMk cId="0" sldId="267"/>
+            <ac:spMk id="4" creationId="{00000000-0000-0000-0000-000000000000}"/>
+          </ac:spMkLst>
+        </pc:spChg>
+      </pc:sldChg>
+      <pc:sldChg chg="modSp mod">
+        <pc:chgData name="Judson Santiago" userId="ebb108da2f256286" providerId="LiveId" clId="{92A88429-C108-47A7-B66C-B156D04CD5B9}" dt="2021-05-13T20:01:20.642" v="675" actId="14100"/>
+        <pc:sldMkLst>
+          <pc:docMk/>
+          <pc:sldMk cId="0" sldId="268"/>
+        </pc:sldMkLst>
+        <pc:spChg chg="mod">
+          <ac:chgData name="Judson Santiago" userId="ebb108da2f256286" providerId="LiveId" clId="{92A88429-C108-47A7-B66C-B156D04CD5B9}" dt="2021-05-13T20:01:08.172" v="672" actId="368"/>
+          <ac:spMkLst>
+            <pc:docMk/>
+            <pc:sldMk cId="0" sldId="268"/>
+            <ac:spMk id="3" creationId="{00000000-0000-0000-0000-000000000000}"/>
+          </ac:spMkLst>
+        </pc:spChg>
+        <pc:spChg chg="mod">
+          <ac:chgData name="Judson Santiago" userId="ebb108da2f256286" providerId="LiveId" clId="{92A88429-C108-47A7-B66C-B156D04CD5B9}" dt="2021-05-13T20:01:20.642" v="675" actId="14100"/>
+          <ac:spMkLst>
+            <pc:docMk/>
+            <pc:sldMk cId="0" sldId="268"/>
+            <ac:spMk id="4" creationId="{00000000-0000-0000-0000-000000000000}"/>
+          </ac:spMkLst>
+        </pc:spChg>
+      </pc:sldChg>
+      <pc:sldChg chg="modSp mod">
+        <pc:chgData name="Judson Santiago" userId="ebb108da2f256286" providerId="LiveId" clId="{92A88429-C108-47A7-B66C-B156D04CD5B9}" dt="2021-05-13T20:02:08.096" v="678" actId="1076"/>
+        <pc:sldMkLst>
+          <pc:docMk/>
+          <pc:sldMk cId="0" sldId="269"/>
+        </pc:sldMkLst>
+        <pc:spChg chg="mod">
+          <ac:chgData name="Judson Santiago" userId="ebb108da2f256286" providerId="LiveId" clId="{92A88429-C108-47A7-B66C-B156D04CD5B9}" dt="2021-05-13T20:01:58.305" v="676" actId="20577"/>
+          <ac:spMkLst>
+            <pc:docMk/>
+            <pc:sldMk cId="0" sldId="269"/>
+            <ac:spMk id="3" creationId="{00000000-0000-0000-0000-000000000000}"/>
+          </ac:spMkLst>
+        </pc:spChg>
+        <pc:spChg chg="mod">
+          <ac:chgData name="Judson Santiago" userId="ebb108da2f256286" providerId="LiveId" clId="{92A88429-C108-47A7-B66C-B156D04CD5B9}" dt="2021-05-13T20:02:08.096" v="678" actId="1076"/>
+          <ac:spMkLst>
+            <pc:docMk/>
+            <pc:sldMk cId="0" sldId="269"/>
+            <ac:spMk id="4" creationId="{00000000-0000-0000-0000-000000000000}"/>
+          </ac:spMkLst>
+        </pc:spChg>
+      </pc:sldChg>
+      <pc:sldChg chg="modSp mod">
+        <pc:chgData name="Judson Santiago" userId="ebb108da2f256286" providerId="LiveId" clId="{92A88429-C108-47A7-B66C-B156D04CD5B9}" dt="2021-05-13T20:02:40.458" v="681" actId="1076"/>
+        <pc:sldMkLst>
+          <pc:docMk/>
+          <pc:sldMk cId="0" sldId="270"/>
+        </pc:sldMkLst>
+        <pc:spChg chg="mod">
+          <ac:chgData name="Judson Santiago" userId="ebb108da2f256286" providerId="LiveId" clId="{92A88429-C108-47A7-B66C-B156D04CD5B9}" dt="2021-05-13T20:02:33.790" v="680" actId="20577"/>
+          <ac:spMkLst>
+            <pc:docMk/>
+            <pc:sldMk cId="0" sldId="270"/>
+            <ac:spMk id="3" creationId="{00000000-0000-0000-0000-000000000000}"/>
+          </ac:spMkLst>
+        </pc:spChg>
+        <pc:spChg chg="mod">
+          <ac:chgData name="Judson Santiago" userId="ebb108da2f256286" providerId="LiveId" clId="{92A88429-C108-47A7-B66C-B156D04CD5B9}" dt="2021-05-13T20:02:40.458" v="681" actId="1076"/>
+          <ac:spMkLst>
+            <pc:docMk/>
+            <pc:sldMk cId="0" sldId="270"/>
+            <ac:spMk id="4" creationId="{00000000-0000-0000-0000-000000000000}"/>
+          </ac:spMkLst>
+        </pc:spChg>
+      </pc:sldChg>
+      <pc:sldChg chg="addSp delSp modSp mod addAnim delAnim modAnim">
+        <pc:chgData name="Judson Santiago" userId="ebb108da2f256286" providerId="LiveId" clId="{92A88429-C108-47A7-B66C-B156D04CD5B9}" dt="2021-05-13T21:33:21.155" v="899" actId="167"/>
+        <pc:sldMkLst>
+          <pc:docMk/>
+          <pc:sldMk cId="0" sldId="271"/>
+        </pc:sldMkLst>
+        <pc:spChg chg="mod ord">
+          <ac:chgData name="Judson Santiago" userId="ebb108da2f256286" providerId="LiveId" clId="{92A88429-C108-47A7-B66C-B156D04CD5B9}" dt="2021-05-13T21:30:55.880" v="888" actId="167"/>
+          <ac:spMkLst>
+            <pc:docMk/>
+            <pc:sldMk cId="0" sldId="271"/>
+            <ac:spMk id="3" creationId="{00000000-0000-0000-0000-000000000000}"/>
+          </ac:spMkLst>
+        </pc:spChg>
+        <pc:spChg chg="mod ord">
+          <ac:chgData name="Judson Santiago" userId="ebb108da2f256286" providerId="LiveId" clId="{92A88429-C108-47A7-B66C-B156D04CD5B9}" dt="2021-05-13T21:31:01.787" v="889" actId="167"/>
+          <ac:spMkLst>
+            <pc:docMk/>
+            <pc:sldMk cId="0" sldId="271"/>
+            <ac:spMk id="4" creationId="{00000000-0000-0000-0000-000000000000}"/>
+          </ac:spMkLst>
+        </pc:spChg>
+        <pc:spChg chg="add del mod ord">
+          <ac:chgData name="Judson Santiago" userId="ebb108da2f256286" providerId="LiveId" clId="{92A88429-C108-47A7-B66C-B156D04CD5B9}" dt="2021-05-13T21:32:18.182" v="895" actId="164"/>
+          <ac:spMkLst>
+            <pc:docMk/>
+            <pc:sldMk cId="0" sldId="271"/>
+            <ac:spMk id="5" creationId="{00000000-0000-0000-0000-000000000000}"/>
+          </ac:spMkLst>
+        </pc:spChg>
+        <pc:spChg chg="mod">
+          <ac:chgData name="Judson Santiago" userId="ebb108da2f256286" providerId="LiveId" clId="{92A88429-C108-47A7-B66C-B156D04CD5B9}" dt="2021-05-13T21:10:23.654" v="768" actId="1076"/>
+          <ac:spMkLst>
+            <pc:docMk/>
+            <pc:sldMk cId="0" sldId="271"/>
+            <ac:spMk id="6" creationId="{00000000-0000-0000-0000-000000000000}"/>
+          </ac:spMkLst>
+        </pc:spChg>
+        <pc:spChg chg="add del mod ord">
+          <ac:chgData name="Judson Santiago" userId="ebb108da2f256286" providerId="LiveId" clId="{92A88429-C108-47A7-B66C-B156D04CD5B9}" dt="2021-05-13T21:32:25.939" v="896" actId="164"/>
+          <ac:spMkLst>
+            <pc:docMk/>
+            <pc:sldMk cId="0" sldId="271"/>
+            <ac:spMk id="7" creationId="{066B8928-F844-457D-8491-07FAD7519592}"/>
+          </ac:spMkLst>
+        </pc:spChg>
+        <pc:spChg chg="add del mod">
+          <ac:chgData name="Judson Santiago" userId="ebb108da2f256286" providerId="LiveId" clId="{92A88429-C108-47A7-B66C-B156D04CD5B9}" dt="2021-05-13T21:04:34.196" v="720" actId="478"/>
+          <ac:spMkLst>
+            <pc:docMk/>
+            <pc:sldMk cId="0" sldId="271"/>
+            <ac:spMk id="8" creationId="{511AEB9A-BE35-4DA6-B5CE-DF712FE978C5}"/>
+          </ac:spMkLst>
+        </pc:spChg>
+        <pc:spChg chg="add mod">
+          <ac:chgData name="Judson Santiago" userId="ebb108da2f256286" providerId="LiveId" clId="{92A88429-C108-47A7-B66C-B156D04CD5B9}" dt="2021-05-13T21:22:34.684" v="860" actId="12789"/>
+          <ac:spMkLst>
+            <pc:docMk/>
+            <pc:sldMk cId="0" sldId="271"/>
+            <ac:spMk id="9" creationId="{4FFF48A8-0F7C-476C-9660-EFA2C0FDC85C}"/>
+          </ac:spMkLst>
+        </pc:spChg>
+        <pc:spChg chg="add mod">
+          <ac:chgData name="Judson Santiago" userId="ebb108da2f256286" providerId="LiveId" clId="{92A88429-C108-47A7-B66C-B156D04CD5B9}" dt="2021-05-13T21:22:28.088" v="859" actId="12789"/>
+          <ac:spMkLst>
+            <pc:docMk/>
+            <pc:sldMk cId="0" sldId="271"/>
+            <ac:spMk id="10" creationId="{5DBE1956-0255-4326-B01D-E53F32CE98FD}"/>
+          </ac:spMkLst>
+        </pc:spChg>
+        <pc:spChg chg="add mod">
+          <ac:chgData name="Judson Santiago" userId="ebb108da2f256286" providerId="LiveId" clId="{92A88429-C108-47A7-B66C-B156D04CD5B9}" dt="2021-05-13T21:24:32.003" v="868" actId="1076"/>
+          <ac:spMkLst>
+            <pc:docMk/>
+            <pc:sldMk cId="0" sldId="271"/>
+            <ac:spMk id="11" creationId="{0AD77E92-1A9F-421D-9F99-5AEF754944F2}"/>
+          </ac:spMkLst>
+        </pc:spChg>
+        <pc:spChg chg="add del mod">
+          <ac:chgData name="Judson Santiago" userId="ebb108da2f256286" providerId="LiveId" clId="{92A88429-C108-47A7-B66C-B156D04CD5B9}" dt="2021-05-13T21:29:47.750" v="879"/>
+          <ac:spMkLst>
+            <pc:docMk/>
+            <pc:sldMk cId="0" sldId="271"/>
+            <ac:spMk id="12" creationId="{E1EE85E5-A2B8-43D3-94B9-46AB9EF17622}"/>
+          </ac:spMkLst>
+        </pc:spChg>
+        <pc:spChg chg="add del mod">
+          <ac:chgData name="Judson Santiago" userId="ebb108da2f256286" providerId="LiveId" clId="{92A88429-C108-47A7-B66C-B156D04CD5B9}" dt="2021-05-13T21:29:47.750" v="879"/>
+          <ac:spMkLst>
+            <pc:docMk/>
+            <pc:sldMk cId="0" sldId="271"/>
+            <ac:spMk id="13" creationId="{27E131BD-0414-4574-A6F0-F1F6F1E92E51}"/>
+          </ac:spMkLst>
+        </pc:spChg>
+        <pc:spChg chg="add del mod">
+          <ac:chgData name="Judson Santiago" userId="ebb108da2f256286" providerId="LiveId" clId="{92A88429-C108-47A7-B66C-B156D04CD5B9}" dt="2021-05-13T21:29:47.750" v="879"/>
+          <ac:spMkLst>
+            <pc:docMk/>
+            <pc:sldMk cId="0" sldId="271"/>
+            <ac:spMk id="14" creationId="{5581E778-E878-4B9F-BE19-F3E7C95024FC}"/>
+          </ac:spMkLst>
+        </pc:spChg>
+        <pc:spChg chg="add mod">
+          <ac:chgData name="Judson Santiago" userId="ebb108da2f256286" providerId="LiveId" clId="{92A88429-C108-47A7-B66C-B156D04CD5B9}" dt="2021-05-13T21:32:25.939" v="896" actId="164"/>
+          <ac:spMkLst>
+            <pc:docMk/>
+            <pc:sldMk cId="0" sldId="271"/>
+            <ac:spMk id="15" creationId="{DEE6A0DA-F9A9-4775-BF44-775658861D28}"/>
+          </ac:spMkLst>
+        </pc:spChg>
+        <pc:spChg chg="add mod">
+          <ac:chgData name="Judson Santiago" userId="ebb108da2f256286" providerId="LiveId" clId="{92A88429-C108-47A7-B66C-B156D04CD5B9}" dt="2021-05-13T21:32:25.939" v="896" actId="164"/>
+          <ac:spMkLst>
+            <pc:docMk/>
+            <pc:sldMk cId="0" sldId="271"/>
+            <ac:spMk id="16" creationId="{CDE8A8DB-E783-4158-81E6-7DE1A61F99E7}"/>
+          </ac:spMkLst>
+        </pc:spChg>
+        <pc:spChg chg="add mod">
+          <ac:chgData name="Judson Santiago" userId="ebb108da2f256286" providerId="LiveId" clId="{92A88429-C108-47A7-B66C-B156D04CD5B9}" dt="2021-05-13T21:32:18.182" v="895" actId="164"/>
+          <ac:spMkLst>
+            <pc:docMk/>
+            <pc:sldMk cId="0" sldId="271"/>
+            <ac:spMk id="17" creationId="{32A5E569-7EBE-488E-9744-CC62B91F052C}"/>
+          </ac:spMkLst>
+        </pc:spChg>
+        <pc:spChg chg="add mod">
+          <ac:chgData name="Judson Santiago" userId="ebb108da2f256286" providerId="LiveId" clId="{92A88429-C108-47A7-B66C-B156D04CD5B9}" dt="2021-05-13T21:32:18.182" v="895" actId="164"/>
+          <ac:spMkLst>
+            <pc:docMk/>
+            <pc:sldMk cId="0" sldId="271"/>
+            <ac:spMk id="18" creationId="{997F020B-6E02-400C-A322-43EBF15218D3}"/>
+          </ac:spMkLst>
+        </pc:spChg>
+        <pc:grpChg chg="add mod ord">
+          <ac:chgData name="Judson Santiago" userId="ebb108da2f256286" providerId="LiveId" clId="{92A88429-C108-47A7-B66C-B156D04CD5B9}" dt="2021-05-13T21:33:21.155" v="899" actId="167"/>
+          <ac:grpSpMkLst>
+            <pc:docMk/>
+            <pc:sldMk cId="0" sldId="271"/>
+            <ac:grpSpMk id="19" creationId="{F72EB759-7708-4AF9-B1DB-EE5383F35228}"/>
+          </ac:grpSpMkLst>
+        </pc:grpChg>
+        <pc:grpChg chg="add mod ord">
+          <ac:chgData name="Judson Santiago" userId="ebb108da2f256286" providerId="LiveId" clId="{92A88429-C108-47A7-B66C-B156D04CD5B9}" dt="2021-05-13T21:33:21.155" v="899" actId="167"/>
+          <ac:grpSpMkLst>
+            <pc:docMk/>
+            <pc:sldMk cId="0" sldId="271"/>
+            <ac:grpSpMk id="20" creationId="{1A25549D-46A5-419C-8ED9-73DEAC4C5CB9}"/>
+          </ac:grpSpMkLst>
+        </pc:grpChg>
+      </pc:sldChg>
+      <pc:sldChg chg="addSp delSp modSp mod modAnim">
+        <pc:chgData name="Judson Santiago" userId="ebb108da2f256286" providerId="LiveId" clId="{92A88429-C108-47A7-B66C-B156D04CD5B9}" dt="2021-05-13T21:19:23.253" v="835" actId="208"/>
+        <pc:sldMkLst>
+          <pc:docMk/>
+          <pc:sldMk cId="0" sldId="272"/>
+        </pc:sldMkLst>
+        <pc:spChg chg="mod">
+          <ac:chgData name="Judson Santiago" userId="ebb108da2f256286" providerId="LiveId" clId="{92A88429-C108-47A7-B66C-B156D04CD5B9}" dt="2021-05-13T21:17:07.120" v="822" actId="15"/>
+          <ac:spMkLst>
+            <pc:docMk/>
+            <pc:sldMk cId="0" sldId="272"/>
+            <ac:spMk id="3" creationId="{00000000-0000-0000-0000-000000000000}"/>
+          </ac:spMkLst>
+        </pc:spChg>
+        <pc:spChg chg="mod topLvl">
+          <ac:chgData name="Judson Santiago" userId="ebb108da2f256286" providerId="LiveId" clId="{92A88429-C108-47A7-B66C-B156D04CD5B9}" dt="2021-05-13T21:18:05.543" v="823" actId="165"/>
+          <ac:spMkLst>
+            <pc:docMk/>
+            <pc:sldMk cId="0" sldId="272"/>
+            <ac:spMk id="4" creationId="{00000000-0000-0000-0000-000000000000}"/>
+          </ac:spMkLst>
+        </pc:spChg>
+        <pc:spChg chg="add mod topLvl">
+          <ac:chgData name="Judson Santiago" userId="ebb108da2f256286" providerId="LiveId" clId="{92A88429-C108-47A7-B66C-B156D04CD5B9}" dt="2021-05-13T21:18:05.543" v="823" actId="165"/>
+          <ac:spMkLst>
+            <pc:docMk/>
+            <pc:sldMk cId="0" sldId="272"/>
+            <ac:spMk id="5" creationId="{29336E21-B870-4F65-A05F-846D1F07961B}"/>
+          </ac:spMkLst>
+        </pc:spChg>
+        <pc:spChg chg="add mod topLvl">
+          <ac:chgData name="Judson Santiago" userId="ebb108da2f256286" providerId="LiveId" clId="{92A88429-C108-47A7-B66C-B156D04CD5B9}" dt="2021-05-13T21:18:05.543" v="823" actId="165"/>
+          <ac:spMkLst>
+            <pc:docMk/>
+            <pc:sldMk cId="0" sldId="272"/>
+            <ac:spMk id="6" creationId="{5B636DFC-E16E-4399-B4C8-11AC0261CA5C}"/>
+          </ac:spMkLst>
+        </pc:spChg>
+        <pc:spChg chg="add del mod ord topLvl">
+          <ac:chgData name="Judson Santiago" userId="ebb108da2f256286" providerId="LiveId" clId="{92A88429-C108-47A7-B66C-B156D04CD5B9}" dt="2021-05-13T21:18:42.089" v="829" actId="478"/>
+          <ac:spMkLst>
+            <pc:docMk/>
+            <pc:sldMk cId="0" sldId="272"/>
+            <ac:spMk id="7" creationId="{09ABC1A8-24B8-4459-9334-1F57A3572BD3}"/>
+          </ac:spMkLst>
+        </pc:spChg>
+        <pc:spChg chg="add del mod ord topLvl">
+          <ac:chgData name="Judson Santiago" userId="ebb108da2f256286" providerId="LiveId" clId="{92A88429-C108-47A7-B66C-B156D04CD5B9}" dt="2021-05-13T21:18:42.089" v="829" actId="478"/>
+          <ac:spMkLst>
+            <pc:docMk/>
+            <pc:sldMk cId="0" sldId="272"/>
+            <ac:spMk id="8" creationId="{98CE4A62-AA42-4A04-A17D-E20EBA903D0B}"/>
+          </ac:spMkLst>
+        </pc:spChg>
+        <pc:spChg chg="add mod">
+          <ac:chgData name="Judson Santiago" userId="ebb108da2f256286" providerId="LiveId" clId="{92A88429-C108-47A7-B66C-B156D04CD5B9}" dt="2021-05-13T21:19:23.253" v="835" actId="208"/>
+          <ac:spMkLst>
+            <pc:docMk/>
+            <pc:sldMk cId="0" sldId="272"/>
+            <ac:spMk id="11" creationId="{63B4475E-C434-418B-AB57-1454034BE09C}"/>
+          </ac:spMkLst>
+        </pc:spChg>
+        <pc:spChg chg="add mod">
+          <ac:chgData name="Judson Santiago" userId="ebb108da2f256286" providerId="LiveId" clId="{92A88429-C108-47A7-B66C-B156D04CD5B9}" dt="2021-05-13T21:19:23.253" v="835" actId="208"/>
+          <ac:spMkLst>
+            <pc:docMk/>
+            <pc:sldMk cId="0" sldId="272"/>
+            <ac:spMk id="12" creationId="{2244381D-5762-4AC9-8810-7447C3A4E4DB}"/>
+          </ac:spMkLst>
+        </pc:spChg>
+        <pc:grpChg chg="add del mod">
+          <ac:chgData name="Judson Santiago" userId="ebb108da2f256286" providerId="LiveId" clId="{92A88429-C108-47A7-B66C-B156D04CD5B9}" dt="2021-05-13T21:14:57.418" v="803" actId="165"/>
+          <ac:grpSpMkLst>
+            <pc:docMk/>
+            <pc:sldMk cId="0" sldId="272"/>
+            <ac:grpSpMk id="9" creationId="{A77725C4-DEC7-46DB-A7A9-DF71CBFA9D71}"/>
+          </ac:grpSpMkLst>
+        </pc:grpChg>
+        <pc:grpChg chg="add del mod">
+          <ac:chgData name="Judson Santiago" userId="ebb108da2f256286" providerId="LiveId" clId="{92A88429-C108-47A7-B66C-B156D04CD5B9}" dt="2021-05-13T21:18:05.543" v="823" actId="165"/>
+          <ac:grpSpMkLst>
+            <pc:docMk/>
+            <pc:sldMk cId="0" sldId="272"/>
+            <ac:grpSpMk id="10" creationId="{713E3CAB-A687-48D7-B649-9C2D747EE204}"/>
+          </ac:grpSpMkLst>
+        </pc:grpChg>
+      </pc:sldChg>
+      <pc:sldChg chg="addSp modSp mod">
+        <pc:chgData name="Judson Santiago" userId="ebb108da2f256286" providerId="LiveId" clId="{92A88429-C108-47A7-B66C-B156D04CD5B9}" dt="2021-05-13T21:38:02.355" v="929" actId="20577"/>
+        <pc:sldMkLst>
+          <pc:docMk/>
+          <pc:sldMk cId="0" sldId="273"/>
+        </pc:sldMkLst>
+        <pc:spChg chg="mod">
+          <ac:chgData name="Judson Santiago" userId="ebb108da2f256286" providerId="LiveId" clId="{92A88429-C108-47A7-B66C-B156D04CD5B9}" dt="2021-05-13T21:38:02.355" v="929" actId="20577"/>
+          <ac:spMkLst>
+            <pc:docMk/>
+            <pc:sldMk cId="0" sldId="273"/>
+            <ac:spMk id="4" creationId="{00000000-0000-0000-0000-000000000000}"/>
+          </ac:spMkLst>
+        </pc:spChg>
+        <pc:spChg chg="add mod">
+          <ac:chgData name="Judson Santiago" userId="ebb108da2f256286" providerId="LiveId" clId="{92A88429-C108-47A7-B66C-B156D04CD5B9}" dt="2021-05-13T21:35:14.200" v="920" actId="20577"/>
+          <ac:spMkLst>
+            <pc:docMk/>
+            <pc:sldMk cId="0" sldId="273"/>
+            <ac:spMk id="5" creationId="{1714AD91-A85B-45C1-9D17-2AEFE5F7BDEE}"/>
+          </ac:spMkLst>
+        </pc:spChg>
+      </pc:sldChg>
+      <pc:sldChg chg="modSp mod">
+        <pc:chgData name="Judson Santiago" userId="ebb108da2f256286" providerId="LiveId" clId="{92A88429-C108-47A7-B66C-B156D04CD5B9}" dt="2021-05-13T21:37:08.538" v="922" actId="6549"/>
+        <pc:sldMkLst>
+          <pc:docMk/>
+          <pc:sldMk cId="0" sldId="274"/>
+        </pc:sldMkLst>
+        <pc:spChg chg="mod">
+          <ac:chgData name="Judson Santiago" userId="ebb108da2f256286" providerId="LiveId" clId="{92A88429-C108-47A7-B66C-B156D04CD5B9}" dt="2021-05-13T21:37:08.538" v="922" actId="6549"/>
+          <ac:spMkLst>
+            <pc:docMk/>
+            <pc:sldMk cId="0" sldId="274"/>
+            <ac:spMk id="4" creationId="{00000000-0000-0000-0000-000000000000}"/>
+          </ac:spMkLst>
+        </pc:spChg>
+      </pc:sldChg>
+      <pc:sldChg chg="modSp mod">
+        <pc:chgData name="Judson Santiago" userId="ebb108da2f256286" providerId="LiveId" clId="{92A88429-C108-47A7-B66C-B156D04CD5B9}" dt="2021-05-13T21:41:08.774" v="951" actId="20577"/>
+        <pc:sldMkLst>
+          <pc:docMk/>
+          <pc:sldMk cId="0" sldId="327"/>
+        </pc:sldMkLst>
+        <pc:spChg chg="mod">
+          <ac:chgData name="Judson Santiago" userId="ebb108da2f256286" providerId="LiveId" clId="{92A88429-C108-47A7-B66C-B156D04CD5B9}" dt="2021-05-13T21:41:08.774" v="951" actId="20577"/>
+          <ac:spMkLst>
+            <pc:docMk/>
+            <pc:sldMk cId="0" sldId="327"/>
+            <ac:spMk id="3" creationId="{00000000-0000-0000-0000-000000000000}"/>
+          </ac:spMkLst>
+        </pc:spChg>
+      </pc:sldChg>
+      <pc:sldChg chg="modSp mod">
+        <pc:chgData name="Judson Santiago" userId="ebb108da2f256286" providerId="LiveId" clId="{92A88429-C108-47A7-B66C-B156D04CD5B9}" dt="2021-05-13T19:31:49.096" v="232" actId="207"/>
+        <pc:sldMkLst>
+          <pc:docMk/>
+          <pc:sldMk cId="829298910" sldId="328"/>
+        </pc:sldMkLst>
+        <pc:spChg chg="mod">
+          <ac:chgData name="Judson Santiago" userId="ebb108da2f256286" providerId="LiveId" clId="{92A88429-C108-47A7-B66C-B156D04CD5B9}" dt="2021-05-13T19:31:49.096" v="232" actId="207"/>
+          <ac:spMkLst>
+            <pc:docMk/>
+            <pc:sldMk cId="829298910" sldId="328"/>
+            <ac:spMk id="3" creationId="{00000000-0000-0000-0000-000000000000}"/>
+          </ac:spMkLst>
+        </pc:spChg>
+      </pc:sldChg>
+      <pc:sldChg chg="addSp delSp modSp add mod">
+        <pc:chgData name="Judson Santiago" userId="ebb108da2f256286" providerId="LiveId" clId="{92A88429-C108-47A7-B66C-B156D04CD5B9}" dt="2021-05-13T19:51:32.369" v="416"/>
+        <pc:sldMkLst>
+          <pc:docMk/>
+          <pc:sldMk cId="0" sldId="329"/>
+        </pc:sldMkLst>
+        <pc:spChg chg="mod">
+          <ac:chgData name="Judson Santiago" userId="ebb108da2f256286" providerId="LiveId" clId="{92A88429-C108-47A7-B66C-B156D04CD5B9}" dt="2021-05-13T19:51:32.369" v="416"/>
+          <ac:spMkLst>
+            <pc:docMk/>
+            <pc:sldMk cId="0" sldId="329"/>
+            <ac:spMk id="2" creationId="{00000000-0000-0000-0000-000000000000}"/>
+          </ac:spMkLst>
+        </pc:spChg>
+        <pc:spChg chg="del">
+          <ac:chgData name="Judson Santiago" userId="ebb108da2f256286" providerId="LiveId" clId="{92A88429-C108-47A7-B66C-B156D04CD5B9}" dt="2021-05-13T19:35:10.247" v="239" actId="478"/>
+          <ac:spMkLst>
+            <pc:docMk/>
+            <pc:sldMk cId="0" sldId="329"/>
+            <ac:spMk id="4" creationId="{00000000-0000-0000-0000-000000000000}"/>
+          </ac:spMkLst>
+        </pc:spChg>
+        <pc:spChg chg="mod topLvl">
+          <ac:chgData name="Judson Santiago" userId="ebb108da2f256286" providerId="LiveId" clId="{92A88429-C108-47A7-B66C-B156D04CD5B9}" dt="2021-05-13T19:37:50.081" v="291" actId="164"/>
+          <ac:spMkLst>
+            <pc:docMk/>
+            <pc:sldMk cId="0" sldId="329"/>
+            <ac:spMk id="5" creationId="{00000000-0000-0000-0000-000000000000}"/>
+          </ac:spMkLst>
+        </pc:spChg>
+        <pc:spChg chg="mod topLvl">
+          <ac:chgData name="Judson Santiago" userId="ebb108da2f256286" providerId="LiveId" clId="{92A88429-C108-47A7-B66C-B156D04CD5B9}" dt="2021-05-13T19:37:50.081" v="291" actId="164"/>
+          <ac:spMkLst>
+            <pc:docMk/>
+            <pc:sldMk cId="0" sldId="329"/>
+            <ac:spMk id="6" creationId="{00000000-0000-0000-0000-000000000000}"/>
+          </ac:spMkLst>
+        </pc:spChg>
+        <pc:spChg chg="mod topLvl">
+          <ac:chgData name="Judson Santiago" userId="ebb108da2f256286" providerId="LiveId" clId="{92A88429-C108-47A7-B66C-B156D04CD5B9}" dt="2021-05-13T19:37:50.081" v="291" actId="164"/>
+          <ac:spMkLst>
+            <pc:docMk/>
+            <pc:sldMk cId="0" sldId="329"/>
+            <ac:spMk id="7" creationId="{00000000-0000-0000-0000-000000000000}"/>
+          </ac:spMkLst>
+        </pc:spChg>
+        <pc:spChg chg="del mod topLvl">
+          <ac:chgData name="Judson Santiago" userId="ebb108da2f256286" providerId="LiveId" clId="{92A88429-C108-47A7-B66C-B156D04CD5B9}" dt="2021-05-13T19:35:43.582" v="257" actId="478"/>
+          <ac:spMkLst>
+            <pc:docMk/>
+            <pc:sldMk cId="0" sldId="329"/>
+            <ac:spMk id="8" creationId="{00000000-0000-0000-0000-000000000000}"/>
+          </ac:spMkLst>
+        </pc:spChg>
+        <pc:spChg chg="del mod topLvl">
+          <ac:chgData name="Judson Santiago" userId="ebb108da2f256286" providerId="LiveId" clId="{92A88429-C108-47A7-B66C-B156D04CD5B9}" dt="2021-05-13T19:35:54.990" v="259" actId="478"/>
+          <ac:spMkLst>
+            <pc:docMk/>
+            <pc:sldMk cId="0" sldId="329"/>
+            <ac:spMk id="9" creationId="{00000000-0000-0000-0000-000000000000}"/>
+          </ac:spMkLst>
+        </pc:spChg>
+        <pc:spChg chg="mod topLvl">
+          <ac:chgData name="Judson Santiago" userId="ebb108da2f256286" providerId="LiveId" clId="{92A88429-C108-47A7-B66C-B156D04CD5B9}" dt="2021-05-13T19:37:50.081" v="291" actId="164"/>
+          <ac:spMkLst>
+            <pc:docMk/>
+            <pc:sldMk cId="0" sldId="329"/>
+            <ac:spMk id="10" creationId="{00000000-0000-0000-0000-000000000000}"/>
+          </ac:spMkLst>
+        </pc:spChg>
+        <pc:spChg chg="mod topLvl">
+          <ac:chgData name="Judson Santiago" userId="ebb108da2f256286" providerId="LiveId" clId="{92A88429-C108-47A7-B66C-B156D04CD5B9}" dt="2021-05-13T19:37:50.081" v="291" actId="164"/>
+          <ac:spMkLst>
+            <pc:docMk/>
+            <pc:sldMk cId="0" sldId="329"/>
+            <ac:spMk id="11" creationId="{00000000-0000-0000-0000-000000000000}"/>
+          </ac:spMkLst>
+        </pc:spChg>
+        <pc:spChg chg="add mod">
+          <ac:chgData name="Judson Santiago" userId="ebb108da2f256286" providerId="LiveId" clId="{92A88429-C108-47A7-B66C-B156D04CD5B9}" dt="2021-05-13T19:38:05.375" v="307" actId="164"/>
+          <ac:spMkLst>
+            <pc:docMk/>
+            <pc:sldMk cId="0" sldId="329"/>
+            <ac:spMk id="21" creationId="{EE58F388-F7F6-4A4A-A029-1749F9DEE5B5}"/>
+          </ac:spMkLst>
+        </pc:spChg>
+        <pc:spChg chg="mod topLvl">
+          <ac:chgData name="Judson Santiago" userId="ebb108da2f256286" providerId="LiveId" clId="{92A88429-C108-47A7-B66C-B156D04CD5B9}" dt="2021-05-13T19:37:50.081" v="291" actId="164"/>
+          <ac:spMkLst>
+            <pc:docMk/>
+            <pc:sldMk cId="0" sldId="329"/>
+            <ac:spMk id="31" creationId="{00000000-0000-0000-0000-000000000000}"/>
+          </ac:spMkLst>
+        </pc:spChg>
+        <pc:spChg chg="mod topLvl">
+          <ac:chgData name="Judson Santiago" userId="ebb108da2f256286" providerId="LiveId" clId="{92A88429-C108-47A7-B66C-B156D04CD5B9}" dt="2021-05-13T19:37:50.081" v="291" actId="164"/>
+          <ac:spMkLst>
+            <pc:docMk/>
+            <pc:sldMk cId="0" sldId="329"/>
+            <ac:spMk id="32" creationId="{00000000-0000-0000-0000-000000000000}"/>
+          </ac:spMkLst>
+        </pc:spChg>
+        <pc:spChg chg="mod topLvl">
+          <ac:chgData name="Judson Santiago" userId="ebb108da2f256286" providerId="LiveId" clId="{92A88429-C108-47A7-B66C-B156D04CD5B9}" dt="2021-05-13T19:37:50.081" v="291" actId="164"/>
+          <ac:spMkLst>
+            <pc:docMk/>
+            <pc:sldMk cId="0" sldId="329"/>
+            <ac:spMk id="33" creationId="{00000000-0000-0000-0000-000000000000}"/>
+          </ac:spMkLst>
+        </pc:spChg>
+        <pc:grpChg chg="add mod">
+          <ac:chgData name="Judson Santiago" userId="ebb108da2f256286" providerId="LiveId" clId="{92A88429-C108-47A7-B66C-B156D04CD5B9}" dt="2021-05-13T19:38:05.375" v="307" actId="164"/>
+          <ac:grpSpMkLst>
+            <pc:docMk/>
+            <pc:sldMk cId="0" sldId="329"/>
+            <ac:grpSpMk id="15" creationId="{92EA77CB-A8C4-4414-9C64-2C74E6DC74C4}"/>
+          </ac:grpSpMkLst>
+        </pc:grpChg>
+        <pc:grpChg chg="add mod">
+          <ac:chgData name="Judson Santiago" userId="ebb108da2f256286" providerId="LiveId" clId="{92A88429-C108-47A7-B66C-B156D04CD5B9}" dt="2021-05-13T19:38:10.271" v="308" actId="12788"/>
+          <ac:grpSpMkLst>
+            <pc:docMk/>
+            <pc:sldMk cId="0" sldId="329"/>
+            <ac:grpSpMk id="16" creationId="{D9987D0B-A749-4DEF-8825-C7F23079417E}"/>
+          </ac:grpSpMkLst>
+        </pc:grpChg>
+        <pc:grpChg chg="del">
+          <ac:chgData name="Judson Santiago" userId="ebb108da2f256286" providerId="LiveId" clId="{92A88429-C108-47A7-B66C-B156D04CD5B9}" dt="2021-05-13T19:35:32.658" v="253" actId="165"/>
+          <ac:grpSpMkLst>
+            <pc:docMk/>
+            <pc:sldMk cId="0" sldId="329"/>
+            <ac:grpSpMk id="52" creationId="{58AACA2D-A5E7-456E-8376-683984557E5B}"/>
+          </ac:grpSpMkLst>
+        </pc:grpChg>
+        <pc:cxnChg chg="add mod">
+          <ac:chgData name="Judson Santiago" userId="ebb108da2f256286" providerId="LiveId" clId="{92A88429-C108-47A7-B66C-B156D04CD5B9}" dt="2021-05-13T19:37:50.081" v="291" actId="164"/>
+          <ac:cxnSpMkLst>
+            <pc:docMk/>
+            <pc:sldMk cId="0" sldId="329"/>
+            <ac:cxnSpMk id="13" creationId="{A01520B6-FF28-40CB-96C9-278E7B034C58}"/>
+          </ac:cxnSpMkLst>
+        </pc:cxnChg>
+        <pc:cxnChg chg="del mod topLvl">
+          <ac:chgData name="Judson Santiago" userId="ebb108da2f256286" providerId="LiveId" clId="{92A88429-C108-47A7-B66C-B156D04CD5B9}" dt="2021-05-13T19:35:46.534" v="258" actId="478"/>
+          <ac:cxnSpMkLst>
+            <pc:docMk/>
+            <pc:sldMk cId="0" sldId="329"/>
+            <ac:cxnSpMk id="26" creationId="{59556C34-3DD2-47A0-ADAA-28274F5790C4}"/>
+          </ac:cxnSpMkLst>
+        </pc:cxnChg>
+        <pc:cxnChg chg="mod topLvl">
+          <ac:chgData name="Judson Santiago" userId="ebb108da2f256286" providerId="LiveId" clId="{92A88429-C108-47A7-B66C-B156D04CD5B9}" dt="2021-05-13T19:37:50.081" v="291" actId="164"/>
+          <ac:cxnSpMkLst>
+            <pc:docMk/>
+            <pc:sldMk cId="0" sldId="329"/>
+            <ac:cxnSpMk id="38" creationId="{CBBC5CF4-009B-4B92-B920-93BAC5633FC0}"/>
+          </ac:cxnSpMkLst>
+        </pc:cxnChg>
+        <pc:cxnChg chg="mod topLvl">
+          <ac:chgData name="Judson Santiago" userId="ebb108da2f256286" providerId="LiveId" clId="{92A88429-C108-47A7-B66C-B156D04CD5B9}" dt="2021-05-13T19:37:50.081" v="291" actId="164"/>
+          <ac:cxnSpMkLst>
+            <pc:docMk/>
+            <pc:sldMk cId="0" sldId="329"/>
+            <ac:cxnSpMk id="40" creationId="{DF417F28-CE15-4A1C-AB1F-D153B8F4F7E1}"/>
+          </ac:cxnSpMkLst>
+        </pc:cxnChg>
+        <pc:cxnChg chg="mod topLvl">
+          <ac:chgData name="Judson Santiago" userId="ebb108da2f256286" providerId="LiveId" clId="{92A88429-C108-47A7-B66C-B156D04CD5B9}" dt="2021-05-13T19:37:50.081" v="291" actId="164"/>
+          <ac:cxnSpMkLst>
+            <pc:docMk/>
+            <pc:sldMk cId="0" sldId="329"/>
+            <ac:cxnSpMk id="43" creationId="{5F0EB21A-224F-4A0D-85F3-3062DFAEE4AB}"/>
+          </ac:cxnSpMkLst>
+        </pc:cxnChg>
+        <pc:cxnChg chg="del mod topLvl">
+          <ac:chgData name="Judson Santiago" userId="ebb108da2f256286" providerId="LiveId" clId="{92A88429-C108-47A7-B66C-B156D04CD5B9}" dt="2021-05-13T19:35:57.757" v="260" actId="478"/>
+          <ac:cxnSpMkLst>
+            <pc:docMk/>
+            <pc:sldMk cId="0" sldId="329"/>
+            <ac:cxnSpMk id="46" creationId="{A0B15201-B058-4C5F-827E-3F7C85E2B558}"/>
+          </ac:cxnSpMkLst>
+        </pc:cxnChg>
+        <pc:cxnChg chg="del mod topLvl">
+          <ac:chgData name="Judson Santiago" userId="ebb108da2f256286" providerId="LiveId" clId="{92A88429-C108-47A7-B66C-B156D04CD5B9}" dt="2021-05-13T19:35:59.838" v="261" actId="478"/>
+          <ac:cxnSpMkLst>
+            <pc:docMk/>
+            <pc:sldMk cId="0" sldId="329"/>
+            <ac:cxnSpMk id="49" creationId="{ED033DD0-BA12-4E83-A8EF-AF36B5EE2B6E}"/>
+          </ac:cxnSpMkLst>
+        </pc:cxnChg>
+      </pc:sldChg>
+      <pc:sldChg chg="addSp delSp modSp add del mod">
+        <pc:chgData name="Judson Santiago" userId="ebb108da2f256286" providerId="LiveId" clId="{92A88429-C108-47A7-B66C-B156D04CD5B9}" dt="2021-05-13T19:16:33.536" v="133" actId="47"/>
+        <pc:sldMkLst>
+          <pc:docMk/>
+          <pc:sldMk cId="3330729430" sldId="329"/>
+        </pc:sldMkLst>
+        <pc:spChg chg="mod topLvl">
+          <ac:chgData name="Judson Santiago" userId="ebb108da2f256286" providerId="LiveId" clId="{92A88429-C108-47A7-B66C-B156D04CD5B9}" dt="2021-05-13T19:11:30.464" v="98" actId="164"/>
+          <ac:spMkLst>
+            <pc:docMk/>
+            <pc:sldMk cId="3330729430" sldId="329"/>
+            <ac:spMk id="49" creationId="{49DEBF7A-A79C-4075-AB3A-0AA7CE219396}"/>
+          </ac:spMkLst>
+        </pc:spChg>
+        <pc:spChg chg="mod topLvl">
+          <ac:chgData name="Judson Santiago" userId="ebb108da2f256286" providerId="LiveId" clId="{92A88429-C108-47A7-B66C-B156D04CD5B9}" dt="2021-05-13T19:11:30.464" v="98" actId="164"/>
+          <ac:spMkLst>
+            <pc:docMk/>
+            <pc:sldMk cId="3330729430" sldId="329"/>
+            <ac:spMk id="51" creationId="{168ED273-BCE4-4807-AD7C-F6E0A1C326D7}"/>
+          </ac:spMkLst>
+        </pc:spChg>
+        <pc:spChg chg="mod topLvl">
+          <ac:chgData name="Judson Santiago" userId="ebb108da2f256286" providerId="LiveId" clId="{92A88429-C108-47A7-B66C-B156D04CD5B9}" dt="2021-05-13T19:11:37.846" v="99" actId="164"/>
+          <ac:spMkLst>
+            <pc:docMk/>
+            <pc:sldMk cId="3330729430" sldId="329"/>
+            <ac:spMk id="71" creationId="{FDB54F82-3FB2-4889-984C-BD0007841A38}"/>
+          </ac:spMkLst>
+        </pc:spChg>
+        <pc:spChg chg="mod topLvl">
+          <ac:chgData name="Judson Santiago" userId="ebb108da2f256286" providerId="LiveId" clId="{92A88429-C108-47A7-B66C-B156D04CD5B9}" dt="2021-05-13T19:11:37.846" v="99" actId="164"/>
+          <ac:spMkLst>
+            <pc:docMk/>
+            <pc:sldMk cId="3330729430" sldId="329"/>
+            <ac:spMk id="73" creationId="{780791E1-4FC1-4E6C-80CE-364157FB4CFA}"/>
+          </ac:spMkLst>
+        </pc:spChg>
+        <pc:spChg chg="mod topLvl">
+          <ac:chgData name="Judson Santiago" userId="ebb108da2f256286" providerId="LiveId" clId="{92A88429-C108-47A7-B66C-B156D04CD5B9}" dt="2021-05-13T19:11:37.846" v="99" actId="164"/>
+          <ac:spMkLst>
+            <pc:docMk/>
+            <pc:sldMk cId="3330729430" sldId="329"/>
+            <ac:spMk id="74" creationId="{40535B78-E398-483D-91C6-5864A8767FBA}"/>
+          </ac:spMkLst>
+        </pc:spChg>
+        <pc:spChg chg="mod topLvl">
+          <ac:chgData name="Judson Santiago" userId="ebb108da2f256286" providerId="LiveId" clId="{92A88429-C108-47A7-B66C-B156D04CD5B9}" dt="2021-05-13T19:11:37.846" v="99" actId="164"/>
+          <ac:spMkLst>
+            <pc:docMk/>
+            <pc:sldMk cId="3330729430" sldId="329"/>
+            <ac:spMk id="76" creationId="{EAF773AB-54EC-40EE-914E-89B0EF4A50A9}"/>
+          </ac:spMkLst>
+        </pc:spChg>
+        <pc:spChg chg="mod topLvl">
+          <ac:chgData name="Judson Santiago" userId="ebb108da2f256286" providerId="LiveId" clId="{92A88429-C108-47A7-B66C-B156D04CD5B9}" dt="2021-05-13T19:11:37.846" v="99" actId="164"/>
+          <ac:spMkLst>
+            <pc:docMk/>
+            <pc:sldMk cId="3330729430" sldId="329"/>
+            <ac:spMk id="85" creationId="{18A3BD1D-E8C1-4A87-A793-594FD25BD322}"/>
+          </ac:spMkLst>
+        </pc:spChg>
+        <pc:spChg chg="mod topLvl">
+          <ac:chgData name="Judson Santiago" userId="ebb108da2f256286" providerId="LiveId" clId="{92A88429-C108-47A7-B66C-B156D04CD5B9}" dt="2021-05-13T19:11:42.463" v="100" actId="164"/>
+          <ac:spMkLst>
+            <pc:docMk/>
+            <pc:sldMk cId="3330729430" sldId="329"/>
+            <ac:spMk id="87" creationId="{1B0D85B2-F6D7-44B1-8214-F01283773272}"/>
+          </ac:spMkLst>
+        </pc:spChg>
+        <pc:spChg chg="mod topLvl">
+          <ac:chgData name="Judson Santiago" userId="ebb108da2f256286" providerId="LiveId" clId="{92A88429-C108-47A7-B66C-B156D04CD5B9}" dt="2021-05-13T19:11:42.463" v="100" actId="164"/>
+          <ac:spMkLst>
+            <pc:docMk/>
+            <pc:sldMk cId="3330729430" sldId="329"/>
+            <ac:spMk id="90" creationId="{9B077887-AC12-43D6-B56A-2C9AB6200201}"/>
+          </ac:spMkLst>
+        </pc:spChg>
+        <pc:spChg chg="mod topLvl">
+          <ac:chgData name="Judson Santiago" userId="ebb108da2f256286" providerId="LiveId" clId="{92A88429-C108-47A7-B66C-B156D04CD5B9}" dt="2021-05-13T19:11:42.463" v="100" actId="164"/>
+          <ac:spMkLst>
+            <pc:docMk/>
+            <pc:sldMk cId="3330729430" sldId="329"/>
+            <ac:spMk id="98" creationId="{698D6AB4-EDAC-442B-AF9F-C660C725CAFE}"/>
+          </ac:spMkLst>
+        </pc:spChg>
+        <pc:spChg chg="mod topLvl">
+          <ac:chgData name="Judson Santiago" userId="ebb108da2f256286" providerId="LiveId" clId="{92A88429-C108-47A7-B66C-B156D04CD5B9}" dt="2021-05-13T19:11:42.463" v="100" actId="164"/>
+          <ac:spMkLst>
+            <pc:docMk/>
+            <pc:sldMk cId="3330729430" sldId="329"/>
+            <ac:spMk id="99" creationId="{41832D9F-03FE-4205-89AC-0B4189007AE8}"/>
+          </ac:spMkLst>
+        </pc:spChg>
+        <pc:spChg chg="mod topLvl">
+          <ac:chgData name="Judson Santiago" userId="ebb108da2f256286" providerId="LiveId" clId="{92A88429-C108-47A7-B66C-B156D04CD5B9}" dt="2021-05-13T19:11:42.463" v="100" actId="164"/>
+          <ac:spMkLst>
+            <pc:docMk/>
+            <pc:sldMk cId="3330729430" sldId="329"/>
+            <ac:spMk id="100" creationId="{228B19ED-D9AD-4E4E-BC87-5324B22A3C6A}"/>
+          </ac:spMkLst>
+        </pc:spChg>
+        <pc:spChg chg="mod topLvl">
+          <ac:chgData name="Judson Santiago" userId="ebb108da2f256286" providerId="LiveId" clId="{92A88429-C108-47A7-B66C-B156D04CD5B9}" dt="2021-05-13T19:12:35.157" v="104" actId="165"/>
+          <ac:spMkLst>
+            <pc:docMk/>
+            <pc:sldMk cId="3330729430" sldId="329"/>
+            <ac:spMk id="102" creationId="{C5C3D2CD-01A2-4608-84BC-03B93D1ABD94}"/>
+          </ac:spMkLst>
+        </pc:spChg>
+        <pc:spChg chg="mod topLvl">
+          <ac:chgData name="Judson Santiago" userId="ebb108da2f256286" providerId="LiveId" clId="{92A88429-C108-47A7-B66C-B156D04CD5B9}" dt="2021-05-13T19:15:25.077" v="123" actId="14100"/>
+          <ac:spMkLst>
+            <pc:docMk/>
+            <pc:sldMk cId="3330729430" sldId="329"/>
+            <ac:spMk id="103" creationId="{5A1F1EF9-1E14-4C3E-BF5B-641BCEFC6FB2}"/>
+          </ac:spMkLst>
+        </pc:spChg>
+        <pc:spChg chg="mod topLvl">
+          <ac:chgData name="Judson Santiago" userId="ebb108da2f256286" providerId="LiveId" clId="{92A88429-C108-47A7-B66C-B156D04CD5B9}" dt="2021-05-13T19:15:19.350" v="122" actId="14100"/>
+          <ac:spMkLst>
+            <pc:docMk/>
+            <pc:sldMk cId="3330729430" sldId="329"/>
+            <ac:spMk id="104" creationId="{15957B78-DEDB-4E8B-91C4-4D77AC55B741}"/>
+          </ac:spMkLst>
+        </pc:spChg>
+        <pc:spChg chg="mod ord topLvl">
+          <ac:chgData name="Judson Santiago" userId="ebb108da2f256286" providerId="LiveId" clId="{92A88429-C108-47A7-B66C-B156D04CD5B9}" dt="2021-05-13T19:14:27.180" v="113" actId="14100"/>
+          <ac:spMkLst>
+            <pc:docMk/>
+            <pc:sldMk cId="3330729430" sldId="329"/>
+            <ac:spMk id="105" creationId="{F5F7C0C7-8B57-4F2F-B031-C8D857EA268C}"/>
+          </ac:spMkLst>
+        </pc:spChg>
+        <pc:spChg chg="mod ord topLvl">
+          <ac:chgData name="Judson Santiago" userId="ebb108da2f256286" providerId="LiveId" clId="{92A88429-C108-47A7-B66C-B156D04CD5B9}" dt="2021-05-13T19:13:23.291" v="111" actId="166"/>
+          <ac:spMkLst>
+            <pc:docMk/>
+            <pc:sldMk cId="3330729430" sldId="329"/>
+            <ac:spMk id="110" creationId="{7559A553-8775-45A8-89F8-1CF0808601A5}"/>
+          </ac:spMkLst>
+        </pc:spChg>
+        <pc:spChg chg="del mod topLvl">
+          <ac:chgData name="Judson Santiago" userId="ebb108da2f256286" providerId="LiveId" clId="{92A88429-C108-47A7-B66C-B156D04CD5B9}" dt="2021-05-13T19:16:31.418" v="132" actId="478"/>
+          <ac:spMkLst>
+            <pc:docMk/>
+            <pc:sldMk cId="3330729430" sldId="329"/>
+            <ac:spMk id="112" creationId="{218F7408-E23A-4AD4-9309-CCA9E5B71DF7}"/>
+          </ac:spMkLst>
+        </pc:spChg>
+        <pc:spChg chg="mod topLvl">
+          <ac:chgData name="Judson Santiago" userId="ebb108da2f256286" providerId="LiveId" clId="{92A88429-C108-47A7-B66C-B156D04CD5B9}" dt="2021-05-13T19:16:12.835" v="131" actId="1076"/>
+          <ac:spMkLst>
+            <pc:docMk/>
+            <pc:sldMk cId="3330729430" sldId="329"/>
+            <ac:spMk id="113" creationId="{5C7EBCF8-5F75-462D-8EEA-39352F9EB2C7}"/>
+          </ac:spMkLst>
+        </pc:spChg>
+        <pc:spChg chg="add mod ord">
+          <ac:chgData name="Judson Santiago" userId="ebb108da2f256286" providerId="LiveId" clId="{92A88429-C108-47A7-B66C-B156D04CD5B9}" dt="2021-05-13T19:15:42.585" v="126" actId="167"/>
+          <ac:spMkLst>
+            <pc:docMk/>
+            <pc:sldMk cId="3330729430" sldId="329"/>
+            <ac:spMk id="114" creationId="{32684ADD-A868-45C8-9F04-611DA56F9A73}"/>
+          </ac:spMkLst>
+        </pc:spChg>
+        <pc:grpChg chg="add mod">
+          <ac:chgData name="Judson Santiago" userId="ebb108da2f256286" providerId="LiveId" clId="{92A88429-C108-47A7-B66C-B156D04CD5B9}" dt="2021-05-13T19:11:30.464" v="98" actId="164"/>
+          <ac:grpSpMkLst>
+            <pc:docMk/>
+            <pc:sldMk cId="3330729430" sldId="329"/>
+            <ac:grpSpMk id="4" creationId="{5AA3015A-2547-4671-8B61-C1999F907E2A}"/>
+          </ac:grpSpMkLst>
+        </pc:grpChg>
+        <pc:grpChg chg="add mod">
+          <ac:chgData name="Judson Santiago" userId="ebb108da2f256286" providerId="LiveId" clId="{92A88429-C108-47A7-B66C-B156D04CD5B9}" dt="2021-05-13T19:11:50.176" v="101" actId="408"/>
+          <ac:grpSpMkLst>
+            <pc:docMk/>
+            <pc:sldMk cId="3330729430" sldId="329"/>
+            <ac:grpSpMk id="6" creationId="{CDFA7B17-3E13-4D45-B43E-C42250E9B300}"/>
+          </ac:grpSpMkLst>
+        </pc:grpChg>
+        <pc:grpChg chg="add mod">
+          <ac:chgData name="Judson Santiago" userId="ebb108da2f256286" providerId="LiveId" clId="{92A88429-C108-47A7-B66C-B156D04CD5B9}" dt="2021-05-13T19:11:42.463" v="100" actId="164"/>
+          <ac:grpSpMkLst>
+            <pc:docMk/>
+            <pc:sldMk cId="3330729430" sldId="329"/>
+            <ac:grpSpMk id="12" creationId="{8E918D83-4374-4395-9080-DDBB3BF6A5C5}"/>
+          </ac:grpSpMkLst>
+        </pc:grpChg>
+        <pc:grpChg chg="add del mod">
+          <ac:chgData name="Judson Santiago" userId="ebb108da2f256286" providerId="LiveId" clId="{92A88429-C108-47A7-B66C-B156D04CD5B9}" dt="2021-05-13T19:14:41.572" v="115" actId="165"/>
+          <ac:grpSpMkLst>
+            <pc:docMk/>
+            <pc:sldMk cId="3330729430" sldId="329"/>
+            <ac:grpSpMk id="13" creationId="{8937BA56-FBDA-4E7E-B489-406B4459BFE1}"/>
+          </ac:grpSpMkLst>
+        </pc:grpChg>
+        <pc:grpChg chg="del">
+          <ac:chgData name="Judson Santiago" userId="ebb108da2f256286" providerId="LiveId" clId="{92A88429-C108-47A7-B66C-B156D04CD5B9}" dt="2021-05-13T19:08:08.905" v="9" actId="478"/>
+          <ac:grpSpMkLst>
+            <pc:docMk/>
+            <pc:sldMk cId="3330729430" sldId="329"/>
+            <ac:grpSpMk id="46" creationId="{27C29108-8573-48A2-82B3-0756F76B34EB}"/>
+          </ac:grpSpMkLst>
+        </pc:grpChg>
+        <pc:grpChg chg="del">
+          <ac:chgData name="Judson Santiago" userId="ebb108da2f256286" providerId="LiveId" clId="{92A88429-C108-47A7-B66C-B156D04CD5B9}" dt="2021-05-13T19:08:08.905" v="9" actId="478"/>
+          <ac:grpSpMkLst>
+            <pc:docMk/>
+            <pc:sldMk cId="3330729430" sldId="329"/>
+            <ac:grpSpMk id="47" creationId="{18D48763-C5FF-42EE-A820-94BEDED3E4F9}"/>
+          </ac:grpSpMkLst>
+        </pc:grpChg>
+        <pc:grpChg chg="add del mod">
+          <ac:chgData name="Judson Santiago" userId="ebb108da2f256286" providerId="LiveId" clId="{92A88429-C108-47A7-B66C-B156D04CD5B9}" dt="2021-05-13T19:08:39.716" v="12" actId="165"/>
+          <ac:grpSpMkLst>
+            <pc:docMk/>
+            <pc:sldMk cId="3330729430" sldId="329"/>
+            <ac:grpSpMk id="48" creationId="{666518EA-B8F7-4CFC-841B-62635C225FB0}"/>
+          </ac:grpSpMkLst>
+        </pc:grpChg>
+        <pc:grpChg chg="del mod topLvl">
+          <ac:chgData name="Judson Santiago" userId="ebb108da2f256286" providerId="LiveId" clId="{92A88429-C108-47A7-B66C-B156D04CD5B9}" dt="2021-05-13T19:08:46.923" v="13" actId="165"/>
+          <ac:grpSpMkLst>
+            <pc:docMk/>
+            <pc:sldMk cId="3330729430" sldId="329"/>
+            <ac:grpSpMk id="50" creationId="{FD03251B-82E8-45AA-ADED-D8DA5E5C4F1C}"/>
+          </ac:grpSpMkLst>
+        </pc:grpChg>
+        <pc:grpChg chg="add del mod">
+          <ac:chgData name="Judson Santiago" userId="ebb108da2f256286" providerId="LiveId" clId="{92A88429-C108-47A7-B66C-B156D04CD5B9}" dt="2021-05-13T19:08:39.716" v="12" actId="165"/>
+          <ac:grpSpMkLst>
+            <pc:docMk/>
+            <pc:sldMk cId="3330729430" sldId="329"/>
+            <ac:grpSpMk id="70" creationId="{FFAF961A-0000-4E1E-BFEC-D16FAB4F9B9C}"/>
+          </ac:grpSpMkLst>
+        </pc:grpChg>
+        <pc:grpChg chg="del mod topLvl">
+          <ac:chgData name="Judson Santiago" userId="ebb108da2f256286" providerId="LiveId" clId="{92A88429-C108-47A7-B66C-B156D04CD5B9}" dt="2021-05-13T19:08:52.041" v="14" actId="165"/>
+          <ac:grpSpMkLst>
+            <pc:docMk/>
+            <pc:sldMk cId="3330729430" sldId="329"/>
+            <ac:grpSpMk id="72" creationId="{CB88CA7C-4098-4D87-924F-32B21E48630E}"/>
+          </ac:grpSpMkLst>
+        </pc:grpChg>
+        <pc:grpChg chg="add del mod">
+          <ac:chgData name="Judson Santiago" userId="ebb108da2f256286" providerId="LiveId" clId="{92A88429-C108-47A7-B66C-B156D04CD5B9}" dt="2021-05-13T19:08:39.716" v="12" actId="165"/>
+          <ac:grpSpMkLst>
+            <pc:docMk/>
+            <pc:sldMk cId="3330729430" sldId="329"/>
+            <ac:grpSpMk id="86" creationId="{C389271F-B333-4F05-8301-9556BE11E369}"/>
+          </ac:grpSpMkLst>
+        </pc:grpChg>
+        <pc:grpChg chg="del mod topLvl">
+          <ac:chgData name="Judson Santiago" userId="ebb108da2f256286" providerId="LiveId" clId="{92A88429-C108-47A7-B66C-B156D04CD5B9}" dt="2021-05-13T19:08:56.918" v="15" actId="165"/>
+          <ac:grpSpMkLst>
+            <pc:docMk/>
+            <pc:sldMk cId="3330729430" sldId="329"/>
+            <ac:grpSpMk id="88" creationId="{DF1CAA33-A759-46E0-B1B2-F821354C4792}"/>
+          </ac:grpSpMkLst>
+        </pc:grpChg>
+        <pc:grpChg chg="del mod topLvl">
+          <ac:chgData name="Judson Santiago" userId="ebb108da2f256286" providerId="LiveId" clId="{92A88429-C108-47A7-B66C-B156D04CD5B9}" dt="2021-05-13T19:10:05.320" v="45" actId="165"/>
+          <ac:grpSpMkLst>
+            <pc:docMk/>
+            <pc:sldMk cId="3330729430" sldId="329"/>
+            <ac:grpSpMk id="89" creationId="{C5A4E387-AE25-4C64-87A2-A8192B93F4EE}"/>
+          </ac:grpSpMkLst>
+        </pc:grpChg>
+        <pc:grpChg chg="del">
+          <ac:chgData name="Judson Santiago" userId="ebb108da2f256286" providerId="LiveId" clId="{92A88429-C108-47A7-B66C-B156D04CD5B9}" dt="2021-05-13T19:08:08.905" v="9" actId="478"/>
+          <ac:grpSpMkLst>
+            <pc:docMk/>
+            <pc:sldMk cId="3330729430" sldId="329"/>
+            <ac:grpSpMk id="91" creationId="{B3EB9D37-BD5E-4BD5-9948-3CE6DD99594A}"/>
+          </ac:grpSpMkLst>
+        </pc:grpChg>
+        <pc:grpChg chg="del">
+          <ac:chgData name="Judson Santiago" userId="ebb108da2f256286" providerId="LiveId" clId="{92A88429-C108-47A7-B66C-B156D04CD5B9}" dt="2021-05-13T19:08:08.905" v="9" actId="478"/>
+          <ac:grpSpMkLst>
+            <pc:docMk/>
+            <pc:sldMk cId="3330729430" sldId="329"/>
+            <ac:grpSpMk id="92" creationId="{59C4F6A0-6B63-4FD9-9B7A-22094D61F503}"/>
+          </ac:grpSpMkLst>
+        </pc:grpChg>
+        <pc:grpChg chg="add del mod">
+          <ac:chgData name="Judson Santiago" userId="ebb108da2f256286" providerId="LiveId" clId="{92A88429-C108-47A7-B66C-B156D04CD5B9}" dt="2021-05-13T19:12:35.157" v="104" actId="165"/>
+          <ac:grpSpMkLst>
+            <pc:docMk/>
+            <pc:sldMk cId="3330729430" sldId="329"/>
+            <ac:grpSpMk id="101" creationId="{177B873A-AB7D-47C3-B56D-76DB353295FF}"/>
+          </ac:grpSpMkLst>
+        </pc:grpChg>
+        <pc:grpChg chg="add del mod">
+          <ac:chgData name="Judson Santiago" userId="ebb108da2f256286" providerId="LiveId" clId="{92A88429-C108-47A7-B66C-B156D04CD5B9}" dt="2021-05-13T19:14:38.177" v="114" actId="165"/>
+          <ac:grpSpMkLst>
+            <pc:docMk/>
+            <pc:sldMk cId="3330729430" sldId="329"/>
+            <ac:grpSpMk id="111" creationId="{3E745A78-9AB6-45DE-BA2A-230D6ECF6044}"/>
+          </ac:grpSpMkLst>
+        </pc:grpChg>
+        <pc:cxnChg chg="del mod topLvl">
+          <ac:chgData name="Judson Santiago" userId="ebb108da2f256286" providerId="LiveId" clId="{92A88429-C108-47A7-B66C-B156D04CD5B9}" dt="2021-05-13T19:09:01.392" v="16" actId="478"/>
+          <ac:cxnSpMkLst>
+            <pc:docMk/>
+            <pc:sldMk cId="3330729430" sldId="329"/>
+            <ac:cxnSpMk id="52" creationId="{F77F455D-8CDC-4BF4-93BB-DB6915566A3E}"/>
+          </ac:cxnSpMkLst>
+        </pc:cxnChg>
+        <pc:cxnChg chg="mod topLvl">
+          <ac:chgData name="Judson Santiago" userId="ebb108da2f256286" providerId="LiveId" clId="{92A88429-C108-47A7-B66C-B156D04CD5B9}" dt="2021-05-13T19:11:30.464" v="98" actId="164"/>
+          <ac:cxnSpMkLst>
+            <pc:docMk/>
+            <pc:sldMk cId="3330729430" sldId="329"/>
+            <ac:cxnSpMk id="53" creationId="{C9EE2AFC-3E16-47E0-A9E5-8A95C8515266}"/>
+          </ac:cxnSpMkLst>
+        </pc:cxnChg>
+        <pc:cxnChg chg="mod topLvl">
+          <ac:chgData name="Judson Santiago" userId="ebb108da2f256286" providerId="LiveId" clId="{92A88429-C108-47A7-B66C-B156D04CD5B9}" dt="2021-05-13T19:11:30.464" v="98" actId="164"/>
+          <ac:cxnSpMkLst>
+            <pc:docMk/>
+            <pc:sldMk cId="3330729430" sldId="329"/>
+            <ac:cxnSpMk id="62" creationId="{C72EE840-62E3-4F61-AF2C-C7507F0722D3}"/>
+          </ac:cxnSpMkLst>
+        </pc:cxnChg>
+        <pc:cxnChg chg="mod topLvl">
+          <ac:chgData name="Judson Santiago" userId="ebb108da2f256286" providerId="LiveId" clId="{92A88429-C108-47A7-B66C-B156D04CD5B9}" dt="2021-05-13T19:11:30.464" v="98" actId="164"/>
+          <ac:cxnSpMkLst>
+            <pc:docMk/>
+            <pc:sldMk cId="3330729430" sldId="329"/>
+            <ac:cxnSpMk id="67" creationId="{6C03E74C-4E07-46B8-B147-656EF7CC2EE4}"/>
+          </ac:cxnSpMkLst>
+        </pc:cxnChg>
+        <pc:cxnChg chg="mod topLvl">
+          <ac:chgData name="Judson Santiago" userId="ebb108da2f256286" providerId="LiveId" clId="{92A88429-C108-47A7-B66C-B156D04CD5B9}" dt="2021-05-13T19:11:30.464" v="98" actId="164"/>
+          <ac:cxnSpMkLst>
+            <pc:docMk/>
+            <pc:sldMk cId="3330729430" sldId="329"/>
+            <ac:cxnSpMk id="69" creationId="{BE8F1FD3-0F52-4A33-BFD4-B0E3769F300C}"/>
+          </ac:cxnSpMkLst>
+        </pc:cxnChg>
+        <pc:cxnChg chg="del mod topLvl">
+          <ac:chgData name="Judson Santiago" userId="ebb108da2f256286" providerId="LiveId" clId="{92A88429-C108-47A7-B66C-B156D04CD5B9}" dt="2021-05-13T19:09:02.504" v="17" actId="478"/>
+          <ac:cxnSpMkLst>
+            <pc:docMk/>
+            <pc:sldMk cId="3330729430" sldId="329"/>
+            <ac:cxnSpMk id="78" creationId="{92DDEB96-FE7D-4E92-ADBE-AA385CC342DE}"/>
+          </ac:cxnSpMkLst>
+        </pc:cxnChg>
+        <pc:cxnChg chg="mod topLvl">
+          <ac:chgData name="Judson Santiago" userId="ebb108da2f256286" providerId="LiveId" clId="{92A88429-C108-47A7-B66C-B156D04CD5B9}" dt="2021-05-13T19:11:37.846" v="99" actId="164"/>
+          <ac:cxnSpMkLst>
+            <pc:docMk/>
+            <pc:sldMk cId="3330729430" sldId="329"/>
+            <ac:cxnSpMk id="80" creationId="{6D11E2AC-5991-4F6B-B93E-2EC400F60971}"/>
+          </ac:cxnSpMkLst>
+        </pc:cxnChg>
+        <pc:cxnChg chg="mod topLvl">
+          <ac:chgData name="Judson Santiago" userId="ebb108da2f256286" providerId="LiveId" clId="{92A88429-C108-47A7-B66C-B156D04CD5B9}" dt="2021-05-13T19:11:37.846" v="99" actId="164"/>
+          <ac:cxnSpMkLst>
+            <pc:docMk/>
+            <pc:sldMk cId="3330729430" sldId="329"/>
+            <ac:cxnSpMk id="82" creationId="{FF890398-6A7E-4690-9B00-AA42033736DE}"/>
+          </ac:cxnSpMkLst>
+        </pc:cxnChg>
+        <pc:cxnChg chg="mod topLvl">
+          <ac:chgData name="Judson Santiago" userId="ebb108da2f256286" providerId="LiveId" clId="{92A88429-C108-47A7-B66C-B156D04CD5B9}" dt="2021-05-13T19:11:37.846" v="99" actId="164"/>
+          <ac:cxnSpMkLst>
+            <pc:docMk/>
+            <pc:sldMk cId="3330729430" sldId="329"/>
+            <ac:cxnSpMk id="83" creationId="{1DA14ECC-DB76-430E-8981-FB5B0665AC30}"/>
+          </ac:cxnSpMkLst>
+        </pc:cxnChg>
+        <pc:cxnChg chg="mod topLvl">
+          <ac:chgData name="Judson Santiago" userId="ebb108da2f256286" providerId="LiveId" clId="{92A88429-C108-47A7-B66C-B156D04CD5B9}" dt="2021-05-13T19:11:37.846" v="99" actId="164"/>
+          <ac:cxnSpMkLst>
+            <pc:docMk/>
+            <pc:sldMk cId="3330729430" sldId="329"/>
+            <ac:cxnSpMk id="84" creationId="{7175339B-FE15-49AC-98BF-5F87077BFC5A}"/>
+          </ac:cxnSpMkLst>
+        </pc:cxnChg>
+        <pc:cxnChg chg="del mod topLvl">
+          <ac:chgData name="Judson Santiago" userId="ebb108da2f256286" providerId="LiveId" clId="{92A88429-C108-47A7-B66C-B156D04CD5B9}" dt="2021-05-13T19:09:03.608" v="18" actId="478"/>
+          <ac:cxnSpMkLst>
+            <pc:docMk/>
+            <pc:sldMk cId="3330729430" sldId="329"/>
+            <ac:cxnSpMk id="93" creationId="{ABB7649F-18D5-4483-83BF-9ED0DB571692}"/>
+          </ac:cxnSpMkLst>
+        </pc:cxnChg>
+        <pc:cxnChg chg="mod topLvl">
+          <ac:chgData name="Judson Santiago" userId="ebb108da2f256286" providerId="LiveId" clId="{92A88429-C108-47A7-B66C-B156D04CD5B9}" dt="2021-05-13T19:11:42.463" v="100" actId="164"/>
+          <ac:cxnSpMkLst>
+            <pc:docMk/>
+            <pc:sldMk cId="3330729430" sldId="329"/>
+            <ac:cxnSpMk id="94" creationId="{90B81F61-9F2A-445D-853B-B11EEC129838}"/>
+          </ac:cxnSpMkLst>
+        </pc:cxnChg>
+        <pc:cxnChg chg="mod topLvl">
+          <ac:chgData name="Judson Santiago" userId="ebb108da2f256286" providerId="LiveId" clId="{92A88429-C108-47A7-B66C-B156D04CD5B9}" dt="2021-05-13T19:11:42.463" v="100" actId="164"/>
+          <ac:cxnSpMkLst>
+            <pc:docMk/>
+            <pc:sldMk cId="3330729430" sldId="329"/>
+            <ac:cxnSpMk id="95" creationId="{BB2D4428-1629-448F-81F2-916EDF54B352}"/>
+          </ac:cxnSpMkLst>
+        </pc:cxnChg>
+        <pc:cxnChg chg="mod topLvl">
+          <ac:chgData name="Judson Santiago" userId="ebb108da2f256286" providerId="LiveId" clId="{92A88429-C108-47A7-B66C-B156D04CD5B9}" dt="2021-05-13T19:11:42.463" v="100" actId="164"/>
+          <ac:cxnSpMkLst>
+            <pc:docMk/>
+            <pc:sldMk cId="3330729430" sldId="329"/>
+            <ac:cxnSpMk id="96" creationId="{95EC9B36-4470-4791-AE27-F8B9F2E77753}"/>
+          </ac:cxnSpMkLst>
+        </pc:cxnChg>
+        <pc:cxnChg chg="mod topLvl">
+          <ac:chgData name="Judson Santiago" userId="ebb108da2f256286" providerId="LiveId" clId="{92A88429-C108-47A7-B66C-B156D04CD5B9}" dt="2021-05-13T19:11:42.463" v="100" actId="164"/>
+          <ac:cxnSpMkLst>
+            <pc:docMk/>
+            <pc:sldMk cId="3330729430" sldId="329"/>
+            <ac:cxnSpMk id="97" creationId="{319D7A37-F650-4E03-BD3D-EF5144610BAE}"/>
+          </ac:cxnSpMkLst>
+        </pc:cxnChg>
+        <pc:cxnChg chg="mod ord topLvl">
+          <ac:chgData name="Judson Santiago" userId="ebb108da2f256286" providerId="LiveId" clId="{92A88429-C108-47A7-B66C-B156D04CD5B9}" dt="2021-05-13T19:13:32.185" v="112" actId="166"/>
+          <ac:cxnSpMkLst>
+            <pc:docMk/>
+            <pc:sldMk cId="3330729430" sldId="329"/>
+            <ac:cxnSpMk id="106" creationId="{33EC8CA1-8885-4296-BC81-E2B9DA88E9CC}"/>
+          </ac:cxnSpMkLst>
+        </pc:cxnChg>
+        <pc:cxnChg chg="mod ord topLvl">
+          <ac:chgData name="Judson Santiago" userId="ebb108da2f256286" providerId="LiveId" clId="{92A88429-C108-47A7-B66C-B156D04CD5B9}" dt="2021-05-13T19:13:32.185" v="112" actId="166"/>
+          <ac:cxnSpMkLst>
+            <pc:docMk/>
+            <pc:sldMk cId="3330729430" sldId="329"/>
+            <ac:cxnSpMk id="107" creationId="{7E956CED-FE5F-4A18-87BD-4AB5C6BD890E}"/>
+          </ac:cxnSpMkLst>
+        </pc:cxnChg>
+        <pc:cxnChg chg="mod ord topLvl">
+          <ac:chgData name="Judson Santiago" userId="ebb108da2f256286" providerId="LiveId" clId="{92A88429-C108-47A7-B66C-B156D04CD5B9}" dt="2021-05-13T19:13:32.185" v="112" actId="166"/>
+          <ac:cxnSpMkLst>
+            <pc:docMk/>
+            <pc:sldMk cId="3330729430" sldId="329"/>
+            <ac:cxnSpMk id="108" creationId="{7DFF93CB-0B85-4D63-8132-D01C8F1A7C52}"/>
+          </ac:cxnSpMkLst>
+        </pc:cxnChg>
+        <pc:cxnChg chg="mod ord topLvl">
+          <ac:chgData name="Judson Santiago" userId="ebb108da2f256286" providerId="LiveId" clId="{92A88429-C108-47A7-B66C-B156D04CD5B9}" dt="2021-05-13T19:13:32.185" v="112" actId="166"/>
+          <ac:cxnSpMkLst>
+            <pc:docMk/>
+            <pc:sldMk cId="3330729430" sldId="329"/>
+            <ac:cxnSpMk id="109" creationId="{93275E4E-2A33-42DC-9990-E6719280707C}"/>
+          </ac:cxnSpMkLst>
+        </pc:cxnChg>
+      </pc:sldChg>
+      <pc:sldChg chg="addSp delSp modSp add mod">
+        <pc:chgData name="Judson Santiago" userId="ebb108da2f256286" providerId="LiveId" clId="{92A88429-C108-47A7-B66C-B156D04CD5B9}" dt="2021-05-13T19:55:40.008" v="515"/>
+        <pc:sldMkLst>
+          <pc:docMk/>
+          <pc:sldMk cId="955529236" sldId="330"/>
+        </pc:sldMkLst>
+        <pc:spChg chg="mod">
+          <ac:chgData name="Judson Santiago" userId="ebb108da2f256286" providerId="LiveId" clId="{92A88429-C108-47A7-B66C-B156D04CD5B9}" dt="2021-05-13T19:55:40.008" v="515"/>
+          <ac:spMkLst>
+            <pc:docMk/>
+            <pc:sldMk cId="955529236" sldId="330"/>
+            <ac:spMk id="2" creationId="{00000000-0000-0000-0000-000000000000}"/>
+          </ac:spMkLst>
+        </pc:spChg>
+        <pc:spChg chg="mod topLvl">
+          <ac:chgData name="Judson Santiago" userId="ebb108da2f256286" providerId="LiveId" clId="{92A88429-C108-47A7-B66C-B156D04CD5B9}" dt="2021-05-13T19:55:14.783" v="511" actId="164"/>
+          <ac:spMkLst>
+            <pc:docMk/>
+            <pc:sldMk cId="955529236" sldId="330"/>
+            <ac:spMk id="5" creationId="{00000000-0000-0000-0000-000000000000}"/>
+          </ac:spMkLst>
+        </pc:spChg>
+        <pc:spChg chg="mod topLvl">
+          <ac:chgData name="Judson Santiago" userId="ebb108da2f256286" providerId="LiveId" clId="{92A88429-C108-47A7-B66C-B156D04CD5B9}" dt="2021-05-13T19:55:14.783" v="511" actId="164"/>
+          <ac:spMkLst>
+            <pc:docMk/>
+            <pc:sldMk cId="955529236" sldId="330"/>
+            <ac:spMk id="6" creationId="{00000000-0000-0000-0000-000000000000}"/>
+          </ac:spMkLst>
+        </pc:spChg>
+        <pc:spChg chg="mod topLvl">
+          <ac:chgData name="Judson Santiago" userId="ebb108da2f256286" providerId="LiveId" clId="{92A88429-C108-47A7-B66C-B156D04CD5B9}" dt="2021-05-13T19:55:14.783" v="511" actId="164"/>
+          <ac:spMkLst>
+            <pc:docMk/>
+            <pc:sldMk cId="955529236" sldId="330"/>
+            <ac:spMk id="7" creationId="{00000000-0000-0000-0000-000000000000}"/>
+          </ac:spMkLst>
+        </pc:spChg>
+        <pc:spChg chg="mod topLvl">
+          <ac:chgData name="Judson Santiago" userId="ebb108da2f256286" providerId="LiveId" clId="{92A88429-C108-47A7-B66C-B156D04CD5B9}" dt="2021-05-13T19:55:14.783" v="511" actId="164"/>
+          <ac:spMkLst>
+            <pc:docMk/>
+            <pc:sldMk cId="955529236" sldId="330"/>
+            <ac:spMk id="10" creationId="{00000000-0000-0000-0000-000000000000}"/>
+          </ac:spMkLst>
+        </pc:spChg>
+        <pc:spChg chg="mod topLvl">
+          <ac:chgData name="Judson Santiago" userId="ebb108da2f256286" providerId="LiveId" clId="{92A88429-C108-47A7-B66C-B156D04CD5B9}" dt="2021-05-13T19:55:14.783" v="511" actId="164"/>
+          <ac:spMkLst>
+            <pc:docMk/>
+            <pc:sldMk cId="955529236" sldId="330"/>
+            <ac:spMk id="11" creationId="{00000000-0000-0000-0000-000000000000}"/>
+          </ac:spMkLst>
+        </pc:spChg>
+        <pc:spChg chg="add mod">
+          <ac:chgData name="Judson Santiago" userId="ebb108da2f256286" providerId="LiveId" clId="{92A88429-C108-47A7-B66C-B156D04CD5B9}" dt="2021-05-13T19:55:18.622" v="512" actId="1076"/>
+          <ac:spMkLst>
+            <pc:docMk/>
+            <pc:sldMk cId="955529236" sldId="330"/>
+            <ac:spMk id="18" creationId="{4F60B685-C6AF-42C6-A9DC-153189831EA7}"/>
+          </ac:spMkLst>
+        </pc:spChg>
+        <pc:spChg chg="add del mod">
+          <ac:chgData name="Judson Santiago" userId="ebb108da2f256286" providerId="LiveId" clId="{92A88429-C108-47A7-B66C-B156D04CD5B9}" dt="2021-05-13T19:54:56.691" v="509" actId="478"/>
+          <ac:spMkLst>
+            <pc:docMk/>
+            <pc:sldMk cId="955529236" sldId="330"/>
+            <ac:spMk id="19" creationId="{5580BB1A-AC97-4ABB-8945-D4C536B053D6}"/>
+          </ac:spMkLst>
+        </pc:spChg>
+        <pc:spChg chg="add mod">
+          <ac:chgData name="Judson Santiago" userId="ebb108da2f256286" providerId="LiveId" clId="{92A88429-C108-47A7-B66C-B156D04CD5B9}" dt="2021-05-13T19:55:14.783" v="511" actId="164"/>
+          <ac:spMkLst>
+            <pc:docMk/>
+            <pc:sldMk cId="955529236" sldId="330"/>
+            <ac:spMk id="20" creationId="{D86FFD01-75A7-44FF-8D86-9E85DBA42F75}"/>
+          </ac:spMkLst>
+        </pc:spChg>
+        <pc:spChg chg="del topLvl">
+          <ac:chgData name="Judson Santiago" userId="ebb108da2f256286" providerId="LiveId" clId="{92A88429-C108-47A7-B66C-B156D04CD5B9}" dt="2021-05-13T19:52:06.476" v="431" actId="478"/>
+          <ac:spMkLst>
+            <pc:docMk/>
+            <pc:sldMk cId="955529236" sldId="330"/>
+            <ac:spMk id="21" creationId="{EE58F388-F7F6-4A4A-A029-1749F9DEE5B5}"/>
+          </ac:spMkLst>
+        </pc:spChg>
+        <pc:spChg chg="mod topLvl">
+          <ac:chgData name="Judson Santiago" userId="ebb108da2f256286" providerId="LiveId" clId="{92A88429-C108-47A7-B66C-B156D04CD5B9}" dt="2021-05-13T19:55:14.783" v="511" actId="164"/>
+          <ac:spMkLst>
+            <pc:docMk/>
+            <pc:sldMk cId="955529236" sldId="330"/>
+            <ac:spMk id="31" creationId="{00000000-0000-0000-0000-000000000000}"/>
+          </ac:spMkLst>
+        </pc:spChg>
+        <pc:spChg chg="mod topLvl">
+          <ac:chgData name="Judson Santiago" userId="ebb108da2f256286" providerId="LiveId" clId="{92A88429-C108-47A7-B66C-B156D04CD5B9}" dt="2021-05-13T19:55:14.783" v="511" actId="164"/>
+          <ac:spMkLst>
+            <pc:docMk/>
+            <pc:sldMk cId="955529236" sldId="330"/>
+            <ac:spMk id="32" creationId="{00000000-0000-0000-0000-000000000000}"/>
+          </ac:spMkLst>
+        </pc:spChg>
+        <pc:spChg chg="mod topLvl">
+          <ac:chgData name="Judson Santiago" userId="ebb108da2f256286" providerId="LiveId" clId="{92A88429-C108-47A7-B66C-B156D04CD5B9}" dt="2021-05-13T19:55:14.783" v="511" actId="164"/>
+          <ac:spMkLst>
+            <pc:docMk/>
+            <pc:sldMk cId="955529236" sldId="330"/>
+            <ac:spMk id="33" creationId="{00000000-0000-0000-0000-000000000000}"/>
+          </ac:spMkLst>
+        </pc:spChg>
+        <pc:grpChg chg="del topLvl">
+          <ac:chgData name="Judson Santiago" userId="ebb108da2f256286" providerId="LiveId" clId="{92A88429-C108-47A7-B66C-B156D04CD5B9}" dt="2021-05-13T19:52:25.149" v="444" actId="165"/>
+          <ac:grpSpMkLst>
+            <pc:docMk/>
+            <pc:sldMk cId="955529236" sldId="330"/>
+            <ac:grpSpMk id="15" creationId="{92EA77CB-A8C4-4414-9C64-2C74E6DC74C4}"/>
+          </ac:grpSpMkLst>
+        </pc:grpChg>
+        <pc:grpChg chg="del">
+          <ac:chgData name="Judson Santiago" userId="ebb108da2f256286" providerId="LiveId" clId="{92A88429-C108-47A7-B66C-B156D04CD5B9}" dt="2021-05-13T19:52:06.476" v="431" actId="478"/>
+          <ac:grpSpMkLst>
+            <pc:docMk/>
+            <pc:sldMk cId="955529236" sldId="330"/>
+            <ac:grpSpMk id="16" creationId="{D9987D0B-A749-4DEF-8825-C7F23079417E}"/>
+          </ac:grpSpMkLst>
+        </pc:grpChg>
+        <pc:grpChg chg="add mod">
+          <ac:chgData name="Judson Santiago" userId="ebb108da2f256286" providerId="LiveId" clId="{92A88429-C108-47A7-B66C-B156D04CD5B9}" dt="2021-05-13T19:55:22.900" v="513" actId="12788"/>
+          <ac:grpSpMkLst>
+            <pc:docMk/>
+            <pc:sldMk cId="955529236" sldId="330"/>
+            <ac:grpSpMk id="17" creationId="{4C5012F2-7D28-45D1-B35C-901827724FAB}"/>
+          </ac:grpSpMkLst>
+        </pc:grpChg>
+        <pc:cxnChg chg="mod topLvl">
+          <ac:chgData name="Judson Santiago" userId="ebb108da2f256286" providerId="LiveId" clId="{92A88429-C108-47A7-B66C-B156D04CD5B9}" dt="2021-05-13T19:55:14.783" v="511" actId="164"/>
+          <ac:cxnSpMkLst>
+            <pc:docMk/>
+            <pc:sldMk cId="955529236" sldId="330"/>
+            <ac:cxnSpMk id="13" creationId="{A01520B6-FF28-40CB-96C9-278E7B034C58}"/>
+          </ac:cxnSpMkLst>
+        </pc:cxnChg>
+        <pc:cxnChg chg="add mod">
+          <ac:chgData name="Judson Santiago" userId="ebb108da2f256286" providerId="LiveId" clId="{92A88429-C108-47A7-B66C-B156D04CD5B9}" dt="2021-05-13T19:55:14.783" v="511" actId="164"/>
+          <ac:cxnSpMkLst>
+            <pc:docMk/>
+            <pc:sldMk cId="955529236" sldId="330"/>
+            <ac:cxnSpMk id="22" creationId="{CE760CE9-166F-468A-9805-73A4A27ADA5F}"/>
+          </ac:cxnSpMkLst>
+        </pc:cxnChg>
+        <pc:cxnChg chg="add mod">
+          <ac:chgData name="Judson Santiago" userId="ebb108da2f256286" providerId="LiveId" clId="{92A88429-C108-47A7-B66C-B156D04CD5B9}" dt="2021-05-13T19:55:14.783" v="511" actId="164"/>
+          <ac:cxnSpMkLst>
+            <pc:docMk/>
+            <pc:sldMk cId="955529236" sldId="330"/>
+            <ac:cxnSpMk id="23" creationId="{FBB2EC93-5D9A-4168-9FA4-399B46B5EB58}"/>
+          </ac:cxnSpMkLst>
+        </pc:cxnChg>
+        <pc:cxnChg chg="mod topLvl">
+          <ac:chgData name="Judson Santiago" userId="ebb108da2f256286" providerId="LiveId" clId="{92A88429-C108-47A7-B66C-B156D04CD5B9}" dt="2021-05-13T19:55:14.783" v="511" actId="164"/>
+          <ac:cxnSpMkLst>
+            <pc:docMk/>
+            <pc:sldMk cId="955529236" sldId="330"/>
+            <ac:cxnSpMk id="38" creationId="{CBBC5CF4-009B-4B92-B920-93BAC5633FC0}"/>
+          </ac:cxnSpMkLst>
+        </pc:cxnChg>
+        <pc:cxnChg chg="del mod topLvl">
+          <ac:chgData name="Judson Santiago" userId="ebb108da2f256286" providerId="LiveId" clId="{92A88429-C108-47A7-B66C-B156D04CD5B9}" dt="2021-05-13T19:52:53.260" v="452" actId="478"/>
+          <ac:cxnSpMkLst>
+            <pc:docMk/>
+            <pc:sldMk cId="955529236" sldId="330"/>
+            <ac:cxnSpMk id="40" creationId="{DF417F28-CE15-4A1C-AB1F-D153B8F4F7E1}"/>
+          </ac:cxnSpMkLst>
+        </pc:cxnChg>
+        <pc:cxnChg chg="mod topLvl">
+          <ac:chgData name="Judson Santiago" userId="ebb108da2f256286" providerId="LiveId" clId="{92A88429-C108-47A7-B66C-B156D04CD5B9}" dt="2021-05-13T19:55:14.783" v="511" actId="164"/>
+          <ac:cxnSpMkLst>
+            <pc:docMk/>
+            <pc:sldMk cId="955529236" sldId="330"/>
+            <ac:cxnSpMk id="43" creationId="{5F0EB21A-224F-4A0D-85F3-3062DFAEE4AB}"/>
+          </ac:cxnSpMkLst>
+        </pc:cxnChg>
+      </pc:sldChg>
+      <pc:sldMasterChg chg="setBg modSldLayout">
+        <pc:chgData name="Judson Santiago" userId="ebb108da2f256286" providerId="LiveId" clId="{92A88429-C108-47A7-B66C-B156D04CD5B9}" dt="2021-05-13T19:06:48.225" v="4"/>
+        <pc:sldMasterMkLst>
+          <pc:docMk/>
+          <pc:sldMasterMk cId="0" sldId="2147483660"/>
+        </pc:sldMasterMkLst>
+        <pc:sldLayoutChg chg="addSp modSp mod">
+          <pc:chgData name="Judson Santiago" userId="ebb108da2f256286" providerId="LiveId" clId="{92A88429-C108-47A7-B66C-B156D04CD5B9}" dt="2021-05-13T19:06:03.469" v="1" actId="167"/>
+          <pc:sldLayoutMkLst>
+            <pc:docMk/>
+            <pc:sldMasterMk cId="0" sldId="2147483660"/>
+            <pc:sldLayoutMk cId="0" sldId="2147483661"/>
+          </pc:sldLayoutMkLst>
+          <pc:picChg chg="add mod ord">
+            <ac:chgData name="Judson Santiago" userId="ebb108da2f256286" providerId="LiveId" clId="{92A88429-C108-47A7-B66C-B156D04CD5B9}" dt="2021-05-13T19:06:03.469" v="1" actId="167"/>
+            <ac:picMkLst>
+              <pc:docMk/>
+              <pc:sldMasterMk cId="0" sldId="2147483660"/>
+              <pc:sldLayoutMk cId="0" sldId="2147483661"/>
+              <ac:picMk id="13" creationId="{5F86D9B3-7B38-4C76-97A2-BA5B1261DA54}"/>
+            </ac:picMkLst>
+          </pc:picChg>
+        </pc:sldLayoutChg>
+      </pc:sldMasterChg>
+    </pc:docChg>
   </pc:docChgLst>
   <pc:docChgLst>
     <pc:chgData name="Judson Santiago" userId="ebb108da2f256286" providerId="LiveId" clId="{6AD0C68D-2C86-40B6-B672-39EA24F01F89}"/>
@@ -1481,7 +3405,7 @@
             <a:fld id="{E2EA7AF6-8A29-42EE-9321-4472A871EC99}" type="datetimeFigureOut">
               <a:rPr lang="pt-BR" smtClean="0"/>
               <a:pPr/>
-              <a:t>05/12/2019</a:t>
+              <a:t>13/05/2021</a:t>
             </a:fld>
             <a:endParaRPr lang="pt-BR"/>
           </a:p>
@@ -1802,65 +3726,6 @@
           <a:p>
             <a:r>
               <a:rPr lang="pt-BR" dirty="0"/>
-              <a:t>A FAZER:</a:t>
-            </a:r>
-          </a:p>
-          <a:p>
-            <a:r>
-              <a:rPr lang="pt-BR" dirty="0"/>
-              <a:t>- Evitar divisão por zero no cálculo de médias</a:t>
-            </a:r>
-          </a:p>
-          <a:p>
-            <a:r>
-              <a:rPr lang="pt-BR" dirty="0"/>
-              <a:t>- Evitar o uso de </a:t>
-            </a:r>
-            <a:r>
-              <a:rPr lang="pt-BR" dirty="0" err="1"/>
-              <a:t>if's</a:t>
-            </a:r>
-            <a:r>
-              <a:rPr lang="pt-BR" dirty="0"/>
-              <a:t> desnecessários dentro de laços. </a:t>
-            </a:r>
-            <a:r>
-              <a:rPr lang="pt-BR" dirty="0" err="1"/>
-              <a:t>Ex</a:t>
-            </a:r>
-            <a:r>
-              <a:rPr lang="pt-BR" dirty="0"/>
-              <a:t>: ler números até achar ZERO e calcular a média com um do-</a:t>
-            </a:r>
-            <a:r>
-              <a:rPr lang="pt-BR" dirty="0" err="1"/>
-              <a:t>while</a:t>
-            </a:r>
-            <a:r>
-              <a:rPr lang="pt-BR" dirty="0"/>
-              <a:t> enquanto usa um </a:t>
-            </a:r>
-            <a:r>
-              <a:rPr lang="pt-BR" dirty="0" err="1"/>
-              <a:t>if</a:t>
-            </a:r>
-            <a:r>
-              <a:rPr lang="pt-BR" dirty="0"/>
-              <a:t> para não contar com o ZERO. </a:t>
-            </a:r>
-          </a:p>
-          <a:p>
-            <a:endParaRPr lang="pt-BR" dirty="0"/>
-          </a:p>
-          <a:p>
-            <a:r>
-              <a:rPr lang="pt-BR" dirty="0"/>
-              <a:t>Objetivos:</a:t>
-            </a:r>
-          </a:p>
-          <a:p>
-            <a:r>
-              <a:rPr lang="pt-BR" dirty="0"/>
               <a:t>- Aprender a usar a instrução de desvio</a:t>
             </a:r>
           </a:p>
@@ -2003,35 +3868,27 @@
           <a:p>
             <a:r>
               <a:rPr lang="pt-BR" dirty="0"/>
-              <a:t>As chaves não são necessárias no exemplo porque o </a:t>
-            </a:r>
-            <a:r>
-              <a:rPr lang="pt-BR" dirty="0" err="1"/>
+              <a:t>Existem várias formas de organizar</a:t>
+            </a:r>
+            <a:r>
+              <a:rPr lang="pt-BR" baseline="0" dirty="0"/>
+              <a:t> o código com </a:t>
+            </a:r>
+            <a:r>
+              <a:rPr lang="pt-BR" baseline="0" dirty="0" err="1"/>
               <a:t>if</a:t>
             </a:r>
             <a:r>
-              <a:rPr lang="pt-BR" dirty="0"/>
-              <a:t> (ou </a:t>
-            </a:r>
-            <a:r>
-              <a:rPr lang="pt-BR" dirty="0" err="1"/>
-              <a:t>if</a:t>
-            </a:r>
-            <a:r>
-              <a:rPr lang="pt-BR" dirty="0"/>
+              <a:rPr lang="pt-BR" baseline="0" dirty="0"/>
               <a:t> </a:t>
             </a:r>
             <a:r>
-              <a:rPr lang="pt-BR" dirty="0" err="1"/>
+              <a:rPr lang="pt-BR" baseline="0" dirty="0" err="1"/>
               <a:t>else</a:t>
             </a:r>
             <a:r>
-              <a:rPr lang="pt-BR" dirty="0"/>
-              <a:t>) é tratado</a:t>
-            </a:r>
-            <a:r>
               <a:rPr lang="pt-BR" baseline="0" dirty="0"/>
-              <a:t> com uma única instrução.</a:t>
+              <a:t>. </a:t>
             </a:r>
             <a:endParaRPr lang="pt-BR" dirty="0"/>
           </a:p>
@@ -2055,7 +3912,7 @@
             <a:fld id="{91DC2CB7-8F13-4B93-A51E-D888BB993D76}" type="slidenum">
               <a:rPr lang="pt-BR" smtClean="0"/>
               <a:pPr/>
-              <a:t>17</a:t>
+              <a:t>14</a:t>
             </a:fld>
             <a:endParaRPr lang="pt-BR"/>
           </a:p>
@@ -2064,7 +3921,7 @@
     </p:spTree>
     <p:extLst>
       <p:ext uri="{BB962C8B-B14F-4D97-AF65-F5344CB8AC3E}">
-        <p14:creationId xmlns:p14="http://schemas.microsoft.com/office/powerpoint/2010/main" val="215859815"/>
+        <p14:creationId xmlns:p14="http://schemas.microsoft.com/office/powerpoint/2010/main" val="1406936566"/>
       </p:ext>
     </p:extLst>
   </p:cSld>
@@ -2125,13 +3982,8 @@
           <a:p>
             <a:r>
               <a:rPr lang="pt-BR" dirty="0"/>
-              <a:t>Joguinho</a:t>
-            </a:r>
-            <a:r>
-              <a:rPr lang="pt-BR" baseline="0" dirty="0"/>
-              <a:t> de adivinhação.</a:t>
-            </a:r>
-            <a:endParaRPr lang="pt-BR" dirty="0"/>
+              <a:t>Não existe um estilo certo ou errado, o importante é manter a consistência.</a:t>
+            </a:r>
           </a:p>
         </p:txBody>
       </p:sp>
@@ -2153,6 +4005,226 @@
             <a:fld id="{91DC2CB7-8F13-4B93-A51E-D888BB993D76}" type="slidenum">
               <a:rPr lang="pt-BR" smtClean="0"/>
               <a:pPr/>
+              <a:t>16</a:t>
+            </a:fld>
+            <a:endParaRPr lang="pt-BR"/>
+          </a:p>
+        </p:txBody>
+      </p:sp>
+    </p:spTree>
+    <p:extLst>
+      <p:ext uri="{BB962C8B-B14F-4D97-AF65-F5344CB8AC3E}">
+        <p14:creationId xmlns:p14="http://schemas.microsoft.com/office/powerpoint/2010/main" val="655341089"/>
+      </p:ext>
+    </p:extLst>
+  </p:cSld>
+  <p:clrMapOvr>
+    <a:masterClrMapping/>
+  </p:clrMapOvr>
+</p:notes>
+</file>
+
+<file path=ppt/notesSlides/notesSlide12.xml><?xml version="1.0" encoding="utf-8"?>
+<p:notes xmlns:a="http://schemas.openxmlformats.org/drawingml/2006/main" xmlns:r="http://schemas.openxmlformats.org/officeDocument/2006/relationships" xmlns:p="http://schemas.openxmlformats.org/presentationml/2006/main">
+  <p:cSld>
+    <p:spTree>
+      <p:nvGrpSpPr>
+        <p:cNvPr id="1" name=""/>
+        <p:cNvGrpSpPr/>
+        <p:nvPr/>
+      </p:nvGrpSpPr>
+      <p:grpSpPr>
+        <a:xfrm>
+          <a:off x="0" y="0"/>
+          <a:ext cx="0" cy="0"/>
+          <a:chOff x="0" y="0"/>
+          <a:chExt cx="0" cy="0"/>
+        </a:xfrm>
+      </p:grpSpPr>
+      <p:sp>
+        <p:nvSpPr>
+          <p:cNvPr id="2" name="Espaço Reservado para Imagem de Slide 1"/>
+          <p:cNvSpPr>
+            <a:spLocks noGrp="1" noRot="1" noChangeAspect="1"/>
+          </p:cNvSpPr>
+          <p:nvPr>
+            <p:ph type="sldImg"/>
+          </p:nvPr>
+        </p:nvSpPr>
+        <p:spPr>
+          <a:xfrm>
+            <a:off x="381000" y="685800"/>
+            <a:ext cx="6096000" cy="3429000"/>
+          </a:xfrm>
+        </p:spPr>
+      </p:sp>
+      <p:sp>
+        <p:nvSpPr>
+          <p:cNvPr id="3" name="Espaço Reservado para Anotações 2"/>
+          <p:cNvSpPr>
+            <a:spLocks noGrp="1"/>
+          </p:cNvSpPr>
+          <p:nvPr>
+            <p:ph type="body" idx="1"/>
+          </p:nvPr>
+        </p:nvSpPr>
+        <p:spPr/>
+        <p:txBody>
+          <a:bodyPr/>
+          <a:lstStyle/>
+          <a:p>
+            <a:r>
+              <a:rPr lang="pt-BR" dirty="0"/>
+              <a:t>As chaves não são necessárias no exemplo porque o </a:t>
+            </a:r>
+            <a:r>
+              <a:rPr lang="pt-BR" dirty="0" err="1"/>
+              <a:t>if</a:t>
+            </a:r>
+            <a:r>
+              <a:rPr lang="pt-BR" dirty="0"/>
+              <a:t> (ou </a:t>
+            </a:r>
+            <a:r>
+              <a:rPr lang="pt-BR" dirty="0" err="1"/>
+              <a:t>if</a:t>
+            </a:r>
+            <a:r>
+              <a:rPr lang="pt-BR" dirty="0"/>
+              <a:t> </a:t>
+            </a:r>
+            <a:r>
+              <a:rPr lang="pt-BR" dirty="0" err="1"/>
+              <a:t>else</a:t>
+            </a:r>
+            <a:r>
+              <a:rPr lang="pt-BR" dirty="0"/>
+              <a:t>) é tratado</a:t>
+            </a:r>
+            <a:r>
+              <a:rPr lang="pt-BR" baseline="0" dirty="0"/>
+              <a:t> com uma única instrução.</a:t>
+            </a:r>
+            <a:endParaRPr lang="pt-BR" dirty="0"/>
+          </a:p>
+        </p:txBody>
+      </p:sp>
+      <p:sp>
+        <p:nvSpPr>
+          <p:cNvPr id="4" name="Espaço Reservado para Número de Slide 3"/>
+          <p:cNvSpPr>
+            <a:spLocks noGrp="1"/>
+          </p:cNvSpPr>
+          <p:nvPr>
+            <p:ph type="sldNum" sz="quarter" idx="10"/>
+          </p:nvPr>
+        </p:nvSpPr>
+        <p:spPr/>
+        <p:txBody>
+          <a:bodyPr/>
+          <a:lstStyle/>
+          <a:p>
+            <a:fld id="{91DC2CB7-8F13-4B93-A51E-D888BB993D76}" type="slidenum">
+              <a:rPr lang="pt-BR" smtClean="0"/>
+              <a:pPr/>
+              <a:t>17</a:t>
+            </a:fld>
+            <a:endParaRPr lang="pt-BR"/>
+          </a:p>
+        </p:txBody>
+      </p:sp>
+    </p:spTree>
+    <p:extLst>
+      <p:ext uri="{BB962C8B-B14F-4D97-AF65-F5344CB8AC3E}">
+        <p14:creationId xmlns:p14="http://schemas.microsoft.com/office/powerpoint/2010/main" val="215859815"/>
+      </p:ext>
+    </p:extLst>
+  </p:cSld>
+  <p:clrMapOvr>
+    <a:masterClrMapping/>
+  </p:clrMapOvr>
+</p:notes>
+</file>
+
+<file path=ppt/notesSlides/notesSlide13.xml><?xml version="1.0" encoding="utf-8"?>
+<p:notes xmlns:a="http://schemas.openxmlformats.org/drawingml/2006/main" xmlns:r="http://schemas.openxmlformats.org/officeDocument/2006/relationships" xmlns:p="http://schemas.openxmlformats.org/presentationml/2006/main">
+  <p:cSld>
+    <p:spTree>
+      <p:nvGrpSpPr>
+        <p:cNvPr id="1" name=""/>
+        <p:cNvGrpSpPr/>
+        <p:nvPr/>
+      </p:nvGrpSpPr>
+      <p:grpSpPr>
+        <a:xfrm>
+          <a:off x="0" y="0"/>
+          <a:ext cx="0" cy="0"/>
+          <a:chOff x="0" y="0"/>
+          <a:chExt cx="0" cy="0"/>
+        </a:xfrm>
+      </p:grpSpPr>
+      <p:sp>
+        <p:nvSpPr>
+          <p:cNvPr id="2" name="Espaço Reservado para Imagem de Slide 1"/>
+          <p:cNvSpPr>
+            <a:spLocks noGrp="1" noRot="1" noChangeAspect="1"/>
+          </p:cNvSpPr>
+          <p:nvPr>
+            <p:ph type="sldImg"/>
+          </p:nvPr>
+        </p:nvSpPr>
+        <p:spPr>
+          <a:xfrm>
+            <a:off x="381000" y="685800"/>
+            <a:ext cx="6096000" cy="3429000"/>
+          </a:xfrm>
+        </p:spPr>
+      </p:sp>
+      <p:sp>
+        <p:nvSpPr>
+          <p:cNvPr id="3" name="Espaço Reservado para Anotações 2"/>
+          <p:cNvSpPr>
+            <a:spLocks noGrp="1"/>
+          </p:cNvSpPr>
+          <p:nvPr>
+            <p:ph type="body" idx="1"/>
+          </p:nvPr>
+        </p:nvSpPr>
+        <p:spPr/>
+        <p:txBody>
+          <a:bodyPr/>
+          <a:lstStyle/>
+          <a:p>
+            <a:r>
+              <a:rPr lang="pt-BR" dirty="0"/>
+              <a:t>Joguinho</a:t>
+            </a:r>
+            <a:r>
+              <a:rPr lang="pt-BR" baseline="0" dirty="0"/>
+              <a:t> de adivinhação.</a:t>
+            </a:r>
+            <a:endParaRPr lang="pt-BR" dirty="0"/>
+          </a:p>
+        </p:txBody>
+      </p:sp>
+      <p:sp>
+        <p:nvSpPr>
+          <p:cNvPr id="4" name="Espaço Reservado para Número de Slide 3"/>
+          <p:cNvSpPr>
+            <a:spLocks noGrp="1"/>
+          </p:cNvSpPr>
+          <p:nvPr>
+            <p:ph type="sldNum" sz="quarter" idx="10"/>
+          </p:nvPr>
+        </p:nvSpPr>
+        <p:spPr/>
+        <p:txBody>
+          <a:bodyPr/>
+          <a:lstStyle/>
+          <a:p>
+            <a:fld id="{91DC2CB7-8F13-4B93-A51E-D888BB993D76}" type="slidenum">
+              <a:rPr lang="pt-BR" smtClean="0"/>
+              <a:pPr/>
               <a:t>19</a:t>
             </a:fld>
             <a:endParaRPr lang="pt-BR"/>
@@ -2172,7 +4244,7 @@
 </p:notes>
 </file>
 
-<file path=ppt/notesSlides/notesSlide12.xml><?xml version="1.0" encoding="utf-8"?>
+<file path=ppt/notesSlides/notesSlide14.xml><?xml version="1.0" encoding="utf-8"?>
 <p:notes xmlns:a="http://schemas.openxmlformats.org/drawingml/2006/main" xmlns:r="http://schemas.openxmlformats.org/officeDocument/2006/relationships" xmlns:p="http://schemas.openxmlformats.org/presentationml/2006/main">
   <p:cSld>
     <p:spTree>
@@ -2478,11 +4550,11 @@
           <a:p>
             <a:r>
               <a:rPr lang="pt-BR" dirty="0"/>
-              <a:t>O programa conta</a:t>
+              <a:t>Fluxograma</a:t>
             </a:r>
             <a:r>
               <a:rPr lang="pt-BR" baseline="0" dirty="0"/>
-              <a:t> a quantidade de espaços e caracteres em uma frase (finalizada com um ponto).</a:t>
+              <a:t> de funcionamento do laço for</a:t>
             </a:r>
             <a:endParaRPr lang="pt-BR" dirty="0"/>
           </a:p>
@@ -2503,10 +4575,10 @@
           <a:bodyPr/>
           <a:lstStyle/>
           <a:p>
-            <a:fld id="{91DC2CB7-8F13-4B93-A51E-D888BB993D76}" type="slidenum">
+            <a:fld id="{4589F41A-761E-4773-B4F3-7239F80A8CB6}" type="slidenum">
               <a:rPr lang="pt-BR" smtClean="0"/>
               <a:pPr/>
-              <a:t>8</a:t>
+              <a:t>6</a:t>
             </a:fld>
             <a:endParaRPr lang="pt-BR"/>
           </a:p>
@@ -2515,7 +4587,7 @@
     </p:spTree>
     <p:extLst>
       <p:ext uri="{BB962C8B-B14F-4D97-AF65-F5344CB8AC3E}">
-        <p14:creationId xmlns:p14="http://schemas.microsoft.com/office/powerpoint/2010/main" val="1522654153"/>
+        <p14:creationId xmlns:p14="http://schemas.microsoft.com/office/powerpoint/2010/main" val="3215750423"/>
       </p:ext>
     </p:extLst>
   </p:cSld>
@@ -2576,11 +4648,11 @@
           <a:p>
             <a:r>
               <a:rPr lang="pt-BR" dirty="0"/>
-              <a:t>O total</a:t>
+              <a:t>O programa conta</a:t>
             </a:r>
             <a:r>
               <a:rPr lang="pt-BR" baseline="0" dirty="0"/>
-              <a:t> de caracteres está contando com os espaços e com o caractere de nova linha, mas não conta o ponto final.</a:t>
+              <a:t> a quantidade de espaços e caracteres em uma frase (finalizada com um ponto).</a:t>
             </a:r>
             <a:endParaRPr lang="pt-BR" dirty="0"/>
           </a:p>
@@ -2604,7 +4676,7 @@
             <a:fld id="{91DC2CB7-8F13-4B93-A51E-D888BB993D76}" type="slidenum">
               <a:rPr lang="pt-BR" smtClean="0"/>
               <a:pPr/>
-              <a:t>9</a:t>
+              <a:t>8</a:t>
             </a:fld>
             <a:endParaRPr lang="pt-BR"/>
           </a:p>
@@ -2613,7 +4685,7 @@
     </p:spTree>
     <p:extLst>
       <p:ext uri="{BB962C8B-B14F-4D97-AF65-F5344CB8AC3E}">
-        <p14:creationId xmlns:p14="http://schemas.microsoft.com/office/powerpoint/2010/main" val="4166913867"/>
+        <p14:creationId xmlns:p14="http://schemas.microsoft.com/office/powerpoint/2010/main" val="1522654153"/>
       </p:ext>
     </p:extLst>
   </p:cSld>
@@ -2674,11 +4746,11 @@
           <a:p>
             <a:r>
               <a:rPr lang="pt-BR" dirty="0"/>
-              <a:t>Programa se propõe a repetir o texto que o usuário</a:t>
+              <a:t>O total</a:t>
             </a:r>
             <a:r>
               <a:rPr lang="pt-BR" baseline="0" dirty="0"/>
-              <a:t> digita, mas na verdade ele mostra outro caractere.</a:t>
+              <a:t> de caracteres está contando com os espaços e com o caractere de nova linha, mas não conta o ponto final.</a:t>
             </a:r>
             <a:endParaRPr lang="pt-BR" dirty="0"/>
           </a:p>
@@ -2702,7 +4774,7 @@
             <a:fld id="{91DC2CB7-8F13-4B93-A51E-D888BB993D76}" type="slidenum">
               <a:rPr lang="pt-BR" smtClean="0"/>
               <a:pPr/>
-              <a:t>12</a:t>
+              <a:t>9</a:t>
             </a:fld>
             <a:endParaRPr lang="pt-BR"/>
           </a:p>
@@ -2711,7 +4783,7 @@
     </p:spTree>
     <p:extLst>
       <p:ext uri="{BB962C8B-B14F-4D97-AF65-F5344CB8AC3E}">
-        <p14:creationId xmlns:p14="http://schemas.microsoft.com/office/powerpoint/2010/main" val="1598187320"/>
+        <p14:creationId xmlns:p14="http://schemas.microsoft.com/office/powerpoint/2010/main" val="4166913867"/>
       </p:ext>
     </p:extLst>
   </p:cSld>
@@ -2767,34 +4839,16 @@
         </p:nvSpPr>
         <p:spPr/>
         <p:txBody>
-          <a:bodyPr>
-            <a:normAutofit/>
-          </a:bodyPr>
+          <a:bodyPr/>
           <a:lstStyle/>
           <a:p>
             <a:r>
               <a:rPr lang="pt-BR" dirty="0"/>
-              <a:t>Usar </a:t>
-            </a:r>
-            <a:r>
-              <a:rPr lang="pt-BR" dirty="0" err="1"/>
-              <a:t>ch</a:t>
-            </a:r>
-            <a:r>
-              <a:rPr lang="pt-BR" dirty="0"/>
-              <a:t> + 1 no lugar de ++</a:t>
-            </a:r>
-            <a:r>
-              <a:rPr lang="pt-BR" dirty="0" err="1"/>
-              <a:t>ch</a:t>
-            </a:r>
-            <a:r>
-              <a:rPr lang="pt-BR" dirty="0"/>
-              <a:t> irá gerar uma sequencia de números no lugar </a:t>
-            </a:r>
-            <a:r>
-              <a:rPr lang="pt-BR"/>
-              <a:t>dos caracteres. </a:t>
+              <a:t>Fluxograma</a:t>
+            </a:r>
+            <a:r>
+              <a:rPr lang="pt-BR" baseline="0" dirty="0"/>
+              <a:t> de funcionamento do laço for</a:t>
             </a:r>
             <a:endParaRPr lang="pt-BR" dirty="0"/>
           </a:p>
@@ -2815,10 +4869,10 @@
           <a:bodyPr/>
           <a:lstStyle/>
           <a:p>
-            <a:fld id="{91DC2CB7-8F13-4B93-A51E-D888BB993D76}" type="slidenum">
+            <a:fld id="{4589F41A-761E-4773-B4F3-7239F80A8CB6}" type="slidenum">
               <a:rPr lang="pt-BR" smtClean="0"/>
               <a:pPr/>
-              <a:t>13</a:t>
+              <a:t>11</a:t>
             </a:fld>
             <a:endParaRPr lang="pt-BR"/>
           </a:p>
@@ -2827,7 +4881,7 @@
     </p:spTree>
     <p:extLst>
       <p:ext uri="{BB962C8B-B14F-4D97-AF65-F5344CB8AC3E}">
-        <p14:creationId xmlns:p14="http://schemas.microsoft.com/office/powerpoint/2010/main" val="3884026393"/>
+        <p14:creationId xmlns:p14="http://schemas.microsoft.com/office/powerpoint/2010/main" val="3400020470"/>
       </p:ext>
     </p:extLst>
   </p:cSld>
@@ -2888,27 +4942,11 @@
           <a:p>
             <a:r>
               <a:rPr lang="pt-BR" dirty="0"/>
-              <a:t>Existem várias formas de organizar</a:t>
+              <a:t>Programa se propõe a repetir o texto que o usuário</a:t>
             </a:r>
             <a:r>
               <a:rPr lang="pt-BR" baseline="0" dirty="0"/>
-              <a:t> o código com </a:t>
-            </a:r>
-            <a:r>
-              <a:rPr lang="pt-BR" baseline="0" dirty="0" err="1"/>
-              <a:t>if</a:t>
-            </a:r>
-            <a:r>
-              <a:rPr lang="pt-BR" baseline="0" dirty="0"/>
-              <a:t> </a:t>
-            </a:r>
-            <a:r>
-              <a:rPr lang="pt-BR" baseline="0" dirty="0" err="1"/>
-              <a:t>else</a:t>
-            </a:r>
-            <a:r>
-              <a:rPr lang="pt-BR" baseline="0" dirty="0"/>
-              <a:t>. </a:t>
+              <a:t> digita, mas na verdade ele mostra outro caractere.</a:t>
             </a:r>
             <a:endParaRPr lang="pt-BR" dirty="0"/>
           </a:p>
@@ -2932,7 +4970,7 @@
             <a:fld id="{91DC2CB7-8F13-4B93-A51E-D888BB993D76}" type="slidenum">
               <a:rPr lang="pt-BR" smtClean="0"/>
               <a:pPr/>
-              <a:t>14</a:t>
+              <a:t>12</a:t>
             </a:fld>
             <a:endParaRPr lang="pt-BR"/>
           </a:p>
@@ -2941,7 +4979,7 @@
     </p:spTree>
     <p:extLst>
       <p:ext uri="{BB962C8B-B14F-4D97-AF65-F5344CB8AC3E}">
-        <p14:creationId xmlns:p14="http://schemas.microsoft.com/office/powerpoint/2010/main" val="1406936566"/>
+        <p14:creationId xmlns:p14="http://schemas.microsoft.com/office/powerpoint/2010/main" val="1598187320"/>
       </p:ext>
     </p:extLst>
   </p:cSld>
@@ -2997,12 +5035,44 @@
         </p:nvSpPr>
         <p:spPr/>
         <p:txBody>
-          <a:bodyPr/>
+          <a:bodyPr>
+            <a:normAutofit/>
+          </a:bodyPr>
           <a:lstStyle/>
           <a:p>
             <a:r>
               <a:rPr lang="pt-BR" dirty="0"/>
-              <a:t>Não existe um estilo certo ou errado, o importante é manter a consistência.</a:t>
+              <a:t>O segredo está em como cout trata </a:t>
+            </a:r>
+            <a:r>
+              <a:rPr lang="pt-BR" dirty="0">
+                <a:solidFill>
+                  <a:schemeClr val="accent3">
+                    <a:lumMod val="75000"/>
+                  </a:schemeClr>
+                </a:solidFill>
+              </a:rPr>
+              <a:t>tipos diferentes. </a:t>
+            </a:r>
+            <a:r>
+              <a:rPr lang="pt-BR" dirty="0"/>
+              <a:t>Usar </a:t>
+            </a:r>
+            <a:r>
+              <a:rPr lang="pt-BR" dirty="0" err="1"/>
+              <a:t>ch</a:t>
+            </a:r>
+            <a:r>
+              <a:rPr lang="pt-BR" dirty="0"/>
+              <a:t> + 1 no lugar de ++</a:t>
+            </a:r>
+            <a:r>
+              <a:rPr lang="pt-BR" dirty="0" err="1"/>
+              <a:t>ch</a:t>
+            </a:r>
+            <a:r>
+              <a:rPr lang="pt-BR" dirty="0"/>
+              <a:t> irá gerar uma sequencia de números no lugar dos caracteres. </a:t>
             </a:r>
           </a:p>
         </p:txBody>
@@ -3025,7 +5095,7 @@
             <a:fld id="{91DC2CB7-8F13-4B93-A51E-D888BB993D76}" type="slidenum">
               <a:rPr lang="pt-BR" smtClean="0"/>
               <a:pPr/>
-              <a:t>16</a:t>
+              <a:t>13</a:t>
             </a:fld>
             <a:endParaRPr lang="pt-BR"/>
           </a:p>
@@ -3034,7 +5104,7 @@
     </p:spTree>
     <p:extLst>
       <p:ext uri="{BB962C8B-B14F-4D97-AF65-F5344CB8AC3E}">
-        <p14:creationId xmlns:p14="http://schemas.microsoft.com/office/powerpoint/2010/main" val="655341089"/>
+        <p14:creationId xmlns:p14="http://schemas.microsoft.com/office/powerpoint/2010/main" val="3884026393"/>
       </p:ext>
     </p:extLst>
   </p:cSld>
@@ -3061,6 +5131,37 @@
           <a:chExt cx="0" cy="0"/>
         </a:xfrm>
       </p:grpSpPr>
+      <p:pic>
+        <p:nvPicPr>
+          <p:cNvPr id="13" name="Picture 3" descr="Rede de tecnologia iluminada em uma tela de fundo escura">
+            <a:extLst>
+              <a:ext uri="{FF2B5EF4-FFF2-40B4-BE49-F238E27FC236}">
+                <a16:creationId xmlns:a16="http://schemas.microsoft.com/office/drawing/2014/main" id="{5F86D9B3-7B38-4C76-97A2-BA5B1261DA54}"/>
+              </a:ext>
+            </a:extLst>
+          </p:cNvPr>
+          <p:cNvPicPr>
+            <a:picLocks noChangeAspect="1"/>
+          </p:cNvPicPr>
+          <p:nvPr userDrawn="1"/>
+        </p:nvPicPr>
+        <p:blipFill rotWithShape="1">
+          <a:blip r:embed="rId2">
+            <a:alphaModFix amt="30000"/>
+          </a:blip>
+          <a:srcRect t="22329"/>
+          <a:stretch/>
+        </p:blipFill>
+        <p:spPr>
+          <a:xfrm flipH="1" flipV="1">
+            <a:off x="487680" y="0"/>
+            <a:ext cx="11704320" cy="6858000"/>
+          </a:xfrm>
+          <a:prstGeom prst="rect">
+            <a:avLst/>
+          </a:prstGeom>
+        </p:spPr>
+      </p:pic>
       <p:sp>
         <p:nvSpPr>
           <p:cNvPr id="28" name="Espaço Reservado para Data 27"/>
@@ -3079,7 +5180,7 @@
             <a:fld id="{D4BF4B58-A8DD-49CC-8B87-3205B550A53B}" type="datetimeFigureOut">
               <a:rPr lang="pt-BR" smtClean="0"/>
               <a:pPr/>
-              <a:t>05/12/2019</a:t>
+              <a:t>13/05/2021</a:t>
             </a:fld>
             <a:endParaRPr lang="pt-BR"/>
           </a:p>
@@ -3634,7 +5735,7 @@
             <a:fld id="{D4BF4B58-A8DD-49CC-8B87-3205B550A53B}" type="datetimeFigureOut">
               <a:rPr lang="pt-BR" smtClean="0"/>
               <a:pPr/>
-              <a:t>05/12/2019</a:t>
+              <a:t>13/05/2021</a:t>
             </a:fld>
             <a:endParaRPr lang="pt-BR"/>
           </a:p>
@@ -3811,7 +5912,7 @@
             <a:fld id="{D4BF4B58-A8DD-49CC-8B87-3205B550A53B}" type="datetimeFigureOut">
               <a:rPr lang="pt-BR" smtClean="0"/>
               <a:pPr/>
-              <a:t>05/12/2019</a:t>
+              <a:t>13/05/2021</a:t>
             </a:fld>
             <a:endParaRPr lang="pt-BR"/>
           </a:p>
@@ -3978,7 +6079,7 @@
             <a:fld id="{D4BF4B58-A8DD-49CC-8B87-3205B550A53B}" type="datetimeFigureOut">
               <a:rPr lang="pt-BR" smtClean="0"/>
               <a:pPr/>
-              <a:t>05/12/2019</a:t>
+              <a:t>13/05/2021</a:t>
             </a:fld>
             <a:endParaRPr lang="pt-BR"/>
           </a:p>
@@ -5427,7 +7528,7 @@
             <a:fld id="{D4BF4B58-A8DD-49CC-8B87-3205B550A53B}" type="datetimeFigureOut">
               <a:rPr lang="pt-BR" smtClean="0"/>
               <a:pPr/>
-              <a:t>05/12/2019</a:t>
+              <a:t>13/05/2021</a:t>
             </a:fld>
             <a:endParaRPr lang="pt-BR"/>
           </a:p>
@@ -6009,7 +8110,7 @@
             <a:fld id="{D4BF4B58-A8DD-49CC-8B87-3205B550A53B}" type="datetimeFigureOut">
               <a:rPr lang="pt-BR" smtClean="0"/>
               <a:pPr/>
-              <a:t>05/12/2019</a:t>
+              <a:t>13/05/2021</a:t>
             </a:fld>
             <a:endParaRPr lang="pt-BR"/>
           </a:p>
@@ -6440,7 +8541,7 @@
             <a:fld id="{D4BF4B58-A8DD-49CC-8B87-3205B550A53B}" type="datetimeFigureOut">
               <a:rPr lang="pt-BR" smtClean="0"/>
               <a:pPr/>
-              <a:t>05/12/2019</a:t>
+              <a:t>13/05/2021</a:t>
             </a:fld>
             <a:endParaRPr lang="pt-BR"/>
           </a:p>
@@ -6979,7 +9080,7 @@
             <a:fld id="{D4BF4B58-A8DD-49CC-8B87-3205B550A53B}" type="datetimeFigureOut">
               <a:rPr lang="pt-BR" smtClean="0"/>
               <a:pPr/>
-              <a:t>05/12/2019</a:t>
+              <a:t>13/05/2021</a:t>
             </a:fld>
             <a:endParaRPr lang="pt-BR"/>
           </a:p>
@@ -7071,7 +9172,7 @@
             <a:fld id="{D4BF4B58-A8DD-49CC-8B87-3205B550A53B}" type="datetimeFigureOut">
               <a:rPr lang="pt-BR" smtClean="0"/>
               <a:pPr/>
-              <a:t>05/12/2019</a:t>
+              <a:t>13/05/2021</a:t>
             </a:fld>
             <a:endParaRPr lang="pt-BR"/>
           </a:p>
@@ -7321,7 +9422,7 @@
             <a:fld id="{D4BF4B58-A8DD-49CC-8B87-3205B550A53B}" type="datetimeFigureOut">
               <a:rPr lang="pt-BR" smtClean="0"/>
               <a:pPr/>
-              <a:t>05/12/2019</a:t>
+              <a:t>13/05/2021</a:t>
             </a:fld>
             <a:endParaRPr lang="pt-BR"/>
           </a:p>
@@ -8036,7 +10137,7 @@
             <a:fld id="{D4BF4B58-A8DD-49CC-8B87-3205B550A53B}" type="datetimeFigureOut">
               <a:rPr lang="pt-BR" smtClean="0"/>
               <a:pPr/>
-              <a:t>05/12/2019</a:t>
+              <a:t>13/05/2021</a:t>
             </a:fld>
             <a:endParaRPr lang="pt-BR"/>
           </a:p>
@@ -8107,9 +10208,23 @@
 <p:sldMaster xmlns:a="http://schemas.openxmlformats.org/drawingml/2006/main" xmlns:r="http://schemas.openxmlformats.org/officeDocument/2006/relationships" xmlns:p="http://schemas.openxmlformats.org/presentationml/2006/main">
   <p:cSld>
     <p:bg>
-      <p:bgRef idx="1002">
-        <a:schemeClr val="bg2"/>
-      </p:bgRef>
+      <p:bgPr>
+        <a:gradFill rotWithShape="1">
+          <a:gsLst>
+            <a:gs pos="50000">
+              <a:schemeClr val="bg1">
+                <a:shade val="90000"/>
+                <a:satMod val="375000"/>
+              </a:schemeClr>
+            </a:gs>
+            <a:gs pos="100000">
+              <a:srgbClr val="28415E"/>
+            </a:gs>
+          </a:gsLst>
+          <a:lin ang="5400000" scaled="0"/>
+        </a:gradFill>
+        <a:effectLst/>
+      </p:bgPr>
     </p:bg>
     <p:spTree>
       <p:nvGrpSpPr>
@@ -8303,7 +10418,7 @@
             <a:fld id="{D4BF4B58-A8DD-49CC-8B87-3205B550A53B}" type="datetimeFigureOut">
               <a:rPr lang="pt-BR" smtClean="0"/>
               <a:pPr/>
-              <a:t>05/12/2019</a:t>
+              <a:t>13/05/2021</a:t>
             </a:fld>
             <a:endParaRPr lang="pt-BR"/>
           </a:p>
@@ -9072,15 +11187,19 @@
               </a:rPr>
               <a:t>duas instruções </a:t>
             </a:r>
+            <a:br>
+              <a:rPr lang="pt-BR" dirty="0">
+                <a:solidFill>
+                  <a:schemeClr val="accent3">
+                    <a:lumMod val="75000"/>
+                  </a:schemeClr>
+                </a:solidFill>
+              </a:rPr>
+            </a:br>
             <a:r>
               <a:rPr lang="pt-BR" dirty="0"/>
-              <a:t>(ou dois blocos de instruções) </a:t>
-            </a:r>
-            <a:r>
-              <a:rPr lang="pt-BR"/>
-              <a:t>é executada</a:t>
-            </a:r>
-            <a:endParaRPr lang="pt-BR" dirty="0"/>
+              <a:t>(ou dois blocos de instruções) é executada</a:t>
+            </a:r>
           </a:p>
           <a:p>
             <a:endParaRPr lang="pt-BR" dirty="0"/>
@@ -9509,847 +11628,791 @@
           </a:p>
         </p:txBody>
       </p:sp>
-      <p:sp>
-        <p:nvSpPr>
-          <p:cNvPr id="4" name="Retângulo 3"/>
-          <p:cNvSpPr/>
+      <p:grpSp>
+        <p:nvGrpSpPr>
+          <p:cNvPr id="17" name="Agrupar 16">
+            <a:extLst>
+              <a:ext uri="{FF2B5EF4-FFF2-40B4-BE49-F238E27FC236}">
+                <a16:creationId xmlns:a16="http://schemas.microsoft.com/office/drawing/2014/main" id="{4C5012F2-7D28-45D1-B35C-901827724FAB}"/>
+              </a:ext>
+            </a:extLst>
+          </p:cNvPr>
+          <p:cNvGrpSpPr/>
           <p:nvPr/>
-        </p:nvSpPr>
-        <p:spPr>
+        </p:nvGrpSpPr>
+        <p:grpSpPr>
           <a:xfrm>
-            <a:off x="10344472" y="124462"/>
-            <a:ext cx="1306768" cy="1569660"/>
+            <a:off x="1533358" y="2064268"/>
+            <a:ext cx="9125284" cy="4025608"/>
+            <a:chOff x="1631508" y="2064268"/>
+            <a:chExt cx="9125284" cy="4025608"/>
           </a:xfrm>
-          <a:prstGeom prst="rect">
-            <a:avLst/>
-          </a:prstGeom>
-        </p:spPr>
-        <p:txBody>
-          <a:bodyPr wrap="none">
-            <a:spAutoFit/>
-          </a:bodyPr>
-          <a:lstStyle/>
-          <a:p>
-            <a:r>
-              <a:rPr lang="pt-BR" sz="1600" dirty="0">
-                <a:latin typeface="+mj-lt"/>
-              </a:rPr>
-              <a:t>anterior;</a:t>
-            </a:r>
-          </a:p>
-          <a:p>
-            <a:r>
-              <a:rPr lang="pt-BR" sz="1600" dirty="0" err="1">
+        </p:grpSpPr>
+        <p:sp>
+          <p:nvSpPr>
+            <p:cNvPr id="31" name="CaixaDeTexto 30"/>
+            <p:cNvSpPr txBox="1"/>
+            <p:nvPr/>
+          </p:nvSpPr>
+          <p:spPr>
+            <a:xfrm>
+              <a:off x="8078129" y="2497034"/>
+              <a:ext cx="1071127" cy="369332"/>
+            </a:xfrm>
+            <a:prstGeom prst="rect">
+              <a:avLst/>
+            </a:prstGeom>
+            <a:noFill/>
+          </p:spPr>
+          <p:txBody>
+            <a:bodyPr wrap="none" rtlCol="0">
+              <a:spAutoFit/>
+            </a:bodyPr>
+            <a:lstStyle/>
+            <a:p>
+              <a:r>
+                <a:rPr lang="pt-BR" dirty="0" err="1">
+                  <a:latin typeface="+mj-lt"/>
+                </a:rPr>
+                <a:t>if</a:t>
+              </a:r>
+              <a:r>
+                <a:rPr lang="pt-BR" dirty="0">
+                  <a:latin typeface="+mj-lt"/>
+                </a:rPr>
+                <a:t> </a:t>
+              </a:r>
+              <a:r>
+                <a:rPr lang="pt-BR" dirty="0" err="1">
+                  <a:latin typeface="+mj-lt"/>
+                </a:rPr>
+                <a:t>else</a:t>
+              </a:r>
+              <a:endParaRPr lang="pt-BR" dirty="0">
+                <a:latin typeface="+mj-lt"/>
+              </a:endParaRPr>
+            </a:p>
+          </p:txBody>
+        </p:sp>
+        <p:sp>
+          <p:nvSpPr>
+            <p:cNvPr id="32" name="CaixaDeTexto 31"/>
+            <p:cNvSpPr txBox="1"/>
+            <p:nvPr/>
+          </p:nvSpPr>
+          <p:spPr>
+            <a:xfrm>
+              <a:off x="4282186" y="3459456"/>
+              <a:ext cx="311304" cy="369332"/>
+            </a:xfrm>
+            <a:prstGeom prst="rect">
+              <a:avLst/>
+            </a:prstGeom>
+            <a:noFill/>
+          </p:spPr>
+          <p:txBody>
+            <a:bodyPr wrap="none" rtlCol="0">
+              <a:spAutoFit/>
+            </a:bodyPr>
+            <a:lstStyle/>
+            <a:p>
+              <a:r>
+                <a:rPr lang="pt-BR" dirty="0">
+                  <a:latin typeface="+mj-lt"/>
+                </a:rPr>
+                <a:t>V</a:t>
+              </a:r>
+            </a:p>
+          </p:txBody>
+        </p:sp>
+        <p:sp>
+          <p:nvSpPr>
+            <p:cNvPr id="33" name="CaixaDeTexto 32"/>
+            <p:cNvSpPr txBox="1"/>
+            <p:nvPr/>
+          </p:nvSpPr>
+          <p:spPr>
+            <a:xfrm>
+              <a:off x="6097027" y="3459456"/>
+              <a:ext cx="311304" cy="369332"/>
+            </a:xfrm>
+            <a:prstGeom prst="rect">
+              <a:avLst/>
+            </a:prstGeom>
+            <a:noFill/>
+          </p:spPr>
+          <p:txBody>
+            <a:bodyPr wrap="none" rtlCol="0">
+              <a:spAutoFit/>
+            </a:bodyPr>
+            <a:lstStyle/>
+            <a:p>
+              <a:r>
+                <a:rPr lang="pt-BR" dirty="0">
+                  <a:latin typeface="+mj-lt"/>
+                </a:rPr>
+                <a:t>F</a:t>
+              </a:r>
+            </a:p>
+          </p:txBody>
+        </p:sp>
+        <p:sp>
+          <p:nvSpPr>
+            <p:cNvPr id="6" name="Retângulo: Cantos Arredondados 5"/>
+            <p:cNvSpPr/>
+            <p:nvPr/>
+          </p:nvSpPr>
+          <p:spPr>
+            <a:xfrm>
+              <a:off x="4413320" y="2064268"/>
+              <a:ext cx="1857388" cy="428628"/>
+            </a:xfrm>
+            <a:prstGeom prst="roundRect">
+              <a:avLst/>
+            </a:prstGeom>
+            <a:solidFill>
+              <a:schemeClr val="bg1">
+                <a:lumMod val="50000"/>
+                <a:lumOff val="50000"/>
+              </a:schemeClr>
+            </a:solidFill>
+            <a:ln/>
+            <a:effectLst/>
+          </p:spPr>
+          <p:style>
+            <a:lnRef idx="1">
+              <a:schemeClr val="dk1"/>
+            </a:lnRef>
+            <a:fillRef idx="2">
+              <a:schemeClr val="dk1"/>
+            </a:fillRef>
+            <a:effectRef idx="1">
+              <a:schemeClr val="dk1"/>
+            </a:effectRef>
+            <a:fontRef idx="minor">
+              <a:schemeClr val="dk1"/>
+            </a:fontRef>
+          </p:style>
+          <p:txBody>
+            <a:bodyPr rtlCol="0" anchor="ctr"/>
+            <a:lstStyle/>
+            <a:p>
+              <a:pPr algn="ctr"/>
+              <a:r>
+                <a:rPr lang="pt-BR" sz="1600" dirty="0">
+                  <a:latin typeface="+mj-lt"/>
+                </a:rPr>
+                <a:t>antes</a:t>
+              </a:r>
+            </a:p>
+          </p:txBody>
+        </p:sp>
+        <p:sp>
+          <p:nvSpPr>
+            <p:cNvPr id="7" name="Retângulo: Cantos Arredondados 6"/>
+            <p:cNvSpPr/>
+            <p:nvPr/>
+          </p:nvSpPr>
+          <p:spPr>
+            <a:xfrm>
+              <a:off x="4413320" y="5661248"/>
+              <a:ext cx="1857388" cy="428628"/>
+            </a:xfrm>
+            <a:prstGeom prst="roundRect">
+              <a:avLst/>
+            </a:prstGeom>
+            <a:solidFill>
+              <a:schemeClr val="bg1">
+                <a:lumMod val="50000"/>
+                <a:lumOff val="50000"/>
+              </a:schemeClr>
+            </a:solidFill>
+            <a:ln/>
+            <a:effectLst/>
+          </p:spPr>
+          <p:style>
+            <a:lnRef idx="1">
+              <a:schemeClr val="dk1"/>
+            </a:lnRef>
+            <a:fillRef idx="2">
+              <a:schemeClr val="dk1"/>
+            </a:fillRef>
+            <a:effectRef idx="1">
+              <a:schemeClr val="dk1"/>
+            </a:effectRef>
+            <a:fontRef idx="minor">
+              <a:schemeClr val="dk1"/>
+            </a:fontRef>
+          </p:style>
+          <p:txBody>
+            <a:bodyPr rtlCol="0" anchor="ctr"/>
+            <a:lstStyle/>
+            <a:p>
+              <a:pPr algn="ctr"/>
+              <a:r>
+                <a:rPr lang="pt-BR" sz="1600" dirty="0">
+                  <a:latin typeface="+mj-lt"/>
+                </a:rPr>
+                <a:t>depois</a:t>
+              </a:r>
+            </a:p>
+          </p:txBody>
+        </p:sp>
+        <p:sp>
+          <p:nvSpPr>
+            <p:cNvPr id="10" name="Retângulo: Cantos Arredondados 9"/>
+            <p:cNvSpPr/>
+            <p:nvPr/>
+          </p:nvSpPr>
+          <p:spPr>
+            <a:xfrm>
+              <a:off x="6963914" y="3642744"/>
+              <a:ext cx="1857388" cy="428628"/>
+            </a:xfrm>
+            <a:prstGeom prst="roundRect">
+              <a:avLst/>
+            </a:prstGeom>
+            <a:solidFill>
+              <a:schemeClr val="accent3">
+                <a:alpha val="50000"/>
+              </a:schemeClr>
+            </a:solidFill>
+            <a:ln>
+              <a:noFill/>
+            </a:ln>
+          </p:spPr>
+          <p:style>
+            <a:lnRef idx="0">
+              <a:scrgbClr r="0" g="0" b="0"/>
+            </a:lnRef>
+            <a:fillRef idx="0">
+              <a:scrgbClr r="0" g="0" b="0"/>
+            </a:fillRef>
+            <a:effectRef idx="0">
+              <a:scrgbClr r="0" g="0" b="0"/>
+            </a:effectRef>
+            <a:fontRef idx="minor">
+              <a:schemeClr val="lt1"/>
+            </a:fontRef>
+          </p:style>
+          <p:txBody>
+            <a:bodyPr rtlCol="0" anchor="ctr"/>
+            <a:lstStyle/>
+            <a:p>
+              <a:pPr algn="ctr"/>
+              <a:r>
+                <a:rPr lang="pt-BR" sz="1600" dirty="0">
+                  <a:latin typeface="+mj-lt"/>
+                </a:rPr>
+                <a:t>corpo 2</a:t>
+              </a:r>
+            </a:p>
+          </p:txBody>
+        </p:sp>
+        <p:sp>
+          <p:nvSpPr>
+            <p:cNvPr id="11" name="Fluxograma: Decisão 10"/>
+            <p:cNvSpPr/>
+            <p:nvPr/>
+          </p:nvSpPr>
+          <p:spPr>
+            <a:xfrm>
+              <a:off x="4484758" y="3356992"/>
+              <a:ext cx="1714512" cy="1000132"/>
+            </a:xfrm>
+            <a:prstGeom prst="flowChartDecision">
+              <a:avLst/>
+            </a:prstGeom>
+            <a:solidFill>
+              <a:schemeClr val="accent3">
+                <a:alpha val="50000"/>
+              </a:schemeClr>
+            </a:solidFill>
+            <a:ln>
+              <a:noFill/>
+            </a:ln>
+          </p:spPr>
+          <p:style>
+            <a:lnRef idx="0">
+              <a:scrgbClr r="0" g="0" b="0"/>
+            </a:lnRef>
+            <a:fillRef idx="0">
+              <a:scrgbClr r="0" g="0" b="0"/>
+            </a:fillRef>
+            <a:effectRef idx="0">
+              <a:scrgbClr r="0" g="0" b="0"/>
+            </a:effectRef>
+            <a:fontRef idx="minor">
+              <a:schemeClr val="lt1"/>
+            </a:fontRef>
+          </p:style>
+          <p:txBody>
+            <a:bodyPr rtlCol="0" anchor="ctr"/>
+            <a:lstStyle/>
+            <a:p>
+              <a:pPr algn="ctr"/>
+              <a:r>
+                <a:rPr lang="pt-BR" dirty="0"/>
+                <a:t>teste</a:t>
+              </a:r>
+            </a:p>
+          </p:txBody>
+        </p:sp>
+        <p:cxnSp>
+          <p:nvCxnSpPr>
+            <p:cNvPr id="38" name="Conector de Seta Reta 37">
+              <a:extLst>
+                <a:ext uri="{FF2B5EF4-FFF2-40B4-BE49-F238E27FC236}">
+                  <a16:creationId xmlns:a16="http://schemas.microsoft.com/office/drawing/2014/main" id="{CBBC5CF4-009B-4B92-B920-93BAC5633FC0}"/>
+                </a:ext>
+              </a:extLst>
+            </p:cNvPr>
+            <p:cNvCxnSpPr>
+              <a:cxnSpLocks/>
+              <a:stCxn id="6" idx="2"/>
+              <a:endCxn id="11" idx="0"/>
+            </p:cNvCxnSpPr>
+            <p:nvPr/>
+          </p:nvCxnSpPr>
+          <p:spPr>
+            <a:xfrm>
+              <a:off x="5342014" y="2492896"/>
+              <a:ext cx="0" cy="864096"/>
+            </a:xfrm>
+            <a:prstGeom prst="straightConnector1">
+              <a:avLst/>
+            </a:prstGeom>
+            <a:ln w="38100">
+              <a:solidFill>
+                <a:schemeClr val="tx1">
+                  <a:lumMod val="75000"/>
+                </a:schemeClr>
+              </a:solidFill>
+              <a:tailEnd type="triangle"/>
+            </a:ln>
+          </p:spPr>
+          <p:style>
+            <a:lnRef idx="1">
+              <a:schemeClr val="accent1"/>
+            </a:lnRef>
+            <a:fillRef idx="0">
+              <a:schemeClr val="accent1"/>
+            </a:fillRef>
+            <a:effectRef idx="0">
+              <a:schemeClr val="accent1"/>
+            </a:effectRef>
+            <a:fontRef idx="minor">
+              <a:schemeClr val="tx1"/>
+            </a:fontRef>
+          </p:style>
+        </p:cxnSp>
+        <p:cxnSp>
+          <p:nvCxnSpPr>
+            <p:cNvPr id="43" name="Conector de Seta Reta 42">
+              <a:extLst>
+                <a:ext uri="{FF2B5EF4-FFF2-40B4-BE49-F238E27FC236}">
+                  <a16:creationId xmlns:a16="http://schemas.microsoft.com/office/drawing/2014/main" id="{5F0EB21A-224F-4A0D-85F3-3062DFAEE4AB}"/>
+                </a:ext>
+              </a:extLst>
+            </p:cNvPr>
+            <p:cNvCxnSpPr>
+              <a:cxnSpLocks/>
+              <a:stCxn id="11" idx="3"/>
+              <a:endCxn id="10" idx="1"/>
+            </p:cNvCxnSpPr>
+            <p:nvPr/>
+          </p:nvCxnSpPr>
+          <p:spPr>
+            <a:xfrm>
+              <a:off x="6199270" y="3857058"/>
+              <a:ext cx="764644" cy="0"/>
+            </a:xfrm>
+            <a:prstGeom prst="straightConnector1">
+              <a:avLst/>
+            </a:prstGeom>
+            <a:ln w="38100">
+              <a:solidFill>
+                <a:schemeClr val="tx1">
+                  <a:lumMod val="75000"/>
+                </a:schemeClr>
+              </a:solidFill>
+              <a:tailEnd type="triangle"/>
+            </a:ln>
+          </p:spPr>
+          <p:style>
+            <a:lnRef idx="1">
+              <a:schemeClr val="accent1"/>
+            </a:lnRef>
+            <a:fillRef idx="0">
+              <a:schemeClr val="accent1"/>
+            </a:fillRef>
+            <a:effectRef idx="0">
+              <a:schemeClr val="accent1"/>
+            </a:effectRef>
+            <a:fontRef idx="minor">
+              <a:schemeClr val="tx1"/>
+            </a:fontRef>
+          </p:style>
+        </p:cxnSp>
+        <p:sp>
+          <p:nvSpPr>
+            <p:cNvPr id="5" name="Retângulo 4"/>
+            <p:cNvSpPr/>
+            <p:nvPr/>
+          </p:nvSpPr>
+          <p:spPr>
+            <a:xfrm>
+              <a:off x="1631508" y="2928934"/>
+              <a:ext cx="7420630" cy="2375694"/>
+            </a:xfrm>
+            <a:prstGeom prst="rect">
+              <a:avLst/>
+            </a:prstGeom>
+            <a:noFill/>
+            <a:ln>
+              <a:solidFill>
+                <a:schemeClr val="tx1"/>
+              </a:solidFill>
+              <a:prstDash val="dash"/>
+            </a:ln>
+          </p:spPr>
+          <p:style>
+            <a:lnRef idx="2">
+              <a:schemeClr val="accent1">
+                <a:shade val="50000"/>
+              </a:schemeClr>
+            </a:lnRef>
+            <a:fillRef idx="1">
+              <a:schemeClr val="accent1"/>
+            </a:fillRef>
+            <a:effectRef idx="0">
+              <a:schemeClr val="accent1"/>
+            </a:effectRef>
+            <a:fontRef idx="minor">
+              <a:schemeClr val="lt1"/>
+            </a:fontRef>
+          </p:style>
+          <p:txBody>
+            <a:bodyPr rtlCol="0" anchor="ctr"/>
+            <a:lstStyle/>
+            <a:p>
+              <a:pPr algn="ctr"/>
+              <a:endParaRPr lang="pt-BR"/>
+            </a:p>
+          </p:txBody>
+        </p:sp>
+        <p:cxnSp>
+          <p:nvCxnSpPr>
+            <p:cNvPr id="13" name="Conector: Angulado 12">
+              <a:extLst>
+                <a:ext uri="{FF2B5EF4-FFF2-40B4-BE49-F238E27FC236}">
+                  <a16:creationId xmlns:a16="http://schemas.microsoft.com/office/drawing/2014/main" id="{A01520B6-FF28-40CB-96C9-278E7B034C58}"/>
+                </a:ext>
+              </a:extLst>
+            </p:cNvPr>
+            <p:cNvCxnSpPr>
+              <a:cxnSpLocks/>
+              <a:stCxn id="10" idx="2"/>
+              <a:endCxn id="7" idx="0"/>
+            </p:cNvCxnSpPr>
+            <p:nvPr/>
+          </p:nvCxnSpPr>
+          <p:spPr>
+            <a:xfrm rot="5400000">
+              <a:off x="5822373" y="3591013"/>
+              <a:ext cx="1589876" cy="2550594"/>
+            </a:xfrm>
+            <a:prstGeom prst="bentConnector3">
+              <a:avLst>
+                <a:gd name="adj1" fmla="val 50000"/>
+              </a:avLst>
+            </a:prstGeom>
+            <a:ln w="38100">
+              <a:solidFill>
+                <a:schemeClr val="tx1">
+                  <a:lumMod val="75000"/>
+                </a:schemeClr>
+              </a:solidFill>
+              <a:tailEnd type="triangle"/>
+            </a:ln>
+          </p:spPr>
+          <p:style>
+            <a:lnRef idx="1">
+              <a:schemeClr val="accent1"/>
+            </a:lnRef>
+            <a:fillRef idx="0">
+              <a:schemeClr val="accent1"/>
+            </a:fillRef>
+            <a:effectRef idx="0">
+              <a:schemeClr val="accent1"/>
+            </a:effectRef>
+            <a:fontRef idx="minor">
+              <a:schemeClr val="tx1"/>
+            </a:fontRef>
+          </p:style>
+        </p:cxnSp>
+        <p:sp>
+          <p:nvSpPr>
+            <p:cNvPr id="18" name="Retângulo 17">
+              <a:extLst>
+                <a:ext uri="{FF2B5EF4-FFF2-40B4-BE49-F238E27FC236}">
+                  <a16:creationId xmlns:a16="http://schemas.microsoft.com/office/drawing/2014/main" id="{4F60B685-C6AF-42C6-A9DC-153189831EA7}"/>
+                </a:ext>
+              </a:extLst>
+            </p:cNvPr>
+            <p:cNvSpPr/>
+            <p:nvPr/>
+          </p:nvSpPr>
+          <p:spPr>
+            <a:xfrm>
+              <a:off x="9450024" y="3329996"/>
+              <a:ext cx="1306768" cy="1569660"/>
+            </a:xfrm>
+            <a:prstGeom prst="rect">
+              <a:avLst/>
+            </a:prstGeom>
+          </p:spPr>
+          <p:txBody>
+            <a:bodyPr wrap="none">
+              <a:spAutoFit/>
+            </a:bodyPr>
+            <a:lstStyle/>
+            <a:p>
+              <a:r>
+                <a:rPr lang="pt-BR" sz="1600" dirty="0">
+                  <a:latin typeface="+mj-lt"/>
+                </a:rPr>
+                <a:t>antes;</a:t>
+              </a:r>
+            </a:p>
+            <a:p>
+              <a:r>
+                <a:rPr lang="pt-BR" sz="1600" dirty="0" err="1">
+                  <a:solidFill>
+                    <a:schemeClr val="accent3">
+                      <a:lumMod val="75000"/>
+                    </a:schemeClr>
+                  </a:solidFill>
+                  <a:latin typeface="+mj-lt"/>
+                </a:rPr>
+                <a:t>if</a:t>
+              </a:r>
+              <a:r>
+                <a:rPr lang="pt-BR" sz="1600" dirty="0">
+                  <a:latin typeface="+mj-lt"/>
+                </a:rPr>
+                <a:t> (teste)</a:t>
+              </a:r>
+            </a:p>
+            <a:p>
+              <a:r>
+                <a:rPr lang="pt-BR" sz="1600" dirty="0">
+                  <a:latin typeface="+mj-lt"/>
+                </a:rPr>
+                <a:t>   corpo1;</a:t>
+              </a:r>
+            </a:p>
+            <a:p>
+              <a:r>
+                <a:rPr lang="pt-BR" sz="1600" dirty="0" err="1">
+                  <a:solidFill>
+                    <a:schemeClr val="accent3">
+                      <a:lumMod val="75000"/>
+                    </a:schemeClr>
+                  </a:solidFill>
+                  <a:latin typeface="+mj-lt"/>
+                </a:rPr>
+                <a:t>else</a:t>
+              </a:r>
+              <a:endParaRPr lang="pt-BR" sz="1600" dirty="0">
                 <a:solidFill>
                   <a:schemeClr val="accent3">
                     <a:lumMod val="75000"/>
                   </a:schemeClr>
                 </a:solidFill>
                 <a:latin typeface="+mj-lt"/>
-              </a:rPr>
-              <a:t>if</a:t>
-            </a:r>
-            <a:r>
-              <a:rPr lang="pt-BR" sz="1600" dirty="0">
-                <a:latin typeface="+mj-lt"/>
-              </a:rPr>
-              <a:t> (teste)</a:t>
-            </a:r>
-          </a:p>
-          <a:p>
-            <a:r>
-              <a:rPr lang="pt-BR" sz="1600" dirty="0">
-                <a:latin typeface="+mj-lt"/>
-              </a:rPr>
-              <a:t>   corpo1;</a:t>
-            </a:r>
-          </a:p>
-          <a:p>
-            <a:r>
-              <a:rPr lang="pt-BR" sz="1600" dirty="0" err="1">
-                <a:solidFill>
-                  <a:schemeClr val="accent3">
-                    <a:lumMod val="75000"/>
-                  </a:schemeClr>
-                </a:solidFill>
-                <a:latin typeface="+mj-lt"/>
-              </a:rPr>
-              <a:t>else</a:t>
-            </a:r>
-            <a:endParaRPr lang="pt-BR" sz="1600" dirty="0">
+              </a:endParaRPr>
+            </a:p>
+            <a:p>
+              <a:r>
+                <a:rPr lang="pt-BR" sz="1600" dirty="0">
+                  <a:latin typeface="+mj-lt"/>
+                </a:rPr>
+                <a:t>   corpo2;</a:t>
+              </a:r>
+            </a:p>
+            <a:p>
+              <a:r>
+                <a:rPr lang="pt-BR" sz="1600" dirty="0">
+                  <a:latin typeface="+mj-lt"/>
+                </a:rPr>
+                <a:t>depois;</a:t>
+              </a:r>
+            </a:p>
+          </p:txBody>
+        </p:sp>
+        <p:sp>
+          <p:nvSpPr>
+            <p:cNvPr id="20" name="Retângulo: Cantos Arredondados 19">
+              <a:extLst>
+                <a:ext uri="{FF2B5EF4-FFF2-40B4-BE49-F238E27FC236}">
+                  <a16:creationId xmlns:a16="http://schemas.microsoft.com/office/drawing/2014/main" id="{D86FFD01-75A7-44FF-8D86-9E85DBA42F75}"/>
+                </a:ext>
+              </a:extLst>
+            </p:cNvPr>
+            <p:cNvSpPr/>
+            <p:nvPr/>
+          </p:nvSpPr>
+          <p:spPr>
+            <a:xfrm>
+              <a:off x="1862267" y="3642744"/>
+              <a:ext cx="1857388" cy="428628"/>
+            </a:xfrm>
+            <a:prstGeom prst="roundRect">
+              <a:avLst/>
+            </a:prstGeom>
+            <a:solidFill>
+              <a:schemeClr val="accent3">
+                <a:alpha val="50000"/>
+              </a:schemeClr>
+            </a:solidFill>
+            <a:ln>
+              <a:noFill/>
+            </a:ln>
+          </p:spPr>
+          <p:style>
+            <a:lnRef idx="0">
+              <a:scrgbClr r="0" g="0" b="0"/>
+            </a:lnRef>
+            <a:fillRef idx="0">
+              <a:scrgbClr r="0" g="0" b="0"/>
+            </a:fillRef>
+            <a:effectRef idx="0">
+              <a:scrgbClr r="0" g="0" b="0"/>
+            </a:effectRef>
+            <a:fontRef idx="minor">
+              <a:schemeClr val="lt1"/>
+            </a:fontRef>
+          </p:style>
+          <p:txBody>
+            <a:bodyPr rtlCol="0" anchor="ctr"/>
+            <a:lstStyle/>
+            <a:p>
+              <a:pPr algn="ctr"/>
+              <a:r>
+                <a:rPr lang="pt-BR" sz="1600" dirty="0">
+                  <a:latin typeface="+mj-lt"/>
+                </a:rPr>
+                <a:t>corpo 1</a:t>
+              </a:r>
+            </a:p>
+          </p:txBody>
+        </p:sp>
+        <p:cxnSp>
+          <p:nvCxnSpPr>
+            <p:cNvPr id="22" name="Conector de Seta Reta 21">
+              <a:extLst>
+                <a:ext uri="{FF2B5EF4-FFF2-40B4-BE49-F238E27FC236}">
+                  <a16:creationId xmlns:a16="http://schemas.microsoft.com/office/drawing/2014/main" id="{CE760CE9-166F-468A-9805-73A4A27ADA5F}"/>
+                </a:ext>
+              </a:extLst>
+            </p:cNvPr>
+            <p:cNvCxnSpPr>
+              <a:cxnSpLocks/>
+              <a:stCxn id="11" idx="1"/>
+              <a:endCxn id="20" idx="3"/>
+            </p:cNvCxnSpPr>
+            <p:nvPr/>
+          </p:nvCxnSpPr>
+          <p:spPr>
+            <a:xfrm flipH="1">
+              <a:off x="3719655" y="3857058"/>
+              <a:ext cx="765103" cy="0"/>
+            </a:xfrm>
+            <a:prstGeom prst="straightConnector1">
+              <a:avLst/>
+            </a:prstGeom>
+            <a:ln w="38100">
               <a:solidFill>
-                <a:schemeClr val="accent3">
+                <a:schemeClr val="tx1">
                   <a:lumMod val="75000"/>
                 </a:schemeClr>
               </a:solidFill>
-              <a:latin typeface="+mj-lt"/>
-            </a:endParaRPr>
-          </a:p>
-          <a:p>
-            <a:r>
-              <a:rPr lang="pt-BR" sz="1600" dirty="0">
-                <a:latin typeface="+mj-lt"/>
-              </a:rPr>
-              <a:t>   corpo2;</a:t>
-            </a:r>
-          </a:p>
-          <a:p>
-            <a:r>
-              <a:rPr lang="pt-BR" sz="1600" dirty="0">
-                <a:latin typeface="+mj-lt"/>
-              </a:rPr>
-              <a:t>posterior;</a:t>
-            </a:r>
-          </a:p>
-        </p:txBody>
-      </p:sp>
-      <p:sp>
-        <p:nvSpPr>
-          <p:cNvPr id="5" name="Retângulo 4"/>
-          <p:cNvSpPr/>
-          <p:nvPr/>
-        </p:nvSpPr>
-        <p:spPr>
-          <a:xfrm>
-            <a:off x="2309786" y="2500306"/>
-            <a:ext cx="7858180" cy="3143272"/>
-          </a:xfrm>
-          <a:prstGeom prst="rect">
-            <a:avLst/>
-          </a:prstGeom>
-          <a:noFill/>
-          <a:ln>
-            <a:solidFill>
+              <a:tailEnd type="triangle"/>
+            </a:ln>
+          </p:spPr>
+          <p:style>
+            <a:lnRef idx="1">
+              <a:schemeClr val="accent1"/>
+            </a:lnRef>
+            <a:fillRef idx="0">
+              <a:schemeClr val="accent1"/>
+            </a:fillRef>
+            <a:effectRef idx="0">
+              <a:schemeClr val="accent1"/>
+            </a:effectRef>
+            <a:fontRef idx="minor">
               <a:schemeClr val="tx1"/>
-            </a:solidFill>
-            <a:prstDash val="dash"/>
-          </a:ln>
-        </p:spPr>
-        <p:style>
-          <a:lnRef idx="2">
-            <a:schemeClr val="accent1">
-              <a:shade val="50000"/>
-            </a:schemeClr>
-          </a:lnRef>
-          <a:fillRef idx="1">
-            <a:schemeClr val="accent1"/>
-          </a:fillRef>
-          <a:effectRef idx="0">
-            <a:schemeClr val="accent1"/>
-          </a:effectRef>
-          <a:fontRef idx="minor">
-            <a:schemeClr val="lt1"/>
-          </a:fontRef>
-        </p:style>
-        <p:txBody>
-          <a:bodyPr rtlCol="0" anchor="ctr"/>
-          <a:lstStyle/>
-          <a:p>
-            <a:pPr algn="ctr"/>
-            <a:endParaRPr lang="pt-BR"/>
-          </a:p>
-        </p:txBody>
-      </p:sp>
-      <p:sp>
-        <p:nvSpPr>
-          <p:cNvPr id="6" name="Retângulo 5"/>
-          <p:cNvSpPr/>
-          <p:nvPr/>
-        </p:nvSpPr>
-        <p:spPr>
-          <a:xfrm>
-            <a:off x="5310182" y="1714488"/>
-            <a:ext cx="1857388" cy="428628"/>
-          </a:xfrm>
-          <a:prstGeom prst="rect">
-            <a:avLst/>
-          </a:prstGeom>
-          <a:solidFill>
-            <a:schemeClr val="bg1">
-              <a:lumMod val="65000"/>
-              <a:lumOff val="35000"/>
-            </a:schemeClr>
-          </a:solidFill>
-          <a:ln>
-            <a:noFill/>
-          </a:ln>
-          <a:effectLst>
-            <a:outerShdw blurRad="107950" dist="12700" dir="5400000" algn="ctr">
-              <a:srgbClr val="000000"/>
-            </a:outerShdw>
-          </a:effectLst>
-          <a:scene3d>
-            <a:camera prst="orthographicFront">
-              <a:rot lat="0" lon="0" rev="0"/>
-            </a:camera>
-            <a:lightRig rig="soft" dir="t">
-              <a:rot lat="0" lon="0" rev="0"/>
-            </a:lightRig>
-          </a:scene3d>
-          <a:sp3d contourW="44450" prstMaterial="matte">
-            <a:bevelT w="63500" h="63500" prst="artDeco"/>
-            <a:contourClr>
-              <a:srgbClr val="FFFFFF"/>
-            </a:contourClr>
-          </a:sp3d>
-        </p:spPr>
-        <p:style>
-          <a:lnRef idx="2">
-            <a:schemeClr val="accent1">
-              <a:shade val="50000"/>
-            </a:schemeClr>
-          </a:lnRef>
-          <a:fillRef idx="1">
-            <a:schemeClr val="accent1"/>
-          </a:fillRef>
-          <a:effectRef idx="0">
-            <a:schemeClr val="accent1"/>
-          </a:effectRef>
-          <a:fontRef idx="minor">
-            <a:schemeClr val="lt1"/>
-          </a:fontRef>
-        </p:style>
-        <p:txBody>
-          <a:bodyPr rtlCol="0" anchor="ctr"/>
-          <a:lstStyle/>
-          <a:p>
-            <a:pPr algn="ctr"/>
-            <a:r>
-              <a:rPr lang="pt-BR" sz="1600" dirty="0">
-                <a:latin typeface="+mj-lt"/>
-              </a:rPr>
-              <a:t>anterior</a:t>
-            </a:r>
-          </a:p>
-        </p:txBody>
-      </p:sp>
-      <p:sp>
-        <p:nvSpPr>
-          <p:cNvPr id="7" name="Retângulo 6"/>
-          <p:cNvSpPr/>
-          <p:nvPr/>
-        </p:nvSpPr>
-        <p:spPr>
-          <a:xfrm>
-            <a:off x="5310182" y="6000768"/>
-            <a:ext cx="1857388" cy="428628"/>
-          </a:xfrm>
-          <a:prstGeom prst="rect">
-            <a:avLst/>
-          </a:prstGeom>
-          <a:solidFill>
-            <a:schemeClr val="bg1">
-              <a:lumMod val="65000"/>
-              <a:lumOff val="35000"/>
-            </a:schemeClr>
-          </a:solidFill>
-          <a:ln>
-            <a:noFill/>
-          </a:ln>
-          <a:effectLst>
-            <a:outerShdw blurRad="107950" dist="12700" dir="5400000" algn="ctr">
-              <a:srgbClr val="000000"/>
-            </a:outerShdw>
-          </a:effectLst>
-          <a:scene3d>
-            <a:camera prst="orthographicFront">
-              <a:rot lat="0" lon="0" rev="0"/>
-            </a:camera>
-            <a:lightRig rig="soft" dir="t">
-              <a:rot lat="0" lon="0" rev="0"/>
-            </a:lightRig>
-          </a:scene3d>
-          <a:sp3d contourW="44450" prstMaterial="matte">
-            <a:bevelT w="63500" h="63500" prst="artDeco"/>
-            <a:contourClr>
-              <a:srgbClr val="FFFFFF"/>
-            </a:contourClr>
-          </a:sp3d>
-        </p:spPr>
-        <p:style>
-          <a:lnRef idx="2">
-            <a:schemeClr val="accent1">
-              <a:shade val="50000"/>
-            </a:schemeClr>
-          </a:lnRef>
-          <a:fillRef idx="1">
-            <a:schemeClr val="accent1"/>
-          </a:fillRef>
-          <a:effectRef idx="0">
-            <a:schemeClr val="accent1"/>
-          </a:effectRef>
-          <a:fontRef idx="minor">
-            <a:schemeClr val="lt1"/>
-          </a:fontRef>
-        </p:style>
-        <p:txBody>
-          <a:bodyPr rtlCol="0" anchor="ctr"/>
-          <a:lstStyle/>
-          <a:p>
-            <a:pPr algn="ctr"/>
-            <a:r>
-              <a:rPr lang="pt-BR" sz="1600" dirty="0">
-                <a:latin typeface="+mj-lt"/>
-              </a:rPr>
-              <a:t>posterior</a:t>
-            </a:r>
-          </a:p>
-        </p:txBody>
-      </p:sp>
-      <p:sp>
-        <p:nvSpPr>
-          <p:cNvPr id="10" name="Retângulo 9"/>
-          <p:cNvSpPr/>
-          <p:nvPr/>
-        </p:nvSpPr>
-        <p:spPr>
-          <a:xfrm>
-            <a:off x="8167702" y="3643314"/>
-            <a:ext cx="1857388" cy="428628"/>
-          </a:xfrm>
-          <a:prstGeom prst="rect">
-            <a:avLst/>
-          </a:prstGeom>
-          <a:solidFill>
-            <a:schemeClr val="accent3">
-              <a:lumMod val="75000"/>
-            </a:schemeClr>
-          </a:solidFill>
-          <a:ln>
-            <a:noFill/>
-          </a:ln>
-          <a:effectLst>
-            <a:outerShdw blurRad="107950" dist="12700" dir="5400000" algn="ctr">
-              <a:srgbClr val="000000"/>
-            </a:outerShdw>
-          </a:effectLst>
-          <a:scene3d>
-            <a:camera prst="orthographicFront">
-              <a:rot lat="0" lon="0" rev="0"/>
-            </a:camera>
-            <a:lightRig rig="soft" dir="t">
-              <a:rot lat="0" lon="0" rev="0"/>
-            </a:lightRig>
-          </a:scene3d>
-          <a:sp3d contourW="44450" prstMaterial="matte">
-            <a:bevelT w="63500" h="63500" prst="artDeco"/>
-            <a:contourClr>
-              <a:srgbClr val="FFFFFF"/>
-            </a:contourClr>
-          </a:sp3d>
-        </p:spPr>
-        <p:style>
-          <a:lnRef idx="2">
-            <a:schemeClr val="accent1">
-              <a:shade val="50000"/>
-            </a:schemeClr>
-          </a:lnRef>
-          <a:fillRef idx="1">
-            <a:schemeClr val="accent1"/>
-          </a:fillRef>
-          <a:effectRef idx="0">
-            <a:schemeClr val="accent1"/>
-          </a:effectRef>
-          <a:fontRef idx="minor">
-            <a:schemeClr val="lt1"/>
-          </a:fontRef>
-        </p:style>
-        <p:txBody>
-          <a:bodyPr rtlCol="0" anchor="ctr"/>
-          <a:lstStyle/>
-          <a:p>
-            <a:pPr algn="ctr"/>
-            <a:r>
-              <a:rPr lang="pt-BR" sz="1600" dirty="0">
-                <a:latin typeface="+mj-lt"/>
-              </a:rPr>
-              <a:t>corpo1</a:t>
-            </a:r>
-          </a:p>
-        </p:txBody>
-      </p:sp>
-      <p:sp>
-        <p:nvSpPr>
-          <p:cNvPr id="11" name="Fluxograma: Decisão 10"/>
-          <p:cNvSpPr/>
-          <p:nvPr/>
-        </p:nvSpPr>
-        <p:spPr>
-          <a:xfrm>
-            <a:off x="5381620" y="3143248"/>
-            <a:ext cx="1714512" cy="1428760"/>
-          </a:xfrm>
-          <a:prstGeom prst="flowChartDecision">
-            <a:avLst/>
-          </a:prstGeom>
-          <a:solidFill>
-            <a:schemeClr val="accent3">
-              <a:lumMod val="75000"/>
-            </a:schemeClr>
-          </a:solidFill>
-          <a:ln>
-            <a:noFill/>
-          </a:ln>
-          <a:effectLst>
-            <a:outerShdw blurRad="107950" dist="12700" dir="5400000" algn="ctr">
-              <a:srgbClr val="000000"/>
-            </a:outerShdw>
-          </a:effectLst>
-          <a:scene3d>
-            <a:camera prst="orthographicFront">
-              <a:rot lat="0" lon="0" rev="0"/>
-            </a:camera>
-            <a:lightRig rig="soft" dir="t">
-              <a:rot lat="0" lon="0" rev="0"/>
-            </a:lightRig>
-          </a:scene3d>
-          <a:sp3d contourW="44450" prstMaterial="matte">
-            <a:bevelT w="63500" h="63500" prst="artDeco"/>
-            <a:contourClr>
-              <a:srgbClr val="FFFFFF"/>
-            </a:contourClr>
-          </a:sp3d>
-        </p:spPr>
-        <p:style>
-          <a:lnRef idx="2">
-            <a:schemeClr val="accent1">
-              <a:shade val="50000"/>
-            </a:schemeClr>
-          </a:lnRef>
-          <a:fillRef idx="1">
-            <a:schemeClr val="accent1"/>
-          </a:fillRef>
-          <a:effectRef idx="0">
-            <a:schemeClr val="accent1"/>
-          </a:effectRef>
-          <a:fontRef idx="minor">
-            <a:schemeClr val="lt1"/>
-          </a:fontRef>
-        </p:style>
-        <p:txBody>
-          <a:bodyPr rtlCol="0" anchor="ctr"/>
-          <a:lstStyle/>
-          <a:p>
-            <a:pPr algn="ctr"/>
-            <a:r>
-              <a:rPr lang="pt-BR" dirty="0"/>
-              <a:t>teste</a:t>
-            </a:r>
-          </a:p>
-        </p:txBody>
-      </p:sp>
-      <p:cxnSp>
-        <p:nvCxnSpPr>
-          <p:cNvPr id="13" name="Conector de seta reta 12"/>
-          <p:cNvCxnSpPr>
-            <a:stCxn id="6" idx="2"/>
-            <a:endCxn id="11" idx="0"/>
-          </p:cNvCxnSpPr>
-          <p:nvPr/>
-        </p:nvCxnSpPr>
-        <p:spPr>
-          <a:xfrm rot="5400000">
-            <a:off x="5738810" y="2643182"/>
-            <a:ext cx="1000132" cy="1588"/>
-          </a:xfrm>
-          <a:prstGeom prst="straightConnector1">
-            <a:avLst/>
-          </a:prstGeom>
-          <a:ln w="25400">
-            <a:solidFill>
+            </a:fontRef>
+          </p:style>
+        </p:cxnSp>
+        <p:cxnSp>
+          <p:nvCxnSpPr>
+            <p:cNvPr id="23" name="Conector: Angulado 22">
+              <a:extLst>
+                <a:ext uri="{FF2B5EF4-FFF2-40B4-BE49-F238E27FC236}">
+                  <a16:creationId xmlns:a16="http://schemas.microsoft.com/office/drawing/2014/main" id="{FBB2EC93-5D9A-4168-9FA4-399B46B5EB58}"/>
+                </a:ext>
+              </a:extLst>
+            </p:cNvPr>
+            <p:cNvCxnSpPr>
+              <a:cxnSpLocks/>
+              <a:stCxn id="20" idx="2"/>
+              <a:endCxn id="7" idx="0"/>
+            </p:cNvCxnSpPr>
+            <p:nvPr/>
+          </p:nvCxnSpPr>
+          <p:spPr>
+            <a:xfrm rot="16200000" flipH="1">
+              <a:off x="3271549" y="3590783"/>
+              <a:ext cx="1589876" cy="2551053"/>
+            </a:xfrm>
+            <a:prstGeom prst="bentConnector3">
+              <a:avLst>
+                <a:gd name="adj1" fmla="val 50000"/>
+              </a:avLst>
+            </a:prstGeom>
+            <a:ln w="38100">
+              <a:solidFill>
+                <a:schemeClr val="tx1">
+                  <a:lumMod val="75000"/>
+                </a:schemeClr>
+              </a:solidFill>
+              <a:tailEnd type="triangle"/>
+            </a:ln>
+          </p:spPr>
+          <p:style>
+            <a:lnRef idx="1">
+              <a:schemeClr val="accent1"/>
+            </a:lnRef>
+            <a:fillRef idx="0">
+              <a:schemeClr val="accent1"/>
+            </a:fillRef>
+            <a:effectRef idx="0">
+              <a:schemeClr val="accent1"/>
+            </a:effectRef>
+            <a:fontRef idx="minor">
               <a:schemeClr val="tx1"/>
-            </a:solidFill>
-            <a:tailEnd type="triangle" w="med" len="lg"/>
-          </a:ln>
-        </p:spPr>
-        <p:style>
-          <a:lnRef idx="1">
-            <a:schemeClr val="accent1"/>
-          </a:lnRef>
-          <a:fillRef idx="0">
-            <a:schemeClr val="accent1"/>
-          </a:fillRef>
-          <a:effectRef idx="0">
-            <a:schemeClr val="accent1"/>
-          </a:effectRef>
-          <a:fontRef idx="minor">
-            <a:schemeClr val="tx1"/>
-          </a:fontRef>
-        </p:style>
-      </p:cxnSp>
-      <p:cxnSp>
-        <p:nvCxnSpPr>
-          <p:cNvPr id="17" name="Conector de seta reta 16"/>
-          <p:cNvCxnSpPr>
-            <a:stCxn id="11" idx="2"/>
-            <a:endCxn id="7" idx="0"/>
-          </p:cNvCxnSpPr>
-          <p:nvPr/>
-        </p:nvCxnSpPr>
-        <p:spPr>
-          <a:xfrm rot="5400000">
-            <a:off x="5524496" y="5286388"/>
-            <a:ext cx="1428760" cy="1588"/>
-          </a:xfrm>
-          <a:prstGeom prst="straightConnector1">
-            <a:avLst/>
-          </a:prstGeom>
-          <a:ln w="25400">
-            <a:solidFill>
-              <a:schemeClr val="tx1"/>
-            </a:solidFill>
-            <a:tailEnd type="triangle" w="med" len="lg"/>
-          </a:ln>
-        </p:spPr>
-        <p:style>
-          <a:lnRef idx="1">
-            <a:schemeClr val="accent1"/>
-          </a:lnRef>
-          <a:fillRef idx="0">
-            <a:schemeClr val="accent1"/>
-          </a:fillRef>
-          <a:effectRef idx="0">
-            <a:schemeClr val="accent1"/>
-          </a:effectRef>
-          <a:fontRef idx="minor">
-            <a:schemeClr val="tx1"/>
-          </a:fontRef>
-        </p:style>
-      </p:cxnSp>
-      <p:cxnSp>
-        <p:nvCxnSpPr>
-          <p:cNvPr id="20" name="Conector de seta reta 19"/>
-          <p:cNvCxnSpPr>
-            <a:stCxn id="11" idx="3"/>
-            <a:endCxn id="10" idx="1"/>
-          </p:cNvCxnSpPr>
-          <p:nvPr/>
-        </p:nvCxnSpPr>
-        <p:spPr>
-          <a:xfrm>
-            <a:off x="7096132" y="3857628"/>
-            <a:ext cx="1071570" cy="1588"/>
-          </a:xfrm>
-          <a:prstGeom prst="straightConnector1">
-            <a:avLst/>
-          </a:prstGeom>
-          <a:ln w="25400">
-            <a:solidFill>
-              <a:schemeClr val="tx1"/>
-            </a:solidFill>
-            <a:tailEnd type="triangle" w="med" len="lg"/>
-          </a:ln>
-        </p:spPr>
-        <p:style>
-          <a:lnRef idx="1">
-            <a:schemeClr val="accent1"/>
-          </a:lnRef>
-          <a:fillRef idx="0">
-            <a:schemeClr val="accent1"/>
-          </a:fillRef>
-          <a:effectRef idx="0">
-            <a:schemeClr val="accent1"/>
-          </a:effectRef>
-          <a:fontRef idx="minor">
-            <a:schemeClr val="tx1"/>
-          </a:fontRef>
-        </p:style>
-      </p:cxnSp>
-      <p:sp>
-        <p:nvSpPr>
-          <p:cNvPr id="31" name="CaixaDeTexto 30"/>
-          <p:cNvSpPr txBox="1"/>
-          <p:nvPr/>
-        </p:nvSpPr>
-        <p:spPr>
-          <a:xfrm>
-            <a:off x="9129330" y="2132856"/>
-            <a:ext cx="1071127" cy="369332"/>
-          </a:xfrm>
-          <a:prstGeom prst="rect">
-            <a:avLst/>
-          </a:prstGeom>
-          <a:noFill/>
-        </p:spPr>
-        <p:txBody>
-          <a:bodyPr wrap="none" rtlCol="0">
-            <a:spAutoFit/>
-          </a:bodyPr>
-          <a:lstStyle/>
-          <a:p>
-            <a:r>
-              <a:rPr lang="pt-BR" dirty="0" err="1">
-                <a:latin typeface="+mj-lt"/>
-              </a:rPr>
-              <a:t>if</a:t>
-            </a:r>
-            <a:r>
-              <a:rPr lang="pt-BR" dirty="0">
-                <a:latin typeface="+mj-lt"/>
-              </a:rPr>
-              <a:t> </a:t>
-            </a:r>
-            <a:r>
-              <a:rPr lang="pt-BR" dirty="0" err="1">
-                <a:latin typeface="+mj-lt"/>
-              </a:rPr>
-              <a:t>else</a:t>
-            </a:r>
-            <a:endParaRPr lang="pt-BR" dirty="0">
-              <a:latin typeface="+mj-lt"/>
-            </a:endParaRPr>
-          </a:p>
-        </p:txBody>
-      </p:sp>
-      <p:sp>
-        <p:nvSpPr>
-          <p:cNvPr id="32" name="CaixaDeTexto 31"/>
-          <p:cNvSpPr txBox="1"/>
-          <p:nvPr/>
-        </p:nvSpPr>
-        <p:spPr>
-          <a:xfrm>
-            <a:off x="4563768" y="3143248"/>
-            <a:ext cx="817853" cy="369332"/>
-          </a:xfrm>
-          <a:prstGeom prst="rect">
-            <a:avLst/>
-          </a:prstGeom>
-          <a:noFill/>
-        </p:spPr>
-        <p:txBody>
-          <a:bodyPr wrap="none" rtlCol="0">
-            <a:spAutoFit/>
-          </a:bodyPr>
-          <a:lstStyle/>
-          <a:p>
-            <a:r>
-              <a:rPr lang="pt-BR" dirty="0">
-                <a:latin typeface="+mj-lt"/>
-              </a:rPr>
-              <a:t>falso</a:t>
-            </a:r>
-          </a:p>
-        </p:txBody>
-      </p:sp>
-      <p:sp>
-        <p:nvSpPr>
-          <p:cNvPr id="33" name="CaixaDeTexto 32"/>
-          <p:cNvSpPr txBox="1"/>
-          <p:nvPr/>
-        </p:nvSpPr>
-        <p:spPr>
-          <a:xfrm>
-            <a:off x="6881818" y="3143248"/>
-            <a:ext cx="1451038" cy="369332"/>
-          </a:xfrm>
-          <a:prstGeom prst="rect">
-            <a:avLst/>
-          </a:prstGeom>
-          <a:noFill/>
-        </p:spPr>
-        <p:txBody>
-          <a:bodyPr wrap="none" rtlCol="0">
-            <a:spAutoFit/>
-          </a:bodyPr>
-          <a:lstStyle/>
-          <a:p>
-            <a:r>
-              <a:rPr lang="pt-BR" dirty="0">
-                <a:latin typeface="+mj-lt"/>
-              </a:rPr>
-              <a:t>verdadeiro</a:t>
-            </a:r>
-          </a:p>
-        </p:txBody>
-      </p:sp>
-      <p:cxnSp>
-        <p:nvCxnSpPr>
-          <p:cNvPr id="34" name="Conector angulado 33"/>
-          <p:cNvCxnSpPr>
-            <a:stCxn id="10" idx="2"/>
-          </p:cNvCxnSpPr>
-          <p:nvPr/>
-        </p:nvCxnSpPr>
-        <p:spPr>
-          <a:xfrm rot="5400000">
-            <a:off x="7060413" y="3250405"/>
-            <a:ext cx="1214446" cy="2857520"/>
-          </a:xfrm>
-          <a:prstGeom prst="bentConnector2">
-            <a:avLst/>
-          </a:prstGeom>
-          <a:ln w="25400">
-            <a:solidFill>
-              <a:schemeClr val="tx1"/>
-            </a:solidFill>
-            <a:tailEnd type="triangle" w="med" len="lg"/>
-          </a:ln>
-        </p:spPr>
-        <p:style>
-          <a:lnRef idx="1">
-            <a:schemeClr val="accent1"/>
-          </a:lnRef>
-          <a:fillRef idx="0">
-            <a:schemeClr val="accent1"/>
-          </a:fillRef>
-          <a:effectRef idx="0">
-            <a:schemeClr val="accent1"/>
-          </a:effectRef>
-          <a:fontRef idx="minor">
-            <a:schemeClr val="tx1"/>
-          </a:fontRef>
-        </p:style>
-      </p:cxnSp>
-      <p:sp>
-        <p:nvSpPr>
-          <p:cNvPr id="16" name="Retângulo 15"/>
-          <p:cNvSpPr/>
-          <p:nvPr/>
-        </p:nvSpPr>
-        <p:spPr>
-          <a:xfrm>
-            <a:off x="2524100" y="3643314"/>
-            <a:ext cx="1857388" cy="428628"/>
-          </a:xfrm>
-          <a:prstGeom prst="rect">
-            <a:avLst/>
-          </a:prstGeom>
-          <a:solidFill>
-            <a:schemeClr val="accent3">
-              <a:lumMod val="75000"/>
-            </a:schemeClr>
-          </a:solidFill>
-          <a:ln>
-            <a:noFill/>
-          </a:ln>
-          <a:effectLst>
-            <a:outerShdw blurRad="107950" dist="12700" dir="5400000" algn="ctr">
-              <a:srgbClr val="000000"/>
-            </a:outerShdw>
-          </a:effectLst>
-          <a:scene3d>
-            <a:camera prst="orthographicFront">
-              <a:rot lat="0" lon="0" rev="0"/>
-            </a:camera>
-            <a:lightRig rig="soft" dir="t">
-              <a:rot lat="0" lon="0" rev="0"/>
-            </a:lightRig>
-          </a:scene3d>
-          <a:sp3d contourW="44450" prstMaterial="matte">
-            <a:bevelT w="63500" h="63500" prst="artDeco"/>
-            <a:contourClr>
-              <a:srgbClr val="FFFFFF"/>
-            </a:contourClr>
-          </a:sp3d>
-        </p:spPr>
-        <p:style>
-          <a:lnRef idx="2">
-            <a:schemeClr val="accent1">
-              <a:shade val="50000"/>
-            </a:schemeClr>
-          </a:lnRef>
-          <a:fillRef idx="1">
-            <a:schemeClr val="accent1"/>
-          </a:fillRef>
-          <a:effectRef idx="0">
-            <a:schemeClr val="accent1"/>
-          </a:effectRef>
-          <a:fontRef idx="minor">
-            <a:schemeClr val="lt1"/>
-          </a:fontRef>
-        </p:style>
-        <p:txBody>
-          <a:bodyPr rtlCol="0" anchor="ctr"/>
-          <a:lstStyle/>
-          <a:p>
-            <a:pPr algn="ctr"/>
-            <a:r>
-              <a:rPr lang="pt-BR" sz="1600" dirty="0">
-                <a:latin typeface="+mj-lt"/>
-              </a:rPr>
-              <a:t>corpo2</a:t>
-            </a:r>
-          </a:p>
-        </p:txBody>
-      </p:sp>
-      <p:cxnSp>
-        <p:nvCxnSpPr>
-          <p:cNvPr id="18" name="Conector de seta reta 17"/>
-          <p:cNvCxnSpPr>
-            <a:endCxn id="16" idx="3"/>
-          </p:cNvCxnSpPr>
-          <p:nvPr/>
-        </p:nvCxnSpPr>
-        <p:spPr>
-          <a:xfrm rot="10800000">
-            <a:off x="4381488" y="3857628"/>
-            <a:ext cx="1000132" cy="1588"/>
-          </a:xfrm>
-          <a:prstGeom prst="straightConnector1">
-            <a:avLst/>
-          </a:prstGeom>
-          <a:ln w="25400">
-            <a:solidFill>
-              <a:schemeClr val="tx1"/>
-            </a:solidFill>
-            <a:tailEnd type="triangle" w="med" len="lg"/>
-          </a:ln>
-        </p:spPr>
-        <p:style>
-          <a:lnRef idx="1">
-            <a:schemeClr val="accent1"/>
-          </a:lnRef>
-          <a:fillRef idx="0">
-            <a:schemeClr val="accent1"/>
-          </a:fillRef>
-          <a:effectRef idx="0">
-            <a:schemeClr val="accent1"/>
-          </a:effectRef>
-          <a:fontRef idx="minor">
-            <a:schemeClr val="tx1"/>
-          </a:fontRef>
-        </p:style>
-      </p:cxnSp>
-      <p:cxnSp>
-        <p:nvCxnSpPr>
-          <p:cNvPr id="25" name="Conector angulado 33"/>
-          <p:cNvCxnSpPr>
-            <a:stCxn id="16" idx="2"/>
-          </p:cNvCxnSpPr>
-          <p:nvPr/>
-        </p:nvCxnSpPr>
-        <p:spPr>
-          <a:xfrm rot="16200000" flipH="1">
-            <a:off x="4238612" y="3286124"/>
-            <a:ext cx="1214446" cy="2786082"/>
-          </a:xfrm>
-          <a:prstGeom prst="bentConnector2">
-            <a:avLst/>
-          </a:prstGeom>
-          <a:ln w="25400">
-            <a:solidFill>
-              <a:schemeClr val="tx1"/>
-            </a:solidFill>
-            <a:tailEnd type="triangle" w="med" len="lg"/>
-          </a:ln>
-        </p:spPr>
-        <p:style>
-          <a:lnRef idx="1">
-            <a:schemeClr val="accent1"/>
-          </a:lnRef>
-          <a:fillRef idx="0">
-            <a:schemeClr val="accent1"/>
-          </a:fillRef>
-          <a:effectRef idx="0">
-            <a:schemeClr val="accent1"/>
-          </a:effectRef>
-          <a:fontRef idx="minor">
-            <a:schemeClr val="tx1"/>
-          </a:fontRef>
-        </p:style>
-      </p:cxnSp>
+            </a:fontRef>
+          </p:style>
+        </p:cxnSp>
+      </p:grpSp>
     </p:spTree>
+    <p:extLst>
+      <p:ext uri="{BB962C8B-B14F-4D97-AF65-F5344CB8AC3E}">
+        <p14:creationId xmlns:p14="http://schemas.microsoft.com/office/powerpoint/2010/main" val="955529236"/>
+      </p:ext>
+    </p:extLst>
   </p:cSld>
   <p:clrMapOvr>
     <a:masterClrMapping/>
@@ -10985,6 +13048,48 @@
                 <a:latin typeface="+mj-lt"/>
               </a:rPr>
               <a:t>}</a:t>
+            </a:r>
+          </a:p>
+        </p:txBody>
+      </p:sp>
+      <p:sp>
+        <p:nvSpPr>
+          <p:cNvPr id="5" name="CaixaDeTexto 4">
+            <a:extLst>
+              <a:ext uri="{FF2B5EF4-FFF2-40B4-BE49-F238E27FC236}">
+                <a16:creationId xmlns:a16="http://schemas.microsoft.com/office/drawing/2014/main" id="{C2ED3E3E-6D31-44D1-9CC4-4DF7D09E0297}"/>
+              </a:ext>
+            </a:extLst>
+          </p:cNvPr>
+          <p:cNvSpPr txBox="1"/>
+          <p:nvPr/>
+        </p:nvSpPr>
+        <p:spPr>
+          <a:xfrm rot="16200000">
+            <a:off x="-714272" y="5774776"/>
+            <a:ext cx="1800200" cy="276999"/>
+          </a:xfrm>
+          <a:prstGeom prst="rect">
+            <a:avLst/>
+          </a:prstGeom>
+          <a:noFill/>
+        </p:spPr>
+        <p:txBody>
+          <a:bodyPr wrap="square" rtlCol="0">
+            <a:spAutoFit/>
+          </a:bodyPr>
+          <a:lstStyle/>
+          <a:p>
+            <a:r>
+              <a:rPr lang="pt-BR" sz="1200" dirty="0">
+                <a:solidFill>
+                  <a:schemeClr val="bg2">
+                    <a:lumMod val="50000"/>
+                  </a:schemeClr>
+                </a:solidFill>
+                <a:latin typeface="+mj-lt"/>
+              </a:rPr>
+              <a:t>// Confusão.cpp</a:t>
             </a:r>
           </a:p>
         </p:txBody>
@@ -11092,7 +13197,7 @@
           <a:p>
             <a:r>
               <a:rPr lang="pt-BR" dirty="0"/>
-              <a:t>Tente usar </a:t>
+              <a:t>E se usarmos </a:t>
             </a:r>
             <a:r>
               <a:rPr lang="pt-BR" dirty="0" err="1">
@@ -11169,35 +13274,23 @@
               </a:rPr>
               <a:t> </a:t>
             </a:r>
+          </a:p>
+          <a:p>
+            <a:pPr lvl="1"/>
             <a:r>
               <a:rPr lang="pt-BR" dirty="0"/>
-              <a:t>para ver um efeito interessante</a:t>
+              <a:t>O resultado é o mesmo? </a:t>
             </a:r>
           </a:p>
           <a:p>
             <a:pPr lvl="1"/>
-            <a:r>
-              <a:rPr lang="pt-BR" dirty="0"/>
-              <a:t>O segredo está em como </a:t>
-            </a:r>
-            <a:r>
-              <a:rPr lang="pt-BR" dirty="0" err="1"/>
-              <a:t>cout</a:t>
-            </a:r>
-            <a:r>
-              <a:rPr lang="pt-BR" dirty="0"/>
-              <a:t> trata </a:t>
-            </a:r>
-            <a:r>
-              <a:rPr lang="pt-BR" dirty="0">
-                <a:solidFill>
-                  <a:schemeClr val="accent3">
-                    <a:lumMod val="75000"/>
-                  </a:schemeClr>
-                </a:solidFill>
-              </a:rPr>
-              <a:t>tipos diferentes</a:t>
-            </a:r>
+            <a:endParaRPr lang="pt-BR" dirty="0">
+              <a:solidFill>
+                <a:schemeClr val="accent3">
+                  <a:lumMod val="75000"/>
+                </a:schemeClr>
+              </a:solidFill>
+            </a:endParaRPr>
           </a:p>
         </p:txBody>
       </p:sp>
@@ -11234,7 +13327,10 @@
             <a:r>
               <a:rPr lang="pt-BR" sz="1600" dirty="0">
                 <a:solidFill>
-                  <a:schemeClr val="accent3"/>
+                  <a:schemeClr val="accent3">
+                    <a:lumMod val="60000"/>
+                    <a:lumOff val="40000"/>
+                  </a:schemeClr>
                 </a:solidFill>
                 <a:latin typeface="+mj-lt"/>
               </a:rPr>
@@ -11292,7 +13388,10 @@
             <a:r>
               <a:rPr lang="pt-BR" sz="1600" dirty="0">
                 <a:solidFill>
-                  <a:schemeClr val="accent3"/>
+                  <a:schemeClr val="accent3">
+                    <a:lumMod val="60000"/>
+                    <a:lumOff val="40000"/>
+                  </a:schemeClr>
                 </a:solidFill>
                 <a:latin typeface="+mj-lt"/>
               </a:rPr>
@@ -11397,7 +13496,14 @@
           <a:p>
             <a:r>
               <a:rPr lang="pt-BR" dirty="0"/>
-              <a:t>Se o programador desejar executar mais de uma instrução em um </a:t>
+              <a:t>Se o programador desejar executar mais de uma instrução </a:t>
+            </a:r>
+            <a:br>
+              <a:rPr lang="pt-BR" dirty="0"/>
+            </a:br>
+            <a:r>
+              <a:rPr lang="pt-BR" dirty="0"/>
+              <a:t>no corpo de um </a:t>
             </a:r>
             <a:r>
               <a:rPr lang="pt-BR" dirty="0" err="1">
@@ -11467,7 +13573,13 @@
               </a:rPr>
               <a:t>delimitar blocos</a:t>
             </a:r>
-            <a:endParaRPr lang="pt-BR" dirty="0"/>
+          </a:p>
+          <a:p>
+            <a:pPr lvl="1"/>
+            <a:r>
+              <a:rPr lang="pt-BR" dirty="0"/>
+              <a:t>Existem várias formas de organizar os blocos</a:t>
+            </a:r>
           </a:p>
         </p:txBody>
       </p:sp>
@@ -11479,8 +13591,8 @@
         </p:nvSpPr>
         <p:spPr>
           <a:xfrm>
-            <a:off x="1703512" y="3212976"/>
-            <a:ext cx="7000924" cy="2862322"/>
+            <a:off x="1991544" y="3501008"/>
+            <a:ext cx="5904656" cy="2616101"/>
           </a:xfrm>
           <a:prstGeom prst="rect">
             <a:avLst/>
@@ -11493,7 +13605,7 @@
           <a:lstStyle/>
           <a:p>
             <a:r>
-              <a:rPr lang="pt-BR" dirty="0" err="1">
+              <a:rPr lang="pt-BR" sz="1600" dirty="0" err="1">
                 <a:solidFill>
                   <a:schemeClr val="accent3">
                     <a:lumMod val="75000"/>
@@ -11504,25 +13616,25 @@
               <a:t>if</a:t>
             </a:r>
             <a:r>
-              <a:rPr lang="pt-BR" dirty="0">
+              <a:rPr lang="pt-BR" sz="1600" dirty="0">
                 <a:latin typeface="+mj-lt"/>
               </a:rPr>
               <a:t> (</a:t>
             </a:r>
             <a:r>
-              <a:rPr lang="pt-BR" dirty="0" err="1">
+              <a:rPr lang="pt-BR" sz="1600" dirty="0" err="1">
                 <a:latin typeface="+mj-lt"/>
               </a:rPr>
               <a:t>ch</a:t>
             </a:r>
             <a:r>
-              <a:rPr lang="pt-BR" dirty="0">
+              <a:rPr lang="pt-BR" sz="1600" dirty="0">
                 <a:latin typeface="+mj-lt"/>
               </a:rPr>
               <a:t> == </a:t>
             </a:r>
             <a:r>
-              <a:rPr lang="pt-BR" dirty="0">
+              <a:rPr lang="pt-BR" sz="1600" dirty="0">
                 <a:solidFill>
                   <a:schemeClr val="accent2">
                     <a:lumMod val="60000"/>
@@ -11534,13 +13646,13 @@
               <a:t>'S'</a:t>
             </a:r>
             <a:r>
-              <a:rPr lang="pt-BR" dirty="0">
+              <a:rPr lang="pt-BR" sz="1600" dirty="0">
                 <a:latin typeface="+mj-lt"/>
               </a:rPr>
               <a:t>)</a:t>
             </a:r>
             <a:r>
-              <a:rPr lang="pt-BR" dirty="0">
+              <a:rPr lang="pt-BR" sz="1600" dirty="0">
                 <a:solidFill>
                   <a:schemeClr val="tx1">
                     <a:lumMod val="50000"/>
@@ -11553,7 +13665,7 @@
           </a:p>
           <a:p>
             <a:r>
-              <a:rPr lang="pt-BR" dirty="0">
+              <a:rPr lang="pt-BR" sz="1600" dirty="0">
                 <a:latin typeface="+mj-lt"/>
               </a:rPr>
               <a:t>{</a:t>
@@ -11561,19 +13673,19 @@
           </a:p>
           <a:p>
             <a:r>
-              <a:rPr lang="pt-BR" dirty="0">
+              <a:rPr lang="pt-BR" sz="1600" dirty="0">
                 <a:latin typeface="+mj-lt"/>
               </a:rPr>
               <a:t>    </a:t>
             </a:r>
             <a:r>
-              <a:rPr lang="pt-BR" dirty="0" err="1">
+              <a:rPr lang="pt-BR" sz="1600" dirty="0" err="1">
                 <a:latin typeface="+mj-lt"/>
               </a:rPr>
               <a:t>afavor</a:t>
             </a:r>
             <a:r>
-              <a:rPr lang="pt-BR" dirty="0">
+              <a:rPr lang="pt-BR" sz="1600" dirty="0">
                 <a:latin typeface="+mj-lt"/>
               </a:rPr>
               <a:t>++;</a:t>
@@ -11581,25 +13693,25 @@
           </a:p>
           <a:p>
             <a:r>
-              <a:rPr lang="pt-BR" dirty="0">
+              <a:rPr lang="pt-BR" sz="1600" dirty="0">
                 <a:latin typeface="+mj-lt"/>
               </a:rPr>
               <a:t>    </a:t>
             </a:r>
             <a:r>
-              <a:rPr lang="pt-BR" dirty="0" err="1">
+              <a:rPr lang="pt-BR" sz="1600" dirty="0" err="1">
                 <a:latin typeface="+mj-lt"/>
               </a:rPr>
               <a:t>cout</a:t>
             </a:r>
             <a:r>
-              <a:rPr lang="pt-BR" dirty="0">
+              <a:rPr lang="pt-BR" sz="1600" dirty="0">
                 <a:latin typeface="+mj-lt"/>
               </a:rPr>
               <a:t> &lt;&lt; </a:t>
             </a:r>
             <a:r>
-              <a:rPr lang="pt-BR" dirty="0">
+              <a:rPr lang="pt-BR" sz="1600" dirty="0">
                 <a:solidFill>
                   <a:schemeClr val="accent2">
                     <a:lumMod val="60000"/>
@@ -11611,7 +13723,7 @@
               <a:t>"Mais um usuário a favor.\n"</a:t>
             </a:r>
             <a:r>
-              <a:rPr lang="pt-BR" dirty="0">
+              <a:rPr lang="pt-BR" sz="1600" dirty="0">
                 <a:latin typeface="+mj-lt"/>
               </a:rPr>
               <a:t>;</a:t>
@@ -11619,12 +13731,12 @@
           </a:p>
           <a:p>
             <a:r>
-              <a:rPr lang="pt-BR" dirty="0">
+              <a:rPr lang="pt-BR" sz="1600" dirty="0">
                 <a:latin typeface="+mj-lt"/>
               </a:rPr>
               <a:t>} </a:t>
             </a:r>
-            <a:endParaRPr lang="pt-BR" dirty="0">
+            <a:endParaRPr lang="pt-BR" sz="1600" dirty="0">
               <a:solidFill>
                 <a:schemeClr val="tx1">
                   <a:lumMod val="50000"/>
@@ -11635,7 +13747,7 @@
           </a:p>
           <a:p>
             <a:r>
-              <a:rPr lang="pt-BR" dirty="0" err="1">
+              <a:rPr lang="pt-BR" sz="1600" dirty="0" err="1">
                 <a:solidFill>
                   <a:schemeClr val="accent3">
                     <a:lumMod val="75000"/>
@@ -11645,7 +13757,7 @@
               </a:rPr>
               <a:t>else</a:t>
             </a:r>
-            <a:endParaRPr lang="pt-BR" dirty="0">
+            <a:endParaRPr lang="pt-BR" sz="1600" dirty="0">
               <a:solidFill>
                 <a:schemeClr val="tx1">
                   <a:lumMod val="50000"/>
@@ -11656,7 +13768,7 @@
           </a:p>
           <a:p>
             <a:r>
-              <a:rPr lang="pt-BR" dirty="0">
+              <a:rPr lang="pt-BR" sz="1600" dirty="0">
                 <a:latin typeface="+mj-lt"/>
               </a:rPr>
               <a:t>{</a:t>
@@ -11664,7 +13776,7 @@
           </a:p>
           <a:p>
             <a:r>
-              <a:rPr lang="pt-BR" dirty="0">
+              <a:rPr lang="pt-BR" sz="1600" dirty="0">
                 <a:latin typeface="+mj-lt"/>
               </a:rPr>
               <a:t>    contra++;</a:t>
@@ -11672,25 +13784,25 @@
           </a:p>
           <a:p>
             <a:r>
-              <a:rPr lang="pt-BR" dirty="0">
+              <a:rPr lang="pt-BR" sz="1600" dirty="0">
                 <a:latin typeface="+mj-lt"/>
               </a:rPr>
               <a:t>    </a:t>
             </a:r>
             <a:r>
-              <a:rPr lang="pt-BR" dirty="0" err="1">
+              <a:rPr lang="pt-BR" sz="1600" dirty="0" err="1">
                 <a:latin typeface="+mj-lt"/>
               </a:rPr>
               <a:t>cout</a:t>
             </a:r>
             <a:r>
-              <a:rPr lang="pt-BR" dirty="0">
+              <a:rPr lang="pt-BR" sz="1600" dirty="0">
                 <a:latin typeface="+mj-lt"/>
               </a:rPr>
               <a:t> &lt;&lt; </a:t>
             </a:r>
             <a:r>
-              <a:rPr lang="pt-BR" dirty="0">
+              <a:rPr lang="pt-BR" sz="1600" dirty="0">
                 <a:solidFill>
                   <a:schemeClr val="accent2">
                     <a:lumMod val="60000"/>
@@ -11702,7 +13814,7 @@
               <a:t>"Esse usuário é contra.\n"</a:t>
             </a:r>
             <a:r>
-              <a:rPr lang="pt-BR" dirty="0">
+              <a:rPr lang="pt-BR" sz="1600" dirty="0">
                 <a:latin typeface="+mj-lt"/>
               </a:rPr>
               <a:t>;</a:t>
@@ -11710,7 +13822,7 @@
           </a:p>
           <a:p>
             <a:r>
-              <a:rPr lang="pt-BR" dirty="0">
+              <a:rPr lang="pt-BR" sz="1600" dirty="0">
                 <a:latin typeface="+mj-lt"/>
               </a:rPr>
               <a:t>}</a:t>
@@ -11807,6 +13919,15 @@
               </a:rPr>
               <a:t>aproxima mais o bloco das palavras </a:t>
             </a:r>
+            <a:br>
+              <a:rPr lang="pt-BR" dirty="0">
+                <a:solidFill>
+                  <a:schemeClr val="accent3">
+                    <a:lumMod val="75000"/>
+                  </a:schemeClr>
+                </a:solidFill>
+              </a:rPr>
+            </a:br>
             <a:r>
               <a:rPr lang="pt-BR" dirty="0" err="1">
                 <a:solidFill>
@@ -11855,7 +13976,7 @@
         </p:nvSpPr>
         <p:spPr>
           <a:xfrm>
-            <a:off x="1703512" y="3140968"/>
+            <a:off x="1703512" y="3645024"/>
             <a:ext cx="7000924" cy="2308324"/>
           </a:xfrm>
           <a:prstGeom prst="rect">
@@ -12172,6 +14293,9 @@
               <a:rPr lang="pt-BR" dirty="0"/>
               <a:t>Enquanto o anterior aproxima mais o bloco das palavras </a:t>
             </a:r>
+            <a:br>
+              <a:rPr lang="pt-BR" dirty="0"/>
+            </a:br>
             <a:r>
               <a:rPr lang="pt-BR" dirty="0" err="1"/>
               <a:t>if</a:t>
@@ -12196,7 +14320,26 @@
                   </a:schemeClr>
                 </a:solidFill>
               </a:rPr>
-              <a:t>aproxima mais os blocos um do outro</a:t>
+              <a:t>aproxima mais os blocos </a:t>
+            </a:r>
+            <a:br>
+              <a:rPr lang="pt-BR" dirty="0">
+                <a:solidFill>
+                  <a:schemeClr val="accent3">
+                    <a:lumMod val="75000"/>
+                  </a:schemeClr>
+                </a:solidFill>
+              </a:rPr>
+            </a:br>
+            <a:r>
+              <a:rPr lang="pt-BR" dirty="0">
+                <a:solidFill>
+                  <a:schemeClr val="accent3">
+                    <a:lumMod val="75000"/>
+                  </a:schemeClr>
+                </a:solidFill>
+              </a:rPr>
+              <a:t>um do outro</a:t>
             </a:r>
           </a:p>
         </p:txBody>
@@ -12209,7 +14352,7 @@
         </p:nvSpPr>
         <p:spPr>
           <a:xfrm>
-            <a:off x="1703512" y="3140968"/>
+            <a:off x="1703512" y="3501008"/>
             <a:ext cx="7000924" cy="2031325"/>
           </a:xfrm>
           <a:prstGeom prst="rect">
@@ -12462,6 +14605,615 @@
           <a:chExt cx="0" cy="0"/>
         </a:xfrm>
       </p:grpSpPr>
+      <p:grpSp>
+        <p:nvGrpSpPr>
+          <p:cNvPr id="20" name="Agrupar 19">
+            <a:extLst>
+              <a:ext uri="{FF2B5EF4-FFF2-40B4-BE49-F238E27FC236}">
+                <a16:creationId xmlns:a16="http://schemas.microsoft.com/office/drawing/2014/main" id="{1A25549D-46A5-419C-8ED9-73DEAC4C5CB9}"/>
+              </a:ext>
+            </a:extLst>
+          </p:cNvPr>
+          <p:cNvGrpSpPr/>
+          <p:nvPr/>
+        </p:nvGrpSpPr>
+        <p:grpSpPr>
+          <a:xfrm>
+            <a:off x="3215679" y="3703585"/>
+            <a:ext cx="2088233" cy="419164"/>
+            <a:chOff x="3215679" y="3703585"/>
+            <a:chExt cx="2088233" cy="419164"/>
+          </a:xfrm>
+        </p:grpSpPr>
+        <p:sp>
+          <p:nvSpPr>
+            <p:cNvPr id="7" name="Retângulo: Cantos Arredondados 6">
+              <a:extLst>
+                <a:ext uri="{FF2B5EF4-FFF2-40B4-BE49-F238E27FC236}">
+                  <a16:creationId xmlns:a16="http://schemas.microsoft.com/office/drawing/2014/main" id="{066B8928-F844-457D-8491-07FAD7519592}"/>
+                </a:ext>
+              </a:extLst>
+            </p:cNvPr>
+            <p:cNvSpPr/>
+            <p:nvPr/>
+          </p:nvSpPr>
+          <p:spPr>
+            <a:xfrm>
+              <a:off x="3219656" y="3705101"/>
+              <a:ext cx="2084256" cy="417648"/>
+            </a:xfrm>
+            <a:prstGeom prst="roundRect">
+              <a:avLst/>
+            </a:prstGeom>
+            <a:solidFill>
+              <a:schemeClr val="bg1">
+                <a:lumMod val="95000"/>
+                <a:lumOff val="5000"/>
+                <a:alpha val="50000"/>
+              </a:schemeClr>
+            </a:solidFill>
+            <a:ln>
+              <a:noFill/>
+            </a:ln>
+          </p:spPr>
+          <p:style>
+            <a:lnRef idx="0">
+              <a:scrgbClr r="0" g="0" b="0"/>
+            </a:lnRef>
+            <a:fillRef idx="0">
+              <a:scrgbClr r="0" g="0" b="0"/>
+            </a:fillRef>
+            <a:effectRef idx="0">
+              <a:scrgbClr r="0" g="0" b="0"/>
+            </a:effectRef>
+            <a:fontRef idx="minor">
+              <a:schemeClr val="lt1"/>
+            </a:fontRef>
+          </p:style>
+          <p:txBody>
+            <a:bodyPr rtlCol="0" anchor="ctr"/>
+            <a:lstStyle/>
+            <a:p>
+              <a:pPr algn="ctr"/>
+              <a:endParaRPr lang="pt-BR"/>
+            </a:p>
+          </p:txBody>
+        </p:sp>
+        <p:sp>
+          <p:nvSpPr>
+            <p:cNvPr id="15" name="Colchete Direito 14">
+              <a:extLst>
+                <a:ext uri="{FF2B5EF4-FFF2-40B4-BE49-F238E27FC236}">
+                  <a16:creationId xmlns:a16="http://schemas.microsoft.com/office/drawing/2014/main" id="{DEE6A0DA-F9A9-4775-BF44-775658861D28}"/>
+                </a:ext>
+              </a:extLst>
+            </p:cNvPr>
+            <p:cNvSpPr/>
+            <p:nvPr/>
+          </p:nvSpPr>
+          <p:spPr>
+            <a:xfrm>
+              <a:off x="5227928" y="3703585"/>
+              <a:ext cx="72008" cy="417648"/>
+            </a:xfrm>
+            <a:prstGeom prst="rightBracket">
+              <a:avLst/>
+            </a:prstGeom>
+            <a:ln>
+              <a:solidFill>
+                <a:schemeClr val="accent3">
+                  <a:lumMod val="75000"/>
+                </a:schemeClr>
+              </a:solidFill>
+            </a:ln>
+          </p:spPr>
+          <p:style>
+            <a:lnRef idx="1">
+              <a:schemeClr val="accent1"/>
+            </a:lnRef>
+            <a:fillRef idx="0">
+              <a:schemeClr val="accent1"/>
+            </a:fillRef>
+            <a:effectRef idx="0">
+              <a:schemeClr val="accent1"/>
+            </a:effectRef>
+            <a:fontRef idx="minor">
+              <a:schemeClr val="tx1"/>
+            </a:fontRef>
+          </p:style>
+          <p:txBody>
+            <a:bodyPr rtlCol="0" anchor="ctr"/>
+            <a:lstStyle/>
+            <a:p>
+              <a:pPr algn="ctr"/>
+              <a:endParaRPr lang="pt-BR"/>
+            </a:p>
+          </p:txBody>
+        </p:sp>
+        <p:sp>
+          <p:nvSpPr>
+            <p:cNvPr id="16" name="Colchete Direito 15">
+              <a:extLst>
+                <a:ext uri="{FF2B5EF4-FFF2-40B4-BE49-F238E27FC236}">
+                  <a16:creationId xmlns:a16="http://schemas.microsoft.com/office/drawing/2014/main" id="{CDE8A8DB-E783-4158-81E6-7DE1A61F99E7}"/>
+                </a:ext>
+              </a:extLst>
+            </p:cNvPr>
+            <p:cNvSpPr/>
+            <p:nvPr/>
+          </p:nvSpPr>
+          <p:spPr>
+            <a:xfrm flipH="1">
+              <a:off x="3215679" y="3705101"/>
+              <a:ext cx="72007" cy="417648"/>
+            </a:xfrm>
+            <a:prstGeom prst="rightBracket">
+              <a:avLst/>
+            </a:prstGeom>
+            <a:ln>
+              <a:solidFill>
+                <a:schemeClr val="accent3">
+                  <a:lumMod val="75000"/>
+                </a:schemeClr>
+              </a:solidFill>
+            </a:ln>
+          </p:spPr>
+          <p:style>
+            <a:lnRef idx="1">
+              <a:schemeClr val="accent1"/>
+            </a:lnRef>
+            <a:fillRef idx="0">
+              <a:schemeClr val="accent1"/>
+            </a:fillRef>
+            <a:effectRef idx="0">
+              <a:schemeClr val="accent1"/>
+            </a:effectRef>
+            <a:fontRef idx="minor">
+              <a:schemeClr val="tx1"/>
+            </a:fontRef>
+          </p:style>
+          <p:txBody>
+            <a:bodyPr rtlCol="0" anchor="ctr"/>
+            <a:lstStyle/>
+            <a:p>
+              <a:pPr algn="ctr"/>
+              <a:endParaRPr lang="pt-BR"/>
+            </a:p>
+          </p:txBody>
+        </p:sp>
+      </p:grpSp>
+      <p:grpSp>
+        <p:nvGrpSpPr>
+          <p:cNvPr id="19" name="Agrupar 18">
+            <a:extLst>
+              <a:ext uri="{FF2B5EF4-FFF2-40B4-BE49-F238E27FC236}">
+                <a16:creationId xmlns:a16="http://schemas.microsoft.com/office/drawing/2014/main" id="{F72EB759-7708-4AF9-B1DB-EE5383F35228}"/>
+              </a:ext>
+            </a:extLst>
+          </p:cNvPr>
+          <p:cNvGrpSpPr/>
+          <p:nvPr/>
+        </p:nvGrpSpPr>
+        <p:grpSpPr>
+          <a:xfrm>
+            <a:off x="3215680" y="4517282"/>
+            <a:ext cx="2084256" cy="1684734"/>
+            <a:chOff x="3215680" y="4517282"/>
+            <a:chExt cx="2084256" cy="1684734"/>
+          </a:xfrm>
+        </p:grpSpPr>
+        <p:sp>
+          <p:nvSpPr>
+            <p:cNvPr id="5" name="Retângulo: Cantos Arredondados 4"/>
+            <p:cNvSpPr/>
+            <p:nvPr/>
+          </p:nvSpPr>
+          <p:spPr>
+            <a:xfrm>
+              <a:off x="3215680" y="4520315"/>
+              <a:ext cx="2084256" cy="1681701"/>
+            </a:xfrm>
+            <a:prstGeom prst="roundRect">
+              <a:avLst>
+                <a:gd name="adj" fmla="val 5863"/>
+              </a:avLst>
+            </a:prstGeom>
+            <a:solidFill>
+              <a:schemeClr val="bg1">
+                <a:lumMod val="95000"/>
+                <a:lumOff val="5000"/>
+                <a:alpha val="50000"/>
+              </a:schemeClr>
+            </a:solidFill>
+            <a:ln>
+              <a:noFill/>
+            </a:ln>
+          </p:spPr>
+          <p:style>
+            <a:lnRef idx="0">
+              <a:scrgbClr r="0" g="0" b="0"/>
+            </a:lnRef>
+            <a:fillRef idx="0">
+              <a:scrgbClr r="0" g="0" b="0"/>
+            </a:fillRef>
+            <a:effectRef idx="0">
+              <a:scrgbClr r="0" g="0" b="0"/>
+            </a:effectRef>
+            <a:fontRef idx="minor">
+              <a:schemeClr val="lt1"/>
+            </a:fontRef>
+          </p:style>
+          <p:txBody>
+            <a:bodyPr rtlCol="0" anchor="ctr"/>
+            <a:lstStyle/>
+            <a:p>
+              <a:pPr algn="ctr"/>
+              <a:endParaRPr lang="pt-BR"/>
+            </a:p>
+          </p:txBody>
+        </p:sp>
+        <p:sp>
+          <p:nvSpPr>
+            <p:cNvPr id="17" name="Colchete Direito 16">
+              <a:extLst>
+                <a:ext uri="{FF2B5EF4-FFF2-40B4-BE49-F238E27FC236}">
+                  <a16:creationId xmlns:a16="http://schemas.microsoft.com/office/drawing/2014/main" id="{32A5E569-7EBE-488E-9744-CC62B91F052C}"/>
+                </a:ext>
+              </a:extLst>
+            </p:cNvPr>
+            <p:cNvSpPr/>
+            <p:nvPr/>
+          </p:nvSpPr>
+          <p:spPr>
+            <a:xfrm>
+              <a:off x="5228196" y="4517282"/>
+              <a:ext cx="71740" cy="1681701"/>
+            </a:xfrm>
+            <a:prstGeom prst="rightBracket">
+              <a:avLst/>
+            </a:prstGeom>
+            <a:ln>
+              <a:solidFill>
+                <a:schemeClr val="accent3">
+                  <a:lumMod val="75000"/>
+                </a:schemeClr>
+              </a:solidFill>
+            </a:ln>
+          </p:spPr>
+          <p:style>
+            <a:lnRef idx="1">
+              <a:schemeClr val="accent1"/>
+            </a:lnRef>
+            <a:fillRef idx="0">
+              <a:schemeClr val="accent1"/>
+            </a:fillRef>
+            <a:effectRef idx="0">
+              <a:schemeClr val="accent1"/>
+            </a:effectRef>
+            <a:fontRef idx="minor">
+              <a:schemeClr val="tx1"/>
+            </a:fontRef>
+          </p:style>
+          <p:txBody>
+            <a:bodyPr rtlCol="0" anchor="ctr"/>
+            <a:lstStyle/>
+            <a:p>
+              <a:pPr algn="ctr"/>
+              <a:endParaRPr lang="pt-BR"/>
+            </a:p>
+          </p:txBody>
+        </p:sp>
+        <p:sp>
+          <p:nvSpPr>
+            <p:cNvPr id="18" name="Colchete Direito 17">
+              <a:extLst>
+                <a:ext uri="{FF2B5EF4-FFF2-40B4-BE49-F238E27FC236}">
+                  <a16:creationId xmlns:a16="http://schemas.microsoft.com/office/drawing/2014/main" id="{997F020B-6E02-400C-A322-43EBF15218D3}"/>
+                </a:ext>
+              </a:extLst>
+            </p:cNvPr>
+            <p:cNvSpPr/>
+            <p:nvPr/>
+          </p:nvSpPr>
+          <p:spPr>
+            <a:xfrm flipH="1">
+              <a:off x="3215946" y="4518798"/>
+              <a:ext cx="71739" cy="1681701"/>
+            </a:xfrm>
+            <a:prstGeom prst="rightBracket">
+              <a:avLst/>
+            </a:prstGeom>
+            <a:ln>
+              <a:solidFill>
+                <a:schemeClr val="accent3">
+                  <a:lumMod val="75000"/>
+                </a:schemeClr>
+              </a:solidFill>
+            </a:ln>
+          </p:spPr>
+          <p:style>
+            <a:lnRef idx="1">
+              <a:schemeClr val="accent1"/>
+            </a:lnRef>
+            <a:fillRef idx="0">
+              <a:schemeClr val="accent1"/>
+            </a:fillRef>
+            <a:effectRef idx="0">
+              <a:schemeClr val="accent1"/>
+            </a:effectRef>
+            <a:fontRef idx="minor">
+              <a:schemeClr val="tx1"/>
+            </a:fontRef>
+          </p:style>
+          <p:txBody>
+            <a:bodyPr rtlCol="0" anchor="ctr"/>
+            <a:lstStyle/>
+            <a:p>
+              <a:pPr algn="ctr"/>
+              <a:endParaRPr lang="pt-BR"/>
+            </a:p>
+          </p:txBody>
+        </p:sp>
+      </p:grpSp>
+      <p:sp>
+        <p:nvSpPr>
+          <p:cNvPr id="4" name="Retângulo 3"/>
+          <p:cNvSpPr/>
+          <p:nvPr/>
+        </p:nvSpPr>
+        <p:spPr>
+          <a:xfrm>
+            <a:off x="2783632" y="3212976"/>
+            <a:ext cx="7000924" cy="2956322"/>
+          </a:xfrm>
+          <a:prstGeom prst="rect">
+            <a:avLst/>
+          </a:prstGeom>
+        </p:spPr>
+        <p:txBody>
+          <a:bodyPr wrap="square">
+            <a:spAutoFit/>
+          </a:bodyPr>
+          <a:lstStyle/>
+          <a:p>
+            <a:pPr>
+              <a:lnSpc>
+                <a:spcPct val="150000"/>
+              </a:lnSpc>
+            </a:pPr>
+            <a:r>
+              <a:rPr lang="pt-BR" dirty="0" err="1">
+                <a:solidFill>
+                  <a:schemeClr val="accent3">
+                    <a:lumMod val="75000"/>
+                  </a:schemeClr>
+                </a:solidFill>
+                <a:latin typeface="+mj-lt"/>
+              </a:rPr>
+              <a:t>if</a:t>
+            </a:r>
+            <a:r>
+              <a:rPr lang="pt-BR" dirty="0">
+                <a:latin typeface="+mj-lt"/>
+              </a:rPr>
+              <a:t> (</a:t>
+            </a:r>
+            <a:r>
+              <a:rPr lang="pt-BR" dirty="0" err="1">
+                <a:latin typeface="+mj-lt"/>
+              </a:rPr>
+              <a:t>ch</a:t>
+            </a:r>
+            <a:r>
+              <a:rPr lang="pt-BR" dirty="0">
+                <a:latin typeface="+mj-lt"/>
+              </a:rPr>
+              <a:t> == </a:t>
+            </a:r>
+            <a:r>
+              <a:rPr lang="pt-BR" dirty="0">
+                <a:solidFill>
+                  <a:schemeClr val="accent2">
+                    <a:lumMod val="60000"/>
+                    <a:lumOff val="40000"/>
+                  </a:schemeClr>
+                </a:solidFill>
+                <a:latin typeface="+mj-lt"/>
+              </a:rPr>
+              <a:t>'A'</a:t>
+            </a:r>
+            <a:r>
+              <a:rPr lang="pt-BR" dirty="0">
+                <a:latin typeface="+mj-lt"/>
+              </a:rPr>
+              <a:t>)</a:t>
+            </a:r>
+            <a:br>
+              <a:rPr lang="pt-BR" dirty="0">
+                <a:latin typeface="+mj-lt"/>
+              </a:rPr>
+            </a:br>
+            <a:r>
+              <a:rPr lang="pt-BR" dirty="0">
+                <a:latin typeface="+mj-lt"/>
+              </a:rPr>
+              <a:t>    </a:t>
+            </a:r>
+            <a:r>
+              <a:rPr lang="pt-BR" dirty="0" err="1">
+                <a:latin typeface="+mj-lt"/>
+              </a:rPr>
+              <a:t>letraA</a:t>
+            </a:r>
+            <a:r>
+              <a:rPr lang="pt-BR" dirty="0">
+                <a:latin typeface="+mj-lt"/>
+              </a:rPr>
+              <a:t>++;</a:t>
+            </a:r>
+            <a:br>
+              <a:rPr lang="pt-BR" dirty="0">
+                <a:latin typeface="+mj-lt"/>
+              </a:rPr>
+            </a:br>
+            <a:r>
+              <a:rPr lang="pt-BR" dirty="0" err="1">
+                <a:solidFill>
+                  <a:schemeClr val="accent3">
+                    <a:lumMod val="75000"/>
+                  </a:schemeClr>
+                </a:solidFill>
+                <a:latin typeface="+mj-lt"/>
+              </a:rPr>
+              <a:t>else</a:t>
+            </a:r>
+            <a:r>
+              <a:rPr lang="pt-BR" dirty="0">
+                <a:solidFill>
+                  <a:schemeClr val="accent3">
+                    <a:lumMod val="75000"/>
+                  </a:schemeClr>
+                </a:solidFill>
+                <a:latin typeface="+mj-lt"/>
+              </a:rPr>
+              <a:t> </a:t>
+            </a:r>
+            <a:br>
+              <a:rPr lang="pt-BR" dirty="0">
+                <a:solidFill>
+                  <a:schemeClr val="accent3">
+                    <a:lumMod val="75000"/>
+                  </a:schemeClr>
+                </a:solidFill>
+                <a:latin typeface="+mj-lt"/>
+              </a:rPr>
+            </a:br>
+            <a:r>
+              <a:rPr lang="pt-BR" dirty="0">
+                <a:latin typeface="+mj-lt"/>
+              </a:rPr>
+              <a:t>    </a:t>
+            </a:r>
+            <a:r>
+              <a:rPr lang="pt-BR" dirty="0" err="1">
+                <a:solidFill>
+                  <a:schemeClr val="accent3">
+                    <a:lumMod val="75000"/>
+                  </a:schemeClr>
+                </a:solidFill>
+                <a:latin typeface="+mj-lt"/>
+              </a:rPr>
+              <a:t>if</a:t>
+            </a:r>
+            <a:r>
+              <a:rPr lang="pt-BR" dirty="0">
+                <a:latin typeface="+mj-lt"/>
+              </a:rPr>
+              <a:t> (</a:t>
+            </a:r>
+            <a:r>
+              <a:rPr lang="pt-BR" dirty="0" err="1">
+                <a:latin typeface="+mj-lt"/>
+              </a:rPr>
+              <a:t>ch</a:t>
+            </a:r>
+            <a:r>
+              <a:rPr lang="pt-BR" dirty="0">
+                <a:latin typeface="+mj-lt"/>
+              </a:rPr>
+              <a:t> == </a:t>
+            </a:r>
+            <a:r>
+              <a:rPr lang="pt-BR" dirty="0">
+                <a:solidFill>
+                  <a:schemeClr val="accent2">
+                    <a:lumMod val="60000"/>
+                    <a:lumOff val="40000"/>
+                  </a:schemeClr>
+                </a:solidFill>
+                <a:latin typeface="+mj-lt"/>
+              </a:rPr>
+              <a:t>'B'</a:t>
+            </a:r>
+            <a:r>
+              <a:rPr lang="pt-BR" dirty="0">
+                <a:latin typeface="+mj-lt"/>
+              </a:rPr>
+              <a:t>)</a:t>
+            </a:r>
+          </a:p>
+          <a:p>
+            <a:pPr>
+              <a:lnSpc>
+                <a:spcPct val="150000"/>
+              </a:lnSpc>
+            </a:pPr>
+            <a:r>
+              <a:rPr lang="pt-BR" dirty="0">
+                <a:latin typeface="+mj-lt"/>
+              </a:rPr>
+              <a:t>        </a:t>
+            </a:r>
+            <a:r>
+              <a:rPr lang="pt-BR" dirty="0" err="1">
+                <a:latin typeface="+mj-lt"/>
+              </a:rPr>
+              <a:t>letraB</a:t>
+            </a:r>
+            <a:r>
+              <a:rPr lang="pt-BR" dirty="0">
+                <a:latin typeface="+mj-lt"/>
+              </a:rPr>
+              <a:t>++;</a:t>
+            </a:r>
+          </a:p>
+          <a:p>
+            <a:pPr>
+              <a:lnSpc>
+                <a:spcPct val="150000"/>
+              </a:lnSpc>
+            </a:pPr>
+            <a:r>
+              <a:rPr lang="pt-BR" dirty="0">
+                <a:latin typeface="+mj-lt"/>
+              </a:rPr>
+              <a:t>    </a:t>
+            </a:r>
+            <a:r>
+              <a:rPr lang="pt-BR" dirty="0" err="1">
+                <a:solidFill>
+                  <a:schemeClr val="accent3">
+                    <a:lumMod val="75000"/>
+                  </a:schemeClr>
+                </a:solidFill>
+                <a:latin typeface="+mj-lt"/>
+              </a:rPr>
+              <a:t>else</a:t>
+            </a:r>
+            <a:endParaRPr lang="pt-BR" dirty="0">
+              <a:solidFill>
+                <a:schemeClr val="accent3">
+                  <a:lumMod val="75000"/>
+                </a:schemeClr>
+              </a:solidFill>
+              <a:latin typeface="+mj-lt"/>
+            </a:endParaRPr>
+          </a:p>
+          <a:p>
+            <a:pPr>
+              <a:lnSpc>
+                <a:spcPct val="150000"/>
+              </a:lnSpc>
+            </a:pPr>
+            <a:r>
+              <a:rPr lang="pt-BR" dirty="0">
+                <a:latin typeface="+mj-lt"/>
+              </a:rPr>
+              <a:t>        outra++;</a:t>
+            </a:r>
+          </a:p>
+        </p:txBody>
+      </p:sp>
       <p:sp>
         <p:nvSpPr>
           <p:cNvPr id="3" name="Espaço Reservado para Conteúdo 2"/>
@@ -12547,260 +15299,6 @@
       </p:sp>
       <p:sp>
         <p:nvSpPr>
-          <p:cNvPr id="4" name="Retângulo 3"/>
-          <p:cNvSpPr/>
-          <p:nvPr/>
-        </p:nvSpPr>
-        <p:spPr>
-          <a:xfrm>
-            <a:off x="2783632" y="3212976"/>
-            <a:ext cx="7000924" cy="2862322"/>
-          </a:xfrm>
-          <a:prstGeom prst="rect">
-            <a:avLst/>
-          </a:prstGeom>
-        </p:spPr>
-        <p:txBody>
-          <a:bodyPr wrap="square">
-            <a:spAutoFit/>
-          </a:bodyPr>
-          <a:lstStyle/>
-          <a:p>
-            <a:r>
-              <a:rPr lang="pt-BR" dirty="0" err="1">
-                <a:solidFill>
-                  <a:schemeClr val="accent3">
-                    <a:lumMod val="75000"/>
-                  </a:schemeClr>
-                </a:solidFill>
-                <a:latin typeface="+mj-lt"/>
-              </a:rPr>
-              <a:t>if</a:t>
-            </a:r>
-            <a:r>
-              <a:rPr lang="pt-BR" dirty="0">
-                <a:latin typeface="+mj-lt"/>
-              </a:rPr>
-              <a:t> (</a:t>
-            </a:r>
-            <a:r>
-              <a:rPr lang="pt-BR" dirty="0" err="1">
-                <a:latin typeface="+mj-lt"/>
-              </a:rPr>
-              <a:t>ch</a:t>
-            </a:r>
-            <a:r>
-              <a:rPr lang="pt-BR" dirty="0">
-                <a:latin typeface="+mj-lt"/>
-              </a:rPr>
-              <a:t> == </a:t>
-            </a:r>
-            <a:r>
-              <a:rPr lang="pt-BR" dirty="0">
-                <a:solidFill>
-                  <a:schemeClr val="accent2">
-                    <a:lumMod val="60000"/>
-                    <a:lumOff val="40000"/>
-                  </a:schemeClr>
-                </a:solidFill>
-                <a:latin typeface="+mj-lt"/>
-              </a:rPr>
-              <a:t>'A'</a:t>
-            </a:r>
-            <a:r>
-              <a:rPr lang="pt-BR" dirty="0">
-                <a:latin typeface="+mj-lt"/>
-              </a:rPr>
-              <a:t>)</a:t>
-            </a:r>
-            <a:br>
-              <a:rPr lang="pt-BR" dirty="0">
-                <a:latin typeface="+mj-lt"/>
-              </a:rPr>
-            </a:br>
-            <a:endParaRPr lang="pt-BR" dirty="0">
-              <a:latin typeface="+mj-lt"/>
-            </a:endParaRPr>
-          </a:p>
-          <a:p>
-            <a:r>
-              <a:rPr lang="pt-BR" dirty="0">
-                <a:latin typeface="+mj-lt"/>
-              </a:rPr>
-              <a:t>    </a:t>
-            </a:r>
-            <a:r>
-              <a:rPr lang="pt-BR" dirty="0" err="1">
-                <a:latin typeface="+mj-lt"/>
-              </a:rPr>
-              <a:t>letraA</a:t>
-            </a:r>
-            <a:r>
-              <a:rPr lang="pt-BR" dirty="0">
-                <a:latin typeface="+mj-lt"/>
-              </a:rPr>
-              <a:t>++;</a:t>
-            </a:r>
-            <a:br>
-              <a:rPr lang="pt-BR" dirty="0">
-                <a:latin typeface="+mj-lt"/>
-              </a:rPr>
-            </a:br>
-            <a:endParaRPr lang="pt-BR" dirty="0">
-              <a:latin typeface="+mj-lt"/>
-            </a:endParaRPr>
-          </a:p>
-          <a:p>
-            <a:r>
-              <a:rPr lang="pt-BR" dirty="0" err="1">
-                <a:solidFill>
-                  <a:schemeClr val="accent3">
-                    <a:lumMod val="75000"/>
-                  </a:schemeClr>
-                </a:solidFill>
-                <a:latin typeface="+mj-lt"/>
-              </a:rPr>
-              <a:t>else</a:t>
-            </a:r>
-            <a:r>
-              <a:rPr lang="pt-BR" dirty="0">
-                <a:solidFill>
-                  <a:schemeClr val="accent3">
-                    <a:lumMod val="75000"/>
-                  </a:schemeClr>
-                </a:solidFill>
-                <a:latin typeface="+mj-lt"/>
-              </a:rPr>
-              <a:t> </a:t>
-            </a:r>
-            <a:br>
-              <a:rPr lang="pt-BR" dirty="0">
-                <a:solidFill>
-                  <a:schemeClr val="accent3">
-                    <a:lumMod val="75000"/>
-                  </a:schemeClr>
-                </a:solidFill>
-                <a:latin typeface="+mj-lt"/>
-              </a:rPr>
-            </a:br>
-            <a:endParaRPr lang="pt-BR" dirty="0">
-              <a:latin typeface="+mj-lt"/>
-            </a:endParaRPr>
-          </a:p>
-          <a:p>
-            <a:r>
-              <a:rPr lang="pt-BR" dirty="0">
-                <a:latin typeface="+mj-lt"/>
-              </a:rPr>
-              <a:t>    </a:t>
-            </a:r>
-            <a:r>
-              <a:rPr lang="pt-BR" dirty="0" err="1">
-                <a:solidFill>
-                  <a:schemeClr val="accent3">
-                    <a:lumMod val="75000"/>
-                  </a:schemeClr>
-                </a:solidFill>
-                <a:latin typeface="+mj-lt"/>
-              </a:rPr>
-              <a:t>if</a:t>
-            </a:r>
-            <a:r>
-              <a:rPr lang="pt-BR" dirty="0">
-                <a:latin typeface="+mj-lt"/>
-              </a:rPr>
-              <a:t> (</a:t>
-            </a:r>
-            <a:r>
-              <a:rPr lang="pt-BR" dirty="0" err="1">
-                <a:latin typeface="+mj-lt"/>
-              </a:rPr>
-              <a:t>ch</a:t>
-            </a:r>
-            <a:r>
-              <a:rPr lang="pt-BR" dirty="0">
-                <a:latin typeface="+mj-lt"/>
-              </a:rPr>
-              <a:t> == </a:t>
-            </a:r>
-            <a:r>
-              <a:rPr lang="pt-BR" dirty="0">
-                <a:solidFill>
-                  <a:schemeClr val="accent2">
-                    <a:lumMod val="60000"/>
-                    <a:lumOff val="40000"/>
-                  </a:schemeClr>
-                </a:solidFill>
-                <a:latin typeface="+mj-lt"/>
-              </a:rPr>
-              <a:t>'B'</a:t>
-            </a:r>
-            <a:r>
-              <a:rPr lang="pt-BR" dirty="0">
-                <a:latin typeface="+mj-lt"/>
-              </a:rPr>
-              <a:t>)</a:t>
-            </a:r>
-          </a:p>
-          <a:p>
-            <a:r>
-              <a:rPr lang="pt-BR" dirty="0">
-                <a:latin typeface="+mj-lt"/>
-              </a:rPr>
-              <a:t>        </a:t>
-            </a:r>
-            <a:r>
-              <a:rPr lang="pt-BR" dirty="0" err="1">
-                <a:latin typeface="+mj-lt"/>
-              </a:rPr>
-              <a:t>letraB</a:t>
-            </a:r>
-            <a:r>
-              <a:rPr lang="pt-BR" dirty="0">
-                <a:latin typeface="+mj-lt"/>
-              </a:rPr>
-              <a:t>++;</a:t>
-            </a:r>
-          </a:p>
-          <a:p>
-            <a:r>
-              <a:rPr lang="pt-BR" dirty="0">
-                <a:latin typeface="+mj-lt"/>
-              </a:rPr>
-              <a:t>    </a:t>
-            </a:r>
-            <a:r>
-              <a:rPr lang="pt-BR" dirty="0" err="1">
-                <a:solidFill>
-                  <a:schemeClr val="accent3">
-                    <a:lumMod val="75000"/>
-                  </a:schemeClr>
-                </a:solidFill>
-                <a:latin typeface="+mj-lt"/>
-              </a:rPr>
-              <a:t>else</a:t>
-            </a:r>
-            <a:endParaRPr lang="pt-BR" dirty="0">
-              <a:solidFill>
-                <a:schemeClr val="accent3">
-                  <a:lumMod val="75000"/>
-                </a:schemeClr>
-              </a:solidFill>
-              <a:latin typeface="+mj-lt"/>
-            </a:endParaRPr>
-          </a:p>
-          <a:p>
-            <a:r>
-              <a:rPr lang="pt-BR" dirty="0">
-                <a:latin typeface="+mj-lt"/>
-              </a:rPr>
-              <a:t>        outra++;</a:t>
-            </a:r>
-          </a:p>
-        </p:txBody>
-      </p:sp>
-      <p:sp>
-        <p:nvSpPr>
           <p:cNvPr id="2" name="Título 1"/>
           <p:cNvSpPr>
             <a:spLocks noGrp="1"/>
@@ -12836,73 +15334,13 @@
       </p:sp>
       <p:sp>
         <p:nvSpPr>
-          <p:cNvPr id="5" name="Retângulo 4"/>
-          <p:cNvSpPr/>
-          <p:nvPr/>
-        </p:nvSpPr>
-        <p:spPr>
-          <a:xfrm>
-            <a:off x="3262608" y="4843611"/>
-            <a:ext cx="2016224" cy="1231687"/>
-          </a:xfrm>
-          <a:prstGeom prst="rect">
-            <a:avLst/>
-          </a:prstGeom>
-          <a:noFill/>
-          <a:ln w="25400">
-            <a:solidFill>
-              <a:schemeClr val="accent3">
-                <a:lumMod val="75000"/>
-              </a:schemeClr>
-            </a:solidFill>
-          </a:ln>
-          <a:effectLst/>
-          <a:scene3d>
-            <a:camera prst="orthographicFront">
-              <a:rot lat="0" lon="0" rev="0"/>
-            </a:camera>
-            <a:lightRig rig="chilly" dir="t">
-              <a:rot lat="0" lon="0" rev="18480000"/>
-            </a:lightRig>
-          </a:scene3d>
-          <a:sp3d prstMaterial="clear">
-            <a:bevelT h="63500"/>
-          </a:sp3d>
-        </p:spPr>
-        <p:style>
-          <a:lnRef idx="2">
-            <a:schemeClr val="accent1">
-              <a:shade val="50000"/>
-            </a:schemeClr>
-          </a:lnRef>
-          <a:fillRef idx="1">
-            <a:schemeClr val="accent1"/>
-          </a:fillRef>
-          <a:effectRef idx="0">
-            <a:schemeClr val="accent1"/>
-          </a:effectRef>
-          <a:fontRef idx="minor">
-            <a:schemeClr val="lt1"/>
-          </a:fontRef>
-        </p:style>
-        <p:txBody>
-          <a:bodyPr rtlCol="0" anchor="ctr"/>
-          <a:lstStyle/>
-          <a:p>
-            <a:pPr algn="ctr"/>
-            <a:endParaRPr lang="pt-BR"/>
-          </a:p>
-        </p:txBody>
-      </p:sp>
-      <p:sp>
-        <p:nvSpPr>
           <p:cNvPr id="6" name="CaixaDeTexto 5"/>
           <p:cNvSpPr txBox="1"/>
           <p:nvPr/>
         </p:nvSpPr>
         <p:spPr>
           <a:xfrm>
-            <a:off x="5854896" y="5105510"/>
+            <a:off x="6960025" y="5027102"/>
             <a:ext cx="2962286" cy="707886"/>
           </a:xfrm>
           <a:prstGeom prst="rect">
@@ -12950,6 +15388,192 @@
             <a:r>
               <a:rPr lang="pt-BR" sz="2000" dirty="0"/>
               <a:t>como uma única instrução</a:t>
+            </a:r>
+          </a:p>
+        </p:txBody>
+      </p:sp>
+      <p:sp>
+        <p:nvSpPr>
+          <p:cNvPr id="9" name="CaixaDeTexto 8">
+            <a:extLst>
+              <a:ext uri="{FF2B5EF4-FFF2-40B4-BE49-F238E27FC236}">
+                <a16:creationId xmlns:a16="http://schemas.microsoft.com/office/drawing/2014/main" id="{4FFF48A8-0F7C-476C-9660-EFA2C0FDC85C}"/>
+              </a:ext>
+            </a:extLst>
+          </p:cNvPr>
+          <p:cNvSpPr txBox="1"/>
+          <p:nvPr/>
+        </p:nvSpPr>
+        <p:spPr>
+          <a:xfrm>
+            <a:off x="5299936" y="5176499"/>
+            <a:ext cx="939681" cy="369332"/>
+          </a:xfrm>
+          <a:prstGeom prst="rect">
+            <a:avLst/>
+          </a:prstGeom>
+          <a:noFill/>
+        </p:spPr>
+        <p:txBody>
+          <a:bodyPr wrap="none" rtlCol="0">
+            <a:spAutoFit/>
+          </a:bodyPr>
+          <a:lstStyle/>
+          <a:p>
+            <a:r>
+              <a:rPr lang="pt-BR" dirty="0"/>
+              <a:t>corpo </a:t>
+            </a:r>
+            <a:r>
+              <a:rPr lang="pt-BR" dirty="0">
+                <a:latin typeface="+mj-lt"/>
+              </a:rPr>
+              <a:t>2</a:t>
+            </a:r>
+          </a:p>
+        </p:txBody>
+      </p:sp>
+      <p:sp>
+        <p:nvSpPr>
+          <p:cNvPr id="10" name="CaixaDeTexto 9">
+            <a:extLst>
+              <a:ext uri="{FF2B5EF4-FFF2-40B4-BE49-F238E27FC236}">
+                <a16:creationId xmlns:a16="http://schemas.microsoft.com/office/drawing/2014/main" id="{5DBE1956-0255-4326-B01D-E53F32CE98FD}"/>
+              </a:ext>
+            </a:extLst>
+          </p:cNvPr>
+          <p:cNvSpPr txBox="1"/>
+          <p:nvPr/>
+        </p:nvSpPr>
+        <p:spPr>
+          <a:xfrm>
+            <a:off x="5299936" y="3729259"/>
+            <a:ext cx="939681" cy="369332"/>
+          </a:xfrm>
+          <a:prstGeom prst="rect">
+            <a:avLst/>
+          </a:prstGeom>
+          <a:noFill/>
+        </p:spPr>
+        <p:txBody>
+          <a:bodyPr wrap="none" rtlCol="0">
+            <a:spAutoFit/>
+          </a:bodyPr>
+          <a:lstStyle/>
+          <a:p>
+            <a:r>
+              <a:rPr lang="pt-BR" dirty="0"/>
+              <a:t>corpo </a:t>
+            </a:r>
+            <a:r>
+              <a:rPr lang="pt-BR" dirty="0">
+                <a:latin typeface="+mj-lt"/>
+              </a:rPr>
+              <a:t>1</a:t>
+            </a:r>
+          </a:p>
+        </p:txBody>
+      </p:sp>
+      <p:sp>
+        <p:nvSpPr>
+          <p:cNvPr id="11" name="Retângulo 10">
+            <a:extLst>
+              <a:ext uri="{FF2B5EF4-FFF2-40B4-BE49-F238E27FC236}">
+                <a16:creationId xmlns:a16="http://schemas.microsoft.com/office/drawing/2014/main" id="{0AD77E92-1A9F-421D-9F99-5AEF754944F2}"/>
+              </a:ext>
+            </a:extLst>
+          </p:cNvPr>
+          <p:cNvSpPr/>
+          <p:nvPr/>
+        </p:nvSpPr>
+        <p:spPr>
+          <a:xfrm>
+            <a:off x="7608168" y="3212976"/>
+            <a:ext cx="1306768" cy="1530099"/>
+          </a:xfrm>
+          <a:prstGeom prst="rect">
+            <a:avLst/>
+          </a:prstGeom>
+        </p:spPr>
+        <p:txBody>
+          <a:bodyPr wrap="none">
+            <a:spAutoFit/>
+          </a:bodyPr>
+          <a:lstStyle/>
+          <a:p>
+            <a:pPr>
+              <a:lnSpc>
+                <a:spcPct val="150000"/>
+              </a:lnSpc>
+            </a:pPr>
+            <a:r>
+              <a:rPr lang="pt-BR" sz="1600" dirty="0" err="1">
+                <a:solidFill>
+                  <a:schemeClr val="accent3">
+                    <a:lumMod val="75000"/>
+                  </a:schemeClr>
+                </a:solidFill>
+                <a:latin typeface="+mj-lt"/>
+              </a:rPr>
+              <a:t>if</a:t>
+            </a:r>
+            <a:r>
+              <a:rPr lang="pt-BR" sz="1600" dirty="0">
+                <a:latin typeface="+mj-lt"/>
+              </a:rPr>
+              <a:t> (teste)</a:t>
+            </a:r>
+          </a:p>
+          <a:p>
+            <a:pPr>
+              <a:lnSpc>
+                <a:spcPct val="150000"/>
+              </a:lnSpc>
+            </a:pPr>
+            <a:r>
+              <a:rPr lang="pt-BR" sz="1600" dirty="0">
+                <a:latin typeface="+mj-lt"/>
+              </a:rPr>
+              <a:t>   corpo1;</a:t>
+            </a:r>
+          </a:p>
+          <a:p>
+            <a:pPr>
+              <a:lnSpc>
+                <a:spcPct val="150000"/>
+              </a:lnSpc>
+            </a:pPr>
+            <a:r>
+              <a:rPr lang="pt-BR" sz="1600" dirty="0" err="1">
+                <a:solidFill>
+                  <a:schemeClr val="accent3">
+                    <a:lumMod val="75000"/>
+                  </a:schemeClr>
+                </a:solidFill>
+                <a:latin typeface="+mj-lt"/>
+              </a:rPr>
+              <a:t>else</a:t>
+            </a:r>
+            <a:endParaRPr lang="pt-BR" sz="1600" dirty="0">
+              <a:solidFill>
+                <a:schemeClr val="accent3">
+                  <a:lumMod val="75000"/>
+                </a:schemeClr>
+              </a:solidFill>
+              <a:latin typeface="+mj-lt"/>
+            </a:endParaRPr>
+          </a:p>
+          <a:p>
+            <a:pPr>
+              <a:lnSpc>
+                <a:spcPct val="150000"/>
+              </a:lnSpc>
+            </a:pPr>
+            <a:r>
+              <a:rPr lang="pt-BR" sz="1600" dirty="0">
+                <a:latin typeface="+mj-lt"/>
+              </a:rPr>
+              <a:t>   corpo2;</a:t>
             </a:r>
           </a:p>
         </p:txBody>
@@ -12980,7 +15604,7 @@
                             </p:stCondLst>
                             <p:childTnLst>
                               <p:par>
-                                <p:cTn id="5" presetID="1" presetClass="entr" presetSubtype="0" fill="hold" grpId="0" nodeType="clickEffect">
+                                <p:cTn id="5" presetID="1" presetClass="entr" presetSubtype="0" fill="hold" nodeType="clickEffect">
                                   <p:stCondLst>
                                     <p:cond delay="0"/>
                                   </p:stCondLst>
@@ -12993,7 +15617,7 @@
                                           </p:stCondLst>
                                         </p:cTn>
                                         <p:tgtEl>
-                                          <p:spTgt spid="5"/>
+                                          <p:spTgt spid="20"/>
                                         </p:tgtEl>
                                         <p:attrNameLst>
                                           <p:attrName>style.visibility</p:attrName>
@@ -13007,7 +15631,7 @@
                                 </p:cTn>
                               </p:par>
                               <p:par>
-                                <p:cTn id="7" presetID="1" presetClass="entr" presetSubtype="0" fill="hold" grpId="0" nodeType="withEffect">
+                                <p:cTn id="7" presetID="1" presetClass="entr" presetSubtype="0" fill="hold" nodeType="withEffect">
                                   <p:stCondLst>
                                     <p:cond delay="0"/>
                                   </p:stCondLst>
@@ -13015,6 +15639,150 @@
                                     <p:set>
                                       <p:cBhvr>
                                         <p:cTn id="8" dur="1" fill="hold">
+                                          <p:stCondLst>
+                                            <p:cond delay="0"/>
+                                          </p:stCondLst>
+                                        </p:cTn>
+                                        <p:tgtEl>
+                                          <p:spTgt spid="19"/>
+                                        </p:tgtEl>
+                                        <p:attrNameLst>
+                                          <p:attrName>style.visibility</p:attrName>
+                                        </p:attrNameLst>
+                                      </p:cBhvr>
+                                      <p:to>
+                                        <p:strVal val="visible"/>
+                                      </p:to>
+                                    </p:set>
+                                  </p:childTnLst>
+                                </p:cTn>
+                              </p:par>
+                              <p:par>
+                                <p:cTn id="9" presetID="1" presetClass="entr" presetSubtype="0" fill="hold" grpId="0" nodeType="withEffect">
+                                  <p:stCondLst>
+                                    <p:cond delay="0"/>
+                                  </p:stCondLst>
+                                  <p:childTnLst>
+                                    <p:set>
+                                      <p:cBhvr>
+                                        <p:cTn id="10" dur="1" fill="hold">
+                                          <p:stCondLst>
+                                            <p:cond delay="0"/>
+                                          </p:stCondLst>
+                                        </p:cTn>
+                                        <p:tgtEl>
+                                          <p:spTgt spid="10"/>
+                                        </p:tgtEl>
+                                        <p:attrNameLst>
+                                          <p:attrName>style.visibility</p:attrName>
+                                        </p:attrNameLst>
+                                      </p:cBhvr>
+                                      <p:to>
+                                        <p:strVal val="visible"/>
+                                      </p:to>
+                                    </p:set>
+                                  </p:childTnLst>
+                                </p:cTn>
+                              </p:par>
+                              <p:par>
+                                <p:cTn id="11" presetID="1" presetClass="entr" presetSubtype="0" fill="hold" grpId="0" nodeType="withEffect">
+                                  <p:stCondLst>
+                                    <p:cond delay="0"/>
+                                  </p:stCondLst>
+                                  <p:childTnLst>
+                                    <p:set>
+                                      <p:cBhvr>
+                                        <p:cTn id="12" dur="1" fill="hold">
+                                          <p:stCondLst>
+                                            <p:cond delay="0"/>
+                                          </p:stCondLst>
+                                        </p:cTn>
+                                        <p:tgtEl>
+                                          <p:spTgt spid="9"/>
+                                        </p:tgtEl>
+                                        <p:attrNameLst>
+                                          <p:attrName>style.visibility</p:attrName>
+                                        </p:attrNameLst>
+                                      </p:cBhvr>
+                                      <p:to>
+                                        <p:strVal val="visible"/>
+                                      </p:to>
+                                    </p:set>
+                                  </p:childTnLst>
+                                </p:cTn>
+                              </p:par>
+                            </p:childTnLst>
+                          </p:cTn>
+                        </p:par>
+                      </p:childTnLst>
+                    </p:cTn>
+                  </p:par>
+                  <p:par>
+                    <p:cTn id="13" fill="hold">
+                      <p:stCondLst>
+                        <p:cond delay="indefinite"/>
+                      </p:stCondLst>
+                      <p:childTnLst>
+                        <p:par>
+                          <p:cTn id="14" fill="hold">
+                            <p:stCondLst>
+                              <p:cond delay="0"/>
+                            </p:stCondLst>
+                            <p:childTnLst>
+                              <p:par>
+                                <p:cTn id="15" presetID="1" presetClass="entr" presetSubtype="0" fill="hold" grpId="0" nodeType="clickEffect">
+                                  <p:stCondLst>
+                                    <p:cond delay="0"/>
+                                  </p:stCondLst>
+                                  <p:childTnLst>
+                                    <p:set>
+                                      <p:cBhvr>
+                                        <p:cTn id="16" dur="1" fill="hold">
+                                          <p:stCondLst>
+                                            <p:cond delay="0"/>
+                                          </p:stCondLst>
+                                        </p:cTn>
+                                        <p:tgtEl>
+                                          <p:spTgt spid="11"/>
+                                        </p:tgtEl>
+                                        <p:attrNameLst>
+                                          <p:attrName>style.visibility</p:attrName>
+                                        </p:attrNameLst>
+                                      </p:cBhvr>
+                                      <p:to>
+                                        <p:strVal val="visible"/>
+                                      </p:to>
+                                    </p:set>
+                                  </p:childTnLst>
+                                </p:cTn>
+                              </p:par>
+                            </p:childTnLst>
+                          </p:cTn>
+                        </p:par>
+                      </p:childTnLst>
+                    </p:cTn>
+                  </p:par>
+                  <p:par>
+                    <p:cTn id="17" fill="hold">
+                      <p:stCondLst>
+                        <p:cond delay="indefinite"/>
+                      </p:stCondLst>
+                      <p:childTnLst>
+                        <p:par>
+                          <p:cTn id="18" fill="hold">
+                            <p:stCondLst>
+                              <p:cond delay="0"/>
+                            </p:stCondLst>
+                            <p:childTnLst>
+                              <p:par>
+                                <p:cTn id="19" presetID="1" presetClass="entr" presetSubtype="0" fill="hold" grpId="0" nodeType="clickEffect">
+                                  <p:stCondLst>
+                                    <p:cond delay="0"/>
+                                  </p:stCondLst>
+                                  <p:childTnLst>
+                                    <p:set>
+                                      <p:cBhvr>
+                                        <p:cTn id="20" dur="1" fill="hold">
                                           <p:stCondLst>
                                             <p:cond delay="0"/>
                                           </p:stCondLst>
@@ -13061,8 +15829,10 @@
       </p:par>
     </p:tnLst>
     <p:bldLst>
-      <p:bldP spid="5" grpId="0" animBg="1"/>
       <p:bldP spid="6" grpId="0"/>
+      <p:bldP spid="9" grpId="0"/>
+      <p:bldP spid="10" grpId="0"/>
+      <p:bldP spid="11" grpId="0"/>
     </p:bldLst>
   </p:timing>
 </p:sld>
@@ -13188,6 +15958,10 @@
             <a:endParaRPr lang="pt-BR" dirty="0"/>
           </a:p>
           <a:p>
+            <a:endParaRPr lang="pt-BR" dirty="0"/>
+          </a:p>
+          <a:p>
+            <a:pPr lvl="1"/>
             <a:r>
               <a:rPr lang="pt-BR" dirty="0"/>
               <a:t>Porém </a:t>
@@ -13200,17 +15974,11 @@
                   </a:schemeClr>
                 </a:solidFill>
               </a:rPr>
-              <a:t>não existe uma instrução chamada </a:t>
-            </a:r>
-            <a:r>
-              <a:rPr lang="pt-BR" dirty="0" err="1">
-                <a:solidFill>
-                  <a:schemeClr val="accent3">
-                    <a:lumMod val="75000"/>
-                  </a:schemeClr>
-                </a:solidFill>
-              </a:rPr>
-              <a:t>else</a:t>
+              <a:t>não existe uma instrução </a:t>
+            </a:r>
+            <a:r>
+              <a:rPr lang="pt-BR" dirty="0"/>
+              <a:t>chamada</a:t>
             </a:r>
             <a:r>
               <a:rPr lang="pt-BR" dirty="0">
@@ -13223,19 +15991,36 @@
               <a:t> </a:t>
             </a:r>
             <a:r>
-              <a:rPr lang="pt-BR" dirty="0" err="1">
+              <a:rPr lang="pt-BR" b="1" dirty="0" err="1">
                 <a:solidFill>
                   <a:schemeClr val="accent3">
                     <a:lumMod val="75000"/>
                   </a:schemeClr>
                 </a:solidFill>
               </a:rPr>
+              <a:t>else</a:t>
+            </a:r>
+            <a:r>
+              <a:rPr lang="pt-BR" b="1" dirty="0">
+                <a:solidFill>
+                  <a:schemeClr val="accent3">
+                    <a:lumMod val="75000"/>
+                  </a:schemeClr>
+                </a:solidFill>
+              </a:rPr>
+              <a:t> </a:t>
+            </a:r>
+            <a:r>
+              <a:rPr lang="pt-BR" b="1" dirty="0" err="1">
+                <a:solidFill>
+                  <a:schemeClr val="accent3">
+                    <a:lumMod val="75000"/>
+                  </a:schemeClr>
+                </a:solidFill>
+              </a:rPr>
               <a:t>if</a:t>
             </a:r>
-            <a:r>
-              <a:rPr lang="pt-BR" dirty="0"/>
-              <a:t>, como essa formatação faz parecer</a:t>
-            </a:r>
+            <a:endParaRPr lang="pt-BR" dirty="0"/>
           </a:p>
         </p:txBody>
       </p:sp>
@@ -13247,8 +16032,8 @@
         </p:nvSpPr>
         <p:spPr>
           <a:xfrm>
-            <a:off x="1703512" y="2636912"/>
-            <a:ext cx="7000924" cy="1754326"/>
+            <a:off x="6216845" y="3100124"/>
+            <a:ext cx="2359057" cy="1569660"/>
           </a:xfrm>
           <a:prstGeom prst="rect">
             <a:avLst/>
@@ -13261,7 +16046,7 @@
           <a:lstStyle/>
           <a:p>
             <a:r>
-              <a:rPr lang="pt-BR" dirty="0" err="1">
+              <a:rPr lang="pt-BR" sz="1600" dirty="0" err="1">
                 <a:solidFill>
                   <a:schemeClr val="accent3">
                     <a:lumMod val="75000"/>
@@ -13272,25 +16057,25 @@
               <a:t>if</a:t>
             </a:r>
             <a:r>
-              <a:rPr lang="pt-BR" dirty="0">
+              <a:rPr lang="pt-BR" sz="1600" dirty="0">
                 <a:latin typeface="+mj-lt"/>
               </a:rPr>
               <a:t> (</a:t>
             </a:r>
             <a:r>
-              <a:rPr lang="pt-BR" dirty="0" err="1">
+              <a:rPr lang="pt-BR" sz="1600" dirty="0" err="1">
                 <a:latin typeface="+mj-lt"/>
               </a:rPr>
               <a:t>ch</a:t>
             </a:r>
             <a:r>
-              <a:rPr lang="pt-BR" dirty="0">
+              <a:rPr lang="pt-BR" sz="1600" dirty="0">
                 <a:latin typeface="+mj-lt"/>
               </a:rPr>
               <a:t> == </a:t>
             </a:r>
             <a:r>
-              <a:rPr lang="pt-BR" dirty="0">
+              <a:rPr lang="pt-BR" sz="1600" dirty="0">
                 <a:solidFill>
                   <a:schemeClr val="accent2">
                     <a:lumMod val="60000"/>
@@ -13302,13 +16087,13 @@
               <a:t>'A'</a:t>
             </a:r>
             <a:r>
-              <a:rPr lang="pt-BR" dirty="0">
+              <a:rPr lang="pt-BR" sz="1600" dirty="0">
                 <a:latin typeface="+mj-lt"/>
               </a:rPr>
               <a:t>)</a:t>
             </a:r>
             <a:r>
-              <a:rPr lang="pt-BR" dirty="0">
+              <a:rPr lang="pt-BR" sz="1600" dirty="0">
                 <a:solidFill>
                   <a:schemeClr val="tx1">
                     <a:lumMod val="50000"/>
@@ -13318,25 +16103,25 @@
               </a:rPr>
               <a:t> </a:t>
             </a:r>
-            <a:endParaRPr lang="pt-BR" dirty="0">
+            <a:endParaRPr lang="pt-BR" sz="1600" dirty="0">
               <a:latin typeface="+mj-lt"/>
             </a:endParaRPr>
           </a:p>
           <a:p>
             <a:r>
-              <a:rPr lang="pt-BR" dirty="0">
+              <a:rPr lang="pt-BR" sz="1600" dirty="0">
                 <a:latin typeface="+mj-lt"/>
               </a:rPr>
               <a:t>    </a:t>
             </a:r>
             <a:r>
-              <a:rPr lang="pt-BR" dirty="0" err="1">
+              <a:rPr lang="pt-BR" sz="1600" dirty="0" err="1">
                 <a:latin typeface="+mj-lt"/>
               </a:rPr>
               <a:t>letraA</a:t>
             </a:r>
             <a:r>
-              <a:rPr lang="pt-BR" dirty="0">
+              <a:rPr lang="pt-BR" sz="1600" dirty="0">
                 <a:latin typeface="+mj-lt"/>
               </a:rPr>
               <a:t>++;</a:t>
@@ -13344,7 +16129,7 @@
           </a:p>
           <a:p>
             <a:r>
-              <a:rPr lang="pt-BR" dirty="0" err="1">
+              <a:rPr lang="pt-BR" sz="1600" dirty="0" err="1">
                 <a:solidFill>
                   <a:schemeClr val="accent3">
                     <a:lumMod val="75000"/>
@@ -13355,13 +16140,13 @@
               <a:t>else</a:t>
             </a:r>
             <a:r>
-              <a:rPr lang="pt-BR" dirty="0">
+              <a:rPr lang="pt-BR" sz="1600" dirty="0">
                 <a:latin typeface="+mj-lt"/>
               </a:rPr>
               <a:t> </a:t>
             </a:r>
             <a:r>
-              <a:rPr lang="pt-BR" dirty="0" err="1">
+              <a:rPr lang="pt-BR" sz="1600" dirty="0" err="1">
                 <a:solidFill>
                   <a:schemeClr val="accent3">
                     <a:lumMod val="75000"/>
@@ -13372,25 +16157,25 @@
               <a:t>if</a:t>
             </a:r>
             <a:r>
-              <a:rPr lang="pt-BR" dirty="0">
+              <a:rPr lang="pt-BR" sz="1600" dirty="0">
                 <a:latin typeface="+mj-lt"/>
               </a:rPr>
               <a:t> (</a:t>
             </a:r>
             <a:r>
-              <a:rPr lang="pt-BR" dirty="0" err="1">
+              <a:rPr lang="pt-BR" sz="1600" dirty="0" err="1">
                 <a:latin typeface="+mj-lt"/>
               </a:rPr>
               <a:t>ch</a:t>
             </a:r>
             <a:r>
-              <a:rPr lang="pt-BR" dirty="0">
+              <a:rPr lang="pt-BR" sz="1600" dirty="0">
                 <a:latin typeface="+mj-lt"/>
               </a:rPr>
               <a:t> == </a:t>
             </a:r>
             <a:r>
-              <a:rPr lang="pt-BR" dirty="0">
+              <a:rPr lang="pt-BR" sz="1600" dirty="0">
                 <a:solidFill>
                   <a:schemeClr val="accent2">
                     <a:lumMod val="60000"/>
@@ -13402,7 +16187,7 @@
               <a:t>'B'</a:t>
             </a:r>
             <a:r>
-              <a:rPr lang="pt-BR" dirty="0">
+              <a:rPr lang="pt-BR" sz="1600" dirty="0">
                 <a:latin typeface="+mj-lt"/>
               </a:rPr>
               <a:t>)</a:t>
@@ -13410,19 +16195,19 @@
           </a:p>
           <a:p>
             <a:r>
-              <a:rPr lang="pt-BR" dirty="0">
+              <a:rPr lang="pt-BR" sz="1600" dirty="0">
                 <a:latin typeface="+mj-lt"/>
               </a:rPr>
               <a:t>    </a:t>
             </a:r>
             <a:r>
-              <a:rPr lang="pt-BR" dirty="0" err="1">
+              <a:rPr lang="pt-BR" sz="1600" dirty="0" err="1">
                 <a:latin typeface="+mj-lt"/>
               </a:rPr>
               <a:t>letraB</a:t>
             </a:r>
             <a:r>
-              <a:rPr lang="pt-BR" dirty="0">
+              <a:rPr lang="pt-BR" sz="1600" dirty="0">
                 <a:latin typeface="+mj-lt"/>
               </a:rPr>
               <a:t>++;</a:t>
@@ -13430,7 +16215,7 @@
           </a:p>
           <a:p>
             <a:r>
-              <a:rPr lang="pt-BR" dirty="0" err="1">
+              <a:rPr lang="pt-BR" sz="1600" dirty="0" err="1">
                 <a:solidFill>
                   <a:schemeClr val="accent3">
                     <a:lumMod val="75000"/>
@@ -13441,7 +16226,7 @@
               <a:t>else</a:t>
             </a:r>
             <a:r>
-              <a:rPr lang="pt-BR" dirty="0">
+              <a:rPr lang="pt-BR" sz="1600" dirty="0">
                 <a:solidFill>
                   <a:schemeClr val="accent3">
                     <a:lumMod val="75000"/>
@@ -13452,7 +16237,7 @@
               <a:t> </a:t>
             </a:r>
             <a:r>
-              <a:rPr lang="pt-BR" dirty="0" err="1">
+              <a:rPr lang="pt-BR" sz="1600" dirty="0" err="1">
                 <a:solidFill>
                   <a:schemeClr val="accent3">
                     <a:lumMod val="75000"/>
@@ -13463,25 +16248,25 @@
               <a:t>if</a:t>
             </a:r>
             <a:r>
-              <a:rPr lang="pt-BR" dirty="0">
+              <a:rPr lang="pt-BR" sz="1600" dirty="0">
                 <a:latin typeface="+mj-lt"/>
               </a:rPr>
               <a:t> (</a:t>
             </a:r>
             <a:r>
-              <a:rPr lang="pt-BR" dirty="0" err="1">
+              <a:rPr lang="pt-BR" sz="1600" dirty="0" err="1">
                 <a:latin typeface="+mj-lt"/>
               </a:rPr>
               <a:t>ch</a:t>
             </a:r>
             <a:r>
-              <a:rPr lang="pt-BR" dirty="0">
+              <a:rPr lang="pt-BR" sz="1600" dirty="0">
                 <a:latin typeface="+mj-lt"/>
               </a:rPr>
               <a:t> == </a:t>
             </a:r>
             <a:r>
-              <a:rPr lang="pt-BR" dirty="0">
+              <a:rPr lang="pt-BR" sz="1600" dirty="0">
                 <a:solidFill>
                   <a:schemeClr val="accent2">
                     <a:lumMod val="60000"/>
@@ -13493,7 +16278,7 @@
               <a:t>'C'</a:t>
             </a:r>
             <a:r>
-              <a:rPr lang="pt-BR" dirty="0">
+              <a:rPr lang="pt-BR" sz="1600" dirty="0">
                 <a:latin typeface="+mj-lt"/>
               </a:rPr>
               <a:t>)</a:t>
@@ -13501,23 +16286,422 @@
           </a:p>
           <a:p>
             <a:r>
-              <a:rPr lang="pt-BR" dirty="0">
+              <a:rPr lang="pt-BR" sz="1600" dirty="0">
                 <a:latin typeface="+mj-lt"/>
               </a:rPr>
               <a:t>    </a:t>
             </a:r>
             <a:r>
-              <a:rPr lang="pt-BR" dirty="0" err="1">
+              <a:rPr lang="pt-BR" sz="1600" dirty="0" err="1">
                 <a:latin typeface="+mj-lt"/>
               </a:rPr>
               <a:t>letraC</a:t>
             </a:r>
             <a:r>
-              <a:rPr lang="pt-BR" dirty="0">
+              <a:rPr lang="pt-BR" sz="1600" dirty="0">
                 <a:latin typeface="+mj-lt"/>
               </a:rPr>
               <a:t>++;</a:t>
             </a:r>
+          </a:p>
+        </p:txBody>
+      </p:sp>
+      <p:sp>
+        <p:nvSpPr>
+          <p:cNvPr id="5" name="Retângulo 4">
+            <a:extLst>
+              <a:ext uri="{FF2B5EF4-FFF2-40B4-BE49-F238E27FC236}">
+                <a16:creationId xmlns:a16="http://schemas.microsoft.com/office/drawing/2014/main" id="{29336E21-B870-4F65-A05F-846D1F07961B}"/>
+              </a:ext>
+            </a:extLst>
+          </p:cNvPr>
+          <p:cNvSpPr/>
+          <p:nvPr/>
+        </p:nvSpPr>
+        <p:spPr>
+          <a:xfrm>
+            <a:off x="2057588" y="2960530"/>
+            <a:ext cx="2215041" cy="1815882"/>
+          </a:xfrm>
+          <a:prstGeom prst="rect">
+            <a:avLst/>
+          </a:prstGeom>
+        </p:spPr>
+        <p:txBody>
+          <a:bodyPr wrap="square">
+            <a:spAutoFit/>
+          </a:bodyPr>
+          <a:lstStyle/>
+          <a:p>
+            <a:r>
+              <a:rPr lang="pt-BR" sz="1600" dirty="0" err="1">
+                <a:solidFill>
+                  <a:schemeClr val="accent3">
+                    <a:lumMod val="75000"/>
+                  </a:schemeClr>
+                </a:solidFill>
+                <a:latin typeface="+mj-lt"/>
+              </a:rPr>
+              <a:t>if</a:t>
+            </a:r>
+            <a:r>
+              <a:rPr lang="pt-BR" sz="1600" dirty="0">
+                <a:latin typeface="+mj-lt"/>
+              </a:rPr>
+              <a:t> (</a:t>
+            </a:r>
+            <a:r>
+              <a:rPr lang="pt-BR" sz="1600" dirty="0" err="1">
+                <a:latin typeface="+mj-lt"/>
+              </a:rPr>
+              <a:t>ch</a:t>
+            </a:r>
+            <a:r>
+              <a:rPr lang="pt-BR" sz="1600" dirty="0">
+                <a:latin typeface="+mj-lt"/>
+              </a:rPr>
+              <a:t> == </a:t>
+            </a:r>
+            <a:r>
+              <a:rPr lang="pt-BR" sz="1600" dirty="0">
+                <a:solidFill>
+                  <a:schemeClr val="accent2">
+                    <a:lumMod val="60000"/>
+                    <a:lumOff val="40000"/>
+                  </a:schemeClr>
+                </a:solidFill>
+                <a:latin typeface="+mj-lt"/>
+              </a:rPr>
+              <a:t>'A'</a:t>
+            </a:r>
+            <a:r>
+              <a:rPr lang="pt-BR" sz="1600" dirty="0">
+                <a:latin typeface="+mj-lt"/>
+              </a:rPr>
+              <a:t>)</a:t>
+            </a:r>
+            <a:br>
+              <a:rPr lang="pt-BR" sz="1600" dirty="0">
+                <a:latin typeface="+mj-lt"/>
+              </a:rPr>
+            </a:br>
+            <a:r>
+              <a:rPr lang="pt-BR" sz="1600" dirty="0">
+                <a:latin typeface="+mj-lt"/>
+              </a:rPr>
+              <a:t>    </a:t>
+            </a:r>
+            <a:r>
+              <a:rPr lang="pt-BR" sz="1600" dirty="0" err="1">
+                <a:latin typeface="+mj-lt"/>
+              </a:rPr>
+              <a:t>letraA</a:t>
+            </a:r>
+            <a:r>
+              <a:rPr lang="pt-BR" sz="1600" dirty="0">
+                <a:latin typeface="+mj-lt"/>
+              </a:rPr>
+              <a:t>++;</a:t>
+            </a:r>
+            <a:br>
+              <a:rPr lang="pt-BR" sz="1600" dirty="0">
+                <a:latin typeface="+mj-lt"/>
+              </a:rPr>
+            </a:br>
+            <a:r>
+              <a:rPr lang="pt-BR" sz="1600" dirty="0" err="1">
+                <a:solidFill>
+                  <a:schemeClr val="accent3">
+                    <a:lumMod val="75000"/>
+                  </a:schemeClr>
+                </a:solidFill>
+                <a:latin typeface="+mj-lt"/>
+              </a:rPr>
+              <a:t>else</a:t>
+            </a:r>
+            <a:r>
+              <a:rPr lang="pt-BR" sz="1600" dirty="0">
+                <a:solidFill>
+                  <a:schemeClr val="accent3">
+                    <a:lumMod val="75000"/>
+                  </a:schemeClr>
+                </a:solidFill>
+                <a:latin typeface="+mj-lt"/>
+              </a:rPr>
+              <a:t> </a:t>
+            </a:r>
+            <a:br>
+              <a:rPr lang="pt-BR" sz="1600" dirty="0">
+                <a:solidFill>
+                  <a:schemeClr val="accent3">
+                    <a:lumMod val="75000"/>
+                  </a:schemeClr>
+                </a:solidFill>
+                <a:latin typeface="+mj-lt"/>
+              </a:rPr>
+            </a:br>
+            <a:r>
+              <a:rPr lang="pt-BR" sz="1600" dirty="0">
+                <a:latin typeface="+mj-lt"/>
+              </a:rPr>
+              <a:t>    </a:t>
+            </a:r>
+            <a:r>
+              <a:rPr lang="pt-BR" sz="1600" dirty="0" err="1">
+                <a:solidFill>
+                  <a:schemeClr val="accent3">
+                    <a:lumMod val="75000"/>
+                  </a:schemeClr>
+                </a:solidFill>
+                <a:latin typeface="+mj-lt"/>
+              </a:rPr>
+              <a:t>if</a:t>
+            </a:r>
+            <a:r>
+              <a:rPr lang="pt-BR" sz="1600" dirty="0">
+                <a:latin typeface="+mj-lt"/>
+              </a:rPr>
+              <a:t> (</a:t>
+            </a:r>
+            <a:r>
+              <a:rPr lang="pt-BR" sz="1600" dirty="0" err="1">
+                <a:latin typeface="+mj-lt"/>
+              </a:rPr>
+              <a:t>ch</a:t>
+            </a:r>
+            <a:r>
+              <a:rPr lang="pt-BR" sz="1600" dirty="0">
+                <a:latin typeface="+mj-lt"/>
+              </a:rPr>
+              <a:t> == </a:t>
+            </a:r>
+            <a:r>
+              <a:rPr lang="pt-BR" sz="1600" dirty="0">
+                <a:solidFill>
+                  <a:schemeClr val="accent2">
+                    <a:lumMod val="60000"/>
+                    <a:lumOff val="40000"/>
+                  </a:schemeClr>
+                </a:solidFill>
+                <a:latin typeface="+mj-lt"/>
+              </a:rPr>
+              <a:t>'B'</a:t>
+            </a:r>
+            <a:r>
+              <a:rPr lang="pt-BR" sz="1600" dirty="0">
+                <a:latin typeface="+mj-lt"/>
+              </a:rPr>
+              <a:t>)</a:t>
+            </a:r>
+          </a:p>
+          <a:p>
+            <a:r>
+              <a:rPr lang="pt-BR" sz="1600" dirty="0">
+                <a:latin typeface="+mj-lt"/>
+              </a:rPr>
+              <a:t>        </a:t>
+            </a:r>
+            <a:r>
+              <a:rPr lang="pt-BR" sz="1600" dirty="0" err="1">
+                <a:latin typeface="+mj-lt"/>
+              </a:rPr>
+              <a:t>letraB</a:t>
+            </a:r>
+            <a:r>
+              <a:rPr lang="pt-BR" sz="1600" dirty="0">
+                <a:latin typeface="+mj-lt"/>
+              </a:rPr>
+              <a:t>++;</a:t>
+            </a:r>
+          </a:p>
+          <a:p>
+            <a:r>
+              <a:rPr lang="pt-BR" sz="1600" dirty="0">
+                <a:latin typeface="+mj-lt"/>
+              </a:rPr>
+              <a:t>    </a:t>
+            </a:r>
+            <a:r>
+              <a:rPr lang="pt-BR" sz="1600" dirty="0" err="1">
+                <a:solidFill>
+                  <a:schemeClr val="accent3">
+                    <a:lumMod val="75000"/>
+                  </a:schemeClr>
+                </a:solidFill>
+                <a:latin typeface="+mj-lt"/>
+              </a:rPr>
+              <a:t>else</a:t>
+            </a:r>
+            <a:endParaRPr lang="pt-BR" sz="1600" dirty="0">
+              <a:solidFill>
+                <a:schemeClr val="accent3">
+                  <a:lumMod val="75000"/>
+                </a:schemeClr>
+              </a:solidFill>
+              <a:latin typeface="+mj-lt"/>
+            </a:endParaRPr>
+          </a:p>
+          <a:p>
+            <a:r>
+              <a:rPr lang="pt-BR" sz="1600" dirty="0">
+                <a:latin typeface="+mj-lt"/>
+              </a:rPr>
+              <a:t>        outra++;</a:t>
+            </a:r>
+          </a:p>
+        </p:txBody>
+      </p:sp>
+      <p:sp>
+        <p:nvSpPr>
+          <p:cNvPr id="6" name="Seta: Entalhada para a Direita 5">
+            <a:extLst>
+              <a:ext uri="{FF2B5EF4-FFF2-40B4-BE49-F238E27FC236}">
+                <a16:creationId xmlns:a16="http://schemas.microsoft.com/office/drawing/2014/main" id="{5B636DFC-E16E-4399-B4C8-11AC0261CA5C}"/>
+              </a:ext>
+            </a:extLst>
+          </p:cNvPr>
+          <p:cNvSpPr/>
+          <p:nvPr/>
+        </p:nvSpPr>
+        <p:spPr>
+          <a:xfrm>
+            <a:off x="4776685" y="3574111"/>
+            <a:ext cx="936104" cy="648072"/>
+          </a:xfrm>
+          <a:prstGeom prst="notchedRightArrow">
+            <a:avLst/>
+          </a:prstGeom>
+          <a:solidFill>
+            <a:schemeClr val="accent3">
+              <a:alpha val="50000"/>
+            </a:schemeClr>
+          </a:solidFill>
+          <a:ln>
+            <a:noFill/>
+          </a:ln>
+        </p:spPr>
+        <p:style>
+          <a:lnRef idx="0">
+            <a:scrgbClr r="0" g="0" b="0"/>
+          </a:lnRef>
+          <a:fillRef idx="0">
+            <a:scrgbClr r="0" g="0" b="0"/>
+          </a:fillRef>
+          <a:effectRef idx="0">
+            <a:scrgbClr r="0" g="0" b="0"/>
+          </a:effectRef>
+          <a:fontRef idx="minor">
+            <a:schemeClr val="lt1"/>
+          </a:fontRef>
+        </p:style>
+        <p:txBody>
+          <a:bodyPr rtlCol="0" anchor="ctr"/>
+          <a:lstStyle/>
+          <a:p>
+            <a:pPr algn="ctr"/>
+            <a:endParaRPr lang="pt-BR" sz="1600"/>
+          </a:p>
+        </p:txBody>
+      </p:sp>
+      <p:sp>
+        <p:nvSpPr>
+          <p:cNvPr id="11" name="Colchete Direito 10">
+            <a:extLst>
+              <a:ext uri="{FF2B5EF4-FFF2-40B4-BE49-F238E27FC236}">
+                <a16:creationId xmlns:a16="http://schemas.microsoft.com/office/drawing/2014/main" id="{63B4475E-C434-418B-AB57-1454034BE09C}"/>
+              </a:ext>
+            </a:extLst>
+          </p:cNvPr>
+          <p:cNvSpPr/>
+          <p:nvPr/>
+        </p:nvSpPr>
+        <p:spPr>
+          <a:xfrm>
+            <a:off x="4416645" y="2852936"/>
+            <a:ext cx="72008" cy="2088232"/>
+          </a:xfrm>
+          <a:prstGeom prst="rightBracket">
+            <a:avLst/>
+          </a:prstGeom>
+          <a:ln>
+            <a:solidFill>
+              <a:schemeClr val="accent3">
+                <a:lumMod val="75000"/>
+              </a:schemeClr>
+            </a:solidFill>
+          </a:ln>
+        </p:spPr>
+        <p:style>
+          <a:lnRef idx="1">
+            <a:schemeClr val="accent1"/>
+          </a:lnRef>
+          <a:fillRef idx="0">
+            <a:schemeClr val="accent1"/>
+          </a:fillRef>
+          <a:effectRef idx="0">
+            <a:schemeClr val="accent1"/>
+          </a:effectRef>
+          <a:fontRef idx="minor">
+            <a:schemeClr val="tx1"/>
+          </a:fontRef>
+        </p:style>
+        <p:txBody>
+          <a:bodyPr rtlCol="0" anchor="ctr"/>
+          <a:lstStyle/>
+          <a:p>
+            <a:pPr algn="ctr"/>
+            <a:endParaRPr lang="pt-BR"/>
+          </a:p>
+        </p:txBody>
+      </p:sp>
+      <p:sp>
+        <p:nvSpPr>
+          <p:cNvPr id="12" name="Colchete Direito 11">
+            <a:extLst>
+              <a:ext uri="{FF2B5EF4-FFF2-40B4-BE49-F238E27FC236}">
+                <a16:creationId xmlns:a16="http://schemas.microsoft.com/office/drawing/2014/main" id="{2244381D-5762-4AC9-8810-7447C3A4E4DB}"/>
+              </a:ext>
+            </a:extLst>
+          </p:cNvPr>
+          <p:cNvSpPr/>
+          <p:nvPr/>
+        </p:nvSpPr>
+        <p:spPr>
+          <a:xfrm flipH="1">
+            <a:off x="5948504" y="2852936"/>
+            <a:ext cx="86795" cy="2088232"/>
+          </a:xfrm>
+          <a:prstGeom prst="rightBracket">
+            <a:avLst/>
+          </a:prstGeom>
+          <a:ln>
+            <a:solidFill>
+              <a:schemeClr val="accent3">
+                <a:lumMod val="75000"/>
+              </a:schemeClr>
+            </a:solidFill>
+          </a:ln>
+        </p:spPr>
+        <p:style>
+          <a:lnRef idx="1">
+            <a:schemeClr val="accent1"/>
+          </a:lnRef>
+          <a:fillRef idx="0">
+            <a:schemeClr val="accent1"/>
+          </a:fillRef>
+          <a:effectRef idx="0">
+            <a:schemeClr val="accent1"/>
+          </a:effectRef>
+          <a:fontRef idx="minor">
+            <a:schemeClr val="tx1"/>
+          </a:fontRef>
+        </p:style>
+        <p:txBody>
+          <a:bodyPr rtlCol="0" anchor="ctr"/>
+          <a:lstStyle/>
+          <a:p>
+            <a:pPr algn="ctr"/>
+            <a:endParaRPr lang="pt-BR"/>
           </a:p>
         </p:txBody>
       </p:sp>
@@ -13765,8 +16949,6 @@
               </a:rPr>
               <a:t> = 27;</a:t>
             </a:r>
-          </a:p>
-          <a:p>
             <a:endParaRPr lang="pt-BR" sz="1600" dirty="0">
               <a:solidFill>
                 <a:schemeClr val="accent3">
@@ -13857,7 +17039,7 @@
                 </a:solidFill>
                 <a:latin typeface="+mj-lt"/>
               </a:rPr>
-              <a:t>"Digite um número entre 0 e 100 para descobrir meu favorito: "</a:t>
+              <a:t>"Digite um número entre 0 e 100: "</a:t>
             </a:r>
             <a:r>
               <a:rPr lang="pt-BR" sz="1600" dirty="0">
@@ -14204,8 +17386,19 @@
               </a:rPr>
               <a:t>     } </a:t>
             </a:r>
-            <a:r>
+            <a:br>
               <a:rPr lang="pt-BR" sz="1600" dirty="0">
+                <a:latin typeface="+mj-lt"/>
+              </a:rPr>
+            </a:br>
+            <a:r>
+              <a:rPr lang="pt-BR" sz="1600" dirty="0">
+                <a:latin typeface="+mj-lt"/>
+              </a:rPr>
+              <a:t>     </a:t>
+            </a:r>
+            <a:r>
+              <a:rPr lang="pt-BR" sz="1600" dirty="0" err="1">
                 <a:solidFill>
                   <a:schemeClr val="accent3">
                     <a:lumMod val="75000"/>
@@ -14240,6 +17433,48 @@
                 <a:latin typeface="+mj-lt"/>
               </a:rPr>
               <a:t>}</a:t>
+            </a:r>
+          </a:p>
+        </p:txBody>
+      </p:sp>
+      <p:sp>
+        <p:nvSpPr>
+          <p:cNvPr id="5" name="CaixaDeTexto 4">
+            <a:extLst>
+              <a:ext uri="{FF2B5EF4-FFF2-40B4-BE49-F238E27FC236}">
+                <a16:creationId xmlns:a16="http://schemas.microsoft.com/office/drawing/2014/main" id="{1714AD91-A85B-45C1-9D17-2AEFE5F7BDEE}"/>
+              </a:ext>
+            </a:extLst>
+          </p:cNvPr>
+          <p:cNvSpPr txBox="1"/>
+          <p:nvPr/>
+        </p:nvSpPr>
+        <p:spPr>
+          <a:xfrm rot="16200000">
+            <a:off x="-714272" y="5774776"/>
+            <a:ext cx="1800200" cy="276999"/>
+          </a:xfrm>
+          <a:prstGeom prst="rect">
+            <a:avLst/>
+          </a:prstGeom>
+          <a:noFill/>
+        </p:spPr>
+        <p:txBody>
+          <a:bodyPr wrap="square" rtlCol="0">
+            <a:spAutoFit/>
+          </a:bodyPr>
+          <a:lstStyle/>
+          <a:p>
+            <a:r>
+              <a:rPr lang="pt-BR" sz="1200" dirty="0">
+                <a:solidFill>
+                  <a:schemeClr val="bg2">
+                    <a:lumMod val="50000"/>
+                  </a:schemeClr>
+                </a:solidFill>
+                <a:latin typeface="+mj-lt"/>
+              </a:rPr>
+              <a:t>// Advinhação.cpp</a:t>
             </a:r>
           </a:p>
         </p:txBody>
@@ -14385,7 +17620,7 @@
             <a:prstGeom prst="straightConnector1">
               <a:avLst/>
             </a:prstGeom>
-            <a:ln w="28575">
+            <a:ln w="38100">
               <a:solidFill>
                 <a:schemeClr val="tx1"/>
               </a:solidFill>
@@ -14601,7 +17836,7 @@
             <a:prstGeom prst="straightConnector1">
               <a:avLst/>
             </a:prstGeom>
-            <a:ln w="28575">
+            <a:ln w="38100">
               <a:solidFill>
                 <a:schemeClr val="tx1"/>
               </a:solidFill>
@@ -14709,11 +17944,11 @@
             <a:prstGeom prst="straightConnector1">
               <a:avLst/>
             </a:prstGeom>
-            <a:ln w="28575">
+            <a:ln w="38100">
               <a:solidFill>
                 <a:schemeClr val="tx1"/>
               </a:solidFill>
-              <a:tailEnd type="stealth"/>
+              <a:tailEnd type="stealth" w="lg" len="med"/>
             </a:ln>
           </p:spPr>
           <p:style>
@@ -14925,11 +18160,11 @@
             <a:prstGeom prst="straightConnector1">
               <a:avLst/>
             </a:prstGeom>
-            <a:ln w="28575">
+            <a:ln w="38100">
               <a:solidFill>
                 <a:schemeClr val="tx1"/>
               </a:solidFill>
-              <a:tailEnd type="stealth"/>
+              <a:tailEnd type="stealth" w="lg" len="med"/>
             </a:ln>
           </p:spPr>
           <p:style>
@@ -15014,7 +18249,7 @@
                 <a:gd name="adj1" fmla="val 4945630"/>
               </a:avLst>
             </a:prstGeom>
-            <a:ln w="28575">
+            <a:ln w="38100">
               <a:solidFill>
                 <a:schemeClr val="tx1"/>
               </a:solidFill>
@@ -15079,7 +18314,7 @@
             <a:prstGeom prst="straightConnector1">
               <a:avLst/>
             </a:prstGeom>
-            <a:ln w="28575">
+            <a:ln w="38100">
               <a:solidFill>
                 <a:schemeClr val="tx1"/>
               </a:solidFill>
@@ -15293,7 +18528,7 @@
             <a:prstGeom prst="straightConnector1">
               <a:avLst/>
             </a:prstGeom>
-            <a:ln w="28575">
+            <a:ln w="38100">
               <a:solidFill>
                 <a:schemeClr val="tx1"/>
               </a:solidFill>
@@ -15382,7 +18617,7 @@
                 <a:gd name="adj1" fmla="val 4945630"/>
               </a:avLst>
             </a:prstGeom>
-            <a:ln w="28575">
+            <a:ln w="38100">
               <a:solidFill>
                 <a:schemeClr val="tx1"/>
               </a:solidFill>
@@ -15408,10 +18643,10 @@
       </p:grpSp>
       <p:grpSp>
         <p:nvGrpSpPr>
-          <p:cNvPr id="46" name="Agrupar 45">
+          <p:cNvPr id="45" name="Agrupar 44">
             <a:extLst>
               <a:ext uri="{FF2B5EF4-FFF2-40B4-BE49-F238E27FC236}">
-                <a16:creationId xmlns:a16="http://schemas.microsoft.com/office/drawing/2014/main" id="{27C29108-8573-48A2-82B3-0756F76B34EB}"/>
+                <a16:creationId xmlns:a16="http://schemas.microsoft.com/office/drawing/2014/main" id="{18F41846-6F3F-4C3D-9C8E-4153ECBEC53E}"/>
               </a:ext>
             </a:extLst>
           </p:cNvPr>
@@ -15448,7 +18683,7 @@
             <a:prstGeom prst="straightConnector1">
               <a:avLst/>
             </a:prstGeom>
-            <a:ln w="28575">
+            <a:ln w="38100">
               <a:solidFill>
                 <a:schemeClr val="tx1"/>
               </a:solidFill>
@@ -15484,7 +18719,7 @@
           </p:nvCxnSpPr>
           <p:spPr>
             <a:xfrm>
-              <a:off x="8832304" y="4314482"/>
+              <a:off x="8832304" y="4306282"/>
               <a:ext cx="648072" cy="0"/>
             </a:xfrm>
             <a:prstGeom prst="line">
@@ -15527,7 +18762,7 @@
           </p:nvCxnSpPr>
           <p:spPr>
             <a:xfrm>
-              <a:off x="8832304" y="4458498"/>
+              <a:off x="8832304" y="4450298"/>
               <a:ext cx="648072" cy="0"/>
             </a:xfrm>
             <a:prstGeom prst="line">
@@ -15570,7 +18805,7 @@
           </p:nvCxnSpPr>
           <p:spPr>
             <a:xfrm>
-              <a:off x="8832304" y="4602514"/>
+              <a:off x="8832304" y="4594314"/>
               <a:ext cx="648072" cy="0"/>
             </a:xfrm>
             <a:prstGeom prst="line">
@@ -15613,7 +18848,7 @@
           </p:nvCxnSpPr>
           <p:spPr>
             <a:xfrm>
-              <a:off x="8832304" y="4746530"/>
+              <a:off x="8832304" y="4738330"/>
               <a:ext cx="648072" cy="0"/>
             </a:xfrm>
             <a:prstGeom prst="line">
@@ -15664,7 +18899,7 @@
             <a:prstGeom prst="straightConnector1">
               <a:avLst/>
             </a:prstGeom>
-            <a:ln w="28575">
+            <a:ln w="38100">
               <a:solidFill>
                 <a:schemeClr val="tx1"/>
               </a:solidFill>
@@ -15743,7 +18978,7 @@
           </p:nvCxnSpPr>
           <p:spPr>
             <a:xfrm>
-              <a:off x="10112046" y="4314482"/>
+              <a:off x="10112046" y="4306282"/>
               <a:ext cx="648072" cy="0"/>
             </a:xfrm>
             <a:prstGeom prst="line">
@@ -15786,7 +19021,7 @@
           </p:nvCxnSpPr>
           <p:spPr>
             <a:xfrm>
-              <a:off x="10112046" y="4458498"/>
+              <a:off x="10112046" y="4450298"/>
               <a:ext cx="648072" cy="0"/>
             </a:xfrm>
             <a:prstGeom prst="line">
@@ -15829,7 +19064,7 @@
           </p:nvCxnSpPr>
           <p:spPr>
             <a:xfrm>
-              <a:off x="10112046" y="4602514"/>
+              <a:off x="10112046" y="4594314"/>
               <a:ext cx="648072" cy="0"/>
             </a:xfrm>
             <a:prstGeom prst="line">
@@ -15872,7 +19107,7 @@
           </p:nvCxnSpPr>
           <p:spPr>
             <a:xfrm>
-              <a:off x="10112046" y="4746530"/>
+              <a:off x="10112046" y="4738330"/>
               <a:ext cx="648072" cy="0"/>
             </a:xfrm>
             <a:prstGeom prst="line">
@@ -15917,13 +19152,13 @@
           </p:nvCxnSpPr>
           <p:spPr>
             <a:xfrm>
-              <a:off x="9810144" y="3904619"/>
-              <a:ext cx="601077" cy="309281"/>
+              <a:off x="9791832" y="3904616"/>
+              <a:ext cx="638767" cy="319701"/>
             </a:xfrm>
             <a:prstGeom prst="bentConnector2">
               <a:avLst/>
             </a:prstGeom>
-            <a:ln w="28575">
+            <a:ln w="38100">
               <a:solidFill>
                 <a:schemeClr val="tx1"/>
               </a:solidFill>
@@ -15960,13 +19195,13 @@
           </p:nvCxnSpPr>
           <p:spPr>
             <a:xfrm rot="10800000" flipV="1">
-              <a:off x="9176269" y="3904619"/>
-              <a:ext cx="588157" cy="309282"/>
+              <a:off x="9155088" y="3904615"/>
+              <a:ext cx="655056" cy="319702"/>
             </a:xfrm>
             <a:prstGeom prst="bentConnector2">
               <a:avLst/>
             </a:prstGeom>
-            <a:ln w="28575">
+            <a:ln w="38100">
               <a:solidFill>
                 <a:schemeClr val="tx1"/>
               </a:solidFill>
@@ -15989,10 +19224,10 @@
         </p:cxnSp>
         <p:cxnSp>
           <p:nvCxnSpPr>
-            <p:cNvPr id="68" name="Conector de Seta Reta 67">
+            <p:cNvPr id="102" name="Conector: Angulado 101">
               <a:extLst>
                 <a:ext uri="{FF2B5EF4-FFF2-40B4-BE49-F238E27FC236}">
-                  <a16:creationId xmlns:a16="http://schemas.microsoft.com/office/drawing/2014/main" id="{67BA7249-79E8-4776-AC47-53F9F9A85AB3}"/>
+                  <a16:creationId xmlns:a16="http://schemas.microsoft.com/office/drawing/2014/main" id="{376D0556-155D-488C-B97F-407EC2D46467}"/>
                 </a:ext>
               </a:extLst>
             </p:cNvPr>
@@ -16002,18 +19237,17 @@
             <p:nvPr/>
           </p:nvCxnSpPr>
           <p:spPr>
-            <a:xfrm flipH="1" flipV="1">
-              <a:off x="9696400" y="5120205"/>
-              <a:ext cx="193069" cy="1"/>
+            <a:xfrm rot="10800000">
+              <a:off x="9161541" y="4814695"/>
+              <a:ext cx="677038" cy="305511"/>
             </a:xfrm>
-            <a:prstGeom prst="straightConnector1">
+            <a:prstGeom prst="bentConnector2">
               <a:avLst/>
             </a:prstGeom>
-            <a:ln w="28575">
+            <a:ln w="38100">
               <a:solidFill>
                 <a:schemeClr val="tx1"/>
               </a:solidFill>
-              <a:tailEnd type="none" w="lg" len="med"/>
             </a:ln>
           </p:spPr>
           <p:style>
@@ -16033,10 +19267,10 @@
         </p:cxnSp>
         <p:cxnSp>
           <p:nvCxnSpPr>
-            <p:cNvPr id="77" name="Conector: Angulado 76">
+            <p:cNvPr id="104" name="Conector: Angulado 103">
               <a:extLst>
                 <a:ext uri="{FF2B5EF4-FFF2-40B4-BE49-F238E27FC236}">
-                  <a16:creationId xmlns:a16="http://schemas.microsoft.com/office/drawing/2014/main" id="{A6CA2ACA-0FCB-4391-9C11-33D7EF1F244B}"/>
+                  <a16:creationId xmlns:a16="http://schemas.microsoft.com/office/drawing/2014/main" id="{6EEB5271-A355-4935-A1C0-075DE36EF0A2}"/>
                 </a:ext>
               </a:extLst>
             </p:cNvPr>
@@ -16047,61 +19281,16 @@
           </p:nvCxnSpPr>
           <p:spPr>
             <a:xfrm rot="5400000">
-              <a:off x="10028435" y="4710203"/>
-              <a:ext cx="268682" cy="546613"/>
+              <a:off x="9960349" y="4646455"/>
+              <a:ext cx="301935" cy="646613"/>
             </a:xfrm>
             <a:prstGeom prst="bentConnector2">
               <a:avLst/>
             </a:prstGeom>
-            <a:ln w="28575">
+            <a:ln w="38100">
               <a:solidFill>
                 <a:schemeClr val="tx1"/>
               </a:solidFill>
-              <a:tailEnd type="stealth" w="lg" len="med"/>
-            </a:ln>
-          </p:spPr>
-          <p:style>
-            <a:lnRef idx="1">
-              <a:schemeClr val="accent1"/>
-            </a:lnRef>
-            <a:fillRef idx="0">
-              <a:schemeClr val="accent1"/>
-            </a:fillRef>
-            <a:effectRef idx="0">
-              <a:schemeClr val="accent1"/>
-            </a:effectRef>
-            <a:fontRef idx="minor">
-              <a:schemeClr val="tx1"/>
-            </a:fontRef>
-          </p:style>
-        </p:cxnSp>
-        <p:cxnSp>
-          <p:nvCxnSpPr>
-            <p:cNvPr id="81" name="Conector: Angulado 80">
-              <a:extLst>
-                <a:ext uri="{FF2B5EF4-FFF2-40B4-BE49-F238E27FC236}">
-                  <a16:creationId xmlns:a16="http://schemas.microsoft.com/office/drawing/2014/main" id="{40B62A1A-7690-43C2-9FE6-02C5E160EB21}"/>
-                </a:ext>
-              </a:extLst>
-            </p:cNvPr>
-            <p:cNvCxnSpPr>
-              <a:cxnSpLocks/>
-            </p:cNvCxnSpPr>
-            <p:nvPr/>
-          </p:nvCxnSpPr>
-          <p:spPr>
-            <a:xfrm rot="16200000" flipH="1">
-              <a:off x="9293047" y="4709734"/>
-              <a:ext cx="266646" cy="540060"/>
-            </a:xfrm>
-            <a:prstGeom prst="bentConnector2">
-              <a:avLst/>
-            </a:prstGeom>
-            <a:ln w="28575">
-              <a:solidFill>
-                <a:schemeClr val="tx1"/>
-              </a:solidFill>
-              <a:tailEnd type="stealth" w="lg" len="med"/>
             </a:ln>
           </p:spPr>
           <p:style>
@@ -16247,7 +19436,7 @@
         <p:spPr>
           <a:xfrm>
             <a:off x="1631504" y="2499900"/>
-            <a:ext cx="7141699" cy="1569660"/>
+            <a:ext cx="3999813" cy="1569660"/>
           </a:xfrm>
           <a:prstGeom prst="rect">
             <a:avLst/>
@@ -16264,7 +19453,7 @@
               <a:rPr lang="pt-BR" sz="1600" dirty="0">
                 <a:latin typeface="+mj-lt"/>
               </a:rPr>
-              <a:t>Digite um número entre 0 e 100 para descobrir meu favorito: </a:t>
+              <a:t>Digite um número entre 0 e 100: </a:t>
             </a:r>
             <a:r>
               <a:rPr lang="pt-BR" sz="1600" b="1" dirty="0">
@@ -16539,8 +19728,11 @@
           <a:p>
             <a:r>
               <a:rPr lang="pt-BR" dirty="0"/>
-              <a:t>As instrução condicionais permitem executar </a:t>
-            </a:r>
+              <a:t>As instruções condicionais permitem executar </a:t>
+            </a:r>
+            <a:br>
+              <a:rPr lang="pt-BR" dirty="0"/>
+            </a:br>
             <a:r>
               <a:rPr lang="pt-BR" dirty="0">
                 <a:solidFill>
@@ -16571,22 +19763,27 @@
             </a:r>
           </a:p>
           <a:p>
-            <a:pPr lvl="1"/>
+            <a:pPr lvl="1">
+              <a:spcAft>
+                <a:spcPts val="1800"/>
+              </a:spcAft>
+            </a:pPr>
+            <a:r>
+              <a:rPr lang="pt-BR" dirty="0" err="1"/>
+              <a:t>if’s</a:t>
+            </a:r>
             <a:r>
               <a:rPr lang="pt-BR" dirty="0"/>
-              <a:t>If </a:t>
+              <a:t> e </a:t>
             </a:r>
             <a:r>
               <a:rPr lang="pt-BR" dirty="0" err="1"/>
-              <a:t>else's</a:t>
+              <a:t>if-else's</a:t>
             </a:r>
             <a:r>
               <a:rPr lang="pt-BR" dirty="0"/>
               <a:t> aninhados</a:t>
             </a:r>
-          </a:p>
-          <a:p>
-            <a:endParaRPr lang="pt-BR" dirty="0"/>
           </a:p>
           <a:p>
             <a:r>
@@ -16622,7 +19819,14 @@
             </a:r>
             <a:r>
               <a:rPr lang="pt-BR" dirty="0"/>
-              <a:t> que podemos fornecer ao computador</a:t>
+              <a:t> </a:t>
+            </a:r>
+            <a:br>
+              <a:rPr lang="pt-BR" dirty="0"/>
+            </a:br>
+            <a:r>
+              <a:rPr lang="pt-BR" dirty="0"/>
+              <a:t>que podemos fornecer ao computador</a:t>
             </a:r>
           </a:p>
         </p:txBody>
@@ -16763,9 +19967,6 @@
             </a:endParaRPr>
           </a:p>
           <a:p>
-            <a:endParaRPr lang="pt-BR" dirty="0"/>
-          </a:p>
-          <a:p>
             <a:r>
               <a:rPr lang="pt-BR" dirty="0"/>
               <a:t>Os desvios permitem que seja feita a </a:t>
@@ -16794,8 +19995,11 @@
               <a:rPr lang="pt-BR" dirty="0"/>
               <a:t>C++ possui duas instruções de desvio: </a:t>
             </a:r>
-            <a:r>
-              <a:rPr lang="pt-BR" dirty="0" err="1">
+          </a:p>
+          <a:p>
+            <a:pPr lvl="2"/>
+            <a:r>
+              <a:rPr lang="pt-BR" b="1" dirty="0" err="1">
                 <a:solidFill>
                   <a:schemeClr val="accent3">
                     <a:lumMod val="75000"/>
@@ -16816,7 +20020,17 @@
             </a:r>
             <a:r>
               <a:rPr lang="pt-BR" dirty="0"/>
-              <a:t>e switch</a:t>
+              <a:t>e </a:t>
+            </a:r>
+            <a:r>
+              <a:rPr lang="pt-BR" b="1" dirty="0">
+                <a:solidFill>
+                  <a:schemeClr val="accent3">
+                    <a:lumMod val="75000"/>
+                  </a:schemeClr>
+                </a:solidFill>
+              </a:rPr>
+              <a:t>switch</a:t>
             </a:r>
           </a:p>
           <a:p>
@@ -17140,7 +20354,14 @@
             </a:r>
             <a:r>
               <a:rPr lang="pt-BR" dirty="0"/>
-              <a:t> executa uma instrução (ou bloco de instruções) se o </a:t>
+              <a:t> executa uma instrução </a:t>
+            </a:r>
+            <a:br>
+              <a:rPr lang="pt-BR" dirty="0"/>
+            </a:br>
+            <a:r>
+              <a:rPr lang="pt-BR" dirty="0"/>
+              <a:t>(ou bloco de instruções) se o </a:t>
             </a:r>
             <a:r>
               <a:rPr lang="pt-BR" dirty="0">
@@ -17443,658 +20664,655 @@
           </a:p>
         </p:txBody>
       </p:sp>
-      <p:sp>
-        <p:nvSpPr>
-          <p:cNvPr id="4" name="Retângulo 3"/>
-          <p:cNvSpPr/>
+      <p:grpSp>
+        <p:nvGrpSpPr>
+          <p:cNvPr id="16" name="Agrupar 15">
+            <a:extLst>
+              <a:ext uri="{FF2B5EF4-FFF2-40B4-BE49-F238E27FC236}">
+                <a16:creationId xmlns:a16="http://schemas.microsoft.com/office/drawing/2014/main" id="{D9987D0B-A749-4DEF-8825-C7F23079417E}"/>
+              </a:ext>
+            </a:extLst>
+          </p:cNvPr>
+          <p:cNvGrpSpPr/>
           <p:nvPr/>
-        </p:nvSpPr>
-        <p:spPr>
+        </p:nvGrpSpPr>
+        <p:grpSpPr>
           <a:xfrm>
-            <a:off x="10272464" y="212383"/>
-            <a:ext cx="1306768" cy="1077218"/>
+            <a:off x="2533513" y="2064268"/>
+            <a:ext cx="7124975" cy="4025608"/>
+            <a:chOff x="2787449" y="2064268"/>
+            <a:chExt cx="7124975" cy="4025608"/>
           </a:xfrm>
-          <a:prstGeom prst="rect">
-            <a:avLst/>
-          </a:prstGeom>
-        </p:spPr>
-        <p:txBody>
-          <a:bodyPr wrap="none">
-            <a:spAutoFit/>
-          </a:bodyPr>
-          <a:lstStyle/>
-          <a:p>
-            <a:r>
-              <a:rPr lang="pt-BR" sz="1600" dirty="0">
-                <a:latin typeface="+mj-lt"/>
-              </a:rPr>
-              <a:t>anterior;</a:t>
-            </a:r>
-          </a:p>
-          <a:p>
-            <a:r>
-              <a:rPr lang="pt-BR" sz="1600" dirty="0" err="1">
+        </p:grpSpPr>
+        <p:sp>
+          <p:nvSpPr>
+            <p:cNvPr id="21" name="Retângulo 20">
+              <a:extLst>
+                <a:ext uri="{FF2B5EF4-FFF2-40B4-BE49-F238E27FC236}">
+                  <a16:creationId xmlns:a16="http://schemas.microsoft.com/office/drawing/2014/main" id="{EE58F388-F7F6-4A4A-A029-1749F9DEE5B5}"/>
+                </a:ext>
+              </a:extLst>
+            </p:cNvPr>
+            <p:cNvSpPr/>
+            <p:nvPr/>
+          </p:nvSpPr>
+          <p:spPr>
+            <a:xfrm>
+              <a:off x="8605656" y="3501008"/>
+              <a:ext cx="1306768" cy="1077218"/>
+            </a:xfrm>
+            <a:prstGeom prst="rect">
+              <a:avLst/>
+            </a:prstGeom>
+          </p:spPr>
+          <p:txBody>
+            <a:bodyPr wrap="none">
+              <a:spAutoFit/>
+            </a:bodyPr>
+            <a:lstStyle/>
+            <a:p>
+              <a:r>
+                <a:rPr lang="pt-BR" sz="1600" dirty="0">
+                  <a:latin typeface="+mj-lt"/>
+                </a:rPr>
+                <a:t>antes;</a:t>
+              </a:r>
+            </a:p>
+            <a:p>
+              <a:r>
+                <a:rPr lang="pt-BR" sz="1600" dirty="0" err="1">
+                  <a:solidFill>
+                    <a:schemeClr val="accent3">
+                      <a:lumMod val="75000"/>
+                    </a:schemeClr>
+                  </a:solidFill>
+                  <a:latin typeface="+mj-lt"/>
+                </a:rPr>
+                <a:t>if</a:t>
+              </a:r>
+              <a:r>
+                <a:rPr lang="pt-BR" sz="1600" dirty="0">
+                  <a:latin typeface="+mj-lt"/>
+                </a:rPr>
+                <a:t> (teste)</a:t>
+              </a:r>
+            </a:p>
+            <a:p>
+              <a:r>
+                <a:rPr lang="pt-BR" sz="1600" dirty="0">
+                  <a:latin typeface="+mj-lt"/>
+                </a:rPr>
+                <a:t>   corpo;</a:t>
+              </a:r>
+            </a:p>
+            <a:p>
+              <a:r>
+                <a:rPr lang="pt-BR" sz="1600" dirty="0">
+                  <a:latin typeface="+mj-lt"/>
+                </a:rPr>
+                <a:t>depois;</a:t>
+              </a:r>
+            </a:p>
+          </p:txBody>
+        </p:sp>
+        <p:grpSp>
+          <p:nvGrpSpPr>
+            <p:cNvPr id="15" name="Agrupar 14">
+              <a:extLst>
+                <a:ext uri="{FF2B5EF4-FFF2-40B4-BE49-F238E27FC236}">
+                  <a16:creationId xmlns:a16="http://schemas.microsoft.com/office/drawing/2014/main" id="{92EA77CB-A8C4-4414-9C64-2C74E6DC74C4}"/>
+                </a:ext>
+              </a:extLst>
+            </p:cNvPr>
+            <p:cNvGrpSpPr/>
+            <p:nvPr/>
+          </p:nvGrpSpPr>
+          <p:grpSpPr>
+            <a:xfrm>
+              <a:off x="2787449" y="2064268"/>
+              <a:ext cx="5328583" cy="4025608"/>
+              <a:chOff x="1703512" y="2064268"/>
+              <a:chExt cx="5328583" cy="4025608"/>
+            </a:xfrm>
+          </p:grpSpPr>
+          <p:sp>
+            <p:nvSpPr>
+              <p:cNvPr id="31" name="CaixaDeTexto 30"/>
+              <p:cNvSpPr txBox="1"/>
+              <p:nvPr/>
+            </p:nvSpPr>
+            <p:spPr>
+              <a:xfrm>
+                <a:off x="6594155" y="2492896"/>
+                <a:ext cx="437940" cy="369332"/>
+              </a:xfrm>
+              <a:prstGeom prst="rect">
+                <a:avLst/>
+              </a:prstGeom>
+              <a:noFill/>
+            </p:spPr>
+            <p:txBody>
+              <a:bodyPr wrap="none" rtlCol="0">
+                <a:spAutoFit/>
+              </a:bodyPr>
+              <a:lstStyle/>
+              <a:p>
+                <a:r>
+                  <a:rPr lang="pt-BR" dirty="0" err="1">
+                    <a:latin typeface="+mj-lt"/>
+                  </a:rPr>
+                  <a:t>if</a:t>
+                </a:r>
+                <a:endParaRPr lang="pt-BR" dirty="0">
+                  <a:latin typeface="+mj-lt"/>
+                </a:endParaRPr>
+              </a:p>
+            </p:txBody>
+          </p:sp>
+          <p:sp>
+            <p:nvSpPr>
+              <p:cNvPr id="32" name="CaixaDeTexto 31"/>
+              <p:cNvSpPr txBox="1"/>
+              <p:nvPr/>
+            </p:nvSpPr>
+            <p:spPr>
+              <a:xfrm>
+                <a:off x="2853651" y="4357124"/>
+                <a:ext cx="311304" cy="369332"/>
+              </a:xfrm>
+              <a:prstGeom prst="rect">
+                <a:avLst/>
+              </a:prstGeom>
+              <a:noFill/>
+            </p:spPr>
+            <p:txBody>
+              <a:bodyPr wrap="none" rtlCol="0">
+                <a:spAutoFit/>
+              </a:bodyPr>
+              <a:lstStyle/>
+              <a:p>
+                <a:r>
+                  <a:rPr lang="pt-BR" dirty="0">
+                    <a:latin typeface="+mj-lt"/>
+                  </a:rPr>
+                  <a:t>F</a:t>
+                </a:r>
+              </a:p>
+            </p:txBody>
+          </p:sp>
+          <p:sp>
+            <p:nvSpPr>
+              <p:cNvPr id="33" name="CaixaDeTexto 32"/>
+              <p:cNvSpPr txBox="1"/>
+              <p:nvPr/>
+            </p:nvSpPr>
+            <p:spPr>
+              <a:xfrm>
+                <a:off x="3687155" y="3459456"/>
+                <a:ext cx="311304" cy="369332"/>
+              </a:xfrm>
+              <a:prstGeom prst="rect">
+                <a:avLst/>
+              </a:prstGeom>
+              <a:noFill/>
+            </p:spPr>
+            <p:txBody>
+              <a:bodyPr wrap="none" rtlCol="0">
+                <a:spAutoFit/>
+              </a:bodyPr>
+              <a:lstStyle/>
+              <a:p>
+                <a:r>
+                  <a:rPr lang="pt-BR" dirty="0">
+                    <a:latin typeface="+mj-lt"/>
+                  </a:rPr>
+                  <a:t>V</a:t>
+                </a:r>
+              </a:p>
+            </p:txBody>
+          </p:sp>
+          <p:sp>
+            <p:nvSpPr>
+              <p:cNvPr id="6" name="Retângulo: Cantos Arredondados 5"/>
+              <p:cNvSpPr/>
+              <p:nvPr/>
+            </p:nvSpPr>
+            <p:spPr>
+              <a:xfrm>
+                <a:off x="1917826" y="2064268"/>
+                <a:ext cx="1857388" cy="428628"/>
+              </a:xfrm>
+              <a:prstGeom prst="roundRect">
+                <a:avLst/>
+              </a:prstGeom>
+              <a:solidFill>
+                <a:schemeClr val="bg1">
+                  <a:lumMod val="50000"/>
+                  <a:lumOff val="50000"/>
+                </a:schemeClr>
+              </a:solidFill>
+              <a:ln/>
+              <a:effectLst/>
+            </p:spPr>
+            <p:style>
+              <a:lnRef idx="1">
+                <a:schemeClr val="dk1"/>
+              </a:lnRef>
+              <a:fillRef idx="2">
+                <a:schemeClr val="dk1"/>
+              </a:fillRef>
+              <a:effectRef idx="1">
+                <a:schemeClr val="dk1"/>
+              </a:effectRef>
+              <a:fontRef idx="minor">
+                <a:schemeClr val="dk1"/>
+              </a:fontRef>
+            </p:style>
+            <p:txBody>
+              <a:bodyPr rtlCol="0" anchor="ctr"/>
+              <a:lstStyle/>
+              <a:p>
+                <a:pPr algn="ctr"/>
+                <a:r>
+                  <a:rPr lang="pt-BR" sz="1600" dirty="0">
+                    <a:latin typeface="+mj-lt"/>
+                  </a:rPr>
+                  <a:t>antes</a:t>
+                </a:r>
+              </a:p>
+            </p:txBody>
+          </p:sp>
+          <p:sp>
+            <p:nvSpPr>
+              <p:cNvPr id="7" name="Retângulo: Cantos Arredondados 6"/>
+              <p:cNvSpPr/>
+              <p:nvPr/>
+            </p:nvSpPr>
+            <p:spPr>
+              <a:xfrm>
+                <a:off x="1917826" y="5661248"/>
+                <a:ext cx="1857388" cy="428628"/>
+              </a:xfrm>
+              <a:prstGeom prst="roundRect">
+                <a:avLst/>
+              </a:prstGeom>
+              <a:solidFill>
+                <a:schemeClr val="bg1">
+                  <a:lumMod val="50000"/>
+                  <a:lumOff val="50000"/>
+                </a:schemeClr>
+              </a:solidFill>
+              <a:ln/>
+              <a:effectLst/>
+            </p:spPr>
+            <p:style>
+              <a:lnRef idx="1">
+                <a:schemeClr val="dk1"/>
+              </a:lnRef>
+              <a:fillRef idx="2">
+                <a:schemeClr val="dk1"/>
+              </a:fillRef>
+              <a:effectRef idx="1">
+                <a:schemeClr val="dk1"/>
+              </a:effectRef>
+              <a:fontRef idx="minor">
+                <a:schemeClr val="dk1"/>
+              </a:fontRef>
+            </p:style>
+            <p:txBody>
+              <a:bodyPr rtlCol="0" anchor="ctr"/>
+              <a:lstStyle/>
+              <a:p>
+                <a:pPr algn="ctr"/>
+                <a:r>
+                  <a:rPr lang="pt-BR" sz="1600" dirty="0">
+                    <a:latin typeface="+mj-lt"/>
+                  </a:rPr>
+                  <a:t>depois</a:t>
+                </a:r>
+              </a:p>
+            </p:txBody>
+          </p:sp>
+          <p:sp>
+            <p:nvSpPr>
+              <p:cNvPr id="10" name="Retângulo: Cantos Arredondados 9"/>
+              <p:cNvSpPr/>
+              <p:nvPr/>
+            </p:nvSpPr>
+            <p:spPr>
+              <a:xfrm>
+                <a:off x="4943872" y="3642744"/>
+                <a:ext cx="1857388" cy="428628"/>
+              </a:xfrm>
+              <a:prstGeom prst="roundRect">
+                <a:avLst/>
+              </a:prstGeom>
+              <a:solidFill>
+                <a:schemeClr val="accent3">
+                  <a:alpha val="50000"/>
+                </a:schemeClr>
+              </a:solidFill>
+              <a:ln>
+                <a:noFill/>
+              </a:ln>
+            </p:spPr>
+            <p:style>
+              <a:lnRef idx="0">
+                <a:scrgbClr r="0" g="0" b="0"/>
+              </a:lnRef>
+              <a:fillRef idx="0">
+                <a:scrgbClr r="0" g="0" b="0"/>
+              </a:fillRef>
+              <a:effectRef idx="0">
+                <a:scrgbClr r="0" g="0" b="0"/>
+              </a:effectRef>
+              <a:fontRef idx="minor">
+                <a:schemeClr val="lt1"/>
+              </a:fontRef>
+            </p:style>
+            <p:txBody>
+              <a:bodyPr rtlCol="0" anchor="ctr"/>
+              <a:lstStyle/>
+              <a:p>
+                <a:pPr algn="ctr"/>
+                <a:r>
+                  <a:rPr lang="pt-BR" sz="1600" dirty="0">
+                    <a:latin typeface="+mj-lt"/>
+                  </a:rPr>
+                  <a:t>corpo</a:t>
+                </a:r>
+              </a:p>
+            </p:txBody>
+          </p:sp>
+          <p:sp>
+            <p:nvSpPr>
+              <p:cNvPr id="11" name="Fluxograma: Decisão 10"/>
+              <p:cNvSpPr/>
+              <p:nvPr/>
+            </p:nvSpPr>
+            <p:spPr>
+              <a:xfrm>
+                <a:off x="1989264" y="3356992"/>
+                <a:ext cx="1714512" cy="1000132"/>
+              </a:xfrm>
+              <a:prstGeom prst="flowChartDecision">
+                <a:avLst/>
+              </a:prstGeom>
+              <a:solidFill>
+                <a:schemeClr val="accent3">
+                  <a:alpha val="50000"/>
+                </a:schemeClr>
+              </a:solidFill>
+              <a:ln>
+                <a:noFill/>
+              </a:ln>
+            </p:spPr>
+            <p:style>
+              <a:lnRef idx="0">
+                <a:scrgbClr r="0" g="0" b="0"/>
+              </a:lnRef>
+              <a:fillRef idx="0">
+                <a:scrgbClr r="0" g="0" b="0"/>
+              </a:fillRef>
+              <a:effectRef idx="0">
+                <a:scrgbClr r="0" g="0" b="0"/>
+              </a:effectRef>
+              <a:fontRef idx="minor">
+                <a:schemeClr val="lt1"/>
+              </a:fontRef>
+            </p:style>
+            <p:txBody>
+              <a:bodyPr rtlCol="0" anchor="ctr"/>
+              <a:lstStyle/>
+              <a:p>
+                <a:pPr algn="ctr"/>
+                <a:r>
+                  <a:rPr lang="pt-BR" dirty="0"/>
+                  <a:t>teste</a:t>
+                </a:r>
+              </a:p>
+            </p:txBody>
+          </p:sp>
+          <p:cxnSp>
+            <p:nvCxnSpPr>
+              <p:cNvPr id="38" name="Conector de Seta Reta 37">
+                <a:extLst>
+                  <a:ext uri="{FF2B5EF4-FFF2-40B4-BE49-F238E27FC236}">
+                    <a16:creationId xmlns:a16="http://schemas.microsoft.com/office/drawing/2014/main" id="{CBBC5CF4-009B-4B92-B920-93BAC5633FC0}"/>
+                  </a:ext>
+                </a:extLst>
+              </p:cNvPr>
+              <p:cNvCxnSpPr>
+                <a:cxnSpLocks/>
+                <a:stCxn id="6" idx="2"/>
+                <a:endCxn id="11" idx="0"/>
+              </p:cNvCxnSpPr>
+              <p:nvPr/>
+            </p:nvCxnSpPr>
+            <p:spPr>
+              <a:xfrm>
+                <a:off x="2846520" y="2492896"/>
+                <a:ext cx="0" cy="864096"/>
+              </a:xfrm>
+              <a:prstGeom prst="straightConnector1">
+                <a:avLst/>
+              </a:prstGeom>
+              <a:ln w="38100">
                 <a:solidFill>
-                  <a:schemeClr val="accent3">
+                  <a:schemeClr val="tx1">
                     <a:lumMod val="75000"/>
                   </a:schemeClr>
                 </a:solidFill>
-                <a:latin typeface="+mj-lt"/>
-              </a:rPr>
-              <a:t>if</a:t>
-            </a:r>
-            <a:r>
-              <a:rPr lang="pt-BR" sz="1600" dirty="0">
-                <a:latin typeface="+mj-lt"/>
-              </a:rPr>
-              <a:t> (teste)</a:t>
-            </a:r>
-          </a:p>
-          <a:p>
-            <a:r>
-              <a:rPr lang="pt-BR" sz="1600" dirty="0">
-                <a:latin typeface="+mj-lt"/>
-              </a:rPr>
-              <a:t>   corpo;</a:t>
-            </a:r>
-          </a:p>
-          <a:p>
-            <a:r>
-              <a:rPr lang="pt-BR" sz="1600" dirty="0">
-                <a:latin typeface="+mj-lt"/>
-              </a:rPr>
-              <a:t>posterior;</a:t>
-            </a:r>
-          </a:p>
-        </p:txBody>
-      </p:sp>
-      <p:sp>
-        <p:nvSpPr>
-          <p:cNvPr id="5" name="Retângulo 4"/>
-          <p:cNvSpPr/>
-          <p:nvPr/>
-        </p:nvSpPr>
-        <p:spPr>
-          <a:xfrm>
-            <a:off x="2952728" y="2500306"/>
-            <a:ext cx="6500858" cy="3143272"/>
-          </a:xfrm>
-          <a:prstGeom prst="rect">
-            <a:avLst/>
-          </a:prstGeom>
-          <a:noFill/>
-          <a:ln>
-            <a:solidFill>
-              <a:schemeClr val="tx1"/>
-            </a:solidFill>
-            <a:prstDash val="dash"/>
-          </a:ln>
-        </p:spPr>
-        <p:style>
-          <a:lnRef idx="2">
-            <a:schemeClr val="accent1">
-              <a:shade val="50000"/>
-            </a:schemeClr>
-          </a:lnRef>
-          <a:fillRef idx="1">
-            <a:schemeClr val="accent1"/>
-          </a:fillRef>
-          <a:effectRef idx="0">
-            <a:schemeClr val="accent1"/>
-          </a:effectRef>
-          <a:fontRef idx="minor">
-            <a:schemeClr val="lt1"/>
-          </a:fontRef>
-        </p:style>
-        <p:txBody>
-          <a:bodyPr rtlCol="0" anchor="ctr"/>
-          <a:lstStyle/>
-          <a:p>
-            <a:pPr algn="ctr"/>
-            <a:endParaRPr lang="pt-BR"/>
-          </a:p>
-        </p:txBody>
-      </p:sp>
-      <p:sp>
-        <p:nvSpPr>
-          <p:cNvPr id="6" name="Retângulo 5"/>
-          <p:cNvSpPr/>
-          <p:nvPr/>
-        </p:nvSpPr>
-        <p:spPr>
-          <a:xfrm>
-            <a:off x="3167042" y="1714488"/>
-            <a:ext cx="1857388" cy="428628"/>
-          </a:xfrm>
-          <a:prstGeom prst="rect">
-            <a:avLst/>
-          </a:prstGeom>
-          <a:solidFill>
-            <a:schemeClr val="bg1">
-              <a:lumMod val="65000"/>
-              <a:lumOff val="35000"/>
-            </a:schemeClr>
-          </a:solidFill>
-          <a:ln>
-            <a:noFill/>
-          </a:ln>
-          <a:effectLst>
-            <a:outerShdw blurRad="107950" dist="12700" dir="5400000" algn="ctr">
-              <a:srgbClr val="000000"/>
-            </a:outerShdw>
-          </a:effectLst>
-          <a:scene3d>
-            <a:camera prst="orthographicFront">
-              <a:rot lat="0" lon="0" rev="0"/>
-            </a:camera>
-            <a:lightRig rig="soft" dir="t">
-              <a:rot lat="0" lon="0" rev="0"/>
-            </a:lightRig>
-          </a:scene3d>
-          <a:sp3d contourW="44450" prstMaterial="matte">
-            <a:bevelT w="63500" h="63500" prst="artDeco"/>
-            <a:contourClr>
-              <a:srgbClr val="FFFFFF"/>
-            </a:contourClr>
-          </a:sp3d>
-        </p:spPr>
-        <p:style>
-          <a:lnRef idx="2">
-            <a:schemeClr val="accent1">
-              <a:shade val="50000"/>
-            </a:schemeClr>
-          </a:lnRef>
-          <a:fillRef idx="1">
-            <a:schemeClr val="accent1"/>
-          </a:fillRef>
-          <a:effectRef idx="0">
-            <a:schemeClr val="accent1"/>
-          </a:effectRef>
-          <a:fontRef idx="minor">
-            <a:schemeClr val="lt1"/>
-          </a:fontRef>
-        </p:style>
-        <p:txBody>
-          <a:bodyPr rtlCol="0" anchor="ctr"/>
-          <a:lstStyle/>
-          <a:p>
-            <a:pPr algn="ctr"/>
-            <a:r>
-              <a:rPr lang="pt-BR" sz="1600" dirty="0">
-                <a:latin typeface="+mj-lt"/>
-              </a:rPr>
-              <a:t>anterior</a:t>
-            </a:r>
-          </a:p>
-        </p:txBody>
-      </p:sp>
-      <p:sp>
-        <p:nvSpPr>
-          <p:cNvPr id="7" name="Retângulo 6"/>
-          <p:cNvSpPr/>
-          <p:nvPr/>
-        </p:nvSpPr>
-        <p:spPr>
-          <a:xfrm>
-            <a:off x="3167042" y="6000768"/>
-            <a:ext cx="1857388" cy="428628"/>
-          </a:xfrm>
-          <a:prstGeom prst="rect">
-            <a:avLst/>
-          </a:prstGeom>
-          <a:solidFill>
-            <a:schemeClr val="bg1">
-              <a:lumMod val="65000"/>
-              <a:lumOff val="35000"/>
-            </a:schemeClr>
-          </a:solidFill>
-          <a:ln>
-            <a:noFill/>
-          </a:ln>
-          <a:effectLst>
-            <a:outerShdw blurRad="107950" dist="12700" dir="5400000" algn="ctr">
-              <a:srgbClr val="000000"/>
-            </a:outerShdw>
-          </a:effectLst>
-          <a:scene3d>
-            <a:camera prst="orthographicFront">
-              <a:rot lat="0" lon="0" rev="0"/>
-            </a:camera>
-            <a:lightRig rig="soft" dir="t">
-              <a:rot lat="0" lon="0" rev="0"/>
-            </a:lightRig>
-          </a:scene3d>
-          <a:sp3d contourW="44450" prstMaterial="matte">
-            <a:bevelT w="63500" h="63500" prst="artDeco"/>
-            <a:contourClr>
-              <a:srgbClr val="FFFFFF"/>
-            </a:contourClr>
-          </a:sp3d>
-        </p:spPr>
-        <p:style>
-          <a:lnRef idx="2">
-            <a:schemeClr val="accent1">
-              <a:shade val="50000"/>
-            </a:schemeClr>
-          </a:lnRef>
-          <a:fillRef idx="1">
-            <a:schemeClr val="accent1"/>
-          </a:fillRef>
-          <a:effectRef idx="0">
-            <a:schemeClr val="accent1"/>
-          </a:effectRef>
-          <a:fontRef idx="minor">
-            <a:schemeClr val="lt1"/>
-          </a:fontRef>
-        </p:style>
-        <p:txBody>
-          <a:bodyPr rtlCol="0" anchor="ctr"/>
-          <a:lstStyle/>
-          <a:p>
-            <a:pPr algn="ctr"/>
-            <a:r>
-              <a:rPr lang="pt-BR" sz="1600" dirty="0">
-                <a:latin typeface="+mj-lt"/>
-              </a:rPr>
-              <a:t>posterior</a:t>
-            </a:r>
-          </a:p>
-        </p:txBody>
-      </p:sp>
-      <p:sp>
-        <p:nvSpPr>
-          <p:cNvPr id="10" name="Retângulo 9"/>
-          <p:cNvSpPr/>
-          <p:nvPr/>
-        </p:nvSpPr>
-        <p:spPr>
-          <a:xfrm>
-            <a:off x="7024694" y="3497018"/>
-            <a:ext cx="1857388" cy="428628"/>
-          </a:xfrm>
-          <a:prstGeom prst="rect">
-            <a:avLst/>
-          </a:prstGeom>
-          <a:solidFill>
-            <a:schemeClr val="accent3">
-              <a:lumMod val="75000"/>
-            </a:schemeClr>
-          </a:solidFill>
-          <a:ln>
-            <a:noFill/>
-          </a:ln>
-          <a:effectLst>
-            <a:outerShdw blurRad="107950" dist="12700" dir="5400000" algn="ctr">
-              <a:srgbClr val="000000"/>
-            </a:outerShdw>
-          </a:effectLst>
-          <a:scene3d>
-            <a:camera prst="orthographicFront">
-              <a:rot lat="0" lon="0" rev="0"/>
-            </a:camera>
-            <a:lightRig rig="soft" dir="t">
-              <a:rot lat="0" lon="0" rev="0"/>
-            </a:lightRig>
-          </a:scene3d>
-          <a:sp3d contourW="44450" prstMaterial="matte">
-            <a:bevelT w="63500" h="63500" prst="artDeco"/>
-            <a:contourClr>
-              <a:srgbClr val="FFFFFF"/>
-            </a:contourClr>
-          </a:sp3d>
-        </p:spPr>
-        <p:style>
-          <a:lnRef idx="2">
-            <a:schemeClr val="accent1">
-              <a:shade val="50000"/>
-            </a:schemeClr>
-          </a:lnRef>
-          <a:fillRef idx="1">
-            <a:schemeClr val="accent1"/>
-          </a:fillRef>
-          <a:effectRef idx="0">
-            <a:schemeClr val="accent1"/>
-          </a:effectRef>
-          <a:fontRef idx="minor">
-            <a:schemeClr val="lt1"/>
-          </a:fontRef>
-        </p:style>
-        <p:txBody>
-          <a:bodyPr rtlCol="0" anchor="ctr"/>
-          <a:lstStyle/>
-          <a:p>
-            <a:pPr algn="ctr"/>
-            <a:r>
-              <a:rPr lang="pt-BR" sz="1600" dirty="0">
-                <a:latin typeface="+mj-lt"/>
-              </a:rPr>
-              <a:t>corpo</a:t>
-            </a:r>
-          </a:p>
-        </p:txBody>
-      </p:sp>
-      <p:sp>
-        <p:nvSpPr>
-          <p:cNvPr id="11" name="Fluxograma: Decisão 10"/>
-          <p:cNvSpPr/>
-          <p:nvPr/>
-        </p:nvSpPr>
-        <p:spPr>
-          <a:xfrm>
-            <a:off x="3238480" y="2996952"/>
-            <a:ext cx="1714512" cy="1428760"/>
-          </a:xfrm>
-          <a:prstGeom prst="flowChartDecision">
-            <a:avLst/>
-          </a:prstGeom>
-          <a:solidFill>
-            <a:schemeClr val="accent3">
-              <a:lumMod val="75000"/>
-            </a:schemeClr>
-          </a:solidFill>
-          <a:ln>
-            <a:noFill/>
-          </a:ln>
-          <a:effectLst>
-            <a:outerShdw blurRad="107950" dist="12700" dir="5400000" algn="ctr">
-              <a:srgbClr val="000000"/>
-            </a:outerShdw>
-          </a:effectLst>
-          <a:scene3d>
-            <a:camera prst="orthographicFront">
-              <a:rot lat="0" lon="0" rev="0"/>
-            </a:camera>
-            <a:lightRig rig="soft" dir="t">
-              <a:rot lat="0" lon="0" rev="0"/>
-            </a:lightRig>
-          </a:scene3d>
-          <a:sp3d contourW="44450" prstMaterial="matte">
-            <a:bevelT w="63500" h="63500" prst="artDeco"/>
-            <a:contourClr>
-              <a:srgbClr val="FFFFFF"/>
-            </a:contourClr>
-          </a:sp3d>
-        </p:spPr>
-        <p:style>
-          <a:lnRef idx="2">
-            <a:schemeClr val="accent1">
-              <a:shade val="50000"/>
-            </a:schemeClr>
-          </a:lnRef>
-          <a:fillRef idx="1">
-            <a:schemeClr val="accent1"/>
-          </a:fillRef>
-          <a:effectRef idx="0">
-            <a:schemeClr val="accent1"/>
-          </a:effectRef>
-          <a:fontRef idx="minor">
-            <a:schemeClr val="lt1"/>
-          </a:fontRef>
-        </p:style>
-        <p:txBody>
-          <a:bodyPr rtlCol="0" anchor="ctr"/>
-          <a:lstStyle/>
-          <a:p>
-            <a:pPr algn="ctr"/>
-            <a:r>
-              <a:rPr lang="pt-BR" dirty="0"/>
-              <a:t>teste</a:t>
-            </a:r>
-          </a:p>
-        </p:txBody>
-      </p:sp>
-      <p:cxnSp>
-        <p:nvCxnSpPr>
-          <p:cNvPr id="13" name="Conector de seta reta 12"/>
-          <p:cNvCxnSpPr>
-            <a:stCxn id="6" idx="2"/>
-            <a:endCxn id="11" idx="0"/>
-          </p:cNvCxnSpPr>
-          <p:nvPr/>
-        </p:nvCxnSpPr>
-        <p:spPr>
-          <a:xfrm>
-            <a:off x="4095736" y="2143116"/>
-            <a:ext cx="0" cy="853836"/>
-          </a:xfrm>
-          <a:prstGeom prst="straightConnector1">
-            <a:avLst/>
-          </a:prstGeom>
-          <a:ln w="25400">
-            <a:solidFill>
-              <a:schemeClr val="tx1"/>
-            </a:solidFill>
-            <a:tailEnd type="triangle" w="med" len="lg"/>
-          </a:ln>
-        </p:spPr>
-        <p:style>
-          <a:lnRef idx="1">
-            <a:schemeClr val="accent1"/>
-          </a:lnRef>
-          <a:fillRef idx="0">
-            <a:schemeClr val="accent1"/>
-          </a:fillRef>
-          <a:effectRef idx="0">
-            <a:schemeClr val="accent1"/>
-          </a:effectRef>
-          <a:fontRef idx="minor">
-            <a:schemeClr val="tx1"/>
-          </a:fontRef>
-        </p:style>
-      </p:cxnSp>
-      <p:cxnSp>
-        <p:nvCxnSpPr>
-          <p:cNvPr id="17" name="Conector de seta reta 16"/>
-          <p:cNvCxnSpPr>
-            <a:stCxn id="11" idx="2"/>
-            <a:endCxn id="7" idx="0"/>
-          </p:cNvCxnSpPr>
-          <p:nvPr/>
-        </p:nvCxnSpPr>
-        <p:spPr>
-          <a:xfrm>
-            <a:off x="4095736" y="4425712"/>
-            <a:ext cx="0" cy="1575056"/>
-          </a:xfrm>
-          <a:prstGeom prst="straightConnector1">
-            <a:avLst/>
-          </a:prstGeom>
-          <a:ln w="25400">
-            <a:solidFill>
-              <a:schemeClr val="tx1"/>
-            </a:solidFill>
-            <a:tailEnd type="triangle" w="med" len="lg"/>
-          </a:ln>
-        </p:spPr>
-        <p:style>
-          <a:lnRef idx="1">
-            <a:schemeClr val="accent1"/>
-          </a:lnRef>
-          <a:fillRef idx="0">
-            <a:schemeClr val="accent1"/>
-          </a:fillRef>
-          <a:effectRef idx="0">
-            <a:schemeClr val="accent1"/>
-          </a:effectRef>
-          <a:fontRef idx="minor">
-            <a:schemeClr val="tx1"/>
-          </a:fontRef>
-        </p:style>
-      </p:cxnSp>
-      <p:cxnSp>
-        <p:nvCxnSpPr>
-          <p:cNvPr id="20" name="Conector de seta reta 19"/>
-          <p:cNvCxnSpPr>
-            <a:stCxn id="11" idx="3"/>
-            <a:endCxn id="10" idx="1"/>
-          </p:cNvCxnSpPr>
-          <p:nvPr/>
-        </p:nvCxnSpPr>
-        <p:spPr>
-          <a:xfrm>
-            <a:off x="4952992" y="3711332"/>
-            <a:ext cx="2071702" cy="1588"/>
-          </a:xfrm>
-          <a:prstGeom prst="straightConnector1">
-            <a:avLst/>
-          </a:prstGeom>
-          <a:ln w="25400">
-            <a:solidFill>
-              <a:schemeClr val="tx1"/>
-            </a:solidFill>
-            <a:tailEnd type="triangle" w="med" len="lg"/>
-          </a:ln>
-        </p:spPr>
-        <p:style>
-          <a:lnRef idx="1">
-            <a:schemeClr val="accent1"/>
-          </a:lnRef>
-          <a:fillRef idx="0">
-            <a:schemeClr val="accent1"/>
-          </a:fillRef>
-          <a:effectRef idx="0">
-            <a:schemeClr val="accent1"/>
-          </a:effectRef>
-          <a:fontRef idx="minor">
-            <a:schemeClr val="tx1"/>
-          </a:fontRef>
-        </p:style>
-      </p:cxnSp>
-      <p:sp>
-        <p:nvSpPr>
-          <p:cNvPr id="31" name="CaixaDeTexto 30"/>
-          <p:cNvSpPr txBox="1"/>
-          <p:nvPr/>
-        </p:nvSpPr>
-        <p:spPr>
-          <a:xfrm>
-            <a:off x="9042436" y="2123564"/>
-            <a:ext cx="437940" cy="369332"/>
-          </a:xfrm>
-          <a:prstGeom prst="rect">
-            <a:avLst/>
-          </a:prstGeom>
-          <a:noFill/>
-        </p:spPr>
-        <p:txBody>
-          <a:bodyPr wrap="none" rtlCol="0">
-            <a:spAutoFit/>
-          </a:bodyPr>
-          <a:lstStyle/>
-          <a:p>
-            <a:r>
-              <a:rPr lang="pt-BR" dirty="0" err="1">
-                <a:latin typeface="+mj-lt"/>
-              </a:rPr>
-              <a:t>if</a:t>
-            </a:r>
-            <a:endParaRPr lang="pt-BR" dirty="0">
-              <a:latin typeface="+mj-lt"/>
-            </a:endParaRPr>
-          </a:p>
-        </p:txBody>
-      </p:sp>
-      <p:sp>
-        <p:nvSpPr>
-          <p:cNvPr id="32" name="CaixaDeTexto 31"/>
-          <p:cNvSpPr txBox="1"/>
-          <p:nvPr/>
-        </p:nvSpPr>
-        <p:spPr>
-          <a:xfrm>
-            <a:off x="3257531" y="4591883"/>
-            <a:ext cx="817853" cy="369332"/>
-          </a:xfrm>
-          <a:prstGeom prst="rect">
-            <a:avLst/>
-          </a:prstGeom>
-          <a:noFill/>
-        </p:spPr>
-        <p:txBody>
-          <a:bodyPr wrap="none" rtlCol="0">
-            <a:spAutoFit/>
-          </a:bodyPr>
-          <a:lstStyle/>
-          <a:p>
-            <a:r>
-              <a:rPr lang="pt-BR" dirty="0">
-                <a:latin typeface="+mj-lt"/>
-              </a:rPr>
-              <a:t>falso</a:t>
-            </a:r>
-          </a:p>
-        </p:txBody>
-      </p:sp>
-      <p:sp>
-        <p:nvSpPr>
-          <p:cNvPr id="33" name="CaixaDeTexto 32"/>
-          <p:cNvSpPr txBox="1"/>
-          <p:nvPr/>
-        </p:nvSpPr>
-        <p:spPr>
-          <a:xfrm>
-            <a:off x="5167306" y="3282704"/>
-            <a:ext cx="1451038" cy="369332"/>
-          </a:xfrm>
-          <a:prstGeom prst="rect">
-            <a:avLst/>
-          </a:prstGeom>
-          <a:noFill/>
-        </p:spPr>
-        <p:txBody>
-          <a:bodyPr wrap="none" rtlCol="0">
-            <a:spAutoFit/>
-          </a:bodyPr>
-          <a:lstStyle/>
-          <a:p>
-            <a:r>
-              <a:rPr lang="pt-BR" dirty="0">
-                <a:latin typeface="+mj-lt"/>
-              </a:rPr>
-              <a:t>verdadeiro</a:t>
-            </a:r>
-          </a:p>
-        </p:txBody>
-      </p:sp>
-      <p:cxnSp>
-        <p:nvCxnSpPr>
-          <p:cNvPr id="34" name="Conector angulado 33"/>
-          <p:cNvCxnSpPr>
-            <a:cxnSpLocks/>
-            <a:stCxn id="10" idx="2"/>
-          </p:cNvCxnSpPr>
-          <p:nvPr/>
-        </p:nvCxnSpPr>
-        <p:spPr>
-          <a:xfrm rot="5400000">
-            <a:off x="5310182" y="2711200"/>
-            <a:ext cx="1428760" cy="3857652"/>
-          </a:xfrm>
-          <a:prstGeom prst="bentConnector2">
-            <a:avLst/>
-          </a:prstGeom>
-          <a:ln w="25400">
-            <a:solidFill>
-              <a:schemeClr val="tx1"/>
-            </a:solidFill>
-            <a:tailEnd type="triangle" w="med" len="lg"/>
-          </a:ln>
-        </p:spPr>
-        <p:style>
-          <a:lnRef idx="1">
-            <a:schemeClr val="accent1"/>
-          </a:lnRef>
-          <a:fillRef idx="0">
-            <a:schemeClr val="accent1"/>
-          </a:fillRef>
-          <a:effectRef idx="0">
-            <a:schemeClr val="accent1"/>
-          </a:effectRef>
-          <a:fontRef idx="minor">
-            <a:schemeClr val="tx1"/>
-          </a:fontRef>
-        </p:style>
-      </p:cxnSp>
+                <a:tailEnd type="triangle"/>
+              </a:ln>
+            </p:spPr>
+            <p:style>
+              <a:lnRef idx="1">
+                <a:schemeClr val="accent1"/>
+              </a:lnRef>
+              <a:fillRef idx="0">
+                <a:schemeClr val="accent1"/>
+              </a:fillRef>
+              <a:effectRef idx="0">
+                <a:schemeClr val="accent1"/>
+              </a:effectRef>
+              <a:fontRef idx="minor">
+                <a:schemeClr val="tx1"/>
+              </a:fontRef>
+            </p:style>
+          </p:cxnSp>
+          <p:cxnSp>
+            <p:nvCxnSpPr>
+              <p:cNvPr id="40" name="Conector de Seta Reta 39">
+                <a:extLst>
+                  <a:ext uri="{FF2B5EF4-FFF2-40B4-BE49-F238E27FC236}">
+                    <a16:creationId xmlns:a16="http://schemas.microsoft.com/office/drawing/2014/main" id="{DF417F28-CE15-4A1C-AB1F-D153B8F4F7E1}"/>
+                  </a:ext>
+                </a:extLst>
+              </p:cNvPr>
+              <p:cNvCxnSpPr>
+                <a:cxnSpLocks/>
+                <a:stCxn id="11" idx="2"/>
+                <a:endCxn id="7" idx="0"/>
+              </p:cNvCxnSpPr>
+              <p:nvPr/>
+            </p:nvCxnSpPr>
+            <p:spPr>
+              <a:xfrm>
+                <a:off x="2846520" y="4357124"/>
+                <a:ext cx="0" cy="1304124"/>
+              </a:xfrm>
+              <a:prstGeom prst="straightConnector1">
+                <a:avLst/>
+              </a:prstGeom>
+              <a:ln w="38100">
+                <a:solidFill>
+                  <a:schemeClr val="tx1">
+                    <a:lumMod val="75000"/>
+                  </a:schemeClr>
+                </a:solidFill>
+                <a:tailEnd type="triangle"/>
+              </a:ln>
+            </p:spPr>
+            <p:style>
+              <a:lnRef idx="1">
+                <a:schemeClr val="accent1"/>
+              </a:lnRef>
+              <a:fillRef idx="0">
+                <a:schemeClr val="accent1"/>
+              </a:fillRef>
+              <a:effectRef idx="0">
+                <a:schemeClr val="accent1"/>
+              </a:effectRef>
+              <a:fontRef idx="minor">
+                <a:schemeClr val="tx1"/>
+              </a:fontRef>
+            </p:style>
+          </p:cxnSp>
+          <p:cxnSp>
+            <p:nvCxnSpPr>
+              <p:cNvPr id="43" name="Conector de Seta Reta 42">
+                <a:extLst>
+                  <a:ext uri="{FF2B5EF4-FFF2-40B4-BE49-F238E27FC236}">
+                    <a16:creationId xmlns:a16="http://schemas.microsoft.com/office/drawing/2014/main" id="{5F0EB21A-224F-4A0D-85F3-3062DFAEE4AB}"/>
+                  </a:ext>
+                </a:extLst>
+              </p:cNvPr>
+              <p:cNvCxnSpPr>
+                <a:cxnSpLocks/>
+                <a:stCxn id="11" idx="3"/>
+                <a:endCxn id="10" idx="1"/>
+              </p:cNvCxnSpPr>
+              <p:nvPr/>
+            </p:nvCxnSpPr>
+            <p:spPr>
+              <a:xfrm>
+                <a:off x="3703776" y="3857058"/>
+                <a:ext cx="1240096" cy="0"/>
+              </a:xfrm>
+              <a:prstGeom prst="straightConnector1">
+                <a:avLst/>
+              </a:prstGeom>
+              <a:ln w="38100">
+                <a:solidFill>
+                  <a:schemeClr val="tx1">
+                    <a:lumMod val="75000"/>
+                  </a:schemeClr>
+                </a:solidFill>
+                <a:tailEnd type="triangle"/>
+              </a:ln>
+            </p:spPr>
+            <p:style>
+              <a:lnRef idx="1">
+                <a:schemeClr val="accent1"/>
+              </a:lnRef>
+              <a:fillRef idx="0">
+                <a:schemeClr val="accent1"/>
+              </a:fillRef>
+              <a:effectRef idx="0">
+                <a:schemeClr val="accent1"/>
+              </a:effectRef>
+              <a:fontRef idx="minor">
+                <a:schemeClr val="tx1"/>
+              </a:fontRef>
+            </p:style>
+          </p:cxnSp>
+          <p:sp>
+            <p:nvSpPr>
+              <p:cNvPr id="5" name="Retângulo 4"/>
+              <p:cNvSpPr/>
+              <p:nvPr/>
+            </p:nvSpPr>
+            <p:spPr>
+              <a:xfrm>
+                <a:off x="1703512" y="2928934"/>
+                <a:ext cx="5328583" cy="2375694"/>
+              </a:xfrm>
+              <a:prstGeom prst="rect">
+                <a:avLst/>
+              </a:prstGeom>
+              <a:noFill/>
+              <a:ln>
+                <a:solidFill>
+                  <a:schemeClr val="tx1"/>
+                </a:solidFill>
+                <a:prstDash val="dash"/>
+              </a:ln>
+            </p:spPr>
+            <p:style>
+              <a:lnRef idx="2">
+                <a:schemeClr val="accent1">
+                  <a:shade val="50000"/>
+                </a:schemeClr>
+              </a:lnRef>
+              <a:fillRef idx="1">
+                <a:schemeClr val="accent1"/>
+              </a:fillRef>
+              <a:effectRef idx="0">
+                <a:schemeClr val="accent1"/>
+              </a:effectRef>
+              <a:fontRef idx="minor">
+                <a:schemeClr val="lt1"/>
+              </a:fontRef>
+            </p:style>
+            <p:txBody>
+              <a:bodyPr rtlCol="0" anchor="ctr"/>
+              <a:lstStyle/>
+              <a:p>
+                <a:pPr algn="ctr"/>
+                <a:endParaRPr lang="pt-BR"/>
+              </a:p>
+            </p:txBody>
+          </p:sp>
+          <p:cxnSp>
+            <p:nvCxnSpPr>
+              <p:cNvPr id="13" name="Conector: Angulado 12">
+                <a:extLst>
+                  <a:ext uri="{FF2B5EF4-FFF2-40B4-BE49-F238E27FC236}">
+                    <a16:creationId xmlns:a16="http://schemas.microsoft.com/office/drawing/2014/main" id="{A01520B6-FF28-40CB-96C9-278E7B034C58}"/>
+                  </a:ext>
+                </a:extLst>
+              </p:cNvPr>
+              <p:cNvCxnSpPr>
+                <a:cxnSpLocks/>
+                <a:stCxn id="10" idx="2"/>
+              </p:cNvCxnSpPr>
+              <p:nvPr/>
+            </p:nvCxnSpPr>
+            <p:spPr>
+              <a:xfrm rot="5400000">
+                <a:off x="3911345" y="3015667"/>
+                <a:ext cx="905516" cy="3016926"/>
+              </a:xfrm>
+              <a:prstGeom prst="bentConnector2">
+                <a:avLst/>
+              </a:prstGeom>
+              <a:ln w="38100">
+                <a:solidFill>
+                  <a:schemeClr val="tx1">
+                    <a:lumMod val="75000"/>
+                  </a:schemeClr>
+                </a:solidFill>
+                <a:tailEnd type="triangle"/>
+              </a:ln>
+            </p:spPr>
+            <p:style>
+              <a:lnRef idx="1">
+                <a:schemeClr val="accent1"/>
+              </a:lnRef>
+              <a:fillRef idx="0">
+                <a:schemeClr val="accent1"/>
+              </a:fillRef>
+              <a:effectRef idx="0">
+                <a:schemeClr val="accent1"/>
+              </a:effectRef>
+              <a:fontRef idx="minor">
+                <a:schemeClr val="tx1"/>
+              </a:fontRef>
+            </p:style>
+          </p:cxnSp>
+        </p:grpSp>
+      </p:grpSp>
     </p:spTree>
   </p:cSld>
   <p:clrMapOvr>
@@ -18166,7 +21384,21 @@
           <a:p>
             <a:r>
               <a:rPr lang="pt-BR" dirty="0"/>
-              <a:t>O teste é freqüentemente uma </a:t>
+              <a:t>O </a:t>
+            </a:r>
+            <a:r>
+              <a:rPr lang="pt-BR" dirty="0">
+                <a:solidFill>
+                  <a:schemeClr val="accent3">
+                    <a:lumMod val="75000"/>
+                  </a:schemeClr>
+                </a:solidFill>
+              </a:rPr>
+              <a:t>teste</a:t>
+            </a:r>
+            <a:r>
+              <a:rPr lang="pt-BR" dirty="0"/>
+              <a:t> é freqüentemente uma </a:t>
             </a:r>
             <a:r>
               <a:rPr lang="pt-BR" dirty="0">
@@ -18278,7 +21510,14 @@
             </a:r>
             <a:r>
               <a:rPr lang="pt-BR" dirty="0"/>
-              <a:t>a instrução (ou bloco de instruções) é simplesmente saltada</a:t>
+              <a:t>a instrução (ou bloco de instruções) </a:t>
+            </a:r>
+            <a:br>
+              <a:rPr lang="pt-BR" dirty="0"/>
+            </a:br>
+            <a:r>
+              <a:rPr lang="pt-BR" dirty="0"/>
+              <a:t>é simplesmente saltada</a:t>
             </a:r>
           </a:p>
         </p:txBody>
@@ -18538,9 +21777,40 @@
           <a:p>
             <a:r>
               <a:rPr lang="pt-BR" sz="1600" dirty="0">
-                <a:latin typeface="+mj-lt"/>
-              </a:rPr>
-              <a:t>     </a:t>
+                <a:solidFill>
+                  <a:schemeClr val="accent3">
+                    <a:lumMod val="75000"/>
+                  </a:schemeClr>
+                </a:solidFill>
+                <a:latin typeface="+mj-lt"/>
+              </a:rPr>
+              <a:t>    char</a:t>
+            </a:r>
+            <a:r>
+              <a:rPr lang="pt-BR" sz="1600" dirty="0">
+                <a:latin typeface="+mj-lt"/>
+              </a:rPr>
+              <a:t> </a:t>
+            </a:r>
+            <a:r>
+              <a:rPr lang="pt-BR" sz="1600" dirty="0" err="1">
+                <a:latin typeface="+mj-lt"/>
+              </a:rPr>
+              <a:t>ch</a:t>
+            </a:r>
+            <a:r>
+              <a:rPr lang="pt-BR" sz="1600" dirty="0">
+                <a:latin typeface="+mj-lt"/>
+              </a:rPr>
+              <a:t>;</a:t>
+            </a:r>
+          </a:p>
+          <a:p>
+            <a:r>
+              <a:rPr lang="pt-BR" sz="1600" dirty="0">
+                <a:latin typeface="+mj-lt"/>
+              </a:rPr>
+              <a:t>    </a:t>
             </a:r>
             <a:r>
               <a:rPr lang="pt-BR" sz="1600" dirty="0" err="1">
@@ -18551,7 +21821,7 @@
                 </a:solidFill>
                 <a:latin typeface="+mj-lt"/>
               </a:rPr>
-              <a:t>char</a:t>
+              <a:t>int</a:t>
             </a:r>
             <a:r>
               <a:rPr lang="pt-BR" sz="1600" dirty="0">
@@ -18563,13 +21833,13 @@
               <a:rPr lang="pt-BR" sz="1600" dirty="0" err="1">
                 <a:latin typeface="+mj-lt"/>
               </a:rPr>
-              <a:t>ch</a:t>
+              <a:t>espacos</a:t>
             </a:r>
             <a:r>
               <a:rPr lang="pt-BR" sz="1600" dirty="0">
                 <a:latin typeface="+mj-lt"/>
               </a:rPr>
-              <a:t>;</a:t>
+              <a:t> = 0;</a:t>
             </a:r>
           </a:p>
           <a:p>
@@ -18577,7 +21847,7 @@
               <a:rPr lang="pt-BR" sz="1600" dirty="0">
                 <a:latin typeface="+mj-lt"/>
               </a:rPr>
-              <a:t>     </a:t>
+              <a:t>    </a:t>
             </a:r>
             <a:r>
               <a:rPr lang="pt-BR" sz="1600" dirty="0" err="1">
@@ -18594,43 +21864,6 @@
               <a:rPr lang="pt-BR" sz="1600" dirty="0">
                 <a:latin typeface="+mj-lt"/>
               </a:rPr>
-              <a:t> </a:t>
-            </a:r>
-            <a:r>
-              <a:rPr lang="pt-BR" sz="1600" dirty="0" err="1">
-                <a:latin typeface="+mj-lt"/>
-              </a:rPr>
-              <a:t>espacos</a:t>
-            </a:r>
-            <a:r>
-              <a:rPr lang="pt-BR" sz="1600" dirty="0">
-                <a:latin typeface="+mj-lt"/>
-              </a:rPr>
-              <a:t> = 0;</a:t>
-            </a:r>
-          </a:p>
-          <a:p>
-            <a:r>
-              <a:rPr lang="pt-BR" sz="1600" dirty="0">
-                <a:latin typeface="+mj-lt"/>
-              </a:rPr>
-              <a:t>     </a:t>
-            </a:r>
-            <a:r>
-              <a:rPr lang="pt-BR" sz="1600" dirty="0" err="1">
-                <a:solidFill>
-                  <a:schemeClr val="accent3">
-                    <a:lumMod val="75000"/>
-                  </a:schemeClr>
-                </a:solidFill>
-                <a:latin typeface="+mj-lt"/>
-              </a:rPr>
-              <a:t>int</a:t>
-            </a:r>
-            <a:r>
-              <a:rPr lang="pt-BR" sz="1600" dirty="0">
-                <a:latin typeface="+mj-lt"/>
-              </a:rPr>
               <a:t> total = 0;</a:t>
             </a:r>
           </a:p>
@@ -18644,7 +21877,7 @@
               <a:rPr lang="pt-BR" sz="1600" dirty="0">
                 <a:latin typeface="+mj-lt"/>
               </a:rPr>
-              <a:t>     </a:t>
+              <a:t>    </a:t>
             </a:r>
             <a:r>
               <a:rPr lang="pt-BR" sz="1600" dirty="0" err="1">
@@ -18676,10 +21909,10 @@
               <a:rPr lang="pt-BR" sz="1600" dirty="0">
                 <a:latin typeface="+mj-lt"/>
               </a:rPr>
-              <a:t>     </a:t>
-            </a:r>
-            <a:r>
-              <a:rPr lang="pt-BR" sz="1600" dirty="0">
+              <a:t>    </a:t>
+            </a:r>
+            <a:r>
+              <a:rPr lang="pt-BR" sz="1600" dirty="0" err="1">
                 <a:solidFill>
                   <a:schemeClr val="accent3">
                     <a:lumMod val="75000"/>
@@ -18717,13 +21950,13 @@
                 </a:solidFill>
                 <a:latin typeface="+mj-lt"/>
               </a:rPr>
-              <a:t>'.'</a:t>
+              <a:t>'.’</a:t>
             </a:r>
             <a:r>
               <a:rPr lang="pt-BR" sz="1600" dirty="0">
                 <a:latin typeface="+mj-lt"/>
               </a:rPr>
-              <a:t>)  </a:t>
+              <a:t>)   </a:t>
             </a:r>
             <a:r>
               <a:rPr lang="pt-BR" sz="1600" dirty="0">
@@ -18747,7 +21980,7 @@
                 </a:solidFill>
                 <a:latin typeface="+mj-lt"/>
               </a:rPr>
-              <a:t>     </a:t>
+              <a:t>    </a:t>
             </a:r>
             <a:r>
               <a:rPr lang="pt-BR" sz="1600" dirty="0">
@@ -18849,27 +22082,15 @@
               <a:rPr lang="pt-BR" sz="1600" dirty="0">
                 <a:latin typeface="+mj-lt"/>
               </a:rPr>
-              <a:t>           ++</a:t>
-            </a:r>
-            <a:r>
-              <a:rPr lang="pt-BR" sz="1600" dirty="0" err="1">
-                <a:latin typeface="+mj-lt"/>
-              </a:rPr>
-              <a:t>espacos</a:t>
-            </a:r>
+              <a:t>	    espaços++;</a:t>
+            </a:r>
+          </a:p>
+          <a:p>
             <a:r>
               <a:rPr lang="pt-BR" sz="1600" dirty="0">
                 <a:latin typeface="+mj-lt"/>
               </a:rPr>
-              <a:t>;</a:t>
-            </a:r>
-          </a:p>
-          <a:p>
-            <a:r>
-              <a:rPr lang="pt-BR" sz="1600" dirty="0">
-                <a:latin typeface="+mj-lt"/>
-              </a:rPr>
-              <a:t>        ++total;        </a:t>
+              <a:t>        total++;        </a:t>
             </a:r>
             <a:r>
               <a:rPr lang="pt-BR" sz="1600" dirty="0">
@@ -18920,7 +22141,7 @@
               <a:rPr lang="pt-BR" sz="1600" dirty="0">
                 <a:latin typeface="+mj-lt"/>
               </a:rPr>
-              <a:t>     }</a:t>
+              <a:t>    }</a:t>
             </a:r>
           </a:p>
           <a:p>
@@ -18928,7 +22149,7 @@
               <a:rPr lang="pt-BR" sz="1600" dirty="0">
                 <a:latin typeface="+mj-lt"/>
               </a:rPr>
-              <a:t>     cout &lt;&lt; </a:t>
+              <a:t>    cout &lt;&lt; </a:t>
             </a:r>
             <a:r>
               <a:rPr lang="pt-BR" sz="1600" dirty="0" err="1">
@@ -18985,6 +22206,48 @@
                 <a:latin typeface="+mj-lt"/>
               </a:rPr>
               <a:t>}</a:t>
+            </a:r>
+          </a:p>
+        </p:txBody>
+      </p:sp>
+      <p:sp>
+        <p:nvSpPr>
+          <p:cNvPr id="5" name="CaixaDeTexto 4">
+            <a:extLst>
+              <a:ext uri="{FF2B5EF4-FFF2-40B4-BE49-F238E27FC236}">
+                <a16:creationId xmlns:a16="http://schemas.microsoft.com/office/drawing/2014/main" id="{3138091B-E1A6-4793-8341-3D9024AB1F5A}"/>
+              </a:ext>
+            </a:extLst>
+          </p:cNvPr>
+          <p:cNvSpPr txBox="1"/>
+          <p:nvPr/>
+        </p:nvSpPr>
+        <p:spPr>
+          <a:xfrm rot="16200000">
+            <a:off x="-714272" y="5774776"/>
+            <a:ext cx="1800200" cy="276999"/>
+          </a:xfrm>
+          <a:prstGeom prst="rect">
+            <a:avLst/>
+          </a:prstGeom>
+          <a:noFill/>
+        </p:spPr>
+        <p:txBody>
+          <a:bodyPr wrap="square" rtlCol="0">
+            <a:spAutoFit/>
+          </a:bodyPr>
+          <a:lstStyle/>
+          <a:p>
+            <a:r>
+              <a:rPr lang="pt-BR" sz="1200" dirty="0">
+                <a:solidFill>
+                  <a:schemeClr val="bg2">
+                    <a:lumMod val="50000"/>
+                  </a:schemeClr>
+                </a:solidFill>
+                <a:latin typeface="+mj-lt"/>
+              </a:rPr>
+              <a:t>// Espaços.cpp</a:t>
             </a:r>
           </a:p>
         </p:txBody>
@@ -19081,58 +22344,6 @@
               </a:solidFill>
             </a:endParaRPr>
           </a:p>
-          <a:p>
-            <a:r>
-              <a:rPr lang="pt-BR" dirty="0">
-                <a:solidFill>
-                  <a:schemeClr val="accent3">
-                    <a:lumMod val="75000"/>
-                  </a:schemeClr>
-                </a:solidFill>
-              </a:rPr>
-              <a:t>++</a:t>
-            </a:r>
-            <a:r>
-              <a:rPr lang="pt-BR" dirty="0" err="1">
-                <a:solidFill>
-                  <a:schemeClr val="accent3">
-                    <a:lumMod val="75000"/>
-                  </a:schemeClr>
-                </a:solidFill>
-              </a:rPr>
-              <a:t>espacos</a:t>
-            </a:r>
-            <a:r>
-              <a:rPr lang="pt-BR" dirty="0">
-                <a:solidFill>
-                  <a:schemeClr val="accent3">
-                    <a:lumMod val="75000"/>
-                  </a:schemeClr>
-                </a:solidFill>
-              </a:rPr>
-              <a:t> </a:t>
-            </a:r>
-            <a:r>
-              <a:rPr lang="pt-BR" dirty="0"/>
-              <a:t>é executado apenas quando o caractere é espaço</a:t>
-            </a:r>
-          </a:p>
-          <a:p>
-            <a:r>
-              <a:rPr lang="pt-BR" dirty="0">
-                <a:solidFill>
-                  <a:schemeClr val="accent3">
-                    <a:lumMod val="75000"/>
-                  </a:schemeClr>
-                </a:solidFill>
-              </a:rPr>
-              <a:t>++total </a:t>
-            </a:r>
-            <a:r>
-              <a:rPr lang="pt-BR" dirty="0"/>
-              <a:t>é executado para cada repetição do laço while</a:t>
-            </a:r>
-          </a:p>
         </p:txBody>
       </p:sp>
       <p:sp>
@@ -19208,6 +22419,231 @@
           </a:p>
         </p:txBody>
       </p:sp>
+      <p:graphicFrame>
+        <p:nvGraphicFramePr>
+          <p:cNvPr id="5" name="Tabela 5">
+            <a:extLst>
+              <a:ext uri="{FF2B5EF4-FFF2-40B4-BE49-F238E27FC236}">
+                <a16:creationId xmlns:a16="http://schemas.microsoft.com/office/drawing/2014/main" id="{90D22D39-AE18-4DAA-B6FA-C3BB9AF3A938}"/>
+              </a:ext>
+            </a:extLst>
+          </p:cNvPr>
+          <p:cNvGraphicFramePr>
+            <a:graphicFrameLocks noGrp="1"/>
+          </p:cNvGraphicFramePr>
+          <p:nvPr>
+            <p:extLst>
+              <p:ext uri="{D42A27DB-BD31-4B8C-83A1-F6EECF244321}">
+                <p14:modId xmlns:p14="http://schemas.microsoft.com/office/powerpoint/2010/main" val="240073062"/>
+              </p:ext>
+            </p:extLst>
+          </p:nvPr>
+        </p:nvGraphicFramePr>
+        <p:xfrm>
+          <a:off x="1631504" y="4069560"/>
+          <a:ext cx="9145016" cy="2225040"/>
+        </p:xfrm>
+        <a:graphic>
+          <a:graphicData uri="http://schemas.openxmlformats.org/drawingml/2006/table">
+            <a:tbl>
+              <a:tblPr firstRow="1" bandRow="1">
+                <a:tableStyleId>{5940675A-B579-460E-94D1-54222C63F5DA}</a:tableStyleId>
+              </a:tblPr>
+              <a:tblGrid>
+                <a:gridCol w="4572508">
+                  <a:extLst>
+                    <a:ext uri="{9D8B030D-6E8A-4147-A177-3AD203B41FA5}">
+                      <a16:colId xmlns:a16="http://schemas.microsoft.com/office/drawing/2014/main" val="3963882836"/>
+                    </a:ext>
+                  </a:extLst>
+                </a:gridCol>
+                <a:gridCol w="4572508">
+                  <a:extLst>
+                    <a:ext uri="{9D8B030D-6E8A-4147-A177-3AD203B41FA5}">
+                      <a16:colId xmlns:a16="http://schemas.microsoft.com/office/drawing/2014/main" val="1625563631"/>
+                    </a:ext>
+                  </a:extLst>
+                </a:gridCol>
+              </a:tblGrid>
+              <a:tr h="370840">
+                <a:tc>
+                  <a:txBody>
+                    <a:bodyPr/>
+                    <a:lstStyle/>
+                    <a:p>
+                      <a:pPr marL="457200" marR="0" lvl="0" indent="-457200" algn="l" defTabSz="914400" rtl="0" eaLnBrk="1" fontAlgn="auto" latinLnBrk="0" hangingPunct="1">
+                        <a:lnSpc>
+                          <a:spcPct val="100000"/>
+                        </a:lnSpc>
+                        <a:spcBef>
+                          <a:spcPts val="0"/>
+                        </a:spcBef>
+                        <a:spcAft>
+                          <a:spcPts val="0"/>
+                        </a:spcAft>
+                        <a:buClrTx/>
+                        <a:buSzTx/>
+                        <a:buFont typeface="Arial" panose="020B0604020202020204" pitchFamily="34" charset="0"/>
+                        <a:buChar char="•"/>
+                        <a:tabLst/>
+                        <a:defRPr/>
+                      </a:pPr>
+                      <a:r>
+                        <a:rPr lang="pt-BR" sz="2800" dirty="0" err="1">
+                          <a:solidFill>
+                            <a:schemeClr val="accent3">
+                              <a:lumMod val="75000"/>
+                            </a:schemeClr>
+                          </a:solidFill>
+                        </a:rPr>
+                        <a:t>espacos</a:t>
+                      </a:r>
+                      <a:r>
+                        <a:rPr lang="pt-BR" sz="2800" dirty="0">
+                          <a:solidFill>
+                            <a:schemeClr val="accent3">
+                              <a:lumMod val="75000"/>
+                            </a:schemeClr>
+                          </a:solidFill>
+                        </a:rPr>
+                        <a:t>++ </a:t>
+                      </a:r>
+                      <a:br>
+                        <a:rPr lang="pt-BR" sz="2800" dirty="0">
+                          <a:solidFill>
+                            <a:schemeClr val="accent3">
+                              <a:lumMod val="75000"/>
+                            </a:schemeClr>
+                          </a:solidFill>
+                        </a:rPr>
+                      </a:br>
+                      <a:r>
+                        <a:rPr lang="pt-BR" sz="2800" dirty="0"/>
+                        <a:t>é executado apenas quando o caractere é </a:t>
+                      </a:r>
+                      <a:br>
+                        <a:rPr lang="pt-BR" sz="2800" dirty="0"/>
+                      </a:br>
+                      <a:r>
+                        <a:rPr lang="pt-BR" sz="2800" dirty="0"/>
+                        <a:t>um espaço</a:t>
+                      </a:r>
+                    </a:p>
+                    <a:p>
+                      <a:endParaRPr lang="pt-BR" sz="2800" dirty="0"/>
+                    </a:p>
+                  </a:txBody>
+                  <a:tcPr>
+                    <a:lnL w="12700" cmpd="sng">
+                      <a:noFill/>
+                    </a:lnL>
+                    <a:lnR w="12700" cmpd="sng">
+                      <a:noFill/>
+                    </a:lnR>
+                    <a:lnT w="12700" cmpd="sng">
+                      <a:noFill/>
+                    </a:lnT>
+                    <a:lnB w="12700" cmpd="sng">
+                      <a:noFill/>
+                    </a:lnB>
+                    <a:lnTlToBr w="12700" cmpd="sng">
+                      <a:noFill/>
+                      <a:prstDash val="solid"/>
+                    </a:lnTlToBr>
+                    <a:lnBlToTr w="12700" cmpd="sng">
+                      <a:noFill/>
+                      <a:prstDash val="solid"/>
+                    </a:lnBlToTr>
+                  </a:tcPr>
+                </a:tc>
+                <a:tc>
+                  <a:txBody>
+                    <a:bodyPr/>
+                    <a:lstStyle/>
+                    <a:p>
+                      <a:pPr marL="457200" marR="0" lvl="0" indent="-457200" algn="l" defTabSz="914400" rtl="0" eaLnBrk="1" fontAlgn="auto" latinLnBrk="0" hangingPunct="1">
+                        <a:lnSpc>
+                          <a:spcPct val="100000"/>
+                        </a:lnSpc>
+                        <a:spcBef>
+                          <a:spcPts val="0"/>
+                        </a:spcBef>
+                        <a:spcAft>
+                          <a:spcPts val="0"/>
+                        </a:spcAft>
+                        <a:buClrTx/>
+                        <a:buSzTx/>
+                        <a:buFont typeface="Arial" panose="020B0604020202020204" pitchFamily="34" charset="0"/>
+                        <a:buChar char="•"/>
+                        <a:tabLst/>
+                        <a:defRPr/>
+                      </a:pPr>
+                      <a:r>
+                        <a:rPr lang="pt-BR" sz="2800" dirty="0">
+                          <a:solidFill>
+                            <a:schemeClr val="accent3">
+                              <a:lumMod val="75000"/>
+                            </a:schemeClr>
+                          </a:solidFill>
+                        </a:rPr>
+                        <a:t>total++ </a:t>
+                      </a:r>
+                      <a:br>
+                        <a:rPr lang="pt-BR" sz="2800" dirty="0">
+                          <a:solidFill>
+                            <a:schemeClr val="accent3">
+                              <a:lumMod val="75000"/>
+                            </a:schemeClr>
+                          </a:solidFill>
+                        </a:rPr>
+                      </a:br>
+                      <a:r>
+                        <a:rPr lang="pt-BR" sz="2800" dirty="0"/>
+                        <a:t>é executado para cada repetição do laço </a:t>
+                      </a:r>
+                      <a:r>
+                        <a:rPr lang="pt-BR" sz="2800" dirty="0" err="1"/>
+                        <a:t>while</a:t>
+                      </a:r>
+                      <a:endParaRPr lang="pt-BR" sz="2800" dirty="0"/>
+                    </a:p>
+                    <a:p>
+                      <a:endParaRPr lang="pt-BR" sz="2800" dirty="0"/>
+                    </a:p>
+                  </a:txBody>
+                  <a:tcPr>
+                    <a:lnL w="12700" cmpd="sng">
+                      <a:noFill/>
+                    </a:lnL>
+                    <a:lnR w="12700" cmpd="sng">
+                      <a:noFill/>
+                    </a:lnR>
+                    <a:lnT w="12700" cmpd="sng">
+                      <a:noFill/>
+                    </a:lnT>
+                    <a:lnB w="12700" cmpd="sng">
+                      <a:noFill/>
+                    </a:lnB>
+                    <a:lnTlToBr w="12700" cmpd="sng">
+                      <a:noFill/>
+                      <a:prstDash val="solid"/>
+                    </a:lnTlToBr>
+                    <a:lnBlToTr w="12700" cmpd="sng">
+                      <a:noFill/>
+                      <a:prstDash val="solid"/>
+                    </a:lnBlToTr>
+                  </a:tcPr>
+                </a:tc>
+                <a:extLst>
+                  <a:ext uri="{0D108BD9-81ED-4DB2-BD59-A6C34878D82A}">
+                    <a16:rowId xmlns:a16="http://schemas.microsoft.com/office/drawing/2014/main" val="1036420408"/>
+                  </a:ext>
+                </a:extLst>
+              </a:tr>
+            </a:tbl>
+          </a:graphicData>
+        </a:graphic>
+      </p:graphicFrame>
     </p:spTree>
   </p:cSld>
   <p:clrMapOvr>

--- a/Slides/20. Instrução de Desvio If.pptx
+++ b/Slides/20. Instrução de Desvio If.pptx
@@ -237,12 +237,12 @@
   <pc:docChgLst>
     <pc:chgData name="Judson Santiago" userId="ebb108da2f256286" providerId="LiveId" clId="{92A88429-C108-47A7-B66C-B156D04CD5B9}"/>
     <pc:docChg chg="undo redo custSel addSld delSld modSld modMainMaster">
-      <pc:chgData name="Judson Santiago" userId="ebb108da2f256286" providerId="LiveId" clId="{92A88429-C108-47A7-B66C-B156D04CD5B9}" dt="2021-05-13T21:41:08.774" v="951" actId="20577"/>
+      <pc:chgData name="Judson Santiago" userId="ebb108da2f256286" providerId="LiveId" clId="{92A88429-C108-47A7-B66C-B156D04CD5B9}" dt="2021-05-14T22:50:41.871" v="995" actId="368"/>
       <pc:docMkLst>
         <pc:docMk/>
       </pc:docMkLst>
       <pc:sldChg chg="modNotesTx">
-        <pc:chgData name="Judson Santiago" userId="ebb108da2f256286" providerId="LiveId" clId="{92A88429-C108-47A7-B66C-B156D04CD5B9}" dt="2021-05-13T19:27:10.315" v="208" actId="6549"/>
+        <pc:chgData name="Judson Santiago" userId="ebb108da2f256286" providerId="LiveId" clId="{92A88429-C108-47A7-B66C-B156D04CD5B9}" dt="2021-05-14T18:45:10.904" v="994" actId="20577"/>
         <pc:sldMkLst>
           <pc:docMk/>
           <pc:sldMk cId="0" sldId="256"/>
@@ -782,6 +782,21 @@
             <ac:cxnSpMk id="104" creationId="{6EEB5271-A355-4935-A1C0-075DE36EF0A2}"/>
           </ac:cxnSpMkLst>
         </pc:cxnChg>
+      </pc:sldChg>
+      <pc:sldChg chg="modSp mod">
+        <pc:chgData name="Judson Santiago" userId="ebb108da2f256286" providerId="LiveId" clId="{92A88429-C108-47A7-B66C-B156D04CD5B9}" dt="2021-05-14T22:50:41.871" v="995" actId="368"/>
+        <pc:sldMkLst>
+          <pc:docMk/>
+          <pc:sldMk cId="0" sldId="258"/>
+        </pc:sldMkLst>
+        <pc:spChg chg="mod">
+          <ac:chgData name="Judson Santiago" userId="ebb108da2f256286" providerId="LiveId" clId="{92A88429-C108-47A7-B66C-B156D04CD5B9}" dt="2021-05-14T22:50:41.871" v="995" actId="368"/>
+          <ac:spMkLst>
+            <pc:docMk/>
+            <pc:sldMk cId="0" sldId="258"/>
+            <ac:spMk id="3" creationId="{00000000-0000-0000-0000-000000000000}"/>
+          </ac:spMkLst>
+        </pc:spChg>
       </pc:sldChg>
       <pc:sldChg chg="modSp mod">
         <pc:chgData name="Judson Santiago" userId="ebb108da2f256286" providerId="LiveId" clId="{92A88429-C108-47A7-B66C-B156D04CD5B9}" dt="2021-05-13T19:33:44.901" v="237" actId="20577"/>
@@ -3405,7 +3420,7 @@
             <a:fld id="{E2EA7AF6-8A29-42EE-9321-4472A871EC99}" type="datetimeFigureOut">
               <a:rPr lang="pt-BR" smtClean="0"/>
               <a:pPr/>
-              <a:t>13/05/2021</a:t>
+              <a:t>14/05/2021</a:t>
             </a:fld>
             <a:endParaRPr lang="pt-BR"/>
           </a:p>
@@ -3724,57 +3739,193 @@
           <a:bodyPr/>
           <a:lstStyle/>
           <a:p>
-            <a:r>
-              <a:rPr lang="pt-BR" dirty="0"/>
-              <a:t>- Aprender a usar a instrução de desvio</a:t>
-            </a:r>
-          </a:p>
-          <a:p>
-            <a:r>
-              <a:rPr lang="pt-BR" dirty="0"/>
-              <a:t>- A instrução </a:t>
-            </a:r>
-            <a:r>
-              <a:rPr lang="pt-BR" dirty="0" err="1"/>
+            <a:pPr marL="171450" indent="-171450">
+              <a:buFontTx/>
+              <a:buChar char="-"/>
+            </a:pPr>
+            <a:r>
+              <a:rPr lang="pt-BR" b="0" i="0" dirty="0">
+                <a:solidFill>
+                  <a:srgbClr val="000000"/>
+                </a:solidFill>
+                <a:effectLst/>
+                <a:latin typeface="Verdana" panose="020B0604030504040204" pitchFamily="34" charset="0"/>
+              </a:rPr>
+              <a:t>A instrução de desvio </a:t>
+            </a:r>
+            <a:r>
+              <a:rPr lang="pt-BR" b="0" i="0" dirty="0" err="1">
+                <a:solidFill>
+                  <a:srgbClr val="000000"/>
+                </a:solidFill>
+                <a:effectLst/>
+                <a:latin typeface="Verdana" panose="020B0604030504040204" pitchFamily="34" charset="0"/>
+              </a:rPr>
               <a:t>if</a:t>
             </a:r>
-            <a:endParaRPr lang="pt-BR" dirty="0"/>
-          </a:p>
-          <a:p>
-            <a:r>
-              <a:rPr lang="pt-BR" dirty="0"/>
-              <a:t>- A instrução </a:t>
-            </a:r>
-            <a:r>
-              <a:rPr lang="pt-BR" dirty="0" err="1"/>
+            <a:endParaRPr lang="pt-BR" b="0" i="0" dirty="0">
+              <a:solidFill>
+                <a:srgbClr val="000000"/>
+              </a:solidFill>
+              <a:effectLst/>
+              <a:latin typeface="Verdana" panose="020B0604030504040204" pitchFamily="34" charset="0"/>
+            </a:endParaRPr>
+          </a:p>
+          <a:p>
+            <a:pPr marL="171450" indent="-171450">
+              <a:buFontTx/>
+              <a:buChar char="-"/>
+            </a:pPr>
+            <a:r>
+              <a:rPr lang="pt-BR" b="0" i="0" dirty="0">
+                <a:solidFill>
+                  <a:srgbClr val="000000"/>
+                </a:solidFill>
+                <a:effectLst/>
+                <a:latin typeface="Verdana" panose="020B0604030504040204" pitchFamily="34" charset="0"/>
+              </a:rPr>
+              <a:t>A instrução </a:t>
+            </a:r>
+            <a:r>
+              <a:rPr lang="pt-BR" b="0" i="0" dirty="0" err="1">
+                <a:solidFill>
+                  <a:srgbClr val="000000"/>
+                </a:solidFill>
+                <a:effectLst/>
+                <a:latin typeface="Verdana" panose="020B0604030504040204" pitchFamily="34" charset="0"/>
+              </a:rPr>
               <a:t>if</a:t>
             </a:r>
             <a:r>
-              <a:rPr lang="pt-BR" dirty="0"/>
+              <a:rPr lang="pt-BR" b="0" i="0" dirty="0">
+                <a:solidFill>
+                  <a:srgbClr val="000000"/>
+                </a:solidFill>
+                <a:effectLst/>
+                <a:latin typeface="Verdana" panose="020B0604030504040204" pitchFamily="34" charset="0"/>
+              </a:rPr>
               <a:t> </a:t>
             </a:r>
             <a:r>
-              <a:rPr lang="pt-BR" dirty="0" err="1"/>
+              <a:rPr lang="pt-BR" b="0" i="0" dirty="0" err="1">
+                <a:solidFill>
+                  <a:srgbClr val="000000"/>
+                </a:solidFill>
+                <a:effectLst/>
+                <a:latin typeface="Verdana" panose="020B0604030504040204" pitchFamily="34" charset="0"/>
+              </a:rPr>
               <a:t>else</a:t>
             </a:r>
-            <a:endParaRPr lang="pt-BR" dirty="0"/>
-          </a:p>
-          <a:p>
-            <a:r>
-              <a:rPr lang="pt-BR" dirty="0"/>
-              <a:t>- Encadeando </a:t>
-            </a:r>
-            <a:r>
-              <a:rPr lang="pt-BR" dirty="0" err="1"/>
+            <a:endParaRPr lang="pt-BR" b="0" i="0" dirty="0">
+              <a:solidFill>
+                <a:srgbClr val="000000"/>
+              </a:solidFill>
+              <a:effectLst/>
+              <a:latin typeface="Verdana" panose="020B0604030504040204" pitchFamily="34" charset="0"/>
+            </a:endParaRPr>
+          </a:p>
+          <a:p>
+            <a:pPr marL="171450" indent="-171450">
+              <a:buFontTx/>
+              <a:buChar char="-"/>
+            </a:pPr>
+            <a:r>
+              <a:rPr lang="pt-BR" b="0" i="0" dirty="0">
+                <a:solidFill>
+                  <a:srgbClr val="000000"/>
+                </a:solidFill>
+                <a:effectLst/>
+                <a:latin typeface="Verdana" panose="020B0604030504040204" pitchFamily="34" charset="0"/>
+              </a:rPr>
+              <a:t>A construção </a:t>
+            </a:r>
+            <a:r>
+              <a:rPr lang="pt-BR" b="0" i="0" dirty="0" err="1">
+                <a:solidFill>
+                  <a:srgbClr val="000000"/>
+                </a:solidFill>
+                <a:effectLst/>
+                <a:latin typeface="Verdana" panose="020B0604030504040204" pitchFamily="34" charset="0"/>
+              </a:rPr>
               <a:t>if</a:t>
             </a:r>
             <a:r>
-              <a:rPr lang="pt-BR" dirty="0"/>
+              <a:rPr lang="pt-BR" b="0" i="0" dirty="0">
+                <a:solidFill>
+                  <a:srgbClr val="000000"/>
+                </a:solidFill>
+                <a:effectLst/>
+                <a:latin typeface="Verdana" panose="020B0604030504040204" pitchFamily="34" charset="0"/>
+              </a:rPr>
               <a:t> </a:t>
             </a:r>
             <a:r>
-              <a:rPr lang="pt-BR" dirty="0" err="1"/>
-              <a:t>else's</a:t>
+              <a:rPr lang="pt-BR" b="0" i="0" dirty="0" err="1">
+                <a:solidFill>
+                  <a:srgbClr val="000000"/>
+                </a:solidFill>
+                <a:effectLst/>
+                <a:latin typeface="Verdana" panose="020B0604030504040204" pitchFamily="34" charset="0"/>
+              </a:rPr>
+              <a:t>else</a:t>
+            </a:r>
+            <a:r>
+              <a:rPr lang="pt-BR" b="0" i="0" dirty="0">
+                <a:solidFill>
+                  <a:srgbClr val="000000"/>
+                </a:solidFill>
+                <a:effectLst/>
+                <a:latin typeface="Verdana" panose="020B0604030504040204" pitchFamily="34" charset="0"/>
+              </a:rPr>
+              <a:t> aninhada</a:t>
+            </a:r>
+          </a:p>
+          <a:p>
+            <a:pPr marL="171450" indent="-171450">
+              <a:buFontTx/>
+              <a:buChar char="-"/>
+            </a:pPr>
+            <a:r>
+              <a:rPr lang="pt-BR" b="0" i="0" dirty="0">
+                <a:solidFill>
+                  <a:srgbClr val="000000"/>
+                </a:solidFill>
+                <a:effectLst/>
+                <a:latin typeface="Verdana" panose="020B0604030504040204" pitchFamily="34" charset="0"/>
+              </a:rPr>
+              <a:t>Aplicar a instrução de desvio em problemas práticos</a:t>
+            </a:r>
+          </a:p>
+          <a:p>
+            <a:pPr marL="171450" indent="-171450">
+              <a:buFontTx/>
+              <a:buChar char="-"/>
+            </a:pPr>
+            <a:r>
+              <a:rPr lang="pt-BR" b="0" i="0" dirty="0">
+                <a:solidFill>
+                  <a:srgbClr val="000000"/>
+                </a:solidFill>
+                <a:effectLst/>
+                <a:latin typeface="Verdana" panose="020B0604030504040204" pitchFamily="34" charset="0"/>
+              </a:rPr>
+              <a:t>Usar testes encadeados para faixas de valores</a:t>
+            </a:r>
+          </a:p>
+          <a:p>
+            <a:pPr marL="171450" indent="-171450">
+              <a:buFontTx/>
+              <a:buChar char="-"/>
+            </a:pPr>
+            <a:r>
+              <a:rPr lang="pt-BR" b="0" i="0">
+                <a:solidFill>
+                  <a:srgbClr val="000000"/>
+                </a:solidFill>
+                <a:effectLst/>
+                <a:latin typeface="Verdana" panose="020B0604030504040204" pitchFamily="34" charset="0"/>
+              </a:rPr>
+              <a:t>Exercícios</a:t>
             </a:r>
             <a:endParaRPr lang="pt-BR" dirty="0"/>
           </a:p>
@@ -5180,7 +5331,7 @@
             <a:fld id="{D4BF4B58-A8DD-49CC-8B87-3205B550A53B}" type="datetimeFigureOut">
               <a:rPr lang="pt-BR" smtClean="0"/>
               <a:pPr/>
-              <a:t>13/05/2021</a:t>
+              <a:t>14/05/2021</a:t>
             </a:fld>
             <a:endParaRPr lang="pt-BR"/>
           </a:p>
@@ -5735,7 +5886,7 @@
             <a:fld id="{D4BF4B58-A8DD-49CC-8B87-3205B550A53B}" type="datetimeFigureOut">
               <a:rPr lang="pt-BR" smtClean="0"/>
               <a:pPr/>
-              <a:t>13/05/2021</a:t>
+              <a:t>14/05/2021</a:t>
             </a:fld>
             <a:endParaRPr lang="pt-BR"/>
           </a:p>
@@ -5912,7 +6063,7 @@
             <a:fld id="{D4BF4B58-A8DD-49CC-8B87-3205B550A53B}" type="datetimeFigureOut">
               <a:rPr lang="pt-BR" smtClean="0"/>
               <a:pPr/>
-              <a:t>13/05/2021</a:t>
+              <a:t>14/05/2021</a:t>
             </a:fld>
             <a:endParaRPr lang="pt-BR"/>
           </a:p>
@@ -6079,7 +6230,7 @@
             <a:fld id="{D4BF4B58-A8DD-49CC-8B87-3205B550A53B}" type="datetimeFigureOut">
               <a:rPr lang="pt-BR" smtClean="0"/>
               <a:pPr/>
-              <a:t>13/05/2021</a:t>
+              <a:t>14/05/2021</a:t>
             </a:fld>
             <a:endParaRPr lang="pt-BR"/>
           </a:p>
@@ -7528,7 +7679,7 @@
             <a:fld id="{D4BF4B58-A8DD-49CC-8B87-3205B550A53B}" type="datetimeFigureOut">
               <a:rPr lang="pt-BR" smtClean="0"/>
               <a:pPr/>
-              <a:t>13/05/2021</a:t>
+              <a:t>14/05/2021</a:t>
             </a:fld>
             <a:endParaRPr lang="pt-BR"/>
           </a:p>
@@ -8110,7 +8261,7 @@
             <a:fld id="{D4BF4B58-A8DD-49CC-8B87-3205B550A53B}" type="datetimeFigureOut">
               <a:rPr lang="pt-BR" smtClean="0"/>
               <a:pPr/>
-              <a:t>13/05/2021</a:t>
+              <a:t>14/05/2021</a:t>
             </a:fld>
             <a:endParaRPr lang="pt-BR"/>
           </a:p>
@@ -8541,7 +8692,7 @@
             <a:fld id="{D4BF4B58-A8DD-49CC-8B87-3205B550A53B}" type="datetimeFigureOut">
               <a:rPr lang="pt-BR" smtClean="0"/>
               <a:pPr/>
-              <a:t>13/05/2021</a:t>
+              <a:t>14/05/2021</a:t>
             </a:fld>
             <a:endParaRPr lang="pt-BR"/>
           </a:p>
@@ -9080,7 +9231,7 @@
             <a:fld id="{D4BF4B58-A8DD-49CC-8B87-3205B550A53B}" type="datetimeFigureOut">
               <a:rPr lang="pt-BR" smtClean="0"/>
               <a:pPr/>
-              <a:t>13/05/2021</a:t>
+              <a:t>14/05/2021</a:t>
             </a:fld>
             <a:endParaRPr lang="pt-BR"/>
           </a:p>
@@ -9172,7 +9323,7 @@
             <a:fld id="{D4BF4B58-A8DD-49CC-8B87-3205B550A53B}" type="datetimeFigureOut">
               <a:rPr lang="pt-BR" smtClean="0"/>
               <a:pPr/>
-              <a:t>13/05/2021</a:t>
+              <a:t>14/05/2021</a:t>
             </a:fld>
             <a:endParaRPr lang="pt-BR"/>
           </a:p>
@@ -9422,7 +9573,7 @@
             <a:fld id="{D4BF4B58-A8DD-49CC-8B87-3205B550A53B}" type="datetimeFigureOut">
               <a:rPr lang="pt-BR" smtClean="0"/>
               <a:pPr/>
-              <a:t>13/05/2021</a:t>
+              <a:t>14/05/2021</a:t>
             </a:fld>
             <a:endParaRPr lang="pt-BR"/>
           </a:p>
@@ -10137,7 +10288,7 @@
             <a:fld id="{D4BF4B58-A8DD-49CC-8B87-3205B550A53B}" type="datetimeFigureOut">
               <a:rPr lang="pt-BR" smtClean="0"/>
               <a:pPr/>
-              <a:t>13/05/2021</a:t>
+              <a:t>14/05/2021</a:t>
             </a:fld>
             <a:endParaRPr lang="pt-BR"/>
           </a:p>
@@ -10418,7 +10569,7 @@
             <a:fld id="{D4BF4B58-A8DD-49CC-8B87-3205B550A53B}" type="datetimeFigureOut">
               <a:rPr lang="pt-BR" smtClean="0"/>
               <a:pPr/>
-              <a:t>13/05/2021</a:t>
+              <a:t>14/05/2021</a:t>
             </a:fld>
             <a:endParaRPr lang="pt-BR"/>
           </a:p>
@@ -20196,12 +20347,13 @@
                   </a:schemeClr>
                 </a:solidFill>
               </a:rPr>
-              <a:t>Se os objetos colidirem emita </a:t>
-            </a:r>
-            <a:r>
-              <a:rPr lang="pt-BR" sz="2400" dirty="0"/>
-              <a:t>o som de explosão</a:t>
-            </a:r>
+              <a:t>Se os objetos colidirem </a:t>
+            </a:r>
+            <a:r>
+              <a:rPr lang="pt-BR" dirty="0"/>
+              <a:t>emita o som de explosão</a:t>
+            </a:r>
+            <a:endParaRPr lang="pt-BR" sz="2400" dirty="0"/>
           </a:p>
           <a:p>
             <a:pPr lvl="1"/>

--- a/Slides/20. Instrução de Desvio If.pptx
+++ b/Slides/20. Instrução de Desvio If.pptx
@@ -146,14 +146,6 @@
 </p:presentation>
 </file>
 
-<file path=ppt/revisionInfo.xml><?xml version="1.0" encoding="utf-8"?>
-<p1510:revInfo xmlns:a="http://schemas.openxmlformats.org/drawingml/2006/main" xmlns:r="http://schemas.openxmlformats.org/officeDocument/2006/relationships" xmlns:p1510="http://schemas.microsoft.com/office/powerpoint/2015/10/main">
-  <p1510:revLst>
-    <p1510:client id="{92A88429-C108-47A7-B66C-B156D04CD5B9}" v="87" dt="2021-05-13T21:34:55.463"/>
-  </p1510:revLst>
-</p1510:revInfo>
-</file>
-
 <file path=ppt/changesInfos/changesInfo1.xml><?xml version="1.0" encoding="utf-8"?>
 <pc:chgInfo xmlns:a="http://schemas.openxmlformats.org/drawingml/2006/main" xmlns:r="http://schemas.openxmlformats.org/officeDocument/2006/relationships" xmlns:ac="http://schemas.microsoft.com/office/drawing/2013/main/command" xmlns:pc="http://schemas.microsoft.com/office/powerpoint/2013/main/command">
   <pc:docChgLst>
@@ -237,7 +229,7 @@
   <pc:docChgLst>
     <pc:chgData name="Judson Santiago" userId="ebb108da2f256286" providerId="LiveId" clId="{92A88429-C108-47A7-B66C-B156D04CD5B9}"/>
     <pc:docChg chg="undo redo custSel addSld delSld modSld modMainMaster">
-      <pc:chgData name="Judson Santiago" userId="ebb108da2f256286" providerId="LiveId" clId="{92A88429-C108-47A7-B66C-B156D04CD5B9}" dt="2021-05-14T22:50:41.871" v="995" actId="368"/>
+      <pc:chgData name="Judson Santiago" userId="ebb108da2f256286" providerId="LiveId" clId="{92A88429-C108-47A7-B66C-B156D04CD5B9}" dt="2021-05-16T00:02:01.321" v="1006" actId="207"/>
       <pc:docMkLst>
         <pc:docMk/>
       </pc:docMkLst>
@@ -836,13 +828,13 @@
         </pc:spChg>
       </pc:sldChg>
       <pc:sldChg chg="addSp modSp mod">
-        <pc:chgData name="Judson Santiago" userId="ebb108da2f256286" providerId="LiveId" clId="{92A88429-C108-47A7-B66C-B156D04CD5B9}" dt="2021-05-13T19:46:07.173" v="373" actId="313"/>
+        <pc:chgData name="Judson Santiago" userId="ebb108da2f256286" providerId="LiveId" clId="{92A88429-C108-47A7-B66C-B156D04CD5B9}" dt="2021-05-14T22:59:19.885" v="1000" actId="20577"/>
         <pc:sldMkLst>
           <pc:docMk/>
           <pc:sldMk cId="0" sldId="262"/>
         </pc:sldMkLst>
         <pc:spChg chg="mod">
-          <ac:chgData name="Judson Santiago" userId="ebb108da2f256286" providerId="LiveId" clId="{92A88429-C108-47A7-B66C-B156D04CD5B9}" dt="2021-05-13T19:46:07.173" v="373" actId="313"/>
+          <ac:chgData name="Judson Santiago" userId="ebb108da2f256286" providerId="LiveId" clId="{92A88429-C108-47A7-B66C-B156D04CD5B9}" dt="2021-05-14T22:59:19.885" v="1000" actId="20577"/>
           <ac:spMkLst>
             <pc:docMk/>
             <pc:sldMk cId="0" sldId="262"/>
@@ -859,7 +851,7 @@
         </pc:spChg>
       </pc:sldChg>
       <pc:sldChg chg="addSp modSp mod">
-        <pc:chgData name="Judson Santiago" userId="ebb108da2f256286" providerId="LiveId" clId="{92A88429-C108-47A7-B66C-B156D04CD5B9}" dt="2021-05-13T19:50:09.101" v="414" actId="1076"/>
+        <pc:chgData name="Judson Santiago" userId="ebb108da2f256286" providerId="LiveId" clId="{92A88429-C108-47A7-B66C-B156D04CD5B9}" dt="2021-05-16T00:01:34.808" v="1001" actId="207"/>
         <pc:sldMkLst>
           <pc:docMk/>
           <pc:sldMk cId="0" sldId="263"/>
@@ -870,6 +862,14 @@
             <pc:docMk/>
             <pc:sldMk cId="0" sldId="263"/>
             <ac:spMk id="3" creationId="{00000000-0000-0000-0000-000000000000}"/>
+          </ac:spMkLst>
+        </pc:spChg>
+        <pc:spChg chg="mod">
+          <ac:chgData name="Judson Santiago" userId="ebb108da2f256286" providerId="LiveId" clId="{92A88429-C108-47A7-B66C-B156D04CD5B9}" dt="2021-05-16T00:01:34.808" v="1001" actId="207"/>
+          <ac:spMkLst>
+            <pc:docMk/>
+            <pc:sldMk cId="0" sldId="263"/>
+            <ac:spMk id="4" creationId="{00000000-0000-0000-0000-000000000000}"/>
           </ac:spMkLst>
         </pc:spChg>
         <pc:graphicFrameChg chg="add mod modGraphic">
@@ -1272,13 +1272,13 @@
         </pc:spChg>
       </pc:sldChg>
       <pc:sldChg chg="modSp mod">
-        <pc:chgData name="Judson Santiago" userId="ebb108da2f256286" providerId="LiveId" clId="{92A88429-C108-47A7-B66C-B156D04CD5B9}" dt="2021-05-13T21:37:08.538" v="922" actId="6549"/>
+        <pc:chgData name="Judson Santiago" userId="ebb108da2f256286" providerId="LiveId" clId="{92A88429-C108-47A7-B66C-B156D04CD5B9}" dt="2021-05-16T00:02:01.321" v="1006" actId="207"/>
         <pc:sldMkLst>
           <pc:docMk/>
           <pc:sldMk cId="0" sldId="274"/>
         </pc:sldMkLst>
         <pc:spChg chg="mod">
-          <ac:chgData name="Judson Santiago" userId="ebb108da2f256286" providerId="LiveId" clId="{92A88429-C108-47A7-B66C-B156D04CD5B9}" dt="2021-05-13T21:37:08.538" v="922" actId="6549"/>
+          <ac:chgData name="Judson Santiago" userId="ebb108da2f256286" providerId="LiveId" clId="{92A88429-C108-47A7-B66C-B156D04CD5B9}" dt="2021-05-16T00:02:01.321" v="1006" actId="207"/>
           <ac:spMkLst>
             <pc:docMk/>
             <pc:sldMk cId="0" sldId="274"/>
@@ -3420,7 +3420,7 @@
             <a:fld id="{E2EA7AF6-8A29-42EE-9321-4472A871EC99}" type="datetimeFigureOut">
               <a:rPr lang="pt-BR" smtClean="0"/>
               <a:pPr/>
-              <a:t>14/05/2021</a:t>
+              <a:t>15/05/2021</a:t>
             </a:fld>
             <a:endParaRPr lang="pt-BR"/>
           </a:p>
@@ -5331,7 +5331,7 @@
             <a:fld id="{D4BF4B58-A8DD-49CC-8B87-3205B550A53B}" type="datetimeFigureOut">
               <a:rPr lang="pt-BR" smtClean="0"/>
               <a:pPr/>
-              <a:t>14/05/2021</a:t>
+              <a:t>15/05/2021</a:t>
             </a:fld>
             <a:endParaRPr lang="pt-BR"/>
           </a:p>
@@ -5886,7 +5886,7 @@
             <a:fld id="{D4BF4B58-A8DD-49CC-8B87-3205B550A53B}" type="datetimeFigureOut">
               <a:rPr lang="pt-BR" smtClean="0"/>
               <a:pPr/>
-              <a:t>14/05/2021</a:t>
+              <a:t>15/05/2021</a:t>
             </a:fld>
             <a:endParaRPr lang="pt-BR"/>
           </a:p>
@@ -6063,7 +6063,7 @@
             <a:fld id="{D4BF4B58-A8DD-49CC-8B87-3205B550A53B}" type="datetimeFigureOut">
               <a:rPr lang="pt-BR" smtClean="0"/>
               <a:pPr/>
-              <a:t>14/05/2021</a:t>
+              <a:t>15/05/2021</a:t>
             </a:fld>
             <a:endParaRPr lang="pt-BR"/>
           </a:p>
@@ -6230,7 +6230,7 @@
             <a:fld id="{D4BF4B58-A8DD-49CC-8B87-3205B550A53B}" type="datetimeFigureOut">
               <a:rPr lang="pt-BR" smtClean="0"/>
               <a:pPr/>
-              <a:t>14/05/2021</a:t>
+              <a:t>15/05/2021</a:t>
             </a:fld>
             <a:endParaRPr lang="pt-BR"/>
           </a:p>
@@ -7679,7 +7679,7 @@
             <a:fld id="{D4BF4B58-A8DD-49CC-8B87-3205B550A53B}" type="datetimeFigureOut">
               <a:rPr lang="pt-BR" smtClean="0"/>
               <a:pPr/>
-              <a:t>14/05/2021</a:t>
+              <a:t>15/05/2021</a:t>
             </a:fld>
             <a:endParaRPr lang="pt-BR"/>
           </a:p>
@@ -8261,7 +8261,7 @@
             <a:fld id="{D4BF4B58-A8DD-49CC-8B87-3205B550A53B}" type="datetimeFigureOut">
               <a:rPr lang="pt-BR" smtClean="0"/>
               <a:pPr/>
-              <a:t>14/05/2021</a:t>
+              <a:t>15/05/2021</a:t>
             </a:fld>
             <a:endParaRPr lang="pt-BR"/>
           </a:p>
@@ -8692,7 +8692,7 @@
             <a:fld id="{D4BF4B58-A8DD-49CC-8B87-3205B550A53B}" type="datetimeFigureOut">
               <a:rPr lang="pt-BR" smtClean="0"/>
               <a:pPr/>
-              <a:t>14/05/2021</a:t>
+              <a:t>15/05/2021</a:t>
             </a:fld>
             <a:endParaRPr lang="pt-BR"/>
           </a:p>
@@ -9231,7 +9231,7 @@
             <a:fld id="{D4BF4B58-A8DD-49CC-8B87-3205B550A53B}" type="datetimeFigureOut">
               <a:rPr lang="pt-BR" smtClean="0"/>
               <a:pPr/>
-              <a:t>14/05/2021</a:t>
+              <a:t>15/05/2021</a:t>
             </a:fld>
             <a:endParaRPr lang="pt-BR"/>
           </a:p>
@@ -9323,7 +9323,7 @@
             <a:fld id="{D4BF4B58-A8DD-49CC-8B87-3205B550A53B}" type="datetimeFigureOut">
               <a:rPr lang="pt-BR" smtClean="0"/>
               <a:pPr/>
-              <a:t>14/05/2021</a:t>
+              <a:t>15/05/2021</a:t>
             </a:fld>
             <a:endParaRPr lang="pt-BR"/>
           </a:p>
@@ -9573,7 +9573,7 @@
             <a:fld id="{D4BF4B58-A8DD-49CC-8B87-3205B550A53B}" type="datetimeFigureOut">
               <a:rPr lang="pt-BR" smtClean="0"/>
               <a:pPr/>
-              <a:t>14/05/2021</a:t>
+              <a:t>15/05/2021</a:t>
             </a:fld>
             <a:endParaRPr lang="pt-BR"/>
           </a:p>
@@ -10288,7 +10288,7 @@
             <a:fld id="{D4BF4B58-A8DD-49CC-8B87-3205B550A53B}" type="datetimeFigureOut">
               <a:rPr lang="pt-BR" smtClean="0"/>
               <a:pPr/>
-              <a:t>14/05/2021</a:t>
+              <a:t>15/05/2021</a:t>
             </a:fld>
             <a:endParaRPr lang="pt-BR"/>
           </a:p>
@@ -10569,7 +10569,7 @@
             <a:fld id="{D4BF4B58-A8DD-49CC-8B87-3205B550A53B}" type="datetimeFigureOut">
               <a:rPr lang="pt-BR" smtClean="0"/>
               <a:pPr/>
-              <a:t>14/05/2021</a:t>
+              <a:t>15/05/2021</a:t>
             </a:fld>
             <a:endParaRPr lang="pt-BR"/>
           </a:p>
@@ -19608,6 +19608,12 @@
             </a:r>
             <a:r>
               <a:rPr lang="pt-BR" sz="1600" b="1" dirty="0">
+                <a:solidFill>
+                  <a:schemeClr val="accent3">
+                    <a:lumMod val="60000"/>
+                    <a:lumOff val="40000"/>
+                  </a:schemeClr>
+                </a:solidFill>
                 <a:latin typeface="+mj-lt"/>
               </a:rPr>
               <a:t>50</a:t>
@@ -19622,6 +19628,12 @@
             </a:r>
             <a:r>
               <a:rPr lang="pt-BR" sz="1600" b="1" dirty="0">
+                <a:solidFill>
+                  <a:schemeClr val="accent3">
+                    <a:lumMod val="60000"/>
+                    <a:lumOff val="40000"/>
+                  </a:schemeClr>
+                </a:solidFill>
                 <a:latin typeface="+mj-lt"/>
               </a:rPr>
               <a:t>25</a:t>
@@ -19636,6 +19648,12 @@
             </a:r>
             <a:r>
               <a:rPr lang="pt-BR" sz="1600" b="1" dirty="0">
+                <a:solidFill>
+                  <a:schemeClr val="accent3">
+                    <a:lumMod val="60000"/>
+                    <a:lumOff val="40000"/>
+                  </a:schemeClr>
+                </a:solidFill>
                 <a:latin typeface="+mj-lt"/>
               </a:rPr>
               <a:t>37</a:t>
@@ -19650,6 +19668,12 @@
             </a:r>
             <a:r>
               <a:rPr lang="pt-BR" sz="1600" b="1" dirty="0">
+                <a:solidFill>
+                  <a:schemeClr val="accent3">
+                    <a:lumMod val="60000"/>
+                    <a:lumOff val="40000"/>
+                  </a:schemeClr>
+                </a:solidFill>
                 <a:latin typeface="+mj-lt"/>
               </a:rPr>
               <a:t>31</a:t>
@@ -19664,6 +19688,12 @@
             </a:r>
             <a:r>
               <a:rPr lang="pt-BR" sz="1600" b="1" dirty="0">
+                <a:solidFill>
+                  <a:schemeClr val="accent3">
+                    <a:lumMod val="60000"/>
+                    <a:lumOff val="40000"/>
+                  </a:schemeClr>
+                </a:solidFill>
                 <a:latin typeface="+mj-lt"/>
               </a:rPr>
               <a:t>27</a:t>
@@ -22102,7 +22132,7 @@
                 </a:solidFill>
                 <a:latin typeface="+mj-lt"/>
               </a:rPr>
-              <a:t>'.’</a:t>
+              <a:t>'.'</a:t>
             </a:r>
             <a:r>
               <a:rPr lang="pt-BR" sz="1600" dirty="0">
@@ -22234,7 +22264,19 @@
               <a:rPr lang="pt-BR" sz="1600" dirty="0">
                 <a:latin typeface="+mj-lt"/>
               </a:rPr>
-              <a:t>	    espaços++;</a:t>
+              <a:t>	    </a:t>
+            </a:r>
+            <a:r>
+              <a:rPr lang="pt-BR" sz="1600" dirty="0" err="1">
+                <a:latin typeface="+mj-lt"/>
+              </a:rPr>
+              <a:t>espacos</a:t>
+            </a:r>
+            <a:r>
+              <a:rPr lang="pt-BR" sz="1600" dirty="0">
+                <a:latin typeface="+mj-lt"/>
+              </a:rPr>
+              <a:t>++;</a:t>
             </a:r>
           </a:p>
           <a:p>
@@ -22522,17 +22564,35 @@
           <a:p>
             <a:r>
               <a:rPr lang="pt-BR" b="1" dirty="0">
+                <a:solidFill>
+                  <a:schemeClr val="accent3">
+                    <a:lumMod val="60000"/>
+                    <a:lumOff val="40000"/>
+                  </a:schemeClr>
+                </a:solidFill>
                 <a:latin typeface="+mj-lt"/>
               </a:rPr>
               <a:t>O desenhista era </a:t>
             </a:r>
             <a:br>
               <a:rPr lang="pt-BR" b="1" dirty="0">
+                <a:solidFill>
+                  <a:schemeClr val="accent3">
+                    <a:lumMod val="60000"/>
+                    <a:lumOff val="40000"/>
+                  </a:schemeClr>
+                </a:solidFill>
                 <a:latin typeface="+mj-lt"/>
               </a:rPr>
             </a:br>
             <a:r>
               <a:rPr lang="pt-BR" b="1" dirty="0">
+                <a:solidFill>
+                  <a:schemeClr val="accent3">
+                    <a:lumMod val="60000"/>
+                    <a:lumOff val="40000"/>
+                  </a:schemeClr>
+                </a:solidFill>
                 <a:latin typeface="+mj-lt"/>
               </a:rPr>
               <a:t>um visionário.</a:t>
